--- a/Dokumente/entwurf/Präsentation/presentation.pptx
+++ b/Dokumente/entwurf/Präsentation/presentation.pptx
@@ -6,21 +6,22 @@
   </p:sldMasterIdLst>
   <p:sldIdLst>
     <p:sldId id="271" r:id="rId2"/>
-    <p:sldId id="256" r:id="rId3"/>
-    <p:sldId id="257" r:id="rId4"/>
-    <p:sldId id="259" r:id="rId5"/>
-    <p:sldId id="260" r:id="rId6"/>
-    <p:sldId id="261" r:id="rId7"/>
-    <p:sldId id="262" r:id="rId8"/>
-    <p:sldId id="263" r:id="rId9"/>
-    <p:sldId id="264" r:id="rId10"/>
-    <p:sldId id="265" r:id="rId11"/>
-    <p:sldId id="266" r:id="rId12"/>
-    <p:sldId id="270" r:id="rId13"/>
-    <p:sldId id="267" r:id="rId14"/>
-    <p:sldId id="268" r:id="rId15"/>
-    <p:sldId id="269" r:id="rId16"/>
-    <p:sldId id="258" r:id="rId17"/>
+    <p:sldId id="272" r:id="rId3"/>
+    <p:sldId id="256" r:id="rId4"/>
+    <p:sldId id="257" r:id="rId5"/>
+    <p:sldId id="259" r:id="rId6"/>
+    <p:sldId id="260" r:id="rId7"/>
+    <p:sldId id="261" r:id="rId8"/>
+    <p:sldId id="262" r:id="rId9"/>
+    <p:sldId id="263" r:id="rId10"/>
+    <p:sldId id="264" r:id="rId11"/>
+    <p:sldId id="265" r:id="rId12"/>
+    <p:sldId id="266" r:id="rId13"/>
+    <p:sldId id="270" r:id="rId14"/>
+    <p:sldId id="267" r:id="rId15"/>
+    <p:sldId id="268" r:id="rId16"/>
+    <p:sldId id="269" r:id="rId17"/>
+    <p:sldId id="258" r:id="rId18"/>
   </p:sldIdLst>
   <p:sldSz cx="12192000" cy="6858000"/>
   <p:notesSz cx="6858000" cy="9144000"/>
@@ -119,6 +120,11 @@
       </a:defRPr>
     </a:lvl9pPr>
   </p:defaultTextStyle>
+  <p:extLst>
+    <p:ext uri="{EFAFB233-063F-42B5-8137-9DF3F51BA10A}">
+      <p15:sldGuideLst xmlns:p15="http://schemas.microsoft.com/office/powerpoint/2012/main"/>
+    </p:ext>
+  </p:extLst>
 </p:presentation>
 </file>
 
@@ -269,7 +275,7 @@
           <a:p>
             <a:fld id="{2F142BB3-9F87-4F32-99CE-4A0033E6A1B6}" type="datetimeFigureOut">
               <a:rPr lang="de-DE" smtClean="0"/>
-              <a:t>14.12.2018</a:t>
+              <a:t>17.12.2018</a:t>
             </a:fld>
             <a:endParaRPr lang="de-DE"/>
           </a:p>
@@ -467,7 +473,7 @@
           <a:p>
             <a:fld id="{2F142BB3-9F87-4F32-99CE-4A0033E6A1B6}" type="datetimeFigureOut">
               <a:rPr lang="de-DE" smtClean="0"/>
-              <a:t>14.12.2018</a:t>
+              <a:t>17.12.2018</a:t>
             </a:fld>
             <a:endParaRPr lang="de-DE"/>
           </a:p>
@@ -675,7 +681,7 @@
           <a:p>
             <a:fld id="{2F142BB3-9F87-4F32-99CE-4A0033E6A1B6}" type="datetimeFigureOut">
               <a:rPr lang="de-DE" smtClean="0"/>
-              <a:t>14.12.2018</a:t>
+              <a:t>17.12.2018</a:t>
             </a:fld>
             <a:endParaRPr lang="de-DE"/>
           </a:p>
@@ -873,7 +879,7 @@
           <a:p>
             <a:fld id="{2F142BB3-9F87-4F32-99CE-4A0033E6A1B6}" type="datetimeFigureOut">
               <a:rPr lang="de-DE" smtClean="0"/>
-              <a:t>14.12.2018</a:t>
+              <a:t>17.12.2018</a:t>
             </a:fld>
             <a:endParaRPr lang="de-DE"/>
           </a:p>
@@ -1148,7 +1154,7 @@
           <a:p>
             <a:fld id="{2F142BB3-9F87-4F32-99CE-4A0033E6A1B6}" type="datetimeFigureOut">
               <a:rPr lang="de-DE" smtClean="0"/>
-              <a:t>14.12.2018</a:t>
+              <a:t>17.12.2018</a:t>
             </a:fld>
             <a:endParaRPr lang="de-DE"/>
           </a:p>
@@ -1413,7 +1419,7 @@
           <a:p>
             <a:fld id="{2F142BB3-9F87-4F32-99CE-4A0033E6A1B6}" type="datetimeFigureOut">
               <a:rPr lang="de-DE" smtClean="0"/>
-              <a:t>14.12.2018</a:t>
+              <a:t>17.12.2018</a:t>
             </a:fld>
             <a:endParaRPr lang="de-DE"/>
           </a:p>
@@ -1825,7 +1831,7 @@
           <a:p>
             <a:fld id="{2F142BB3-9F87-4F32-99CE-4A0033E6A1B6}" type="datetimeFigureOut">
               <a:rPr lang="de-DE" smtClean="0"/>
-              <a:t>14.12.2018</a:t>
+              <a:t>17.12.2018</a:t>
             </a:fld>
             <a:endParaRPr lang="de-DE"/>
           </a:p>
@@ -1966,7 +1972,7 @@
           <a:p>
             <a:fld id="{2F142BB3-9F87-4F32-99CE-4A0033E6A1B6}" type="datetimeFigureOut">
               <a:rPr lang="de-DE" smtClean="0"/>
-              <a:t>14.12.2018</a:t>
+              <a:t>17.12.2018</a:t>
             </a:fld>
             <a:endParaRPr lang="de-DE"/>
           </a:p>
@@ -2079,7 +2085,7 @@
           <a:p>
             <a:fld id="{2F142BB3-9F87-4F32-99CE-4A0033E6A1B6}" type="datetimeFigureOut">
               <a:rPr lang="de-DE" smtClean="0"/>
-              <a:t>14.12.2018</a:t>
+              <a:t>17.12.2018</a:t>
             </a:fld>
             <a:endParaRPr lang="de-DE"/>
           </a:p>
@@ -2390,7 +2396,7 @@
           <a:p>
             <a:fld id="{2F142BB3-9F87-4F32-99CE-4A0033E6A1B6}" type="datetimeFigureOut">
               <a:rPr lang="de-DE" smtClean="0"/>
-              <a:t>14.12.2018</a:t>
+              <a:t>17.12.2018</a:t>
             </a:fld>
             <a:endParaRPr lang="de-DE"/>
           </a:p>
@@ -2678,7 +2684,7 @@
           <a:p>
             <a:fld id="{2F142BB3-9F87-4F32-99CE-4A0033E6A1B6}" type="datetimeFigureOut">
               <a:rPr lang="de-DE" smtClean="0"/>
-              <a:t>14.12.2018</a:t>
+              <a:t>17.12.2018</a:t>
             </a:fld>
             <a:endParaRPr lang="de-DE"/>
           </a:p>
@@ -2919,7 +2925,7 @@
           <a:p>
             <a:fld id="{2F142BB3-9F87-4F32-99CE-4A0033E6A1B6}" type="datetimeFigureOut">
               <a:rPr lang="de-DE" smtClean="0"/>
-              <a:t>14.12.2018</a:t>
+              <a:t>17.12.2018</a:t>
             </a:fld>
             <a:endParaRPr lang="de-DE"/>
           </a:p>
@@ -3477,7 +3483,7 @@
           <p:cNvPr id="5" name="Grafik 4">
             <a:extLst>
               <a:ext uri="{FF2B5EF4-FFF2-40B4-BE49-F238E27FC236}">
-                <a16:creationId xmlns:a16="http://schemas.microsoft.com/office/drawing/2014/main" id="{8FD8BA4B-610D-42A5-824B-774469A6FD64}"/>
+                <a16:creationId xmlns:a16="http://schemas.microsoft.com/office/drawing/2014/main" id="{50EC97F4-660D-4820-B36C-55EE4EDA34A2}"/>
               </a:ext>
             </a:extLst>
           </p:cNvPr>
@@ -3511,7 +3517,7 @@
     </p:spTree>
     <p:extLst>
       <p:ext uri="{BB962C8B-B14F-4D97-AF65-F5344CB8AC3E}">
-        <p14:creationId xmlns:p14="http://schemas.microsoft.com/office/powerpoint/2010/main" val="1264235680"/>
+        <p14:creationId xmlns:p14="http://schemas.microsoft.com/office/powerpoint/2010/main" val="1760866963"/>
       </p:ext>
     </p:extLst>
   </p:cSld>
@@ -3543,7 +3549,7 @@
           <p:cNvPr id="5" name="Grafik 4">
             <a:extLst>
               <a:ext uri="{FF2B5EF4-FFF2-40B4-BE49-F238E27FC236}">
-                <a16:creationId xmlns:a16="http://schemas.microsoft.com/office/drawing/2014/main" id="{941D9FC7-3DA1-4996-89EE-1028D98719E5}"/>
+                <a16:creationId xmlns:a16="http://schemas.microsoft.com/office/drawing/2014/main" id="{8FD8BA4B-610D-42A5-824B-774469A6FD64}"/>
               </a:ext>
             </a:extLst>
           </p:cNvPr>
@@ -3577,7 +3583,7 @@
     </p:spTree>
     <p:extLst>
       <p:ext uri="{BB962C8B-B14F-4D97-AF65-F5344CB8AC3E}">
-        <p14:creationId xmlns:p14="http://schemas.microsoft.com/office/powerpoint/2010/main" val="3087959542"/>
+        <p14:creationId xmlns:p14="http://schemas.microsoft.com/office/powerpoint/2010/main" val="1264235680"/>
       </p:ext>
     </p:extLst>
   </p:cSld>
@@ -3609,7 +3615,7 @@
           <p:cNvPr id="5" name="Grafik 4">
             <a:extLst>
               <a:ext uri="{FF2B5EF4-FFF2-40B4-BE49-F238E27FC236}">
-                <a16:creationId xmlns:a16="http://schemas.microsoft.com/office/drawing/2014/main" id="{F96276B3-4E3F-48A6-8993-7EDE756DBDCC}"/>
+                <a16:creationId xmlns:a16="http://schemas.microsoft.com/office/drawing/2014/main" id="{941D9FC7-3DA1-4996-89EE-1028D98719E5}"/>
               </a:ext>
             </a:extLst>
           </p:cNvPr>
@@ -3643,7 +3649,7 @@
     </p:spTree>
     <p:extLst>
       <p:ext uri="{BB962C8B-B14F-4D97-AF65-F5344CB8AC3E}">
-        <p14:creationId xmlns:p14="http://schemas.microsoft.com/office/powerpoint/2010/main" val="530274494"/>
+        <p14:creationId xmlns:p14="http://schemas.microsoft.com/office/powerpoint/2010/main" val="3087959542"/>
       </p:ext>
     </p:extLst>
   </p:cSld>
@@ -3675,7 +3681,7 @@
           <p:cNvPr id="5" name="Grafik 4">
             <a:extLst>
               <a:ext uri="{FF2B5EF4-FFF2-40B4-BE49-F238E27FC236}">
-                <a16:creationId xmlns:a16="http://schemas.microsoft.com/office/drawing/2014/main" id="{4B5A0DDE-AA26-4967-8DAE-F53BDAAFDF22}"/>
+                <a16:creationId xmlns:a16="http://schemas.microsoft.com/office/drawing/2014/main" id="{F96276B3-4E3F-48A6-8993-7EDE756DBDCC}"/>
               </a:ext>
             </a:extLst>
           </p:cNvPr>
@@ -3709,7 +3715,7 @@
     </p:spTree>
     <p:extLst>
       <p:ext uri="{BB962C8B-B14F-4D97-AF65-F5344CB8AC3E}">
-        <p14:creationId xmlns:p14="http://schemas.microsoft.com/office/powerpoint/2010/main" val="728054354"/>
+        <p14:creationId xmlns:p14="http://schemas.microsoft.com/office/powerpoint/2010/main" val="530274494"/>
       </p:ext>
     </p:extLst>
   </p:cSld>
@@ -3741,7 +3747,7 @@
           <p:cNvPr id="5" name="Grafik 4">
             <a:extLst>
               <a:ext uri="{FF2B5EF4-FFF2-40B4-BE49-F238E27FC236}">
-                <a16:creationId xmlns:a16="http://schemas.microsoft.com/office/drawing/2014/main" id="{7A8F1CC6-0642-4502-ADAC-E4D1A50577D6}"/>
+                <a16:creationId xmlns:a16="http://schemas.microsoft.com/office/drawing/2014/main" id="{4B5A0DDE-AA26-4967-8DAE-F53BDAAFDF22}"/>
               </a:ext>
             </a:extLst>
           </p:cNvPr>
@@ -3775,7 +3781,7 @@
     </p:spTree>
     <p:extLst>
       <p:ext uri="{BB962C8B-B14F-4D97-AF65-F5344CB8AC3E}">
-        <p14:creationId xmlns:p14="http://schemas.microsoft.com/office/powerpoint/2010/main" val="1223576011"/>
+        <p14:creationId xmlns:p14="http://schemas.microsoft.com/office/powerpoint/2010/main" val="728054354"/>
       </p:ext>
     </p:extLst>
   </p:cSld>
@@ -3807,6 +3813,72 @@
           <p:cNvPr id="5" name="Grafik 4">
             <a:extLst>
               <a:ext uri="{FF2B5EF4-FFF2-40B4-BE49-F238E27FC236}">
+                <a16:creationId xmlns:a16="http://schemas.microsoft.com/office/drawing/2014/main" id="{7A8F1CC6-0642-4502-ADAC-E4D1A50577D6}"/>
+              </a:ext>
+            </a:extLst>
+          </p:cNvPr>
+          <p:cNvPicPr>
+            <a:picLocks noChangeAspect="1"/>
+          </p:cNvPicPr>
+          <p:nvPr/>
+        </p:nvPicPr>
+        <p:blipFill>
+          <a:blip r:embed="rId2">
+            <a:extLst>
+              <a:ext uri="{28A0092B-C50C-407E-A947-70E740481C1C}">
+                <a14:useLocalDpi xmlns:a14="http://schemas.microsoft.com/office/drawing/2010/main" val="0"/>
+              </a:ext>
+            </a:extLst>
+          </a:blip>
+          <a:stretch>
+            <a:fillRect/>
+          </a:stretch>
+        </p:blipFill>
+        <p:spPr>
+          <a:xfrm>
+            <a:off x="2183883" y="306000"/>
+            <a:ext cx="7824233" cy="6552000"/>
+          </a:xfrm>
+          <a:prstGeom prst="rect">
+            <a:avLst/>
+          </a:prstGeom>
+        </p:spPr>
+      </p:pic>
+    </p:spTree>
+    <p:extLst>
+      <p:ext uri="{BB962C8B-B14F-4D97-AF65-F5344CB8AC3E}">
+        <p14:creationId xmlns:p14="http://schemas.microsoft.com/office/powerpoint/2010/main" val="1223576011"/>
+      </p:ext>
+    </p:extLst>
+  </p:cSld>
+  <p:clrMapOvr>
+    <a:masterClrMapping/>
+  </p:clrMapOvr>
+</p:sld>
+</file>
+
+<file path=ppt/slides/slide16.xml><?xml version="1.0" encoding="utf-8"?>
+<p:sld xmlns:a="http://schemas.openxmlformats.org/drawingml/2006/main" xmlns:r="http://schemas.openxmlformats.org/officeDocument/2006/relationships" xmlns:p="http://schemas.openxmlformats.org/presentationml/2006/main">
+  <p:cSld>
+    <p:spTree>
+      <p:nvGrpSpPr>
+        <p:cNvPr id="1" name=""/>
+        <p:cNvGrpSpPr/>
+        <p:nvPr/>
+      </p:nvGrpSpPr>
+      <p:grpSpPr>
+        <a:xfrm>
+          <a:off x="0" y="0"/>
+          <a:ext cx="0" cy="0"/>
+          <a:chOff x="0" y="0"/>
+          <a:chExt cx="0" cy="0"/>
+        </a:xfrm>
+      </p:grpSpPr>
+      <p:pic>
+        <p:nvPicPr>
+          <p:cNvPr id="5" name="Grafik 4">
+            <a:extLst>
+              <a:ext uri="{FF2B5EF4-FFF2-40B4-BE49-F238E27FC236}">
                 <a16:creationId xmlns:a16="http://schemas.microsoft.com/office/drawing/2014/main" id="{0BAA8F57-3776-4752-AADA-D238F40FD74F}"/>
               </a:ext>
             </a:extLst>
@@ -3851,7 +3923,7 @@
 </p:sld>
 </file>
 
-<file path=ppt/slides/slide16.xml><?xml version="1.0" encoding="utf-8"?>
+<file path=ppt/slides/slide17.xml><?xml version="1.0" encoding="utf-8"?>
 <p:sld xmlns:a="http://schemas.openxmlformats.org/drawingml/2006/main" xmlns:r="http://schemas.openxmlformats.org/officeDocument/2006/relationships" xmlns:p="http://schemas.openxmlformats.org/presentationml/2006/main">
   <p:cSld>
     <p:spTree>
@@ -3934,46 +4006,10 @@
           <a:chExt cx="0" cy="0"/>
         </a:xfrm>
       </p:grpSpPr>
-      <p:pic>
-        <p:nvPicPr>
-          <p:cNvPr id="5" name="Grafik 4">
-            <a:extLst>
-              <a:ext uri="{FF2B5EF4-FFF2-40B4-BE49-F238E27FC236}">
-                <a16:creationId xmlns:a16="http://schemas.microsoft.com/office/drawing/2014/main" id="{55A5BE75-FD22-4DA1-98CE-11332EF2E14B}"/>
-              </a:ext>
-            </a:extLst>
-          </p:cNvPr>
-          <p:cNvPicPr>
-            <a:picLocks noChangeAspect="1"/>
-          </p:cNvPicPr>
-          <p:nvPr/>
-        </p:nvPicPr>
-        <p:blipFill>
-          <a:blip r:embed="rId2">
-            <a:extLst>
-              <a:ext uri="{28A0092B-C50C-407E-A947-70E740481C1C}">
-                <a14:useLocalDpi xmlns:a14="http://schemas.microsoft.com/office/drawing/2010/main" val="0"/>
-              </a:ext>
-            </a:extLst>
-          </a:blip>
-          <a:stretch>
-            <a:fillRect/>
-          </a:stretch>
-        </p:blipFill>
-        <p:spPr>
-          <a:xfrm>
-            <a:off x="0" y="1310268"/>
-            <a:ext cx="12192000" cy="4237463"/>
-          </a:xfrm>
-          <a:prstGeom prst="rect">
-            <a:avLst/>
-          </a:prstGeom>
-        </p:spPr>
-      </p:pic>
     </p:spTree>
     <p:extLst>
       <p:ext uri="{BB962C8B-B14F-4D97-AF65-F5344CB8AC3E}">
-        <p14:creationId xmlns:p14="http://schemas.microsoft.com/office/powerpoint/2010/main" val="986132482"/>
+        <p14:creationId xmlns:p14="http://schemas.microsoft.com/office/powerpoint/2010/main" val="754424468"/>
       </p:ext>
     </p:extLst>
   </p:cSld>
@@ -4002,10 +4038,10 @@
       </p:grpSpPr>
       <p:pic>
         <p:nvPicPr>
-          <p:cNvPr id="35" name="Grafik 34">
-            <a:extLst>
-              <a:ext uri="{FF2B5EF4-FFF2-40B4-BE49-F238E27FC236}">
-                <a16:creationId xmlns:a16="http://schemas.microsoft.com/office/drawing/2014/main" id="{09A97914-55CC-4809-B1E5-108E33BD5371}"/>
+          <p:cNvPr id="5" name="Grafik 4">
+            <a:extLst>
+              <a:ext uri="{FF2B5EF4-FFF2-40B4-BE49-F238E27FC236}">
+                <a16:creationId xmlns:a16="http://schemas.microsoft.com/office/drawing/2014/main" id="{55A5BE75-FD22-4DA1-98CE-11332EF2E14B}"/>
               </a:ext>
             </a:extLst>
           </p:cNvPr>
@@ -4028,8 +4064,8 @@
         </p:blipFill>
         <p:spPr>
           <a:xfrm>
-            <a:off x="2183883" y="306000"/>
-            <a:ext cx="7824233" cy="6552000"/>
+            <a:off x="159798" y="1365808"/>
+            <a:ext cx="11872404" cy="4126384"/>
           </a:xfrm>
           <a:prstGeom prst="rect">
             <a:avLst/>
@@ -4039,7 +4075,7 @@
     </p:spTree>
     <p:extLst>
       <p:ext uri="{BB962C8B-B14F-4D97-AF65-F5344CB8AC3E}">
-        <p14:creationId xmlns:p14="http://schemas.microsoft.com/office/powerpoint/2010/main" val="2541419344"/>
+        <p14:creationId xmlns:p14="http://schemas.microsoft.com/office/powerpoint/2010/main" val="986132482"/>
       </p:ext>
     </p:extLst>
   </p:cSld>
@@ -4068,10 +4104,10 @@
       </p:grpSpPr>
       <p:pic>
         <p:nvPicPr>
-          <p:cNvPr id="5" name="Grafik 4">
-            <a:extLst>
-              <a:ext uri="{FF2B5EF4-FFF2-40B4-BE49-F238E27FC236}">
-                <a16:creationId xmlns:a16="http://schemas.microsoft.com/office/drawing/2014/main" id="{27F00BAC-0B59-483C-B32C-095F0DE18B45}"/>
+          <p:cNvPr id="35" name="Grafik 34">
+            <a:extLst>
+              <a:ext uri="{FF2B5EF4-FFF2-40B4-BE49-F238E27FC236}">
+                <a16:creationId xmlns:a16="http://schemas.microsoft.com/office/drawing/2014/main" id="{09A97914-55CC-4809-B1E5-108E33BD5371}"/>
               </a:ext>
             </a:extLst>
           </p:cNvPr>
@@ -4105,7 +4141,7 @@
     </p:spTree>
     <p:extLst>
       <p:ext uri="{BB962C8B-B14F-4D97-AF65-F5344CB8AC3E}">
-        <p14:creationId xmlns:p14="http://schemas.microsoft.com/office/powerpoint/2010/main" val="3440145442"/>
+        <p14:creationId xmlns:p14="http://schemas.microsoft.com/office/powerpoint/2010/main" val="2541419344"/>
       </p:ext>
     </p:extLst>
   </p:cSld>
@@ -4137,7 +4173,7 @@
           <p:cNvPr id="5" name="Grafik 4">
             <a:extLst>
               <a:ext uri="{FF2B5EF4-FFF2-40B4-BE49-F238E27FC236}">
-                <a16:creationId xmlns:a16="http://schemas.microsoft.com/office/drawing/2014/main" id="{225945B7-A3F5-4508-9969-313A7A24A68B}"/>
+                <a16:creationId xmlns:a16="http://schemas.microsoft.com/office/drawing/2014/main" id="{27F00BAC-0B59-483C-B32C-095F0DE18B45}"/>
               </a:ext>
             </a:extLst>
           </p:cNvPr>
@@ -4171,7 +4207,7 @@
     </p:spTree>
     <p:extLst>
       <p:ext uri="{BB962C8B-B14F-4D97-AF65-F5344CB8AC3E}">
-        <p14:creationId xmlns:p14="http://schemas.microsoft.com/office/powerpoint/2010/main" val="2425096587"/>
+        <p14:creationId xmlns:p14="http://schemas.microsoft.com/office/powerpoint/2010/main" val="3440145442"/>
       </p:ext>
     </p:extLst>
   </p:cSld>
@@ -4203,7 +4239,7 @@
           <p:cNvPr id="5" name="Grafik 4">
             <a:extLst>
               <a:ext uri="{FF2B5EF4-FFF2-40B4-BE49-F238E27FC236}">
-                <a16:creationId xmlns:a16="http://schemas.microsoft.com/office/drawing/2014/main" id="{ECC4E61A-9FF8-4214-9D92-88306197F7D0}"/>
+                <a16:creationId xmlns:a16="http://schemas.microsoft.com/office/drawing/2014/main" id="{225945B7-A3F5-4508-9969-313A7A24A68B}"/>
               </a:ext>
             </a:extLst>
           </p:cNvPr>
@@ -4237,7 +4273,7 @@
     </p:spTree>
     <p:extLst>
       <p:ext uri="{BB962C8B-B14F-4D97-AF65-F5344CB8AC3E}">
-        <p14:creationId xmlns:p14="http://schemas.microsoft.com/office/powerpoint/2010/main" val="1192347373"/>
+        <p14:creationId xmlns:p14="http://schemas.microsoft.com/office/powerpoint/2010/main" val="2425096587"/>
       </p:ext>
     </p:extLst>
   </p:cSld>
@@ -4269,7 +4305,7 @@
           <p:cNvPr id="5" name="Grafik 4">
             <a:extLst>
               <a:ext uri="{FF2B5EF4-FFF2-40B4-BE49-F238E27FC236}">
-                <a16:creationId xmlns:a16="http://schemas.microsoft.com/office/drawing/2014/main" id="{8889DBAE-E3AC-4460-A068-F4E8A5573887}"/>
+                <a16:creationId xmlns:a16="http://schemas.microsoft.com/office/drawing/2014/main" id="{ECC4E61A-9FF8-4214-9D92-88306197F7D0}"/>
               </a:ext>
             </a:extLst>
           </p:cNvPr>
@@ -4303,7 +4339,7 @@
     </p:spTree>
     <p:extLst>
       <p:ext uri="{BB962C8B-B14F-4D97-AF65-F5344CB8AC3E}">
-        <p14:creationId xmlns:p14="http://schemas.microsoft.com/office/powerpoint/2010/main" val="391111201"/>
+        <p14:creationId xmlns:p14="http://schemas.microsoft.com/office/powerpoint/2010/main" val="1192347373"/>
       </p:ext>
     </p:extLst>
   </p:cSld>
@@ -4335,7 +4371,7 @@
           <p:cNvPr id="5" name="Grafik 4">
             <a:extLst>
               <a:ext uri="{FF2B5EF4-FFF2-40B4-BE49-F238E27FC236}">
-                <a16:creationId xmlns:a16="http://schemas.microsoft.com/office/drawing/2014/main" id="{8F133A9B-17DF-46B0-A4F9-2653739A1080}"/>
+                <a16:creationId xmlns:a16="http://schemas.microsoft.com/office/drawing/2014/main" id="{8889DBAE-E3AC-4460-A068-F4E8A5573887}"/>
               </a:ext>
             </a:extLst>
           </p:cNvPr>
@@ -4369,7 +4405,7 @@
     </p:spTree>
     <p:extLst>
       <p:ext uri="{BB962C8B-B14F-4D97-AF65-F5344CB8AC3E}">
-        <p14:creationId xmlns:p14="http://schemas.microsoft.com/office/powerpoint/2010/main" val="760050037"/>
+        <p14:creationId xmlns:p14="http://schemas.microsoft.com/office/powerpoint/2010/main" val="391111201"/>
       </p:ext>
     </p:extLst>
   </p:cSld>
@@ -4401,7 +4437,7 @@
           <p:cNvPr id="5" name="Grafik 4">
             <a:extLst>
               <a:ext uri="{FF2B5EF4-FFF2-40B4-BE49-F238E27FC236}">
-                <a16:creationId xmlns:a16="http://schemas.microsoft.com/office/drawing/2014/main" id="{50EC97F4-660D-4820-B36C-55EE4EDA34A2}"/>
+                <a16:creationId xmlns:a16="http://schemas.microsoft.com/office/drawing/2014/main" id="{8F133A9B-17DF-46B0-A4F9-2653739A1080}"/>
               </a:ext>
             </a:extLst>
           </p:cNvPr>
@@ -4435,7 +4471,7 @@
     </p:spTree>
     <p:extLst>
       <p:ext uri="{BB962C8B-B14F-4D97-AF65-F5344CB8AC3E}">
-        <p14:creationId xmlns:p14="http://schemas.microsoft.com/office/powerpoint/2010/main" val="1760866963"/>
+        <p14:creationId xmlns:p14="http://schemas.microsoft.com/office/powerpoint/2010/main" val="760050037"/>
       </p:ext>
     </p:extLst>
   </p:cSld>

--- a/Dokumente/entwurf/Präsentation/presentation.pptx
+++ b/Dokumente/entwurf/Präsentation/presentation.pptx
@@ -7,7 +7,7 @@
   <p:sldIdLst>
     <p:sldId id="271" r:id="rId2"/>
     <p:sldId id="272" r:id="rId3"/>
-    <p:sldId id="256" r:id="rId4"/>
+    <p:sldId id="273" r:id="rId4"/>
     <p:sldId id="257" r:id="rId5"/>
     <p:sldId id="259" r:id="rId6"/>
     <p:sldId id="260" r:id="rId7"/>
@@ -22,6 +22,8 @@
     <p:sldId id="268" r:id="rId16"/>
     <p:sldId id="269" r:id="rId17"/>
     <p:sldId id="258" r:id="rId18"/>
+    <p:sldId id="274" r:id="rId19"/>
+    <p:sldId id="275" r:id="rId20"/>
   </p:sldIdLst>
   <p:sldSz cx="12192000" cy="6858000"/>
   <p:notesSz cx="6858000" cy="9144000"/>
@@ -3989,6 +3991,168 @@
 </p:sld>
 </file>
 
+<file path=ppt/slides/slide18.xml><?xml version="1.0" encoding="utf-8"?>
+<p:sld xmlns:a="http://schemas.openxmlformats.org/drawingml/2006/main" xmlns:r="http://schemas.openxmlformats.org/officeDocument/2006/relationships" xmlns:p="http://schemas.openxmlformats.org/presentationml/2006/main">
+  <p:cSld>
+    <p:spTree>
+      <p:nvGrpSpPr>
+        <p:cNvPr id="1" name=""/>
+        <p:cNvGrpSpPr/>
+        <p:nvPr/>
+      </p:nvGrpSpPr>
+      <p:grpSpPr>
+        <a:xfrm>
+          <a:off x="0" y="0"/>
+          <a:ext cx="0" cy="0"/>
+          <a:chOff x="0" y="0"/>
+          <a:chExt cx="0" cy="0"/>
+        </a:xfrm>
+      </p:grpSpPr>
+      <p:sp>
+        <p:nvSpPr>
+          <p:cNvPr id="2" name="Titel 1">
+            <a:extLst>
+              <a:ext uri="{FF2B5EF4-FFF2-40B4-BE49-F238E27FC236}">
+                <a16:creationId xmlns:a16="http://schemas.microsoft.com/office/drawing/2014/main" id="{87786F60-ED47-4077-A6CF-D8E2EF2E492F}"/>
+              </a:ext>
+            </a:extLst>
+          </p:cNvPr>
+          <p:cNvSpPr>
+            <a:spLocks noGrp="1"/>
+          </p:cNvSpPr>
+          <p:nvPr>
+            <p:ph type="title"/>
+          </p:nvPr>
+        </p:nvSpPr>
+        <p:spPr/>
+        <p:txBody>
+          <a:bodyPr/>
+          <a:lstStyle/>
+          <a:p>
+            <a:r>
+              <a:rPr lang="de-DE" dirty="0" err="1">
+                <a:latin typeface="Consolas" panose="020B0609020204030204" pitchFamily="49" charset="0"/>
+              </a:rPr>
+              <a:t>edu.kit.model.simulator</a:t>
+            </a:r>
+            <a:endParaRPr lang="de-DE" dirty="0">
+              <a:latin typeface="Consolas" panose="020B0609020204030204" pitchFamily="49" charset="0"/>
+            </a:endParaRPr>
+          </a:p>
+        </p:txBody>
+      </p:sp>
+      <p:pic>
+        <p:nvPicPr>
+          <p:cNvPr id="4" name="Grafik 3">
+            <a:extLst>
+              <a:ext uri="{FF2B5EF4-FFF2-40B4-BE49-F238E27FC236}">
+                <a16:creationId xmlns:a16="http://schemas.microsoft.com/office/drawing/2014/main" id="{6244862A-A860-4CB7-92B4-4F242743BAE9}"/>
+              </a:ext>
+            </a:extLst>
+          </p:cNvPr>
+          <p:cNvPicPr>
+            <a:picLocks noChangeAspect="1"/>
+          </p:cNvPicPr>
+          <p:nvPr/>
+        </p:nvPicPr>
+        <p:blipFill>
+          <a:blip r:embed="rId2">
+            <a:extLst>
+              <a:ext uri="{28A0092B-C50C-407E-A947-70E740481C1C}">
+                <a14:useLocalDpi xmlns:a14="http://schemas.microsoft.com/office/drawing/2010/main" val="0"/>
+              </a:ext>
+            </a:extLst>
+          </a:blip>
+          <a:stretch>
+            <a:fillRect/>
+          </a:stretch>
+        </p:blipFill>
+        <p:spPr>
+          <a:xfrm>
+            <a:off x="159798" y="1365808"/>
+            <a:ext cx="11872404" cy="4126384"/>
+          </a:xfrm>
+          <a:prstGeom prst="rect">
+            <a:avLst/>
+          </a:prstGeom>
+        </p:spPr>
+      </p:pic>
+    </p:spTree>
+    <p:extLst>
+      <p:ext uri="{BB962C8B-B14F-4D97-AF65-F5344CB8AC3E}">
+        <p14:creationId xmlns:p14="http://schemas.microsoft.com/office/powerpoint/2010/main" val="742345050"/>
+      </p:ext>
+    </p:extLst>
+  </p:cSld>
+  <p:clrMapOvr>
+    <a:masterClrMapping/>
+  </p:clrMapOvr>
+</p:sld>
+</file>
+
+<file path=ppt/slides/slide19.xml><?xml version="1.0" encoding="utf-8"?>
+<p:sld xmlns:a="http://schemas.openxmlformats.org/drawingml/2006/main" xmlns:r="http://schemas.openxmlformats.org/officeDocument/2006/relationships" xmlns:p="http://schemas.openxmlformats.org/presentationml/2006/main">
+  <p:cSld>
+    <p:spTree>
+      <p:nvGrpSpPr>
+        <p:cNvPr id="1" name=""/>
+        <p:cNvGrpSpPr/>
+        <p:nvPr/>
+      </p:nvGrpSpPr>
+      <p:grpSpPr>
+        <a:xfrm>
+          <a:off x="0" y="0"/>
+          <a:ext cx="0" cy="0"/>
+          <a:chOff x="0" y="0"/>
+          <a:chExt cx="0" cy="0"/>
+        </a:xfrm>
+      </p:grpSpPr>
+      <p:sp>
+        <p:nvSpPr>
+          <p:cNvPr id="2" name="Titel 1">
+            <a:extLst>
+              <a:ext uri="{FF2B5EF4-FFF2-40B4-BE49-F238E27FC236}">
+                <a16:creationId xmlns:a16="http://schemas.microsoft.com/office/drawing/2014/main" id="{DF218E8B-3735-443A-B97C-E2F93D818331}"/>
+              </a:ext>
+            </a:extLst>
+          </p:cNvPr>
+          <p:cNvSpPr>
+            <a:spLocks noGrp="1"/>
+          </p:cNvSpPr>
+          <p:nvPr>
+            <p:ph type="title"/>
+          </p:nvPr>
+        </p:nvSpPr>
+        <p:spPr/>
+        <p:txBody>
+          <a:bodyPr/>
+          <a:lstStyle/>
+          <a:p>
+            <a:r>
+              <a:rPr lang="de-DE" dirty="0" err="1">
+                <a:latin typeface="Consolas" panose="020B0609020204030204" pitchFamily="49" charset="0"/>
+              </a:rPr>
+              <a:t>edu.kit.model.simulationengine</a:t>
+            </a:r>
+            <a:endParaRPr lang="de-DE" dirty="0">
+              <a:latin typeface="Consolas" panose="020B0609020204030204" pitchFamily="49" charset="0"/>
+            </a:endParaRPr>
+          </a:p>
+        </p:txBody>
+      </p:sp>
+    </p:spTree>
+    <p:extLst>
+      <p:ext uri="{BB962C8B-B14F-4D97-AF65-F5344CB8AC3E}">
+        <p14:creationId xmlns:p14="http://schemas.microsoft.com/office/powerpoint/2010/main" val="1773259765"/>
+      </p:ext>
+    </p:extLst>
+  </p:cSld>
+  <p:clrMapOvr>
+    <a:masterClrMapping/>
+  </p:clrMapOvr>
+</p:sld>
+</file>
+
 <file path=ppt/slides/slide2.xml><?xml version="1.0" encoding="utf-8"?>
 <p:sld xmlns:a="http://schemas.openxmlformats.org/drawingml/2006/main" xmlns:r="http://schemas.openxmlformats.org/officeDocument/2006/relationships" xmlns:p="http://schemas.openxmlformats.org/presentationml/2006/main">
   <p:cSld>
@@ -4006,10 +4170,75 @@
           <a:chExt cx="0" cy="0"/>
         </a:xfrm>
       </p:grpSpPr>
+      <p:sp>
+        <p:nvSpPr>
+          <p:cNvPr id="2" name="Titel 1">
+            <a:extLst>
+              <a:ext uri="{FF2B5EF4-FFF2-40B4-BE49-F238E27FC236}">
+                <a16:creationId xmlns:a16="http://schemas.microsoft.com/office/drawing/2014/main" id="{4F16C488-4FF1-4585-920D-7A33B0C4E63C}"/>
+              </a:ext>
+            </a:extLst>
+          </p:cNvPr>
+          <p:cNvSpPr>
+            <a:spLocks noGrp="1"/>
+          </p:cNvSpPr>
+          <p:nvPr>
+            <p:ph type="title"/>
+          </p:nvPr>
+        </p:nvSpPr>
+        <p:spPr/>
+        <p:txBody>
+          <a:bodyPr/>
+          <a:lstStyle/>
+          <a:p>
+            <a:pPr algn="ctr"/>
+            <a:r>
+              <a:rPr lang="de-DE" dirty="0"/>
+              <a:t>Programmarchitektur</a:t>
+            </a:r>
+          </a:p>
+        </p:txBody>
+      </p:sp>
+      <p:pic>
+        <p:nvPicPr>
+          <p:cNvPr id="5" name="Grafik 4">
+            <a:extLst>
+              <a:ext uri="{FF2B5EF4-FFF2-40B4-BE49-F238E27FC236}">
+                <a16:creationId xmlns:a16="http://schemas.microsoft.com/office/drawing/2014/main" id="{4D5B05B6-15C9-4613-867D-6DB17DBECD68}"/>
+              </a:ext>
+            </a:extLst>
+          </p:cNvPr>
+          <p:cNvPicPr>
+            <a:picLocks noChangeAspect="1"/>
+          </p:cNvPicPr>
+          <p:nvPr/>
+        </p:nvPicPr>
+        <p:blipFill>
+          <a:blip r:embed="rId2">
+            <a:extLst>
+              <a:ext uri="{28A0092B-C50C-407E-A947-70E740481C1C}">
+                <a14:useLocalDpi xmlns:a14="http://schemas.microsoft.com/office/drawing/2010/main" val="0"/>
+              </a:ext>
+            </a:extLst>
+          </a:blip>
+          <a:stretch>
+            <a:fillRect/>
+          </a:stretch>
+        </p:blipFill>
+        <p:spPr>
+          <a:xfrm>
+            <a:off x="1942915" y="2598383"/>
+            <a:ext cx="8306170" cy="1661234"/>
+          </a:xfrm>
+          <a:prstGeom prst="rect">
+            <a:avLst/>
+          </a:prstGeom>
+        </p:spPr>
+      </p:pic>
     </p:spTree>
     <p:extLst>
       <p:ext uri="{BB962C8B-B14F-4D97-AF65-F5344CB8AC3E}">
-        <p14:creationId xmlns:p14="http://schemas.microsoft.com/office/powerpoint/2010/main" val="754424468"/>
+        <p14:creationId xmlns:p14="http://schemas.microsoft.com/office/powerpoint/2010/main" val="3259026310"/>
       </p:ext>
     </p:extLst>
   </p:cSld>
@@ -4041,7 +4270,7 @@
           <p:cNvPr id="5" name="Grafik 4">
             <a:extLst>
               <a:ext uri="{FF2B5EF4-FFF2-40B4-BE49-F238E27FC236}">
-                <a16:creationId xmlns:a16="http://schemas.microsoft.com/office/drawing/2014/main" id="{55A5BE75-FD22-4DA1-98CE-11332EF2E14B}"/>
+                <a16:creationId xmlns:a16="http://schemas.microsoft.com/office/drawing/2014/main" id="{63C83E18-A4B4-4B74-997F-F863FF64D05A}"/>
               </a:ext>
             </a:extLst>
           </p:cNvPr>
@@ -4064,18 +4293,56 @@
         </p:blipFill>
         <p:spPr>
           <a:xfrm>
-            <a:off x="159798" y="1365808"/>
-            <a:ext cx="11872404" cy="4126384"/>
+            <a:off x="838200" y="1039963"/>
+            <a:ext cx="10515600" cy="5473032"/>
           </a:xfrm>
           <a:prstGeom prst="rect">
             <a:avLst/>
           </a:prstGeom>
         </p:spPr>
       </p:pic>
+      <p:sp>
+        <p:nvSpPr>
+          <p:cNvPr id="2" name="Titel 1">
+            <a:extLst>
+              <a:ext uri="{FF2B5EF4-FFF2-40B4-BE49-F238E27FC236}">
+                <a16:creationId xmlns:a16="http://schemas.microsoft.com/office/drawing/2014/main" id="{5256B1C5-1D4C-4D98-8251-FCEF7F539467}"/>
+              </a:ext>
+            </a:extLst>
+          </p:cNvPr>
+          <p:cNvSpPr>
+            <a:spLocks noGrp="1"/>
+          </p:cNvSpPr>
+          <p:nvPr>
+            <p:ph type="title"/>
+          </p:nvPr>
+        </p:nvSpPr>
+        <p:spPr>
+          <a:xfrm>
+            <a:off x="261146" y="196446"/>
+            <a:ext cx="10515600" cy="1325563"/>
+          </a:xfrm>
+        </p:spPr>
+        <p:txBody>
+          <a:bodyPr/>
+          <a:lstStyle/>
+          <a:p>
+            <a:r>
+              <a:rPr lang="de-DE" dirty="0" err="1">
+                <a:latin typeface="Consolas" panose="020B0609020204030204" pitchFamily="49" charset="0"/>
+              </a:rPr>
+              <a:t>edu.kit.controller</a:t>
+            </a:r>
+            <a:endParaRPr lang="de-DE" dirty="0">
+              <a:latin typeface="Consolas" panose="020B0609020204030204" pitchFamily="49" charset="0"/>
+            </a:endParaRPr>
+          </a:p>
+        </p:txBody>
+      </p:sp>
     </p:spTree>
     <p:extLst>
       <p:ext uri="{BB962C8B-B14F-4D97-AF65-F5344CB8AC3E}">
-        <p14:creationId xmlns:p14="http://schemas.microsoft.com/office/powerpoint/2010/main" val="986132482"/>
+        <p14:creationId xmlns:p14="http://schemas.microsoft.com/office/powerpoint/2010/main" val="3373265405"/>
       </p:ext>
     </p:extLst>
   </p:cSld>

--- a/Dokumente/entwurf/Präsentation/presentation.pptx
+++ b/Dokumente/entwurf/Präsentation/presentation.pptx
@@ -24,6 +24,49 @@
     <p:sldId id="258" r:id="rId18"/>
     <p:sldId id="274" r:id="rId19"/>
     <p:sldId id="275" r:id="rId20"/>
+    <p:sldId id="276" r:id="rId21"/>
+    <p:sldId id="277" r:id="rId22"/>
+    <p:sldId id="278" r:id="rId23"/>
+    <p:sldId id="279" r:id="rId24"/>
+    <p:sldId id="280" r:id="rId25"/>
+    <p:sldId id="281" r:id="rId26"/>
+    <p:sldId id="282" r:id="rId27"/>
+    <p:sldId id="283" r:id="rId28"/>
+    <p:sldId id="284" r:id="rId29"/>
+    <p:sldId id="285" r:id="rId30"/>
+    <p:sldId id="286" r:id="rId31"/>
+    <p:sldId id="287" r:id="rId32"/>
+    <p:sldId id="288" r:id="rId33"/>
+    <p:sldId id="289" r:id="rId34"/>
+    <p:sldId id="306" r:id="rId35"/>
+    <p:sldId id="307" r:id="rId36"/>
+    <p:sldId id="308" r:id="rId37"/>
+    <p:sldId id="309" r:id="rId38"/>
+    <p:sldId id="310" r:id="rId39"/>
+    <p:sldId id="311" r:id="rId40"/>
+    <p:sldId id="321" r:id="rId41"/>
+    <p:sldId id="322" r:id="rId42"/>
+    <p:sldId id="323" r:id="rId43"/>
+    <p:sldId id="324" r:id="rId44"/>
+    <p:sldId id="325" r:id="rId45"/>
+    <p:sldId id="331" r:id="rId46"/>
+    <p:sldId id="332" r:id="rId47"/>
+    <p:sldId id="333" r:id="rId48"/>
+    <p:sldId id="334" r:id="rId49"/>
+    <p:sldId id="335" r:id="rId50"/>
+    <p:sldId id="317" r:id="rId51"/>
+    <p:sldId id="312" r:id="rId52"/>
+    <p:sldId id="313" r:id="rId53"/>
+    <p:sldId id="314" r:id="rId54"/>
+    <p:sldId id="315" r:id="rId55"/>
+    <p:sldId id="318" r:id="rId56"/>
+    <p:sldId id="319" r:id="rId57"/>
+    <p:sldId id="320" r:id="rId58"/>
+    <p:sldId id="305" r:id="rId59"/>
+    <p:sldId id="290" r:id="rId60"/>
+    <p:sldId id="291" r:id="rId61"/>
+    <p:sldId id="292" r:id="rId62"/>
+    <p:sldId id="293" r:id="rId63"/>
   </p:sldIdLst>
   <p:sldSz cx="12192000" cy="6858000"/>
   <p:notesSz cx="6858000" cy="9144000"/>
@@ -277,7 +320,7 @@
           <a:p>
             <a:fld id="{2F142BB3-9F87-4F32-99CE-4A0033E6A1B6}" type="datetimeFigureOut">
               <a:rPr lang="de-DE" smtClean="0"/>
-              <a:t>17.12.2018</a:t>
+              <a:t>18.12.2018</a:t>
             </a:fld>
             <a:endParaRPr lang="de-DE"/>
           </a:p>
@@ -475,7 +518,7 @@
           <a:p>
             <a:fld id="{2F142BB3-9F87-4F32-99CE-4A0033E6A1B6}" type="datetimeFigureOut">
               <a:rPr lang="de-DE" smtClean="0"/>
-              <a:t>17.12.2018</a:t>
+              <a:t>18.12.2018</a:t>
             </a:fld>
             <a:endParaRPr lang="de-DE"/>
           </a:p>
@@ -683,7 +726,7 @@
           <a:p>
             <a:fld id="{2F142BB3-9F87-4F32-99CE-4A0033E6A1B6}" type="datetimeFigureOut">
               <a:rPr lang="de-DE" smtClean="0"/>
-              <a:t>17.12.2018</a:t>
+              <a:t>18.12.2018</a:t>
             </a:fld>
             <a:endParaRPr lang="de-DE"/>
           </a:p>
@@ -881,7 +924,7 @@
           <a:p>
             <a:fld id="{2F142BB3-9F87-4F32-99CE-4A0033E6A1B6}" type="datetimeFigureOut">
               <a:rPr lang="de-DE" smtClean="0"/>
-              <a:t>17.12.2018</a:t>
+              <a:t>18.12.2018</a:t>
             </a:fld>
             <a:endParaRPr lang="de-DE"/>
           </a:p>
@@ -1156,7 +1199,7 @@
           <a:p>
             <a:fld id="{2F142BB3-9F87-4F32-99CE-4A0033E6A1B6}" type="datetimeFigureOut">
               <a:rPr lang="de-DE" smtClean="0"/>
-              <a:t>17.12.2018</a:t>
+              <a:t>18.12.2018</a:t>
             </a:fld>
             <a:endParaRPr lang="de-DE"/>
           </a:p>
@@ -1421,7 +1464,7 @@
           <a:p>
             <a:fld id="{2F142BB3-9F87-4F32-99CE-4A0033E6A1B6}" type="datetimeFigureOut">
               <a:rPr lang="de-DE" smtClean="0"/>
-              <a:t>17.12.2018</a:t>
+              <a:t>18.12.2018</a:t>
             </a:fld>
             <a:endParaRPr lang="de-DE"/>
           </a:p>
@@ -1833,7 +1876,7 @@
           <a:p>
             <a:fld id="{2F142BB3-9F87-4F32-99CE-4A0033E6A1B6}" type="datetimeFigureOut">
               <a:rPr lang="de-DE" smtClean="0"/>
-              <a:t>17.12.2018</a:t>
+              <a:t>18.12.2018</a:t>
             </a:fld>
             <a:endParaRPr lang="de-DE"/>
           </a:p>
@@ -1974,7 +2017,7 @@
           <a:p>
             <a:fld id="{2F142BB3-9F87-4F32-99CE-4A0033E6A1B6}" type="datetimeFigureOut">
               <a:rPr lang="de-DE" smtClean="0"/>
-              <a:t>17.12.2018</a:t>
+              <a:t>18.12.2018</a:t>
             </a:fld>
             <a:endParaRPr lang="de-DE"/>
           </a:p>
@@ -2087,7 +2130,7 @@
           <a:p>
             <a:fld id="{2F142BB3-9F87-4F32-99CE-4A0033E6A1B6}" type="datetimeFigureOut">
               <a:rPr lang="de-DE" smtClean="0"/>
-              <a:t>17.12.2018</a:t>
+              <a:t>18.12.2018</a:t>
             </a:fld>
             <a:endParaRPr lang="de-DE"/>
           </a:p>
@@ -2398,7 +2441,7 @@
           <a:p>
             <a:fld id="{2F142BB3-9F87-4F32-99CE-4A0033E6A1B6}" type="datetimeFigureOut">
               <a:rPr lang="de-DE" smtClean="0"/>
-              <a:t>17.12.2018</a:t>
+              <a:t>18.12.2018</a:t>
             </a:fld>
             <a:endParaRPr lang="de-DE"/>
           </a:p>
@@ -2686,7 +2729,7 @@
           <a:p>
             <a:fld id="{2F142BB3-9F87-4F32-99CE-4A0033E6A1B6}" type="datetimeFigureOut">
               <a:rPr lang="de-DE" smtClean="0"/>
-              <a:t>17.12.2018</a:t>
+              <a:t>18.12.2018</a:t>
             </a:fld>
             <a:endParaRPr lang="de-DE"/>
           </a:p>
@@ -2927,7 +2970,7 @@
           <a:p>
             <a:fld id="{2F142BB3-9F87-4F32-99CE-4A0033E6A1B6}" type="datetimeFigureOut">
               <a:rPr lang="de-DE" smtClean="0"/>
-              <a:t>17.12.2018</a:t>
+              <a:t>18.12.2018</a:t>
             </a:fld>
             <a:endParaRPr lang="de-DE"/>
           </a:p>
@@ -4248,6 +4291,666 @@
 </p:sld>
 </file>
 
+<file path=ppt/slides/slide20.xml><?xml version="1.0" encoding="utf-8"?>
+<p:sld xmlns:a="http://schemas.openxmlformats.org/drawingml/2006/main" xmlns:r="http://schemas.openxmlformats.org/officeDocument/2006/relationships" xmlns:p="http://schemas.openxmlformats.org/presentationml/2006/main">
+  <p:cSld>
+    <p:spTree>
+      <p:nvGrpSpPr>
+        <p:cNvPr id="1" name=""/>
+        <p:cNvGrpSpPr/>
+        <p:nvPr/>
+      </p:nvGrpSpPr>
+      <p:grpSpPr>
+        <a:xfrm>
+          <a:off x="0" y="0"/>
+          <a:ext cx="0" cy="0"/>
+          <a:chOff x="0" y="0"/>
+          <a:chExt cx="0" cy="0"/>
+        </a:xfrm>
+      </p:grpSpPr>
+      <p:pic>
+        <p:nvPicPr>
+          <p:cNvPr id="6" name="Grafik 5">
+            <a:extLst>
+              <a:ext uri="{FF2B5EF4-FFF2-40B4-BE49-F238E27FC236}">
+                <a16:creationId xmlns:a16="http://schemas.microsoft.com/office/drawing/2014/main" id="{90766673-93D3-4299-B0ED-A87E4DF7D47E}"/>
+              </a:ext>
+            </a:extLst>
+          </p:cNvPr>
+          <p:cNvPicPr>
+            <a:picLocks noChangeAspect="1"/>
+          </p:cNvPicPr>
+          <p:nvPr/>
+        </p:nvPicPr>
+        <p:blipFill>
+          <a:blip r:embed="rId2">
+            <a:extLst>
+              <a:ext uri="{28A0092B-C50C-407E-A947-70E740481C1C}">
+                <a14:useLocalDpi xmlns:a14="http://schemas.microsoft.com/office/drawing/2010/main" val="0"/>
+              </a:ext>
+            </a:extLst>
+          </a:blip>
+          <a:stretch>
+            <a:fillRect/>
+          </a:stretch>
+        </p:blipFill>
+        <p:spPr>
+          <a:xfrm>
+            <a:off x="730582" y="306000"/>
+            <a:ext cx="10730835" cy="6552000"/>
+          </a:xfrm>
+          <a:prstGeom prst="rect">
+            <a:avLst/>
+          </a:prstGeom>
+        </p:spPr>
+      </p:pic>
+    </p:spTree>
+    <p:extLst>
+      <p:ext uri="{BB962C8B-B14F-4D97-AF65-F5344CB8AC3E}">
+        <p14:creationId xmlns:p14="http://schemas.microsoft.com/office/powerpoint/2010/main" val="1921487758"/>
+      </p:ext>
+    </p:extLst>
+  </p:cSld>
+  <p:clrMapOvr>
+    <a:masterClrMapping/>
+  </p:clrMapOvr>
+</p:sld>
+</file>
+
+<file path=ppt/slides/slide21.xml><?xml version="1.0" encoding="utf-8"?>
+<p:sld xmlns:a="http://schemas.openxmlformats.org/drawingml/2006/main" xmlns:r="http://schemas.openxmlformats.org/officeDocument/2006/relationships" xmlns:p="http://schemas.openxmlformats.org/presentationml/2006/main">
+  <p:cSld>
+    <p:spTree>
+      <p:nvGrpSpPr>
+        <p:cNvPr id="1" name=""/>
+        <p:cNvGrpSpPr/>
+        <p:nvPr/>
+      </p:nvGrpSpPr>
+      <p:grpSpPr>
+        <a:xfrm>
+          <a:off x="0" y="0"/>
+          <a:ext cx="0" cy="0"/>
+          <a:chOff x="0" y="0"/>
+          <a:chExt cx="0" cy="0"/>
+        </a:xfrm>
+      </p:grpSpPr>
+      <p:pic>
+        <p:nvPicPr>
+          <p:cNvPr id="3" name="Grafik 2">
+            <a:extLst>
+              <a:ext uri="{FF2B5EF4-FFF2-40B4-BE49-F238E27FC236}">
+                <a16:creationId xmlns:a16="http://schemas.microsoft.com/office/drawing/2014/main" id="{502AE3CC-A56F-4D4E-BF68-CBE428D25D58}"/>
+              </a:ext>
+            </a:extLst>
+          </p:cNvPr>
+          <p:cNvPicPr>
+            <a:picLocks noChangeAspect="1"/>
+          </p:cNvPicPr>
+          <p:nvPr/>
+        </p:nvPicPr>
+        <p:blipFill>
+          <a:blip r:embed="rId2">
+            <a:extLst>
+              <a:ext uri="{28A0092B-C50C-407E-A947-70E740481C1C}">
+                <a14:useLocalDpi xmlns:a14="http://schemas.microsoft.com/office/drawing/2010/main" val="0"/>
+              </a:ext>
+            </a:extLst>
+          </a:blip>
+          <a:stretch>
+            <a:fillRect/>
+          </a:stretch>
+        </p:blipFill>
+        <p:spPr>
+          <a:xfrm>
+            <a:off x="730582" y="306000"/>
+            <a:ext cx="10730835" cy="6552000"/>
+          </a:xfrm>
+          <a:prstGeom prst="rect">
+            <a:avLst/>
+          </a:prstGeom>
+        </p:spPr>
+      </p:pic>
+    </p:spTree>
+    <p:extLst>
+      <p:ext uri="{BB962C8B-B14F-4D97-AF65-F5344CB8AC3E}">
+        <p14:creationId xmlns:p14="http://schemas.microsoft.com/office/powerpoint/2010/main" val="1433811481"/>
+      </p:ext>
+    </p:extLst>
+  </p:cSld>
+  <p:clrMapOvr>
+    <a:masterClrMapping/>
+  </p:clrMapOvr>
+</p:sld>
+</file>
+
+<file path=ppt/slides/slide22.xml><?xml version="1.0" encoding="utf-8"?>
+<p:sld xmlns:a="http://schemas.openxmlformats.org/drawingml/2006/main" xmlns:r="http://schemas.openxmlformats.org/officeDocument/2006/relationships" xmlns:p="http://schemas.openxmlformats.org/presentationml/2006/main">
+  <p:cSld>
+    <p:spTree>
+      <p:nvGrpSpPr>
+        <p:cNvPr id="1" name=""/>
+        <p:cNvGrpSpPr/>
+        <p:nvPr/>
+      </p:nvGrpSpPr>
+      <p:grpSpPr>
+        <a:xfrm>
+          <a:off x="0" y="0"/>
+          <a:ext cx="0" cy="0"/>
+          <a:chOff x="0" y="0"/>
+          <a:chExt cx="0" cy="0"/>
+        </a:xfrm>
+      </p:grpSpPr>
+      <p:pic>
+        <p:nvPicPr>
+          <p:cNvPr id="3" name="Grafik 2">
+            <a:extLst>
+              <a:ext uri="{FF2B5EF4-FFF2-40B4-BE49-F238E27FC236}">
+                <a16:creationId xmlns:a16="http://schemas.microsoft.com/office/drawing/2014/main" id="{01F19408-53B3-4497-AEBF-1CDA8E55236C}"/>
+              </a:ext>
+            </a:extLst>
+          </p:cNvPr>
+          <p:cNvPicPr>
+            <a:picLocks noChangeAspect="1"/>
+          </p:cNvPicPr>
+          <p:nvPr/>
+        </p:nvPicPr>
+        <p:blipFill>
+          <a:blip r:embed="rId2">
+            <a:extLst>
+              <a:ext uri="{28A0092B-C50C-407E-A947-70E740481C1C}">
+                <a14:useLocalDpi xmlns:a14="http://schemas.microsoft.com/office/drawing/2010/main" val="0"/>
+              </a:ext>
+            </a:extLst>
+          </a:blip>
+          <a:stretch>
+            <a:fillRect/>
+          </a:stretch>
+        </p:blipFill>
+        <p:spPr>
+          <a:xfrm>
+            <a:off x="730582" y="306000"/>
+            <a:ext cx="10730835" cy="6552000"/>
+          </a:xfrm>
+          <a:prstGeom prst="rect">
+            <a:avLst/>
+          </a:prstGeom>
+        </p:spPr>
+      </p:pic>
+    </p:spTree>
+    <p:extLst>
+      <p:ext uri="{BB962C8B-B14F-4D97-AF65-F5344CB8AC3E}">
+        <p14:creationId xmlns:p14="http://schemas.microsoft.com/office/powerpoint/2010/main" val="713319763"/>
+      </p:ext>
+    </p:extLst>
+  </p:cSld>
+  <p:clrMapOvr>
+    <a:masterClrMapping/>
+  </p:clrMapOvr>
+</p:sld>
+</file>
+
+<file path=ppt/slides/slide23.xml><?xml version="1.0" encoding="utf-8"?>
+<p:sld xmlns:a="http://schemas.openxmlformats.org/drawingml/2006/main" xmlns:r="http://schemas.openxmlformats.org/officeDocument/2006/relationships" xmlns:p="http://schemas.openxmlformats.org/presentationml/2006/main">
+  <p:cSld>
+    <p:spTree>
+      <p:nvGrpSpPr>
+        <p:cNvPr id="1" name=""/>
+        <p:cNvGrpSpPr/>
+        <p:nvPr/>
+      </p:nvGrpSpPr>
+      <p:grpSpPr>
+        <a:xfrm>
+          <a:off x="0" y="0"/>
+          <a:ext cx="0" cy="0"/>
+          <a:chOff x="0" y="0"/>
+          <a:chExt cx="0" cy="0"/>
+        </a:xfrm>
+      </p:grpSpPr>
+      <p:pic>
+        <p:nvPicPr>
+          <p:cNvPr id="3" name="Grafik 2">
+            <a:extLst>
+              <a:ext uri="{FF2B5EF4-FFF2-40B4-BE49-F238E27FC236}">
+                <a16:creationId xmlns:a16="http://schemas.microsoft.com/office/drawing/2014/main" id="{667305B3-1515-4AC9-9DBA-0694D298AB59}"/>
+              </a:ext>
+            </a:extLst>
+          </p:cNvPr>
+          <p:cNvPicPr>
+            <a:picLocks noChangeAspect="1"/>
+          </p:cNvPicPr>
+          <p:nvPr/>
+        </p:nvPicPr>
+        <p:blipFill>
+          <a:blip r:embed="rId2">
+            <a:extLst>
+              <a:ext uri="{28A0092B-C50C-407E-A947-70E740481C1C}">
+                <a14:useLocalDpi xmlns:a14="http://schemas.microsoft.com/office/drawing/2010/main" val="0"/>
+              </a:ext>
+            </a:extLst>
+          </a:blip>
+          <a:stretch>
+            <a:fillRect/>
+          </a:stretch>
+        </p:blipFill>
+        <p:spPr>
+          <a:xfrm>
+            <a:off x="730582" y="306000"/>
+            <a:ext cx="10730835" cy="6552000"/>
+          </a:xfrm>
+          <a:prstGeom prst="rect">
+            <a:avLst/>
+          </a:prstGeom>
+        </p:spPr>
+      </p:pic>
+    </p:spTree>
+    <p:extLst>
+      <p:ext uri="{BB962C8B-B14F-4D97-AF65-F5344CB8AC3E}">
+        <p14:creationId xmlns:p14="http://schemas.microsoft.com/office/powerpoint/2010/main" val="416377263"/>
+      </p:ext>
+    </p:extLst>
+  </p:cSld>
+  <p:clrMapOvr>
+    <a:masterClrMapping/>
+  </p:clrMapOvr>
+</p:sld>
+</file>
+
+<file path=ppt/slides/slide24.xml><?xml version="1.0" encoding="utf-8"?>
+<p:sld xmlns:a="http://schemas.openxmlformats.org/drawingml/2006/main" xmlns:r="http://schemas.openxmlformats.org/officeDocument/2006/relationships" xmlns:p="http://schemas.openxmlformats.org/presentationml/2006/main">
+  <p:cSld>
+    <p:spTree>
+      <p:nvGrpSpPr>
+        <p:cNvPr id="1" name=""/>
+        <p:cNvGrpSpPr/>
+        <p:nvPr/>
+      </p:nvGrpSpPr>
+      <p:grpSpPr>
+        <a:xfrm>
+          <a:off x="0" y="0"/>
+          <a:ext cx="0" cy="0"/>
+          <a:chOff x="0" y="0"/>
+          <a:chExt cx="0" cy="0"/>
+        </a:xfrm>
+      </p:grpSpPr>
+      <p:pic>
+        <p:nvPicPr>
+          <p:cNvPr id="3" name="Grafik 2">
+            <a:extLst>
+              <a:ext uri="{FF2B5EF4-FFF2-40B4-BE49-F238E27FC236}">
+                <a16:creationId xmlns:a16="http://schemas.microsoft.com/office/drawing/2014/main" id="{68BD947D-F9A0-4C26-A88C-C95C561F7241}"/>
+              </a:ext>
+            </a:extLst>
+          </p:cNvPr>
+          <p:cNvPicPr>
+            <a:picLocks noChangeAspect="1"/>
+          </p:cNvPicPr>
+          <p:nvPr/>
+        </p:nvPicPr>
+        <p:blipFill>
+          <a:blip r:embed="rId2">
+            <a:extLst>
+              <a:ext uri="{28A0092B-C50C-407E-A947-70E740481C1C}">
+                <a14:useLocalDpi xmlns:a14="http://schemas.microsoft.com/office/drawing/2010/main" val="0"/>
+              </a:ext>
+            </a:extLst>
+          </a:blip>
+          <a:stretch>
+            <a:fillRect/>
+          </a:stretch>
+        </p:blipFill>
+        <p:spPr>
+          <a:xfrm>
+            <a:off x="730582" y="306000"/>
+            <a:ext cx="10730835" cy="6552000"/>
+          </a:xfrm>
+          <a:prstGeom prst="rect">
+            <a:avLst/>
+          </a:prstGeom>
+        </p:spPr>
+      </p:pic>
+    </p:spTree>
+    <p:extLst>
+      <p:ext uri="{BB962C8B-B14F-4D97-AF65-F5344CB8AC3E}">
+        <p14:creationId xmlns:p14="http://schemas.microsoft.com/office/powerpoint/2010/main" val="3682125448"/>
+      </p:ext>
+    </p:extLst>
+  </p:cSld>
+  <p:clrMapOvr>
+    <a:masterClrMapping/>
+  </p:clrMapOvr>
+</p:sld>
+</file>
+
+<file path=ppt/slides/slide25.xml><?xml version="1.0" encoding="utf-8"?>
+<p:sld xmlns:a="http://schemas.openxmlformats.org/drawingml/2006/main" xmlns:r="http://schemas.openxmlformats.org/officeDocument/2006/relationships" xmlns:p="http://schemas.openxmlformats.org/presentationml/2006/main">
+  <p:cSld>
+    <p:spTree>
+      <p:nvGrpSpPr>
+        <p:cNvPr id="1" name=""/>
+        <p:cNvGrpSpPr/>
+        <p:nvPr/>
+      </p:nvGrpSpPr>
+      <p:grpSpPr>
+        <a:xfrm>
+          <a:off x="0" y="0"/>
+          <a:ext cx="0" cy="0"/>
+          <a:chOff x="0" y="0"/>
+          <a:chExt cx="0" cy="0"/>
+        </a:xfrm>
+      </p:grpSpPr>
+      <p:pic>
+        <p:nvPicPr>
+          <p:cNvPr id="3" name="Grafik 2">
+            <a:extLst>
+              <a:ext uri="{FF2B5EF4-FFF2-40B4-BE49-F238E27FC236}">
+                <a16:creationId xmlns:a16="http://schemas.microsoft.com/office/drawing/2014/main" id="{EC78A930-6D3B-4635-B2AD-1B6CEE5AA539}"/>
+              </a:ext>
+            </a:extLst>
+          </p:cNvPr>
+          <p:cNvPicPr>
+            <a:picLocks noChangeAspect="1"/>
+          </p:cNvPicPr>
+          <p:nvPr/>
+        </p:nvPicPr>
+        <p:blipFill>
+          <a:blip r:embed="rId2">
+            <a:extLst>
+              <a:ext uri="{28A0092B-C50C-407E-A947-70E740481C1C}">
+                <a14:useLocalDpi xmlns:a14="http://schemas.microsoft.com/office/drawing/2010/main" val="0"/>
+              </a:ext>
+            </a:extLst>
+          </a:blip>
+          <a:stretch>
+            <a:fillRect/>
+          </a:stretch>
+        </p:blipFill>
+        <p:spPr>
+          <a:xfrm>
+            <a:off x="730582" y="306000"/>
+            <a:ext cx="10730835" cy="6552000"/>
+          </a:xfrm>
+          <a:prstGeom prst="rect">
+            <a:avLst/>
+          </a:prstGeom>
+        </p:spPr>
+      </p:pic>
+    </p:spTree>
+    <p:extLst>
+      <p:ext uri="{BB962C8B-B14F-4D97-AF65-F5344CB8AC3E}">
+        <p14:creationId xmlns:p14="http://schemas.microsoft.com/office/powerpoint/2010/main" val="2075617833"/>
+      </p:ext>
+    </p:extLst>
+  </p:cSld>
+  <p:clrMapOvr>
+    <a:masterClrMapping/>
+  </p:clrMapOvr>
+</p:sld>
+</file>
+
+<file path=ppt/slides/slide26.xml><?xml version="1.0" encoding="utf-8"?>
+<p:sld xmlns:a="http://schemas.openxmlformats.org/drawingml/2006/main" xmlns:r="http://schemas.openxmlformats.org/officeDocument/2006/relationships" xmlns:p="http://schemas.openxmlformats.org/presentationml/2006/main">
+  <p:cSld>
+    <p:spTree>
+      <p:nvGrpSpPr>
+        <p:cNvPr id="1" name=""/>
+        <p:cNvGrpSpPr/>
+        <p:nvPr/>
+      </p:nvGrpSpPr>
+      <p:grpSpPr>
+        <a:xfrm>
+          <a:off x="0" y="0"/>
+          <a:ext cx="0" cy="0"/>
+          <a:chOff x="0" y="0"/>
+          <a:chExt cx="0" cy="0"/>
+        </a:xfrm>
+      </p:grpSpPr>
+      <p:pic>
+        <p:nvPicPr>
+          <p:cNvPr id="3" name="Grafik 2">
+            <a:extLst>
+              <a:ext uri="{FF2B5EF4-FFF2-40B4-BE49-F238E27FC236}">
+                <a16:creationId xmlns:a16="http://schemas.microsoft.com/office/drawing/2014/main" id="{CE183081-8D9D-473B-B044-EA7BD7D521E1}"/>
+              </a:ext>
+            </a:extLst>
+          </p:cNvPr>
+          <p:cNvPicPr>
+            <a:picLocks noChangeAspect="1"/>
+          </p:cNvPicPr>
+          <p:nvPr/>
+        </p:nvPicPr>
+        <p:blipFill>
+          <a:blip r:embed="rId2">
+            <a:extLst>
+              <a:ext uri="{28A0092B-C50C-407E-A947-70E740481C1C}">
+                <a14:useLocalDpi xmlns:a14="http://schemas.microsoft.com/office/drawing/2010/main" val="0"/>
+              </a:ext>
+            </a:extLst>
+          </a:blip>
+          <a:stretch>
+            <a:fillRect/>
+          </a:stretch>
+        </p:blipFill>
+        <p:spPr>
+          <a:xfrm>
+            <a:off x="730582" y="306000"/>
+            <a:ext cx="10730835" cy="6552000"/>
+          </a:xfrm>
+          <a:prstGeom prst="rect">
+            <a:avLst/>
+          </a:prstGeom>
+        </p:spPr>
+      </p:pic>
+    </p:spTree>
+    <p:extLst>
+      <p:ext uri="{BB962C8B-B14F-4D97-AF65-F5344CB8AC3E}">
+        <p14:creationId xmlns:p14="http://schemas.microsoft.com/office/powerpoint/2010/main" val="916425364"/>
+      </p:ext>
+    </p:extLst>
+  </p:cSld>
+  <p:clrMapOvr>
+    <a:masterClrMapping/>
+  </p:clrMapOvr>
+</p:sld>
+</file>
+
+<file path=ppt/slides/slide27.xml><?xml version="1.0" encoding="utf-8"?>
+<p:sld xmlns:a="http://schemas.openxmlformats.org/drawingml/2006/main" xmlns:r="http://schemas.openxmlformats.org/officeDocument/2006/relationships" xmlns:p="http://schemas.openxmlformats.org/presentationml/2006/main">
+  <p:cSld>
+    <p:spTree>
+      <p:nvGrpSpPr>
+        <p:cNvPr id="1" name=""/>
+        <p:cNvGrpSpPr/>
+        <p:nvPr/>
+      </p:nvGrpSpPr>
+      <p:grpSpPr>
+        <a:xfrm>
+          <a:off x="0" y="0"/>
+          <a:ext cx="0" cy="0"/>
+          <a:chOff x="0" y="0"/>
+          <a:chExt cx="0" cy="0"/>
+        </a:xfrm>
+      </p:grpSpPr>
+      <p:pic>
+        <p:nvPicPr>
+          <p:cNvPr id="3" name="Grafik 2">
+            <a:extLst>
+              <a:ext uri="{FF2B5EF4-FFF2-40B4-BE49-F238E27FC236}">
+                <a16:creationId xmlns:a16="http://schemas.microsoft.com/office/drawing/2014/main" id="{3C1339F4-AE7A-4206-A0F8-17C8125258DF}"/>
+              </a:ext>
+            </a:extLst>
+          </p:cNvPr>
+          <p:cNvPicPr>
+            <a:picLocks noChangeAspect="1"/>
+          </p:cNvPicPr>
+          <p:nvPr/>
+        </p:nvPicPr>
+        <p:blipFill>
+          <a:blip r:embed="rId2">
+            <a:extLst>
+              <a:ext uri="{28A0092B-C50C-407E-A947-70E740481C1C}">
+                <a14:useLocalDpi xmlns:a14="http://schemas.microsoft.com/office/drawing/2010/main" val="0"/>
+              </a:ext>
+            </a:extLst>
+          </a:blip>
+          <a:stretch>
+            <a:fillRect/>
+          </a:stretch>
+        </p:blipFill>
+        <p:spPr>
+          <a:xfrm>
+            <a:off x="730582" y="306000"/>
+            <a:ext cx="10730835" cy="6552000"/>
+          </a:xfrm>
+          <a:prstGeom prst="rect">
+            <a:avLst/>
+          </a:prstGeom>
+        </p:spPr>
+      </p:pic>
+    </p:spTree>
+    <p:extLst>
+      <p:ext uri="{BB962C8B-B14F-4D97-AF65-F5344CB8AC3E}">
+        <p14:creationId xmlns:p14="http://schemas.microsoft.com/office/powerpoint/2010/main" val="22193534"/>
+      </p:ext>
+    </p:extLst>
+  </p:cSld>
+  <p:clrMapOvr>
+    <a:masterClrMapping/>
+  </p:clrMapOvr>
+</p:sld>
+</file>
+
+<file path=ppt/slides/slide28.xml><?xml version="1.0" encoding="utf-8"?>
+<p:sld xmlns:a="http://schemas.openxmlformats.org/drawingml/2006/main" xmlns:r="http://schemas.openxmlformats.org/officeDocument/2006/relationships" xmlns:p="http://schemas.openxmlformats.org/presentationml/2006/main">
+  <p:cSld>
+    <p:spTree>
+      <p:nvGrpSpPr>
+        <p:cNvPr id="1" name=""/>
+        <p:cNvGrpSpPr/>
+        <p:nvPr/>
+      </p:nvGrpSpPr>
+      <p:grpSpPr>
+        <a:xfrm>
+          <a:off x="0" y="0"/>
+          <a:ext cx="0" cy="0"/>
+          <a:chOff x="0" y="0"/>
+          <a:chExt cx="0" cy="0"/>
+        </a:xfrm>
+      </p:grpSpPr>
+      <p:pic>
+        <p:nvPicPr>
+          <p:cNvPr id="3" name="Grafik 2">
+            <a:extLst>
+              <a:ext uri="{FF2B5EF4-FFF2-40B4-BE49-F238E27FC236}">
+                <a16:creationId xmlns:a16="http://schemas.microsoft.com/office/drawing/2014/main" id="{C04A14DA-F6D0-4EDE-99D1-58C21FC8B0C4}"/>
+              </a:ext>
+            </a:extLst>
+          </p:cNvPr>
+          <p:cNvPicPr>
+            <a:picLocks noChangeAspect="1"/>
+          </p:cNvPicPr>
+          <p:nvPr/>
+        </p:nvPicPr>
+        <p:blipFill>
+          <a:blip r:embed="rId2">
+            <a:extLst>
+              <a:ext uri="{28A0092B-C50C-407E-A947-70E740481C1C}">
+                <a14:useLocalDpi xmlns:a14="http://schemas.microsoft.com/office/drawing/2010/main" val="0"/>
+              </a:ext>
+            </a:extLst>
+          </a:blip>
+          <a:stretch>
+            <a:fillRect/>
+          </a:stretch>
+        </p:blipFill>
+        <p:spPr>
+          <a:xfrm>
+            <a:off x="730582" y="306000"/>
+            <a:ext cx="10730835" cy="6552000"/>
+          </a:xfrm>
+          <a:prstGeom prst="rect">
+            <a:avLst/>
+          </a:prstGeom>
+        </p:spPr>
+      </p:pic>
+    </p:spTree>
+    <p:extLst>
+      <p:ext uri="{BB962C8B-B14F-4D97-AF65-F5344CB8AC3E}">
+        <p14:creationId xmlns:p14="http://schemas.microsoft.com/office/powerpoint/2010/main" val="1879504982"/>
+      </p:ext>
+    </p:extLst>
+  </p:cSld>
+  <p:clrMapOvr>
+    <a:masterClrMapping/>
+  </p:clrMapOvr>
+</p:sld>
+</file>
+
+<file path=ppt/slides/slide29.xml><?xml version="1.0" encoding="utf-8"?>
+<p:sld xmlns:a="http://schemas.openxmlformats.org/drawingml/2006/main" xmlns:r="http://schemas.openxmlformats.org/officeDocument/2006/relationships" xmlns:p="http://schemas.openxmlformats.org/presentationml/2006/main">
+  <p:cSld>
+    <p:spTree>
+      <p:nvGrpSpPr>
+        <p:cNvPr id="1" name=""/>
+        <p:cNvGrpSpPr/>
+        <p:nvPr/>
+      </p:nvGrpSpPr>
+      <p:grpSpPr>
+        <a:xfrm>
+          <a:off x="0" y="0"/>
+          <a:ext cx="0" cy="0"/>
+          <a:chOff x="0" y="0"/>
+          <a:chExt cx="0" cy="0"/>
+        </a:xfrm>
+      </p:grpSpPr>
+      <p:pic>
+        <p:nvPicPr>
+          <p:cNvPr id="3" name="Grafik 2">
+            <a:extLst>
+              <a:ext uri="{FF2B5EF4-FFF2-40B4-BE49-F238E27FC236}">
+                <a16:creationId xmlns:a16="http://schemas.microsoft.com/office/drawing/2014/main" id="{A10346B5-E2D3-4562-AD59-E89EE4900F2A}"/>
+              </a:ext>
+            </a:extLst>
+          </p:cNvPr>
+          <p:cNvPicPr>
+            <a:picLocks noChangeAspect="1"/>
+          </p:cNvPicPr>
+          <p:nvPr/>
+        </p:nvPicPr>
+        <p:blipFill>
+          <a:blip r:embed="rId2">
+            <a:extLst>
+              <a:ext uri="{28A0092B-C50C-407E-A947-70E740481C1C}">
+                <a14:useLocalDpi xmlns:a14="http://schemas.microsoft.com/office/drawing/2010/main" val="0"/>
+              </a:ext>
+            </a:extLst>
+          </a:blip>
+          <a:stretch>
+            <a:fillRect/>
+          </a:stretch>
+        </p:blipFill>
+        <p:spPr>
+          <a:xfrm>
+            <a:off x="730582" y="306000"/>
+            <a:ext cx="10730835" cy="6552000"/>
+          </a:xfrm>
+          <a:prstGeom prst="rect">
+            <a:avLst/>
+          </a:prstGeom>
+        </p:spPr>
+      </p:pic>
+    </p:spTree>
+    <p:extLst>
+      <p:ext uri="{BB962C8B-B14F-4D97-AF65-F5344CB8AC3E}">
+        <p14:creationId xmlns:p14="http://schemas.microsoft.com/office/powerpoint/2010/main" val="2426122576"/>
+      </p:ext>
+    </p:extLst>
+  </p:cSld>
+  <p:clrMapOvr>
+    <a:masterClrMapping/>
+  </p:clrMapOvr>
+</p:sld>
+</file>
+
 <file path=ppt/slides/slide3.xml><?xml version="1.0" encoding="utf-8"?>
 <p:sld xmlns:a="http://schemas.openxmlformats.org/drawingml/2006/main" xmlns:r="http://schemas.openxmlformats.org/officeDocument/2006/relationships" xmlns:p="http://schemas.openxmlformats.org/presentationml/2006/main">
   <p:cSld>
@@ -4343,6 +5046,666 @@
     <p:extLst>
       <p:ext uri="{BB962C8B-B14F-4D97-AF65-F5344CB8AC3E}">
         <p14:creationId xmlns:p14="http://schemas.microsoft.com/office/powerpoint/2010/main" val="3373265405"/>
+      </p:ext>
+    </p:extLst>
+  </p:cSld>
+  <p:clrMapOvr>
+    <a:masterClrMapping/>
+  </p:clrMapOvr>
+</p:sld>
+</file>
+
+<file path=ppt/slides/slide30.xml><?xml version="1.0" encoding="utf-8"?>
+<p:sld xmlns:a="http://schemas.openxmlformats.org/drawingml/2006/main" xmlns:r="http://schemas.openxmlformats.org/officeDocument/2006/relationships" xmlns:p="http://schemas.openxmlformats.org/presentationml/2006/main">
+  <p:cSld>
+    <p:spTree>
+      <p:nvGrpSpPr>
+        <p:cNvPr id="1" name=""/>
+        <p:cNvGrpSpPr/>
+        <p:nvPr/>
+      </p:nvGrpSpPr>
+      <p:grpSpPr>
+        <a:xfrm>
+          <a:off x="0" y="0"/>
+          <a:ext cx="0" cy="0"/>
+          <a:chOff x="0" y="0"/>
+          <a:chExt cx="0" cy="0"/>
+        </a:xfrm>
+      </p:grpSpPr>
+      <p:pic>
+        <p:nvPicPr>
+          <p:cNvPr id="3" name="Grafik 2">
+            <a:extLst>
+              <a:ext uri="{FF2B5EF4-FFF2-40B4-BE49-F238E27FC236}">
+                <a16:creationId xmlns:a16="http://schemas.microsoft.com/office/drawing/2014/main" id="{E535035E-F151-4EFE-8D21-B0FBC04B74D3}"/>
+              </a:ext>
+            </a:extLst>
+          </p:cNvPr>
+          <p:cNvPicPr>
+            <a:picLocks noChangeAspect="1"/>
+          </p:cNvPicPr>
+          <p:nvPr/>
+        </p:nvPicPr>
+        <p:blipFill>
+          <a:blip r:embed="rId2">
+            <a:extLst>
+              <a:ext uri="{28A0092B-C50C-407E-A947-70E740481C1C}">
+                <a14:useLocalDpi xmlns:a14="http://schemas.microsoft.com/office/drawing/2010/main" val="0"/>
+              </a:ext>
+            </a:extLst>
+          </a:blip>
+          <a:stretch>
+            <a:fillRect/>
+          </a:stretch>
+        </p:blipFill>
+        <p:spPr>
+          <a:xfrm>
+            <a:off x="730582" y="306000"/>
+            <a:ext cx="10730835" cy="6552000"/>
+          </a:xfrm>
+          <a:prstGeom prst="rect">
+            <a:avLst/>
+          </a:prstGeom>
+        </p:spPr>
+      </p:pic>
+    </p:spTree>
+    <p:extLst>
+      <p:ext uri="{BB962C8B-B14F-4D97-AF65-F5344CB8AC3E}">
+        <p14:creationId xmlns:p14="http://schemas.microsoft.com/office/powerpoint/2010/main" val="3292931433"/>
+      </p:ext>
+    </p:extLst>
+  </p:cSld>
+  <p:clrMapOvr>
+    <a:masterClrMapping/>
+  </p:clrMapOvr>
+</p:sld>
+</file>
+
+<file path=ppt/slides/slide31.xml><?xml version="1.0" encoding="utf-8"?>
+<p:sld xmlns:a="http://schemas.openxmlformats.org/drawingml/2006/main" xmlns:r="http://schemas.openxmlformats.org/officeDocument/2006/relationships" xmlns:p="http://schemas.openxmlformats.org/presentationml/2006/main">
+  <p:cSld>
+    <p:spTree>
+      <p:nvGrpSpPr>
+        <p:cNvPr id="1" name=""/>
+        <p:cNvGrpSpPr/>
+        <p:nvPr/>
+      </p:nvGrpSpPr>
+      <p:grpSpPr>
+        <a:xfrm>
+          <a:off x="0" y="0"/>
+          <a:ext cx="0" cy="0"/>
+          <a:chOff x="0" y="0"/>
+          <a:chExt cx="0" cy="0"/>
+        </a:xfrm>
+      </p:grpSpPr>
+      <p:pic>
+        <p:nvPicPr>
+          <p:cNvPr id="3" name="Grafik 2">
+            <a:extLst>
+              <a:ext uri="{FF2B5EF4-FFF2-40B4-BE49-F238E27FC236}">
+                <a16:creationId xmlns:a16="http://schemas.microsoft.com/office/drawing/2014/main" id="{BD7748F8-CFF9-487A-B7C5-6F57DBC8AD38}"/>
+              </a:ext>
+            </a:extLst>
+          </p:cNvPr>
+          <p:cNvPicPr>
+            <a:picLocks noChangeAspect="1"/>
+          </p:cNvPicPr>
+          <p:nvPr/>
+        </p:nvPicPr>
+        <p:blipFill>
+          <a:blip r:embed="rId2">
+            <a:extLst>
+              <a:ext uri="{28A0092B-C50C-407E-A947-70E740481C1C}">
+                <a14:useLocalDpi xmlns:a14="http://schemas.microsoft.com/office/drawing/2010/main" val="0"/>
+              </a:ext>
+            </a:extLst>
+          </a:blip>
+          <a:stretch>
+            <a:fillRect/>
+          </a:stretch>
+        </p:blipFill>
+        <p:spPr>
+          <a:xfrm>
+            <a:off x="730582" y="306000"/>
+            <a:ext cx="10730835" cy="6552000"/>
+          </a:xfrm>
+          <a:prstGeom prst="rect">
+            <a:avLst/>
+          </a:prstGeom>
+        </p:spPr>
+      </p:pic>
+    </p:spTree>
+    <p:extLst>
+      <p:ext uri="{BB962C8B-B14F-4D97-AF65-F5344CB8AC3E}">
+        <p14:creationId xmlns:p14="http://schemas.microsoft.com/office/powerpoint/2010/main" val="3329553523"/>
+      </p:ext>
+    </p:extLst>
+  </p:cSld>
+  <p:clrMapOvr>
+    <a:masterClrMapping/>
+  </p:clrMapOvr>
+</p:sld>
+</file>
+
+<file path=ppt/slides/slide32.xml><?xml version="1.0" encoding="utf-8"?>
+<p:sld xmlns:a="http://schemas.openxmlformats.org/drawingml/2006/main" xmlns:r="http://schemas.openxmlformats.org/officeDocument/2006/relationships" xmlns:p="http://schemas.openxmlformats.org/presentationml/2006/main">
+  <p:cSld>
+    <p:spTree>
+      <p:nvGrpSpPr>
+        <p:cNvPr id="1" name=""/>
+        <p:cNvGrpSpPr/>
+        <p:nvPr/>
+      </p:nvGrpSpPr>
+      <p:grpSpPr>
+        <a:xfrm>
+          <a:off x="0" y="0"/>
+          <a:ext cx="0" cy="0"/>
+          <a:chOff x="0" y="0"/>
+          <a:chExt cx="0" cy="0"/>
+        </a:xfrm>
+      </p:grpSpPr>
+      <p:pic>
+        <p:nvPicPr>
+          <p:cNvPr id="3" name="Grafik 2">
+            <a:extLst>
+              <a:ext uri="{FF2B5EF4-FFF2-40B4-BE49-F238E27FC236}">
+                <a16:creationId xmlns:a16="http://schemas.microsoft.com/office/drawing/2014/main" id="{F0946E6F-879B-4536-B585-91E0323F7931}"/>
+              </a:ext>
+            </a:extLst>
+          </p:cNvPr>
+          <p:cNvPicPr>
+            <a:picLocks noChangeAspect="1"/>
+          </p:cNvPicPr>
+          <p:nvPr/>
+        </p:nvPicPr>
+        <p:blipFill>
+          <a:blip r:embed="rId2">
+            <a:extLst>
+              <a:ext uri="{28A0092B-C50C-407E-A947-70E740481C1C}">
+                <a14:useLocalDpi xmlns:a14="http://schemas.microsoft.com/office/drawing/2010/main" val="0"/>
+              </a:ext>
+            </a:extLst>
+          </a:blip>
+          <a:stretch>
+            <a:fillRect/>
+          </a:stretch>
+        </p:blipFill>
+        <p:spPr>
+          <a:xfrm>
+            <a:off x="730582" y="306000"/>
+            <a:ext cx="10730835" cy="6552000"/>
+          </a:xfrm>
+          <a:prstGeom prst="rect">
+            <a:avLst/>
+          </a:prstGeom>
+        </p:spPr>
+      </p:pic>
+    </p:spTree>
+    <p:extLst>
+      <p:ext uri="{BB962C8B-B14F-4D97-AF65-F5344CB8AC3E}">
+        <p14:creationId xmlns:p14="http://schemas.microsoft.com/office/powerpoint/2010/main" val="40063947"/>
+      </p:ext>
+    </p:extLst>
+  </p:cSld>
+  <p:clrMapOvr>
+    <a:masterClrMapping/>
+  </p:clrMapOvr>
+</p:sld>
+</file>
+
+<file path=ppt/slides/slide33.xml><?xml version="1.0" encoding="utf-8"?>
+<p:sld xmlns:a="http://schemas.openxmlformats.org/drawingml/2006/main" xmlns:r="http://schemas.openxmlformats.org/officeDocument/2006/relationships" xmlns:p="http://schemas.openxmlformats.org/presentationml/2006/main">
+  <p:cSld>
+    <p:spTree>
+      <p:nvGrpSpPr>
+        <p:cNvPr id="1" name=""/>
+        <p:cNvGrpSpPr/>
+        <p:nvPr/>
+      </p:nvGrpSpPr>
+      <p:grpSpPr>
+        <a:xfrm>
+          <a:off x="0" y="0"/>
+          <a:ext cx="0" cy="0"/>
+          <a:chOff x="0" y="0"/>
+          <a:chExt cx="0" cy="0"/>
+        </a:xfrm>
+      </p:grpSpPr>
+      <p:pic>
+        <p:nvPicPr>
+          <p:cNvPr id="3" name="Grafik 2">
+            <a:extLst>
+              <a:ext uri="{FF2B5EF4-FFF2-40B4-BE49-F238E27FC236}">
+                <a16:creationId xmlns:a16="http://schemas.microsoft.com/office/drawing/2014/main" id="{F1B69A1D-5013-480D-A5A9-CD05215DEFE3}"/>
+              </a:ext>
+            </a:extLst>
+          </p:cNvPr>
+          <p:cNvPicPr>
+            <a:picLocks noChangeAspect="1"/>
+          </p:cNvPicPr>
+          <p:nvPr/>
+        </p:nvPicPr>
+        <p:blipFill>
+          <a:blip r:embed="rId2">
+            <a:extLst>
+              <a:ext uri="{28A0092B-C50C-407E-A947-70E740481C1C}">
+                <a14:useLocalDpi xmlns:a14="http://schemas.microsoft.com/office/drawing/2010/main" val="0"/>
+              </a:ext>
+            </a:extLst>
+          </a:blip>
+          <a:stretch>
+            <a:fillRect/>
+          </a:stretch>
+        </p:blipFill>
+        <p:spPr>
+          <a:xfrm>
+            <a:off x="1261258" y="306000"/>
+            <a:ext cx="9669484" cy="6552000"/>
+          </a:xfrm>
+          <a:prstGeom prst="rect">
+            <a:avLst/>
+          </a:prstGeom>
+        </p:spPr>
+      </p:pic>
+    </p:spTree>
+    <p:extLst>
+      <p:ext uri="{BB962C8B-B14F-4D97-AF65-F5344CB8AC3E}">
+        <p14:creationId xmlns:p14="http://schemas.microsoft.com/office/powerpoint/2010/main" val="2530528545"/>
+      </p:ext>
+    </p:extLst>
+  </p:cSld>
+  <p:clrMapOvr>
+    <a:masterClrMapping/>
+  </p:clrMapOvr>
+</p:sld>
+</file>
+
+<file path=ppt/slides/slide34.xml><?xml version="1.0" encoding="utf-8"?>
+<p:sld xmlns:a="http://schemas.openxmlformats.org/drawingml/2006/main" xmlns:r="http://schemas.openxmlformats.org/officeDocument/2006/relationships" xmlns:p="http://schemas.openxmlformats.org/presentationml/2006/main">
+  <p:cSld>
+    <p:spTree>
+      <p:nvGrpSpPr>
+        <p:cNvPr id="1" name=""/>
+        <p:cNvGrpSpPr/>
+        <p:nvPr/>
+      </p:nvGrpSpPr>
+      <p:grpSpPr>
+        <a:xfrm>
+          <a:off x="0" y="0"/>
+          <a:ext cx="0" cy="0"/>
+          <a:chOff x="0" y="0"/>
+          <a:chExt cx="0" cy="0"/>
+        </a:xfrm>
+      </p:grpSpPr>
+      <p:pic>
+        <p:nvPicPr>
+          <p:cNvPr id="3" name="Grafik 2">
+            <a:extLst>
+              <a:ext uri="{FF2B5EF4-FFF2-40B4-BE49-F238E27FC236}">
+                <a16:creationId xmlns:a16="http://schemas.microsoft.com/office/drawing/2014/main" id="{74C14528-529D-4056-B1D2-467027CA2F5F}"/>
+              </a:ext>
+            </a:extLst>
+          </p:cNvPr>
+          <p:cNvPicPr>
+            <a:picLocks noChangeAspect="1"/>
+          </p:cNvPicPr>
+          <p:nvPr/>
+        </p:nvPicPr>
+        <p:blipFill>
+          <a:blip r:embed="rId2">
+            <a:extLst>
+              <a:ext uri="{28A0092B-C50C-407E-A947-70E740481C1C}">
+                <a14:useLocalDpi xmlns:a14="http://schemas.microsoft.com/office/drawing/2010/main" val="0"/>
+              </a:ext>
+            </a:extLst>
+          </a:blip>
+          <a:stretch>
+            <a:fillRect/>
+          </a:stretch>
+        </p:blipFill>
+        <p:spPr>
+          <a:xfrm>
+            <a:off x="1261258" y="306000"/>
+            <a:ext cx="9669484" cy="6552000"/>
+          </a:xfrm>
+          <a:prstGeom prst="rect">
+            <a:avLst/>
+          </a:prstGeom>
+        </p:spPr>
+      </p:pic>
+    </p:spTree>
+    <p:extLst>
+      <p:ext uri="{BB962C8B-B14F-4D97-AF65-F5344CB8AC3E}">
+        <p14:creationId xmlns:p14="http://schemas.microsoft.com/office/powerpoint/2010/main" val="139360424"/>
+      </p:ext>
+    </p:extLst>
+  </p:cSld>
+  <p:clrMapOvr>
+    <a:masterClrMapping/>
+  </p:clrMapOvr>
+</p:sld>
+</file>
+
+<file path=ppt/slides/slide35.xml><?xml version="1.0" encoding="utf-8"?>
+<p:sld xmlns:a="http://schemas.openxmlformats.org/drawingml/2006/main" xmlns:r="http://schemas.openxmlformats.org/officeDocument/2006/relationships" xmlns:p="http://schemas.openxmlformats.org/presentationml/2006/main">
+  <p:cSld>
+    <p:spTree>
+      <p:nvGrpSpPr>
+        <p:cNvPr id="1" name=""/>
+        <p:cNvGrpSpPr/>
+        <p:nvPr/>
+      </p:nvGrpSpPr>
+      <p:grpSpPr>
+        <a:xfrm>
+          <a:off x="0" y="0"/>
+          <a:ext cx="0" cy="0"/>
+          <a:chOff x="0" y="0"/>
+          <a:chExt cx="0" cy="0"/>
+        </a:xfrm>
+      </p:grpSpPr>
+      <p:pic>
+        <p:nvPicPr>
+          <p:cNvPr id="3" name="Grafik 2">
+            <a:extLst>
+              <a:ext uri="{FF2B5EF4-FFF2-40B4-BE49-F238E27FC236}">
+                <a16:creationId xmlns:a16="http://schemas.microsoft.com/office/drawing/2014/main" id="{24D52251-93B7-4C00-89EE-C0F7D0E673E5}"/>
+              </a:ext>
+            </a:extLst>
+          </p:cNvPr>
+          <p:cNvPicPr>
+            <a:picLocks noChangeAspect="1"/>
+          </p:cNvPicPr>
+          <p:nvPr/>
+        </p:nvPicPr>
+        <p:blipFill>
+          <a:blip r:embed="rId2">
+            <a:extLst>
+              <a:ext uri="{28A0092B-C50C-407E-A947-70E740481C1C}">
+                <a14:useLocalDpi xmlns:a14="http://schemas.microsoft.com/office/drawing/2010/main" val="0"/>
+              </a:ext>
+            </a:extLst>
+          </a:blip>
+          <a:stretch>
+            <a:fillRect/>
+          </a:stretch>
+        </p:blipFill>
+        <p:spPr>
+          <a:xfrm>
+            <a:off x="1261258" y="306000"/>
+            <a:ext cx="9669484" cy="6552000"/>
+          </a:xfrm>
+          <a:prstGeom prst="rect">
+            <a:avLst/>
+          </a:prstGeom>
+        </p:spPr>
+      </p:pic>
+    </p:spTree>
+    <p:extLst>
+      <p:ext uri="{BB962C8B-B14F-4D97-AF65-F5344CB8AC3E}">
+        <p14:creationId xmlns:p14="http://schemas.microsoft.com/office/powerpoint/2010/main" val="1339252522"/>
+      </p:ext>
+    </p:extLst>
+  </p:cSld>
+  <p:clrMapOvr>
+    <a:masterClrMapping/>
+  </p:clrMapOvr>
+</p:sld>
+</file>
+
+<file path=ppt/slides/slide36.xml><?xml version="1.0" encoding="utf-8"?>
+<p:sld xmlns:a="http://schemas.openxmlformats.org/drawingml/2006/main" xmlns:r="http://schemas.openxmlformats.org/officeDocument/2006/relationships" xmlns:p="http://schemas.openxmlformats.org/presentationml/2006/main">
+  <p:cSld>
+    <p:spTree>
+      <p:nvGrpSpPr>
+        <p:cNvPr id="1" name=""/>
+        <p:cNvGrpSpPr/>
+        <p:nvPr/>
+      </p:nvGrpSpPr>
+      <p:grpSpPr>
+        <a:xfrm>
+          <a:off x="0" y="0"/>
+          <a:ext cx="0" cy="0"/>
+          <a:chOff x="0" y="0"/>
+          <a:chExt cx="0" cy="0"/>
+        </a:xfrm>
+      </p:grpSpPr>
+      <p:pic>
+        <p:nvPicPr>
+          <p:cNvPr id="3" name="Grafik 2">
+            <a:extLst>
+              <a:ext uri="{FF2B5EF4-FFF2-40B4-BE49-F238E27FC236}">
+                <a16:creationId xmlns:a16="http://schemas.microsoft.com/office/drawing/2014/main" id="{CBB7FF95-0178-492D-A94D-D651307C5399}"/>
+              </a:ext>
+            </a:extLst>
+          </p:cNvPr>
+          <p:cNvPicPr>
+            <a:picLocks noChangeAspect="1"/>
+          </p:cNvPicPr>
+          <p:nvPr/>
+        </p:nvPicPr>
+        <p:blipFill>
+          <a:blip r:embed="rId2">
+            <a:extLst>
+              <a:ext uri="{28A0092B-C50C-407E-A947-70E740481C1C}">
+                <a14:useLocalDpi xmlns:a14="http://schemas.microsoft.com/office/drawing/2010/main" val="0"/>
+              </a:ext>
+            </a:extLst>
+          </a:blip>
+          <a:stretch>
+            <a:fillRect/>
+          </a:stretch>
+        </p:blipFill>
+        <p:spPr>
+          <a:xfrm>
+            <a:off x="1261258" y="306000"/>
+            <a:ext cx="9669484" cy="6552000"/>
+          </a:xfrm>
+          <a:prstGeom prst="rect">
+            <a:avLst/>
+          </a:prstGeom>
+        </p:spPr>
+      </p:pic>
+    </p:spTree>
+    <p:extLst>
+      <p:ext uri="{BB962C8B-B14F-4D97-AF65-F5344CB8AC3E}">
+        <p14:creationId xmlns:p14="http://schemas.microsoft.com/office/powerpoint/2010/main" val="2212243807"/>
+      </p:ext>
+    </p:extLst>
+  </p:cSld>
+  <p:clrMapOvr>
+    <a:masterClrMapping/>
+  </p:clrMapOvr>
+</p:sld>
+</file>
+
+<file path=ppt/slides/slide37.xml><?xml version="1.0" encoding="utf-8"?>
+<p:sld xmlns:a="http://schemas.openxmlformats.org/drawingml/2006/main" xmlns:r="http://schemas.openxmlformats.org/officeDocument/2006/relationships" xmlns:p="http://schemas.openxmlformats.org/presentationml/2006/main">
+  <p:cSld>
+    <p:spTree>
+      <p:nvGrpSpPr>
+        <p:cNvPr id="1" name=""/>
+        <p:cNvGrpSpPr/>
+        <p:nvPr/>
+      </p:nvGrpSpPr>
+      <p:grpSpPr>
+        <a:xfrm>
+          <a:off x="0" y="0"/>
+          <a:ext cx="0" cy="0"/>
+          <a:chOff x="0" y="0"/>
+          <a:chExt cx="0" cy="0"/>
+        </a:xfrm>
+      </p:grpSpPr>
+      <p:pic>
+        <p:nvPicPr>
+          <p:cNvPr id="3" name="Grafik 2">
+            <a:extLst>
+              <a:ext uri="{FF2B5EF4-FFF2-40B4-BE49-F238E27FC236}">
+                <a16:creationId xmlns:a16="http://schemas.microsoft.com/office/drawing/2014/main" id="{BFECDDF8-8257-41A0-9F73-9341228ACF8C}"/>
+              </a:ext>
+            </a:extLst>
+          </p:cNvPr>
+          <p:cNvPicPr>
+            <a:picLocks noChangeAspect="1"/>
+          </p:cNvPicPr>
+          <p:nvPr/>
+        </p:nvPicPr>
+        <p:blipFill>
+          <a:blip r:embed="rId2">
+            <a:extLst>
+              <a:ext uri="{28A0092B-C50C-407E-A947-70E740481C1C}">
+                <a14:useLocalDpi xmlns:a14="http://schemas.microsoft.com/office/drawing/2010/main" val="0"/>
+              </a:ext>
+            </a:extLst>
+          </a:blip>
+          <a:stretch>
+            <a:fillRect/>
+          </a:stretch>
+        </p:blipFill>
+        <p:spPr>
+          <a:xfrm>
+            <a:off x="1261258" y="306000"/>
+            <a:ext cx="9669484" cy="6552000"/>
+          </a:xfrm>
+          <a:prstGeom prst="rect">
+            <a:avLst/>
+          </a:prstGeom>
+        </p:spPr>
+      </p:pic>
+    </p:spTree>
+    <p:extLst>
+      <p:ext uri="{BB962C8B-B14F-4D97-AF65-F5344CB8AC3E}">
+        <p14:creationId xmlns:p14="http://schemas.microsoft.com/office/powerpoint/2010/main" val="1332327910"/>
+      </p:ext>
+    </p:extLst>
+  </p:cSld>
+  <p:clrMapOvr>
+    <a:masterClrMapping/>
+  </p:clrMapOvr>
+</p:sld>
+</file>
+
+<file path=ppt/slides/slide38.xml><?xml version="1.0" encoding="utf-8"?>
+<p:sld xmlns:a="http://schemas.openxmlformats.org/drawingml/2006/main" xmlns:r="http://schemas.openxmlformats.org/officeDocument/2006/relationships" xmlns:p="http://schemas.openxmlformats.org/presentationml/2006/main">
+  <p:cSld>
+    <p:spTree>
+      <p:nvGrpSpPr>
+        <p:cNvPr id="1" name=""/>
+        <p:cNvGrpSpPr/>
+        <p:nvPr/>
+      </p:nvGrpSpPr>
+      <p:grpSpPr>
+        <a:xfrm>
+          <a:off x="0" y="0"/>
+          <a:ext cx="0" cy="0"/>
+          <a:chOff x="0" y="0"/>
+          <a:chExt cx="0" cy="0"/>
+        </a:xfrm>
+      </p:grpSpPr>
+      <p:pic>
+        <p:nvPicPr>
+          <p:cNvPr id="3" name="Grafik 2">
+            <a:extLst>
+              <a:ext uri="{FF2B5EF4-FFF2-40B4-BE49-F238E27FC236}">
+                <a16:creationId xmlns:a16="http://schemas.microsoft.com/office/drawing/2014/main" id="{A21A8053-4DBB-4566-86D3-DF2046414998}"/>
+              </a:ext>
+            </a:extLst>
+          </p:cNvPr>
+          <p:cNvPicPr>
+            <a:picLocks noChangeAspect="1"/>
+          </p:cNvPicPr>
+          <p:nvPr/>
+        </p:nvPicPr>
+        <p:blipFill>
+          <a:blip r:embed="rId2">
+            <a:extLst>
+              <a:ext uri="{28A0092B-C50C-407E-A947-70E740481C1C}">
+                <a14:useLocalDpi xmlns:a14="http://schemas.microsoft.com/office/drawing/2010/main" val="0"/>
+              </a:ext>
+            </a:extLst>
+          </a:blip>
+          <a:stretch>
+            <a:fillRect/>
+          </a:stretch>
+        </p:blipFill>
+        <p:spPr>
+          <a:xfrm>
+            <a:off x="1261258" y="306000"/>
+            <a:ext cx="9669484" cy="6552000"/>
+          </a:xfrm>
+          <a:prstGeom prst="rect">
+            <a:avLst/>
+          </a:prstGeom>
+        </p:spPr>
+      </p:pic>
+    </p:spTree>
+    <p:extLst>
+      <p:ext uri="{BB962C8B-B14F-4D97-AF65-F5344CB8AC3E}">
+        <p14:creationId xmlns:p14="http://schemas.microsoft.com/office/powerpoint/2010/main" val="198664142"/>
+      </p:ext>
+    </p:extLst>
+  </p:cSld>
+  <p:clrMapOvr>
+    <a:masterClrMapping/>
+  </p:clrMapOvr>
+</p:sld>
+</file>
+
+<file path=ppt/slides/slide39.xml><?xml version="1.0" encoding="utf-8"?>
+<p:sld xmlns:a="http://schemas.openxmlformats.org/drawingml/2006/main" xmlns:r="http://schemas.openxmlformats.org/officeDocument/2006/relationships" xmlns:p="http://schemas.openxmlformats.org/presentationml/2006/main">
+  <p:cSld>
+    <p:spTree>
+      <p:nvGrpSpPr>
+        <p:cNvPr id="1" name=""/>
+        <p:cNvGrpSpPr/>
+        <p:nvPr/>
+      </p:nvGrpSpPr>
+      <p:grpSpPr>
+        <a:xfrm>
+          <a:off x="0" y="0"/>
+          <a:ext cx="0" cy="0"/>
+          <a:chOff x="0" y="0"/>
+          <a:chExt cx="0" cy="0"/>
+        </a:xfrm>
+      </p:grpSpPr>
+      <p:pic>
+        <p:nvPicPr>
+          <p:cNvPr id="3" name="Grafik 2">
+            <a:extLst>
+              <a:ext uri="{FF2B5EF4-FFF2-40B4-BE49-F238E27FC236}">
+                <a16:creationId xmlns:a16="http://schemas.microsoft.com/office/drawing/2014/main" id="{6795F879-C733-4561-B352-C93AFD0C6129}"/>
+              </a:ext>
+            </a:extLst>
+          </p:cNvPr>
+          <p:cNvPicPr>
+            <a:picLocks noChangeAspect="1"/>
+          </p:cNvPicPr>
+          <p:nvPr/>
+        </p:nvPicPr>
+        <p:blipFill>
+          <a:blip r:embed="rId2">
+            <a:extLst>
+              <a:ext uri="{28A0092B-C50C-407E-A947-70E740481C1C}">
+                <a14:useLocalDpi xmlns:a14="http://schemas.microsoft.com/office/drawing/2010/main" val="0"/>
+              </a:ext>
+            </a:extLst>
+          </a:blip>
+          <a:stretch>
+            <a:fillRect/>
+          </a:stretch>
+        </p:blipFill>
+        <p:spPr>
+          <a:xfrm>
+            <a:off x="776554" y="306000"/>
+            <a:ext cx="10638891" cy="6552000"/>
+          </a:xfrm>
+          <a:prstGeom prst="rect">
+            <a:avLst/>
+          </a:prstGeom>
+        </p:spPr>
+      </p:pic>
+    </p:spTree>
+    <p:extLst>
+      <p:ext uri="{BB962C8B-B14F-4D97-AF65-F5344CB8AC3E}">
+        <p14:creationId xmlns:p14="http://schemas.microsoft.com/office/powerpoint/2010/main" val="4117847281"/>
       </p:ext>
     </p:extLst>
   </p:cSld>
@@ -4418,6 +5781,666 @@
 </p:sld>
 </file>
 
+<file path=ppt/slides/slide40.xml><?xml version="1.0" encoding="utf-8"?>
+<p:sld xmlns:a="http://schemas.openxmlformats.org/drawingml/2006/main" xmlns:r="http://schemas.openxmlformats.org/officeDocument/2006/relationships" xmlns:p="http://schemas.openxmlformats.org/presentationml/2006/main">
+  <p:cSld>
+    <p:spTree>
+      <p:nvGrpSpPr>
+        <p:cNvPr id="1" name=""/>
+        <p:cNvGrpSpPr/>
+        <p:nvPr/>
+      </p:nvGrpSpPr>
+      <p:grpSpPr>
+        <a:xfrm>
+          <a:off x="0" y="0"/>
+          <a:ext cx="0" cy="0"/>
+          <a:chOff x="0" y="0"/>
+          <a:chExt cx="0" cy="0"/>
+        </a:xfrm>
+      </p:grpSpPr>
+      <p:pic>
+        <p:nvPicPr>
+          <p:cNvPr id="3" name="Grafik 2">
+            <a:extLst>
+              <a:ext uri="{FF2B5EF4-FFF2-40B4-BE49-F238E27FC236}">
+                <a16:creationId xmlns:a16="http://schemas.microsoft.com/office/drawing/2014/main" id="{E7EFE7F9-36D5-4AB7-A768-EABC62F899C9}"/>
+              </a:ext>
+            </a:extLst>
+          </p:cNvPr>
+          <p:cNvPicPr>
+            <a:picLocks noChangeAspect="1"/>
+          </p:cNvPicPr>
+          <p:nvPr/>
+        </p:nvPicPr>
+        <p:blipFill>
+          <a:blip r:embed="rId2">
+            <a:extLst>
+              <a:ext uri="{28A0092B-C50C-407E-A947-70E740481C1C}">
+                <a14:useLocalDpi xmlns:a14="http://schemas.microsoft.com/office/drawing/2010/main" val="0"/>
+              </a:ext>
+            </a:extLst>
+          </a:blip>
+          <a:stretch>
+            <a:fillRect/>
+          </a:stretch>
+        </p:blipFill>
+        <p:spPr>
+          <a:xfrm>
+            <a:off x="776554" y="306000"/>
+            <a:ext cx="10638891" cy="6552000"/>
+          </a:xfrm>
+          <a:prstGeom prst="rect">
+            <a:avLst/>
+          </a:prstGeom>
+        </p:spPr>
+      </p:pic>
+    </p:spTree>
+    <p:extLst>
+      <p:ext uri="{BB962C8B-B14F-4D97-AF65-F5344CB8AC3E}">
+        <p14:creationId xmlns:p14="http://schemas.microsoft.com/office/powerpoint/2010/main" val="4088778174"/>
+      </p:ext>
+    </p:extLst>
+  </p:cSld>
+  <p:clrMapOvr>
+    <a:masterClrMapping/>
+  </p:clrMapOvr>
+</p:sld>
+</file>
+
+<file path=ppt/slides/slide41.xml><?xml version="1.0" encoding="utf-8"?>
+<p:sld xmlns:a="http://schemas.openxmlformats.org/drawingml/2006/main" xmlns:r="http://schemas.openxmlformats.org/officeDocument/2006/relationships" xmlns:p="http://schemas.openxmlformats.org/presentationml/2006/main">
+  <p:cSld>
+    <p:spTree>
+      <p:nvGrpSpPr>
+        <p:cNvPr id="1" name=""/>
+        <p:cNvGrpSpPr/>
+        <p:nvPr/>
+      </p:nvGrpSpPr>
+      <p:grpSpPr>
+        <a:xfrm>
+          <a:off x="0" y="0"/>
+          <a:ext cx="0" cy="0"/>
+          <a:chOff x="0" y="0"/>
+          <a:chExt cx="0" cy="0"/>
+        </a:xfrm>
+      </p:grpSpPr>
+      <p:pic>
+        <p:nvPicPr>
+          <p:cNvPr id="3" name="Grafik 2">
+            <a:extLst>
+              <a:ext uri="{FF2B5EF4-FFF2-40B4-BE49-F238E27FC236}">
+                <a16:creationId xmlns:a16="http://schemas.microsoft.com/office/drawing/2014/main" id="{123C77B7-F9FF-433C-B387-741F1CD15113}"/>
+              </a:ext>
+            </a:extLst>
+          </p:cNvPr>
+          <p:cNvPicPr>
+            <a:picLocks noChangeAspect="1"/>
+          </p:cNvPicPr>
+          <p:nvPr/>
+        </p:nvPicPr>
+        <p:blipFill>
+          <a:blip r:embed="rId2">
+            <a:extLst>
+              <a:ext uri="{28A0092B-C50C-407E-A947-70E740481C1C}">
+                <a14:useLocalDpi xmlns:a14="http://schemas.microsoft.com/office/drawing/2010/main" val="0"/>
+              </a:ext>
+            </a:extLst>
+          </a:blip>
+          <a:stretch>
+            <a:fillRect/>
+          </a:stretch>
+        </p:blipFill>
+        <p:spPr>
+          <a:xfrm>
+            <a:off x="776554" y="306000"/>
+            <a:ext cx="10638891" cy="6552000"/>
+          </a:xfrm>
+          <a:prstGeom prst="rect">
+            <a:avLst/>
+          </a:prstGeom>
+        </p:spPr>
+      </p:pic>
+    </p:spTree>
+    <p:extLst>
+      <p:ext uri="{BB962C8B-B14F-4D97-AF65-F5344CB8AC3E}">
+        <p14:creationId xmlns:p14="http://schemas.microsoft.com/office/powerpoint/2010/main" val="2948140022"/>
+      </p:ext>
+    </p:extLst>
+  </p:cSld>
+  <p:clrMapOvr>
+    <a:masterClrMapping/>
+  </p:clrMapOvr>
+</p:sld>
+</file>
+
+<file path=ppt/slides/slide42.xml><?xml version="1.0" encoding="utf-8"?>
+<p:sld xmlns:a="http://schemas.openxmlformats.org/drawingml/2006/main" xmlns:r="http://schemas.openxmlformats.org/officeDocument/2006/relationships" xmlns:p="http://schemas.openxmlformats.org/presentationml/2006/main">
+  <p:cSld>
+    <p:spTree>
+      <p:nvGrpSpPr>
+        <p:cNvPr id="1" name=""/>
+        <p:cNvGrpSpPr/>
+        <p:nvPr/>
+      </p:nvGrpSpPr>
+      <p:grpSpPr>
+        <a:xfrm>
+          <a:off x="0" y="0"/>
+          <a:ext cx="0" cy="0"/>
+          <a:chOff x="0" y="0"/>
+          <a:chExt cx="0" cy="0"/>
+        </a:xfrm>
+      </p:grpSpPr>
+      <p:pic>
+        <p:nvPicPr>
+          <p:cNvPr id="3" name="Grafik 2">
+            <a:extLst>
+              <a:ext uri="{FF2B5EF4-FFF2-40B4-BE49-F238E27FC236}">
+                <a16:creationId xmlns:a16="http://schemas.microsoft.com/office/drawing/2014/main" id="{92883817-6741-4A51-8BAC-08763D981C3E}"/>
+              </a:ext>
+            </a:extLst>
+          </p:cNvPr>
+          <p:cNvPicPr>
+            <a:picLocks noChangeAspect="1"/>
+          </p:cNvPicPr>
+          <p:nvPr/>
+        </p:nvPicPr>
+        <p:blipFill>
+          <a:blip r:embed="rId2">
+            <a:extLst>
+              <a:ext uri="{28A0092B-C50C-407E-A947-70E740481C1C}">
+                <a14:useLocalDpi xmlns:a14="http://schemas.microsoft.com/office/drawing/2010/main" val="0"/>
+              </a:ext>
+            </a:extLst>
+          </a:blip>
+          <a:stretch>
+            <a:fillRect/>
+          </a:stretch>
+        </p:blipFill>
+        <p:spPr>
+          <a:xfrm>
+            <a:off x="776554" y="306000"/>
+            <a:ext cx="10638891" cy="6552000"/>
+          </a:xfrm>
+          <a:prstGeom prst="rect">
+            <a:avLst/>
+          </a:prstGeom>
+        </p:spPr>
+      </p:pic>
+    </p:spTree>
+    <p:extLst>
+      <p:ext uri="{BB962C8B-B14F-4D97-AF65-F5344CB8AC3E}">
+        <p14:creationId xmlns:p14="http://schemas.microsoft.com/office/powerpoint/2010/main" val="1739396249"/>
+      </p:ext>
+    </p:extLst>
+  </p:cSld>
+  <p:clrMapOvr>
+    <a:masterClrMapping/>
+  </p:clrMapOvr>
+</p:sld>
+</file>
+
+<file path=ppt/slides/slide43.xml><?xml version="1.0" encoding="utf-8"?>
+<p:sld xmlns:a="http://schemas.openxmlformats.org/drawingml/2006/main" xmlns:r="http://schemas.openxmlformats.org/officeDocument/2006/relationships" xmlns:p="http://schemas.openxmlformats.org/presentationml/2006/main">
+  <p:cSld>
+    <p:spTree>
+      <p:nvGrpSpPr>
+        <p:cNvPr id="1" name=""/>
+        <p:cNvGrpSpPr/>
+        <p:nvPr/>
+      </p:nvGrpSpPr>
+      <p:grpSpPr>
+        <a:xfrm>
+          <a:off x="0" y="0"/>
+          <a:ext cx="0" cy="0"/>
+          <a:chOff x="0" y="0"/>
+          <a:chExt cx="0" cy="0"/>
+        </a:xfrm>
+      </p:grpSpPr>
+      <p:pic>
+        <p:nvPicPr>
+          <p:cNvPr id="3" name="Grafik 2">
+            <a:extLst>
+              <a:ext uri="{FF2B5EF4-FFF2-40B4-BE49-F238E27FC236}">
+                <a16:creationId xmlns:a16="http://schemas.microsoft.com/office/drawing/2014/main" id="{964D8A2C-101D-4ED6-956D-AC548A7A66AA}"/>
+              </a:ext>
+            </a:extLst>
+          </p:cNvPr>
+          <p:cNvPicPr>
+            <a:picLocks noChangeAspect="1"/>
+          </p:cNvPicPr>
+          <p:nvPr/>
+        </p:nvPicPr>
+        <p:blipFill>
+          <a:blip r:embed="rId2">
+            <a:extLst>
+              <a:ext uri="{28A0092B-C50C-407E-A947-70E740481C1C}">
+                <a14:useLocalDpi xmlns:a14="http://schemas.microsoft.com/office/drawing/2010/main" val="0"/>
+              </a:ext>
+            </a:extLst>
+          </a:blip>
+          <a:stretch>
+            <a:fillRect/>
+          </a:stretch>
+        </p:blipFill>
+        <p:spPr>
+          <a:xfrm>
+            <a:off x="776554" y="306000"/>
+            <a:ext cx="10638891" cy="6552000"/>
+          </a:xfrm>
+          <a:prstGeom prst="rect">
+            <a:avLst/>
+          </a:prstGeom>
+        </p:spPr>
+      </p:pic>
+    </p:spTree>
+    <p:extLst>
+      <p:ext uri="{BB962C8B-B14F-4D97-AF65-F5344CB8AC3E}">
+        <p14:creationId xmlns:p14="http://schemas.microsoft.com/office/powerpoint/2010/main" val="3814987899"/>
+      </p:ext>
+    </p:extLst>
+  </p:cSld>
+  <p:clrMapOvr>
+    <a:masterClrMapping/>
+  </p:clrMapOvr>
+</p:sld>
+</file>
+
+<file path=ppt/slides/slide44.xml><?xml version="1.0" encoding="utf-8"?>
+<p:sld xmlns:a="http://schemas.openxmlformats.org/drawingml/2006/main" xmlns:r="http://schemas.openxmlformats.org/officeDocument/2006/relationships" xmlns:p="http://schemas.openxmlformats.org/presentationml/2006/main">
+  <p:cSld>
+    <p:spTree>
+      <p:nvGrpSpPr>
+        <p:cNvPr id="1" name=""/>
+        <p:cNvGrpSpPr/>
+        <p:nvPr/>
+      </p:nvGrpSpPr>
+      <p:grpSpPr>
+        <a:xfrm>
+          <a:off x="0" y="0"/>
+          <a:ext cx="0" cy="0"/>
+          <a:chOff x="0" y="0"/>
+          <a:chExt cx="0" cy="0"/>
+        </a:xfrm>
+      </p:grpSpPr>
+      <p:pic>
+        <p:nvPicPr>
+          <p:cNvPr id="3" name="Grafik 2">
+            <a:extLst>
+              <a:ext uri="{FF2B5EF4-FFF2-40B4-BE49-F238E27FC236}">
+                <a16:creationId xmlns:a16="http://schemas.microsoft.com/office/drawing/2014/main" id="{F2CCD83D-519E-4E4D-8398-5DB74C1C05AA}"/>
+              </a:ext>
+            </a:extLst>
+          </p:cNvPr>
+          <p:cNvPicPr>
+            <a:picLocks noChangeAspect="1"/>
+          </p:cNvPicPr>
+          <p:nvPr/>
+        </p:nvPicPr>
+        <p:blipFill>
+          <a:blip r:embed="rId2">
+            <a:extLst>
+              <a:ext uri="{28A0092B-C50C-407E-A947-70E740481C1C}">
+                <a14:useLocalDpi xmlns:a14="http://schemas.microsoft.com/office/drawing/2010/main" val="0"/>
+              </a:ext>
+            </a:extLst>
+          </a:blip>
+          <a:stretch>
+            <a:fillRect/>
+          </a:stretch>
+        </p:blipFill>
+        <p:spPr>
+          <a:xfrm>
+            <a:off x="776554" y="306000"/>
+            <a:ext cx="10638891" cy="6552000"/>
+          </a:xfrm>
+          <a:prstGeom prst="rect">
+            <a:avLst/>
+          </a:prstGeom>
+        </p:spPr>
+      </p:pic>
+    </p:spTree>
+    <p:extLst>
+      <p:ext uri="{BB962C8B-B14F-4D97-AF65-F5344CB8AC3E}">
+        <p14:creationId xmlns:p14="http://schemas.microsoft.com/office/powerpoint/2010/main" val="2751774563"/>
+      </p:ext>
+    </p:extLst>
+  </p:cSld>
+  <p:clrMapOvr>
+    <a:masterClrMapping/>
+  </p:clrMapOvr>
+</p:sld>
+</file>
+
+<file path=ppt/slides/slide45.xml><?xml version="1.0" encoding="utf-8"?>
+<p:sld xmlns:a="http://schemas.openxmlformats.org/drawingml/2006/main" xmlns:r="http://schemas.openxmlformats.org/officeDocument/2006/relationships" xmlns:p="http://schemas.openxmlformats.org/presentationml/2006/main">
+  <p:cSld>
+    <p:spTree>
+      <p:nvGrpSpPr>
+        <p:cNvPr id="1" name=""/>
+        <p:cNvGrpSpPr/>
+        <p:nvPr/>
+      </p:nvGrpSpPr>
+      <p:grpSpPr>
+        <a:xfrm>
+          <a:off x="0" y="0"/>
+          <a:ext cx="0" cy="0"/>
+          <a:chOff x="0" y="0"/>
+          <a:chExt cx="0" cy="0"/>
+        </a:xfrm>
+      </p:grpSpPr>
+      <p:pic>
+        <p:nvPicPr>
+          <p:cNvPr id="3" name="Grafik 2">
+            <a:extLst>
+              <a:ext uri="{FF2B5EF4-FFF2-40B4-BE49-F238E27FC236}">
+                <a16:creationId xmlns:a16="http://schemas.microsoft.com/office/drawing/2014/main" id="{71A1B9AE-7E7E-4FA7-9450-F107CABB6CE1}"/>
+              </a:ext>
+            </a:extLst>
+          </p:cNvPr>
+          <p:cNvPicPr>
+            <a:picLocks noChangeAspect="1"/>
+          </p:cNvPicPr>
+          <p:nvPr/>
+        </p:nvPicPr>
+        <p:blipFill>
+          <a:blip r:embed="rId2">
+            <a:extLst>
+              <a:ext uri="{28A0092B-C50C-407E-A947-70E740481C1C}">
+                <a14:useLocalDpi xmlns:a14="http://schemas.microsoft.com/office/drawing/2010/main" val="0"/>
+              </a:ext>
+            </a:extLst>
+          </a:blip>
+          <a:stretch>
+            <a:fillRect/>
+          </a:stretch>
+        </p:blipFill>
+        <p:spPr>
+          <a:xfrm>
+            <a:off x="776554" y="306000"/>
+            <a:ext cx="10638891" cy="6552000"/>
+          </a:xfrm>
+          <a:prstGeom prst="rect">
+            <a:avLst/>
+          </a:prstGeom>
+        </p:spPr>
+      </p:pic>
+    </p:spTree>
+    <p:extLst>
+      <p:ext uri="{BB962C8B-B14F-4D97-AF65-F5344CB8AC3E}">
+        <p14:creationId xmlns:p14="http://schemas.microsoft.com/office/powerpoint/2010/main" val="1914335789"/>
+      </p:ext>
+    </p:extLst>
+  </p:cSld>
+  <p:clrMapOvr>
+    <a:masterClrMapping/>
+  </p:clrMapOvr>
+</p:sld>
+</file>
+
+<file path=ppt/slides/slide46.xml><?xml version="1.0" encoding="utf-8"?>
+<p:sld xmlns:a="http://schemas.openxmlformats.org/drawingml/2006/main" xmlns:r="http://schemas.openxmlformats.org/officeDocument/2006/relationships" xmlns:p="http://schemas.openxmlformats.org/presentationml/2006/main">
+  <p:cSld>
+    <p:spTree>
+      <p:nvGrpSpPr>
+        <p:cNvPr id="1" name=""/>
+        <p:cNvGrpSpPr/>
+        <p:nvPr/>
+      </p:nvGrpSpPr>
+      <p:grpSpPr>
+        <a:xfrm>
+          <a:off x="0" y="0"/>
+          <a:ext cx="0" cy="0"/>
+          <a:chOff x="0" y="0"/>
+          <a:chExt cx="0" cy="0"/>
+        </a:xfrm>
+      </p:grpSpPr>
+      <p:pic>
+        <p:nvPicPr>
+          <p:cNvPr id="3" name="Grafik 2">
+            <a:extLst>
+              <a:ext uri="{FF2B5EF4-FFF2-40B4-BE49-F238E27FC236}">
+                <a16:creationId xmlns:a16="http://schemas.microsoft.com/office/drawing/2014/main" id="{CFD454D7-1C68-44D5-8B19-166F1350713E}"/>
+              </a:ext>
+            </a:extLst>
+          </p:cNvPr>
+          <p:cNvPicPr>
+            <a:picLocks noChangeAspect="1"/>
+          </p:cNvPicPr>
+          <p:nvPr/>
+        </p:nvPicPr>
+        <p:blipFill>
+          <a:blip r:embed="rId2">
+            <a:extLst>
+              <a:ext uri="{28A0092B-C50C-407E-A947-70E740481C1C}">
+                <a14:useLocalDpi xmlns:a14="http://schemas.microsoft.com/office/drawing/2010/main" val="0"/>
+              </a:ext>
+            </a:extLst>
+          </a:blip>
+          <a:stretch>
+            <a:fillRect/>
+          </a:stretch>
+        </p:blipFill>
+        <p:spPr>
+          <a:xfrm>
+            <a:off x="776554" y="306000"/>
+            <a:ext cx="10638891" cy="6552000"/>
+          </a:xfrm>
+          <a:prstGeom prst="rect">
+            <a:avLst/>
+          </a:prstGeom>
+        </p:spPr>
+      </p:pic>
+    </p:spTree>
+    <p:extLst>
+      <p:ext uri="{BB962C8B-B14F-4D97-AF65-F5344CB8AC3E}">
+        <p14:creationId xmlns:p14="http://schemas.microsoft.com/office/powerpoint/2010/main" val="3490191693"/>
+      </p:ext>
+    </p:extLst>
+  </p:cSld>
+  <p:clrMapOvr>
+    <a:masterClrMapping/>
+  </p:clrMapOvr>
+</p:sld>
+</file>
+
+<file path=ppt/slides/slide47.xml><?xml version="1.0" encoding="utf-8"?>
+<p:sld xmlns:a="http://schemas.openxmlformats.org/drawingml/2006/main" xmlns:r="http://schemas.openxmlformats.org/officeDocument/2006/relationships" xmlns:p="http://schemas.openxmlformats.org/presentationml/2006/main">
+  <p:cSld>
+    <p:spTree>
+      <p:nvGrpSpPr>
+        <p:cNvPr id="1" name=""/>
+        <p:cNvGrpSpPr/>
+        <p:nvPr/>
+      </p:nvGrpSpPr>
+      <p:grpSpPr>
+        <a:xfrm>
+          <a:off x="0" y="0"/>
+          <a:ext cx="0" cy="0"/>
+          <a:chOff x="0" y="0"/>
+          <a:chExt cx="0" cy="0"/>
+        </a:xfrm>
+      </p:grpSpPr>
+      <p:pic>
+        <p:nvPicPr>
+          <p:cNvPr id="3" name="Grafik 2">
+            <a:extLst>
+              <a:ext uri="{FF2B5EF4-FFF2-40B4-BE49-F238E27FC236}">
+                <a16:creationId xmlns:a16="http://schemas.microsoft.com/office/drawing/2014/main" id="{0481D642-5943-47D2-9550-BFF39C8633AD}"/>
+              </a:ext>
+            </a:extLst>
+          </p:cNvPr>
+          <p:cNvPicPr>
+            <a:picLocks noChangeAspect="1"/>
+          </p:cNvPicPr>
+          <p:nvPr/>
+        </p:nvPicPr>
+        <p:blipFill>
+          <a:blip r:embed="rId2">
+            <a:extLst>
+              <a:ext uri="{28A0092B-C50C-407E-A947-70E740481C1C}">
+                <a14:useLocalDpi xmlns:a14="http://schemas.microsoft.com/office/drawing/2010/main" val="0"/>
+              </a:ext>
+            </a:extLst>
+          </a:blip>
+          <a:stretch>
+            <a:fillRect/>
+          </a:stretch>
+        </p:blipFill>
+        <p:spPr>
+          <a:xfrm>
+            <a:off x="776554" y="306000"/>
+            <a:ext cx="10638891" cy="6552000"/>
+          </a:xfrm>
+          <a:prstGeom prst="rect">
+            <a:avLst/>
+          </a:prstGeom>
+        </p:spPr>
+      </p:pic>
+    </p:spTree>
+    <p:extLst>
+      <p:ext uri="{BB962C8B-B14F-4D97-AF65-F5344CB8AC3E}">
+        <p14:creationId xmlns:p14="http://schemas.microsoft.com/office/powerpoint/2010/main" val="375507343"/>
+      </p:ext>
+    </p:extLst>
+  </p:cSld>
+  <p:clrMapOvr>
+    <a:masterClrMapping/>
+  </p:clrMapOvr>
+</p:sld>
+</file>
+
+<file path=ppt/slides/slide48.xml><?xml version="1.0" encoding="utf-8"?>
+<p:sld xmlns:a="http://schemas.openxmlformats.org/drawingml/2006/main" xmlns:r="http://schemas.openxmlformats.org/officeDocument/2006/relationships" xmlns:p="http://schemas.openxmlformats.org/presentationml/2006/main">
+  <p:cSld>
+    <p:spTree>
+      <p:nvGrpSpPr>
+        <p:cNvPr id="1" name=""/>
+        <p:cNvGrpSpPr/>
+        <p:nvPr/>
+      </p:nvGrpSpPr>
+      <p:grpSpPr>
+        <a:xfrm>
+          <a:off x="0" y="0"/>
+          <a:ext cx="0" cy="0"/>
+          <a:chOff x="0" y="0"/>
+          <a:chExt cx="0" cy="0"/>
+        </a:xfrm>
+      </p:grpSpPr>
+      <p:pic>
+        <p:nvPicPr>
+          <p:cNvPr id="3" name="Grafik 2">
+            <a:extLst>
+              <a:ext uri="{FF2B5EF4-FFF2-40B4-BE49-F238E27FC236}">
+                <a16:creationId xmlns:a16="http://schemas.microsoft.com/office/drawing/2014/main" id="{98BB2294-6993-433A-9778-352EC2CE4EBB}"/>
+              </a:ext>
+            </a:extLst>
+          </p:cNvPr>
+          <p:cNvPicPr>
+            <a:picLocks noChangeAspect="1"/>
+          </p:cNvPicPr>
+          <p:nvPr/>
+        </p:nvPicPr>
+        <p:blipFill>
+          <a:blip r:embed="rId2">
+            <a:extLst>
+              <a:ext uri="{28A0092B-C50C-407E-A947-70E740481C1C}">
+                <a14:useLocalDpi xmlns:a14="http://schemas.microsoft.com/office/drawing/2010/main" val="0"/>
+              </a:ext>
+            </a:extLst>
+          </a:blip>
+          <a:stretch>
+            <a:fillRect/>
+          </a:stretch>
+        </p:blipFill>
+        <p:spPr>
+          <a:xfrm>
+            <a:off x="776554" y="306000"/>
+            <a:ext cx="10638891" cy="6552000"/>
+          </a:xfrm>
+          <a:prstGeom prst="rect">
+            <a:avLst/>
+          </a:prstGeom>
+        </p:spPr>
+      </p:pic>
+    </p:spTree>
+    <p:extLst>
+      <p:ext uri="{BB962C8B-B14F-4D97-AF65-F5344CB8AC3E}">
+        <p14:creationId xmlns:p14="http://schemas.microsoft.com/office/powerpoint/2010/main" val="3171947911"/>
+      </p:ext>
+    </p:extLst>
+  </p:cSld>
+  <p:clrMapOvr>
+    <a:masterClrMapping/>
+  </p:clrMapOvr>
+</p:sld>
+</file>
+
+<file path=ppt/slides/slide49.xml><?xml version="1.0" encoding="utf-8"?>
+<p:sld xmlns:a="http://schemas.openxmlformats.org/drawingml/2006/main" xmlns:r="http://schemas.openxmlformats.org/officeDocument/2006/relationships" xmlns:p="http://schemas.openxmlformats.org/presentationml/2006/main">
+  <p:cSld>
+    <p:spTree>
+      <p:nvGrpSpPr>
+        <p:cNvPr id="1" name=""/>
+        <p:cNvGrpSpPr/>
+        <p:nvPr/>
+      </p:nvGrpSpPr>
+      <p:grpSpPr>
+        <a:xfrm>
+          <a:off x="0" y="0"/>
+          <a:ext cx="0" cy="0"/>
+          <a:chOff x="0" y="0"/>
+          <a:chExt cx="0" cy="0"/>
+        </a:xfrm>
+      </p:grpSpPr>
+      <p:pic>
+        <p:nvPicPr>
+          <p:cNvPr id="3" name="Grafik 2">
+            <a:extLst>
+              <a:ext uri="{FF2B5EF4-FFF2-40B4-BE49-F238E27FC236}">
+                <a16:creationId xmlns:a16="http://schemas.microsoft.com/office/drawing/2014/main" id="{FA7A5A9C-C139-4FFF-8172-8E45321D2B4A}"/>
+              </a:ext>
+            </a:extLst>
+          </p:cNvPr>
+          <p:cNvPicPr>
+            <a:picLocks noChangeAspect="1"/>
+          </p:cNvPicPr>
+          <p:nvPr/>
+        </p:nvPicPr>
+        <p:blipFill>
+          <a:blip r:embed="rId2">
+            <a:extLst>
+              <a:ext uri="{28A0092B-C50C-407E-A947-70E740481C1C}">
+                <a14:useLocalDpi xmlns:a14="http://schemas.microsoft.com/office/drawing/2010/main" val="0"/>
+              </a:ext>
+            </a:extLst>
+          </a:blip>
+          <a:stretch>
+            <a:fillRect/>
+          </a:stretch>
+        </p:blipFill>
+        <p:spPr>
+          <a:xfrm>
+            <a:off x="776554" y="306000"/>
+            <a:ext cx="10638891" cy="6552000"/>
+          </a:xfrm>
+          <a:prstGeom prst="rect">
+            <a:avLst/>
+          </a:prstGeom>
+        </p:spPr>
+      </p:pic>
+    </p:spTree>
+    <p:extLst>
+      <p:ext uri="{BB962C8B-B14F-4D97-AF65-F5344CB8AC3E}">
+        <p14:creationId xmlns:p14="http://schemas.microsoft.com/office/powerpoint/2010/main" val="2999412725"/>
+      </p:ext>
+    </p:extLst>
+  </p:cSld>
+  <p:clrMapOvr>
+    <a:masterClrMapping/>
+  </p:clrMapOvr>
+</p:sld>
+</file>
+
 <file path=ppt/slides/slide5.xml><?xml version="1.0" encoding="utf-8"?>
 <p:sld xmlns:a="http://schemas.openxmlformats.org/drawingml/2006/main" xmlns:r="http://schemas.openxmlformats.org/officeDocument/2006/relationships" xmlns:p="http://schemas.openxmlformats.org/presentationml/2006/main">
   <p:cSld>
@@ -4475,6 +6498,666 @@
     <p:extLst>
       <p:ext uri="{BB962C8B-B14F-4D97-AF65-F5344CB8AC3E}">
         <p14:creationId xmlns:p14="http://schemas.microsoft.com/office/powerpoint/2010/main" val="3440145442"/>
+      </p:ext>
+    </p:extLst>
+  </p:cSld>
+  <p:clrMapOvr>
+    <a:masterClrMapping/>
+  </p:clrMapOvr>
+</p:sld>
+</file>
+
+<file path=ppt/slides/slide50.xml><?xml version="1.0" encoding="utf-8"?>
+<p:sld xmlns:a="http://schemas.openxmlformats.org/drawingml/2006/main" xmlns:r="http://schemas.openxmlformats.org/officeDocument/2006/relationships" xmlns:p="http://schemas.openxmlformats.org/presentationml/2006/main">
+  <p:cSld>
+    <p:spTree>
+      <p:nvGrpSpPr>
+        <p:cNvPr id="1" name=""/>
+        <p:cNvGrpSpPr/>
+        <p:nvPr/>
+      </p:nvGrpSpPr>
+      <p:grpSpPr>
+        <a:xfrm>
+          <a:off x="0" y="0"/>
+          <a:ext cx="0" cy="0"/>
+          <a:chOff x="0" y="0"/>
+          <a:chExt cx="0" cy="0"/>
+        </a:xfrm>
+      </p:grpSpPr>
+      <p:pic>
+        <p:nvPicPr>
+          <p:cNvPr id="3" name="Grafik 2">
+            <a:extLst>
+              <a:ext uri="{FF2B5EF4-FFF2-40B4-BE49-F238E27FC236}">
+                <a16:creationId xmlns:a16="http://schemas.microsoft.com/office/drawing/2014/main" id="{A21A8053-4DBB-4566-86D3-DF2046414998}"/>
+              </a:ext>
+            </a:extLst>
+          </p:cNvPr>
+          <p:cNvPicPr>
+            <a:picLocks noChangeAspect="1"/>
+          </p:cNvPicPr>
+          <p:nvPr/>
+        </p:nvPicPr>
+        <p:blipFill>
+          <a:blip r:embed="rId2">
+            <a:extLst>
+              <a:ext uri="{28A0092B-C50C-407E-A947-70E740481C1C}">
+                <a14:useLocalDpi xmlns:a14="http://schemas.microsoft.com/office/drawing/2010/main" val="0"/>
+              </a:ext>
+            </a:extLst>
+          </a:blip>
+          <a:stretch>
+            <a:fillRect/>
+          </a:stretch>
+        </p:blipFill>
+        <p:spPr>
+          <a:xfrm>
+            <a:off x="1261258" y="306000"/>
+            <a:ext cx="9669484" cy="6552000"/>
+          </a:xfrm>
+          <a:prstGeom prst="rect">
+            <a:avLst/>
+          </a:prstGeom>
+        </p:spPr>
+      </p:pic>
+    </p:spTree>
+    <p:extLst>
+      <p:ext uri="{BB962C8B-B14F-4D97-AF65-F5344CB8AC3E}">
+        <p14:creationId xmlns:p14="http://schemas.microsoft.com/office/powerpoint/2010/main" val="1727194043"/>
+      </p:ext>
+    </p:extLst>
+  </p:cSld>
+  <p:clrMapOvr>
+    <a:masterClrMapping/>
+  </p:clrMapOvr>
+</p:sld>
+</file>
+
+<file path=ppt/slides/slide51.xml><?xml version="1.0" encoding="utf-8"?>
+<p:sld xmlns:a="http://schemas.openxmlformats.org/drawingml/2006/main" xmlns:r="http://schemas.openxmlformats.org/officeDocument/2006/relationships" xmlns:p="http://schemas.openxmlformats.org/presentationml/2006/main">
+  <p:cSld>
+    <p:spTree>
+      <p:nvGrpSpPr>
+        <p:cNvPr id="1" name=""/>
+        <p:cNvGrpSpPr/>
+        <p:nvPr/>
+      </p:nvGrpSpPr>
+      <p:grpSpPr>
+        <a:xfrm>
+          <a:off x="0" y="0"/>
+          <a:ext cx="0" cy="0"/>
+          <a:chOff x="0" y="0"/>
+          <a:chExt cx="0" cy="0"/>
+        </a:xfrm>
+      </p:grpSpPr>
+      <p:pic>
+        <p:nvPicPr>
+          <p:cNvPr id="3" name="Grafik 2">
+            <a:extLst>
+              <a:ext uri="{FF2B5EF4-FFF2-40B4-BE49-F238E27FC236}">
+                <a16:creationId xmlns:a16="http://schemas.microsoft.com/office/drawing/2014/main" id="{BEB64302-1DE8-4BFB-9078-9BF4874F2108}"/>
+              </a:ext>
+            </a:extLst>
+          </p:cNvPr>
+          <p:cNvPicPr>
+            <a:picLocks noChangeAspect="1"/>
+          </p:cNvPicPr>
+          <p:nvPr/>
+        </p:nvPicPr>
+        <p:blipFill>
+          <a:blip r:embed="rId2">
+            <a:extLst>
+              <a:ext uri="{28A0092B-C50C-407E-A947-70E740481C1C}">
+                <a14:useLocalDpi xmlns:a14="http://schemas.microsoft.com/office/drawing/2010/main" val="0"/>
+              </a:ext>
+            </a:extLst>
+          </a:blip>
+          <a:stretch>
+            <a:fillRect/>
+          </a:stretch>
+        </p:blipFill>
+        <p:spPr>
+          <a:xfrm>
+            <a:off x="1261258" y="306000"/>
+            <a:ext cx="9669484" cy="6552000"/>
+          </a:xfrm>
+          <a:prstGeom prst="rect">
+            <a:avLst/>
+          </a:prstGeom>
+        </p:spPr>
+      </p:pic>
+    </p:spTree>
+    <p:extLst>
+      <p:ext uri="{BB962C8B-B14F-4D97-AF65-F5344CB8AC3E}">
+        <p14:creationId xmlns:p14="http://schemas.microsoft.com/office/powerpoint/2010/main" val="1012225801"/>
+      </p:ext>
+    </p:extLst>
+  </p:cSld>
+  <p:clrMapOvr>
+    <a:masterClrMapping/>
+  </p:clrMapOvr>
+</p:sld>
+</file>
+
+<file path=ppt/slides/slide52.xml><?xml version="1.0" encoding="utf-8"?>
+<p:sld xmlns:a="http://schemas.openxmlformats.org/drawingml/2006/main" xmlns:r="http://schemas.openxmlformats.org/officeDocument/2006/relationships" xmlns:p="http://schemas.openxmlformats.org/presentationml/2006/main">
+  <p:cSld>
+    <p:spTree>
+      <p:nvGrpSpPr>
+        <p:cNvPr id="1" name=""/>
+        <p:cNvGrpSpPr/>
+        <p:nvPr/>
+      </p:nvGrpSpPr>
+      <p:grpSpPr>
+        <a:xfrm>
+          <a:off x="0" y="0"/>
+          <a:ext cx="0" cy="0"/>
+          <a:chOff x="0" y="0"/>
+          <a:chExt cx="0" cy="0"/>
+        </a:xfrm>
+      </p:grpSpPr>
+      <p:pic>
+        <p:nvPicPr>
+          <p:cNvPr id="3" name="Grafik 2">
+            <a:extLst>
+              <a:ext uri="{FF2B5EF4-FFF2-40B4-BE49-F238E27FC236}">
+                <a16:creationId xmlns:a16="http://schemas.microsoft.com/office/drawing/2014/main" id="{2B46128D-E3F6-4632-8313-82D9D0DF03A5}"/>
+              </a:ext>
+            </a:extLst>
+          </p:cNvPr>
+          <p:cNvPicPr>
+            <a:picLocks noChangeAspect="1"/>
+          </p:cNvPicPr>
+          <p:nvPr/>
+        </p:nvPicPr>
+        <p:blipFill>
+          <a:blip r:embed="rId2">
+            <a:extLst>
+              <a:ext uri="{28A0092B-C50C-407E-A947-70E740481C1C}">
+                <a14:useLocalDpi xmlns:a14="http://schemas.microsoft.com/office/drawing/2010/main" val="0"/>
+              </a:ext>
+            </a:extLst>
+          </a:blip>
+          <a:stretch>
+            <a:fillRect/>
+          </a:stretch>
+        </p:blipFill>
+        <p:spPr>
+          <a:xfrm>
+            <a:off x="1261258" y="306000"/>
+            <a:ext cx="9669484" cy="6552000"/>
+          </a:xfrm>
+          <a:prstGeom prst="rect">
+            <a:avLst/>
+          </a:prstGeom>
+        </p:spPr>
+      </p:pic>
+    </p:spTree>
+    <p:extLst>
+      <p:ext uri="{BB962C8B-B14F-4D97-AF65-F5344CB8AC3E}">
+        <p14:creationId xmlns:p14="http://schemas.microsoft.com/office/powerpoint/2010/main" val="2225156658"/>
+      </p:ext>
+    </p:extLst>
+  </p:cSld>
+  <p:clrMapOvr>
+    <a:masterClrMapping/>
+  </p:clrMapOvr>
+</p:sld>
+</file>
+
+<file path=ppt/slides/slide53.xml><?xml version="1.0" encoding="utf-8"?>
+<p:sld xmlns:a="http://schemas.openxmlformats.org/drawingml/2006/main" xmlns:r="http://schemas.openxmlformats.org/officeDocument/2006/relationships" xmlns:p="http://schemas.openxmlformats.org/presentationml/2006/main">
+  <p:cSld>
+    <p:spTree>
+      <p:nvGrpSpPr>
+        <p:cNvPr id="1" name=""/>
+        <p:cNvGrpSpPr/>
+        <p:nvPr/>
+      </p:nvGrpSpPr>
+      <p:grpSpPr>
+        <a:xfrm>
+          <a:off x="0" y="0"/>
+          <a:ext cx="0" cy="0"/>
+          <a:chOff x="0" y="0"/>
+          <a:chExt cx="0" cy="0"/>
+        </a:xfrm>
+      </p:grpSpPr>
+      <p:pic>
+        <p:nvPicPr>
+          <p:cNvPr id="3" name="Grafik 2">
+            <a:extLst>
+              <a:ext uri="{FF2B5EF4-FFF2-40B4-BE49-F238E27FC236}">
+                <a16:creationId xmlns:a16="http://schemas.microsoft.com/office/drawing/2014/main" id="{3075C148-F4EE-49F2-892E-EA2F9494575F}"/>
+              </a:ext>
+            </a:extLst>
+          </p:cNvPr>
+          <p:cNvPicPr>
+            <a:picLocks noChangeAspect="1"/>
+          </p:cNvPicPr>
+          <p:nvPr/>
+        </p:nvPicPr>
+        <p:blipFill>
+          <a:blip r:embed="rId2">
+            <a:extLst>
+              <a:ext uri="{28A0092B-C50C-407E-A947-70E740481C1C}">
+                <a14:useLocalDpi xmlns:a14="http://schemas.microsoft.com/office/drawing/2010/main" val="0"/>
+              </a:ext>
+            </a:extLst>
+          </a:blip>
+          <a:stretch>
+            <a:fillRect/>
+          </a:stretch>
+        </p:blipFill>
+        <p:spPr>
+          <a:xfrm>
+            <a:off x="1261258" y="306000"/>
+            <a:ext cx="9669484" cy="6552000"/>
+          </a:xfrm>
+          <a:prstGeom prst="rect">
+            <a:avLst/>
+          </a:prstGeom>
+        </p:spPr>
+      </p:pic>
+    </p:spTree>
+    <p:extLst>
+      <p:ext uri="{BB962C8B-B14F-4D97-AF65-F5344CB8AC3E}">
+        <p14:creationId xmlns:p14="http://schemas.microsoft.com/office/powerpoint/2010/main" val="2531843303"/>
+      </p:ext>
+    </p:extLst>
+  </p:cSld>
+  <p:clrMapOvr>
+    <a:masterClrMapping/>
+  </p:clrMapOvr>
+</p:sld>
+</file>
+
+<file path=ppt/slides/slide54.xml><?xml version="1.0" encoding="utf-8"?>
+<p:sld xmlns:a="http://schemas.openxmlformats.org/drawingml/2006/main" xmlns:r="http://schemas.openxmlformats.org/officeDocument/2006/relationships" xmlns:p="http://schemas.openxmlformats.org/presentationml/2006/main">
+  <p:cSld>
+    <p:spTree>
+      <p:nvGrpSpPr>
+        <p:cNvPr id="1" name=""/>
+        <p:cNvGrpSpPr/>
+        <p:nvPr/>
+      </p:nvGrpSpPr>
+      <p:grpSpPr>
+        <a:xfrm>
+          <a:off x="0" y="0"/>
+          <a:ext cx="0" cy="0"/>
+          <a:chOff x="0" y="0"/>
+          <a:chExt cx="0" cy="0"/>
+        </a:xfrm>
+      </p:grpSpPr>
+      <p:pic>
+        <p:nvPicPr>
+          <p:cNvPr id="3" name="Grafik 2">
+            <a:extLst>
+              <a:ext uri="{FF2B5EF4-FFF2-40B4-BE49-F238E27FC236}">
+                <a16:creationId xmlns:a16="http://schemas.microsoft.com/office/drawing/2014/main" id="{2D75C20E-64CD-40CC-8F0A-594979C22659}"/>
+              </a:ext>
+            </a:extLst>
+          </p:cNvPr>
+          <p:cNvPicPr>
+            <a:picLocks noChangeAspect="1"/>
+          </p:cNvPicPr>
+          <p:nvPr/>
+        </p:nvPicPr>
+        <p:blipFill>
+          <a:blip r:embed="rId2">
+            <a:extLst>
+              <a:ext uri="{28A0092B-C50C-407E-A947-70E740481C1C}">
+                <a14:useLocalDpi xmlns:a14="http://schemas.microsoft.com/office/drawing/2010/main" val="0"/>
+              </a:ext>
+            </a:extLst>
+          </a:blip>
+          <a:stretch>
+            <a:fillRect/>
+          </a:stretch>
+        </p:blipFill>
+        <p:spPr>
+          <a:xfrm>
+            <a:off x="1261258" y="306000"/>
+            <a:ext cx="9669484" cy="6552000"/>
+          </a:xfrm>
+          <a:prstGeom prst="rect">
+            <a:avLst/>
+          </a:prstGeom>
+        </p:spPr>
+      </p:pic>
+    </p:spTree>
+    <p:extLst>
+      <p:ext uri="{BB962C8B-B14F-4D97-AF65-F5344CB8AC3E}">
+        <p14:creationId xmlns:p14="http://schemas.microsoft.com/office/powerpoint/2010/main" val="86036917"/>
+      </p:ext>
+    </p:extLst>
+  </p:cSld>
+  <p:clrMapOvr>
+    <a:masterClrMapping/>
+  </p:clrMapOvr>
+</p:sld>
+</file>
+
+<file path=ppt/slides/slide55.xml><?xml version="1.0" encoding="utf-8"?>
+<p:sld xmlns:a="http://schemas.openxmlformats.org/drawingml/2006/main" xmlns:r="http://schemas.openxmlformats.org/officeDocument/2006/relationships" xmlns:p="http://schemas.openxmlformats.org/presentationml/2006/main">
+  <p:cSld>
+    <p:spTree>
+      <p:nvGrpSpPr>
+        <p:cNvPr id="1" name=""/>
+        <p:cNvGrpSpPr/>
+        <p:nvPr/>
+      </p:nvGrpSpPr>
+      <p:grpSpPr>
+        <a:xfrm>
+          <a:off x="0" y="0"/>
+          <a:ext cx="0" cy="0"/>
+          <a:chOff x="0" y="0"/>
+          <a:chExt cx="0" cy="0"/>
+        </a:xfrm>
+      </p:grpSpPr>
+      <p:pic>
+        <p:nvPicPr>
+          <p:cNvPr id="3" name="Grafik 2">
+            <a:extLst>
+              <a:ext uri="{FF2B5EF4-FFF2-40B4-BE49-F238E27FC236}">
+                <a16:creationId xmlns:a16="http://schemas.microsoft.com/office/drawing/2014/main" id="{C3EA840B-6A6D-4CFD-BA1C-FBAD29FC109D}"/>
+              </a:ext>
+            </a:extLst>
+          </p:cNvPr>
+          <p:cNvPicPr>
+            <a:picLocks noChangeAspect="1"/>
+          </p:cNvPicPr>
+          <p:nvPr/>
+        </p:nvPicPr>
+        <p:blipFill>
+          <a:blip r:embed="rId2">
+            <a:extLst>
+              <a:ext uri="{28A0092B-C50C-407E-A947-70E740481C1C}">
+                <a14:useLocalDpi xmlns:a14="http://schemas.microsoft.com/office/drawing/2010/main" val="0"/>
+              </a:ext>
+            </a:extLst>
+          </a:blip>
+          <a:stretch>
+            <a:fillRect/>
+          </a:stretch>
+        </p:blipFill>
+        <p:spPr>
+          <a:xfrm>
+            <a:off x="1261258" y="306000"/>
+            <a:ext cx="9669484" cy="6552000"/>
+          </a:xfrm>
+          <a:prstGeom prst="rect">
+            <a:avLst/>
+          </a:prstGeom>
+        </p:spPr>
+      </p:pic>
+    </p:spTree>
+    <p:extLst>
+      <p:ext uri="{BB962C8B-B14F-4D97-AF65-F5344CB8AC3E}">
+        <p14:creationId xmlns:p14="http://schemas.microsoft.com/office/powerpoint/2010/main" val="3032359441"/>
+      </p:ext>
+    </p:extLst>
+  </p:cSld>
+  <p:clrMapOvr>
+    <a:masterClrMapping/>
+  </p:clrMapOvr>
+</p:sld>
+</file>
+
+<file path=ppt/slides/slide56.xml><?xml version="1.0" encoding="utf-8"?>
+<p:sld xmlns:a="http://schemas.openxmlformats.org/drawingml/2006/main" xmlns:r="http://schemas.openxmlformats.org/officeDocument/2006/relationships" xmlns:p="http://schemas.openxmlformats.org/presentationml/2006/main">
+  <p:cSld>
+    <p:spTree>
+      <p:nvGrpSpPr>
+        <p:cNvPr id="1" name=""/>
+        <p:cNvGrpSpPr/>
+        <p:nvPr/>
+      </p:nvGrpSpPr>
+      <p:grpSpPr>
+        <a:xfrm>
+          <a:off x="0" y="0"/>
+          <a:ext cx="0" cy="0"/>
+          <a:chOff x="0" y="0"/>
+          <a:chExt cx="0" cy="0"/>
+        </a:xfrm>
+      </p:grpSpPr>
+      <p:pic>
+        <p:nvPicPr>
+          <p:cNvPr id="3" name="Grafik 2">
+            <a:extLst>
+              <a:ext uri="{FF2B5EF4-FFF2-40B4-BE49-F238E27FC236}">
+                <a16:creationId xmlns:a16="http://schemas.microsoft.com/office/drawing/2014/main" id="{B5A1CBBC-2888-4892-8CC0-501023D6576C}"/>
+              </a:ext>
+            </a:extLst>
+          </p:cNvPr>
+          <p:cNvPicPr>
+            <a:picLocks noChangeAspect="1"/>
+          </p:cNvPicPr>
+          <p:nvPr/>
+        </p:nvPicPr>
+        <p:blipFill>
+          <a:blip r:embed="rId2">
+            <a:extLst>
+              <a:ext uri="{28A0092B-C50C-407E-A947-70E740481C1C}">
+                <a14:useLocalDpi xmlns:a14="http://schemas.microsoft.com/office/drawing/2010/main" val="0"/>
+              </a:ext>
+            </a:extLst>
+          </a:blip>
+          <a:stretch>
+            <a:fillRect/>
+          </a:stretch>
+        </p:blipFill>
+        <p:spPr>
+          <a:xfrm>
+            <a:off x="1261258" y="306000"/>
+            <a:ext cx="9669484" cy="6552000"/>
+          </a:xfrm>
+          <a:prstGeom prst="rect">
+            <a:avLst/>
+          </a:prstGeom>
+        </p:spPr>
+      </p:pic>
+    </p:spTree>
+    <p:extLst>
+      <p:ext uri="{BB962C8B-B14F-4D97-AF65-F5344CB8AC3E}">
+        <p14:creationId xmlns:p14="http://schemas.microsoft.com/office/powerpoint/2010/main" val="823307118"/>
+      </p:ext>
+    </p:extLst>
+  </p:cSld>
+  <p:clrMapOvr>
+    <a:masterClrMapping/>
+  </p:clrMapOvr>
+</p:sld>
+</file>
+
+<file path=ppt/slides/slide57.xml><?xml version="1.0" encoding="utf-8"?>
+<p:sld xmlns:a="http://schemas.openxmlformats.org/drawingml/2006/main" xmlns:r="http://schemas.openxmlformats.org/officeDocument/2006/relationships" xmlns:p="http://schemas.openxmlformats.org/presentationml/2006/main">
+  <p:cSld>
+    <p:spTree>
+      <p:nvGrpSpPr>
+        <p:cNvPr id="1" name=""/>
+        <p:cNvGrpSpPr/>
+        <p:nvPr/>
+      </p:nvGrpSpPr>
+      <p:grpSpPr>
+        <a:xfrm>
+          <a:off x="0" y="0"/>
+          <a:ext cx="0" cy="0"/>
+          <a:chOff x="0" y="0"/>
+          <a:chExt cx="0" cy="0"/>
+        </a:xfrm>
+      </p:grpSpPr>
+      <p:pic>
+        <p:nvPicPr>
+          <p:cNvPr id="3" name="Grafik 2">
+            <a:extLst>
+              <a:ext uri="{FF2B5EF4-FFF2-40B4-BE49-F238E27FC236}">
+                <a16:creationId xmlns:a16="http://schemas.microsoft.com/office/drawing/2014/main" id="{668F813D-FEE7-4BB4-975C-CB9D49480EA1}"/>
+              </a:ext>
+            </a:extLst>
+          </p:cNvPr>
+          <p:cNvPicPr>
+            <a:picLocks noChangeAspect="1"/>
+          </p:cNvPicPr>
+          <p:nvPr/>
+        </p:nvPicPr>
+        <p:blipFill>
+          <a:blip r:embed="rId2">
+            <a:extLst>
+              <a:ext uri="{28A0092B-C50C-407E-A947-70E740481C1C}">
+                <a14:useLocalDpi xmlns:a14="http://schemas.microsoft.com/office/drawing/2010/main" val="0"/>
+              </a:ext>
+            </a:extLst>
+          </a:blip>
+          <a:stretch>
+            <a:fillRect/>
+          </a:stretch>
+        </p:blipFill>
+        <p:spPr>
+          <a:xfrm>
+            <a:off x="1261258" y="306000"/>
+            <a:ext cx="9669484" cy="6552000"/>
+          </a:xfrm>
+          <a:prstGeom prst="rect">
+            <a:avLst/>
+          </a:prstGeom>
+        </p:spPr>
+      </p:pic>
+    </p:spTree>
+    <p:extLst>
+      <p:ext uri="{BB962C8B-B14F-4D97-AF65-F5344CB8AC3E}">
+        <p14:creationId xmlns:p14="http://schemas.microsoft.com/office/powerpoint/2010/main" val="1348040017"/>
+      </p:ext>
+    </p:extLst>
+  </p:cSld>
+  <p:clrMapOvr>
+    <a:masterClrMapping/>
+  </p:clrMapOvr>
+</p:sld>
+</file>
+
+<file path=ppt/slides/slide58.xml><?xml version="1.0" encoding="utf-8"?>
+<p:sld xmlns:a="http://schemas.openxmlformats.org/drawingml/2006/main" xmlns:r="http://schemas.openxmlformats.org/officeDocument/2006/relationships" xmlns:p="http://schemas.openxmlformats.org/presentationml/2006/main">
+  <p:cSld>
+    <p:spTree>
+      <p:nvGrpSpPr>
+        <p:cNvPr id="1" name=""/>
+        <p:cNvGrpSpPr/>
+        <p:nvPr/>
+      </p:nvGrpSpPr>
+      <p:grpSpPr>
+        <a:xfrm>
+          <a:off x="0" y="0"/>
+          <a:ext cx="0" cy="0"/>
+          <a:chOff x="0" y="0"/>
+          <a:chExt cx="0" cy="0"/>
+        </a:xfrm>
+      </p:grpSpPr>
+      <p:pic>
+        <p:nvPicPr>
+          <p:cNvPr id="3" name="Grafik 2">
+            <a:extLst>
+              <a:ext uri="{FF2B5EF4-FFF2-40B4-BE49-F238E27FC236}">
+                <a16:creationId xmlns:a16="http://schemas.microsoft.com/office/drawing/2014/main" id="{F0946E6F-879B-4536-B585-91E0323F7931}"/>
+              </a:ext>
+            </a:extLst>
+          </p:cNvPr>
+          <p:cNvPicPr>
+            <a:picLocks noChangeAspect="1"/>
+          </p:cNvPicPr>
+          <p:nvPr/>
+        </p:nvPicPr>
+        <p:blipFill>
+          <a:blip r:embed="rId2">
+            <a:extLst>
+              <a:ext uri="{28A0092B-C50C-407E-A947-70E740481C1C}">
+                <a14:useLocalDpi xmlns:a14="http://schemas.microsoft.com/office/drawing/2010/main" val="0"/>
+              </a:ext>
+            </a:extLst>
+          </a:blip>
+          <a:stretch>
+            <a:fillRect/>
+          </a:stretch>
+        </p:blipFill>
+        <p:spPr>
+          <a:xfrm>
+            <a:off x="730582" y="306000"/>
+            <a:ext cx="10730835" cy="6552000"/>
+          </a:xfrm>
+          <a:prstGeom prst="rect">
+            <a:avLst/>
+          </a:prstGeom>
+        </p:spPr>
+      </p:pic>
+    </p:spTree>
+    <p:extLst>
+      <p:ext uri="{BB962C8B-B14F-4D97-AF65-F5344CB8AC3E}">
+        <p14:creationId xmlns:p14="http://schemas.microsoft.com/office/powerpoint/2010/main" val="4210936950"/>
+      </p:ext>
+    </p:extLst>
+  </p:cSld>
+  <p:clrMapOvr>
+    <a:masterClrMapping/>
+  </p:clrMapOvr>
+</p:sld>
+</file>
+
+<file path=ppt/slides/slide59.xml><?xml version="1.0" encoding="utf-8"?>
+<p:sld xmlns:a="http://schemas.openxmlformats.org/drawingml/2006/main" xmlns:r="http://schemas.openxmlformats.org/officeDocument/2006/relationships" xmlns:p="http://schemas.openxmlformats.org/presentationml/2006/main">
+  <p:cSld>
+    <p:spTree>
+      <p:nvGrpSpPr>
+        <p:cNvPr id="1" name=""/>
+        <p:cNvGrpSpPr/>
+        <p:nvPr/>
+      </p:nvGrpSpPr>
+      <p:grpSpPr>
+        <a:xfrm>
+          <a:off x="0" y="0"/>
+          <a:ext cx="0" cy="0"/>
+          <a:chOff x="0" y="0"/>
+          <a:chExt cx="0" cy="0"/>
+        </a:xfrm>
+      </p:grpSpPr>
+      <p:pic>
+        <p:nvPicPr>
+          <p:cNvPr id="3" name="Grafik 2">
+            <a:extLst>
+              <a:ext uri="{FF2B5EF4-FFF2-40B4-BE49-F238E27FC236}">
+                <a16:creationId xmlns:a16="http://schemas.microsoft.com/office/drawing/2014/main" id="{7AC40901-69B4-4FD8-AF2E-D17CA41AD79E}"/>
+              </a:ext>
+            </a:extLst>
+          </p:cNvPr>
+          <p:cNvPicPr>
+            <a:picLocks noChangeAspect="1"/>
+          </p:cNvPicPr>
+          <p:nvPr/>
+        </p:nvPicPr>
+        <p:blipFill>
+          <a:blip r:embed="rId2">
+            <a:extLst>
+              <a:ext uri="{28A0092B-C50C-407E-A947-70E740481C1C}">
+                <a14:useLocalDpi xmlns:a14="http://schemas.microsoft.com/office/drawing/2010/main" val="0"/>
+              </a:ext>
+            </a:extLst>
+          </a:blip>
+          <a:stretch>
+            <a:fillRect/>
+          </a:stretch>
+        </p:blipFill>
+        <p:spPr>
+          <a:xfrm>
+            <a:off x="730582" y="306000"/>
+            <a:ext cx="10730835" cy="6552000"/>
+          </a:xfrm>
+          <a:prstGeom prst="rect">
+            <a:avLst/>
+          </a:prstGeom>
+        </p:spPr>
+      </p:pic>
+    </p:spTree>
+    <p:extLst>
+      <p:ext uri="{BB962C8B-B14F-4D97-AF65-F5344CB8AC3E}">
+        <p14:creationId xmlns:p14="http://schemas.microsoft.com/office/powerpoint/2010/main" val="1322798610"/>
       </p:ext>
     </p:extLst>
   </p:cSld>
@@ -4541,6 +7224,204 @@
     <p:extLst>
       <p:ext uri="{BB962C8B-B14F-4D97-AF65-F5344CB8AC3E}">
         <p14:creationId xmlns:p14="http://schemas.microsoft.com/office/powerpoint/2010/main" val="2425096587"/>
+      </p:ext>
+    </p:extLst>
+  </p:cSld>
+  <p:clrMapOvr>
+    <a:masterClrMapping/>
+  </p:clrMapOvr>
+</p:sld>
+</file>
+
+<file path=ppt/slides/slide60.xml><?xml version="1.0" encoding="utf-8"?>
+<p:sld xmlns:a="http://schemas.openxmlformats.org/drawingml/2006/main" xmlns:r="http://schemas.openxmlformats.org/officeDocument/2006/relationships" xmlns:p="http://schemas.openxmlformats.org/presentationml/2006/main">
+  <p:cSld>
+    <p:spTree>
+      <p:nvGrpSpPr>
+        <p:cNvPr id="1" name=""/>
+        <p:cNvGrpSpPr/>
+        <p:nvPr/>
+      </p:nvGrpSpPr>
+      <p:grpSpPr>
+        <a:xfrm>
+          <a:off x="0" y="0"/>
+          <a:ext cx="0" cy="0"/>
+          <a:chOff x="0" y="0"/>
+          <a:chExt cx="0" cy="0"/>
+        </a:xfrm>
+      </p:grpSpPr>
+      <p:pic>
+        <p:nvPicPr>
+          <p:cNvPr id="3" name="Grafik 2">
+            <a:extLst>
+              <a:ext uri="{FF2B5EF4-FFF2-40B4-BE49-F238E27FC236}">
+                <a16:creationId xmlns:a16="http://schemas.microsoft.com/office/drawing/2014/main" id="{3C86EEA8-3C66-4C60-854F-192DC5A391EF}"/>
+              </a:ext>
+            </a:extLst>
+          </p:cNvPr>
+          <p:cNvPicPr>
+            <a:picLocks noChangeAspect="1"/>
+          </p:cNvPicPr>
+          <p:nvPr/>
+        </p:nvPicPr>
+        <p:blipFill>
+          <a:blip r:embed="rId2">
+            <a:extLst>
+              <a:ext uri="{28A0092B-C50C-407E-A947-70E740481C1C}">
+                <a14:useLocalDpi xmlns:a14="http://schemas.microsoft.com/office/drawing/2010/main" val="0"/>
+              </a:ext>
+            </a:extLst>
+          </a:blip>
+          <a:stretch>
+            <a:fillRect/>
+          </a:stretch>
+        </p:blipFill>
+        <p:spPr>
+          <a:xfrm>
+            <a:off x="730582" y="306000"/>
+            <a:ext cx="10730835" cy="6552000"/>
+          </a:xfrm>
+          <a:prstGeom prst="rect">
+            <a:avLst/>
+          </a:prstGeom>
+        </p:spPr>
+      </p:pic>
+    </p:spTree>
+    <p:extLst>
+      <p:ext uri="{BB962C8B-B14F-4D97-AF65-F5344CB8AC3E}">
+        <p14:creationId xmlns:p14="http://schemas.microsoft.com/office/powerpoint/2010/main" val="2166615856"/>
+      </p:ext>
+    </p:extLst>
+  </p:cSld>
+  <p:clrMapOvr>
+    <a:masterClrMapping/>
+  </p:clrMapOvr>
+</p:sld>
+</file>
+
+<file path=ppt/slides/slide61.xml><?xml version="1.0" encoding="utf-8"?>
+<p:sld xmlns:a="http://schemas.openxmlformats.org/drawingml/2006/main" xmlns:r="http://schemas.openxmlformats.org/officeDocument/2006/relationships" xmlns:p="http://schemas.openxmlformats.org/presentationml/2006/main">
+  <p:cSld>
+    <p:spTree>
+      <p:nvGrpSpPr>
+        <p:cNvPr id="1" name=""/>
+        <p:cNvGrpSpPr/>
+        <p:nvPr/>
+      </p:nvGrpSpPr>
+      <p:grpSpPr>
+        <a:xfrm>
+          <a:off x="0" y="0"/>
+          <a:ext cx="0" cy="0"/>
+          <a:chOff x="0" y="0"/>
+          <a:chExt cx="0" cy="0"/>
+        </a:xfrm>
+      </p:grpSpPr>
+      <p:pic>
+        <p:nvPicPr>
+          <p:cNvPr id="3" name="Grafik 2">
+            <a:extLst>
+              <a:ext uri="{FF2B5EF4-FFF2-40B4-BE49-F238E27FC236}">
+                <a16:creationId xmlns:a16="http://schemas.microsoft.com/office/drawing/2014/main" id="{6A3344C9-7B65-4A5D-9FC4-FD1455BD3380}"/>
+              </a:ext>
+            </a:extLst>
+          </p:cNvPr>
+          <p:cNvPicPr>
+            <a:picLocks noChangeAspect="1"/>
+          </p:cNvPicPr>
+          <p:nvPr/>
+        </p:nvPicPr>
+        <p:blipFill>
+          <a:blip r:embed="rId2">
+            <a:extLst>
+              <a:ext uri="{28A0092B-C50C-407E-A947-70E740481C1C}">
+                <a14:useLocalDpi xmlns:a14="http://schemas.microsoft.com/office/drawing/2010/main" val="0"/>
+              </a:ext>
+            </a:extLst>
+          </a:blip>
+          <a:stretch>
+            <a:fillRect/>
+          </a:stretch>
+        </p:blipFill>
+        <p:spPr>
+          <a:xfrm>
+            <a:off x="730582" y="306000"/>
+            <a:ext cx="10730835" cy="6552000"/>
+          </a:xfrm>
+          <a:prstGeom prst="rect">
+            <a:avLst/>
+          </a:prstGeom>
+        </p:spPr>
+      </p:pic>
+    </p:spTree>
+    <p:extLst>
+      <p:ext uri="{BB962C8B-B14F-4D97-AF65-F5344CB8AC3E}">
+        <p14:creationId xmlns:p14="http://schemas.microsoft.com/office/powerpoint/2010/main" val="2403895251"/>
+      </p:ext>
+    </p:extLst>
+  </p:cSld>
+  <p:clrMapOvr>
+    <a:masterClrMapping/>
+  </p:clrMapOvr>
+</p:sld>
+</file>
+
+<file path=ppt/slides/slide62.xml><?xml version="1.0" encoding="utf-8"?>
+<p:sld xmlns:a="http://schemas.openxmlformats.org/drawingml/2006/main" xmlns:r="http://schemas.openxmlformats.org/officeDocument/2006/relationships" xmlns:p="http://schemas.openxmlformats.org/presentationml/2006/main">
+  <p:cSld>
+    <p:spTree>
+      <p:nvGrpSpPr>
+        <p:cNvPr id="1" name=""/>
+        <p:cNvGrpSpPr/>
+        <p:nvPr/>
+      </p:nvGrpSpPr>
+      <p:grpSpPr>
+        <a:xfrm>
+          <a:off x="0" y="0"/>
+          <a:ext cx="0" cy="0"/>
+          <a:chOff x="0" y="0"/>
+          <a:chExt cx="0" cy="0"/>
+        </a:xfrm>
+      </p:grpSpPr>
+      <p:pic>
+        <p:nvPicPr>
+          <p:cNvPr id="3" name="Grafik 2">
+            <a:extLst>
+              <a:ext uri="{FF2B5EF4-FFF2-40B4-BE49-F238E27FC236}">
+                <a16:creationId xmlns:a16="http://schemas.microsoft.com/office/drawing/2014/main" id="{C640C9CC-1FA7-459E-93C2-B96BCB4197CB}"/>
+              </a:ext>
+            </a:extLst>
+          </p:cNvPr>
+          <p:cNvPicPr>
+            <a:picLocks noChangeAspect="1"/>
+          </p:cNvPicPr>
+          <p:nvPr/>
+        </p:nvPicPr>
+        <p:blipFill>
+          <a:blip r:embed="rId2">
+            <a:extLst>
+              <a:ext uri="{28A0092B-C50C-407E-A947-70E740481C1C}">
+                <a14:useLocalDpi xmlns:a14="http://schemas.microsoft.com/office/drawing/2010/main" val="0"/>
+              </a:ext>
+            </a:extLst>
+          </a:blip>
+          <a:stretch>
+            <a:fillRect/>
+          </a:stretch>
+        </p:blipFill>
+        <p:spPr>
+          <a:xfrm>
+            <a:off x="730582" y="306000"/>
+            <a:ext cx="10730835" cy="6552000"/>
+          </a:xfrm>
+          <a:prstGeom prst="rect">
+            <a:avLst/>
+          </a:prstGeom>
+        </p:spPr>
+      </p:pic>
+    </p:spTree>
+    <p:extLst>
+      <p:ext uri="{BB962C8B-B14F-4D97-AF65-F5344CB8AC3E}">
+        <p14:creationId xmlns:p14="http://schemas.microsoft.com/office/powerpoint/2010/main" val="3952854179"/>
       </p:ext>
     </p:extLst>
   </p:cSld>

--- a/Dokumente/entwurf/Präsentation/presentation.pptx
+++ b/Dokumente/entwurf/Präsentation/presentation.pptx
@@ -23,50 +23,54 @@
     <p:sldId id="269" r:id="rId17"/>
     <p:sldId id="258" r:id="rId18"/>
     <p:sldId id="274" r:id="rId19"/>
-    <p:sldId id="275" r:id="rId20"/>
-    <p:sldId id="276" r:id="rId21"/>
-    <p:sldId id="277" r:id="rId22"/>
-    <p:sldId id="278" r:id="rId23"/>
-    <p:sldId id="279" r:id="rId24"/>
-    <p:sldId id="280" r:id="rId25"/>
-    <p:sldId id="281" r:id="rId26"/>
-    <p:sldId id="282" r:id="rId27"/>
-    <p:sldId id="283" r:id="rId28"/>
-    <p:sldId id="284" r:id="rId29"/>
-    <p:sldId id="285" r:id="rId30"/>
-    <p:sldId id="286" r:id="rId31"/>
-    <p:sldId id="287" r:id="rId32"/>
-    <p:sldId id="288" r:id="rId33"/>
-    <p:sldId id="289" r:id="rId34"/>
-    <p:sldId id="306" r:id="rId35"/>
-    <p:sldId id="307" r:id="rId36"/>
-    <p:sldId id="308" r:id="rId37"/>
-    <p:sldId id="309" r:id="rId38"/>
-    <p:sldId id="310" r:id="rId39"/>
-    <p:sldId id="311" r:id="rId40"/>
-    <p:sldId id="321" r:id="rId41"/>
-    <p:sldId id="322" r:id="rId42"/>
-    <p:sldId id="323" r:id="rId43"/>
-    <p:sldId id="324" r:id="rId44"/>
-    <p:sldId id="325" r:id="rId45"/>
-    <p:sldId id="331" r:id="rId46"/>
-    <p:sldId id="332" r:id="rId47"/>
-    <p:sldId id="333" r:id="rId48"/>
-    <p:sldId id="334" r:id="rId49"/>
-    <p:sldId id="335" r:id="rId50"/>
-    <p:sldId id="317" r:id="rId51"/>
-    <p:sldId id="312" r:id="rId52"/>
-    <p:sldId id="313" r:id="rId53"/>
-    <p:sldId id="314" r:id="rId54"/>
-    <p:sldId id="315" r:id="rId55"/>
-    <p:sldId id="318" r:id="rId56"/>
-    <p:sldId id="319" r:id="rId57"/>
-    <p:sldId id="320" r:id="rId58"/>
-    <p:sldId id="305" r:id="rId59"/>
-    <p:sldId id="290" r:id="rId60"/>
-    <p:sldId id="291" r:id="rId61"/>
-    <p:sldId id="292" r:id="rId62"/>
-    <p:sldId id="293" r:id="rId63"/>
+    <p:sldId id="276" r:id="rId20"/>
+    <p:sldId id="277" r:id="rId21"/>
+    <p:sldId id="278" r:id="rId22"/>
+    <p:sldId id="279" r:id="rId23"/>
+    <p:sldId id="280" r:id="rId24"/>
+    <p:sldId id="281" r:id="rId25"/>
+    <p:sldId id="282" r:id="rId26"/>
+    <p:sldId id="283" r:id="rId27"/>
+    <p:sldId id="284" r:id="rId28"/>
+    <p:sldId id="285" r:id="rId29"/>
+    <p:sldId id="286" r:id="rId30"/>
+    <p:sldId id="287" r:id="rId31"/>
+    <p:sldId id="288" r:id="rId32"/>
+    <p:sldId id="289" r:id="rId33"/>
+    <p:sldId id="306" r:id="rId34"/>
+    <p:sldId id="307" r:id="rId35"/>
+    <p:sldId id="308" r:id="rId36"/>
+    <p:sldId id="309" r:id="rId37"/>
+    <p:sldId id="310" r:id="rId38"/>
+    <p:sldId id="311" r:id="rId39"/>
+    <p:sldId id="321" r:id="rId40"/>
+    <p:sldId id="322" r:id="rId41"/>
+    <p:sldId id="323" r:id="rId42"/>
+    <p:sldId id="324" r:id="rId43"/>
+    <p:sldId id="325" r:id="rId44"/>
+    <p:sldId id="331" r:id="rId45"/>
+    <p:sldId id="332" r:id="rId46"/>
+    <p:sldId id="333" r:id="rId47"/>
+    <p:sldId id="334" r:id="rId48"/>
+    <p:sldId id="335" r:id="rId49"/>
+    <p:sldId id="317" r:id="rId50"/>
+    <p:sldId id="312" r:id="rId51"/>
+    <p:sldId id="313" r:id="rId52"/>
+    <p:sldId id="314" r:id="rId53"/>
+    <p:sldId id="315" r:id="rId54"/>
+    <p:sldId id="318" r:id="rId55"/>
+    <p:sldId id="319" r:id="rId56"/>
+    <p:sldId id="320" r:id="rId57"/>
+    <p:sldId id="305" r:id="rId58"/>
+    <p:sldId id="290" r:id="rId59"/>
+    <p:sldId id="291" r:id="rId60"/>
+    <p:sldId id="292" r:id="rId61"/>
+    <p:sldId id="293" r:id="rId62"/>
+    <p:sldId id="275" r:id="rId63"/>
+    <p:sldId id="338" r:id="rId64"/>
+    <p:sldId id="342" r:id="rId65"/>
+    <p:sldId id="336" r:id="rId66"/>
+    <p:sldId id="337" r:id="rId67"/>
   </p:sldIdLst>
   <p:sldSz cx="12192000" cy="6858000"/>
   <p:notesSz cx="6858000" cy="9144000"/>
@@ -320,7 +324,7 @@
           <a:p>
             <a:fld id="{2F142BB3-9F87-4F32-99CE-4A0033E6A1B6}" type="datetimeFigureOut">
               <a:rPr lang="de-DE" smtClean="0"/>
-              <a:t>18.12.2018</a:t>
+              <a:t>19.12.2018</a:t>
             </a:fld>
             <a:endParaRPr lang="de-DE"/>
           </a:p>
@@ -518,7 +522,7 @@
           <a:p>
             <a:fld id="{2F142BB3-9F87-4F32-99CE-4A0033E6A1B6}" type="datetimeFigureOut">
               <a:rPr lang="de-DE" smtClean="0"/>
-              <a:t>18.12.2018</a:t>
+              <a:t>19.12.2018</a:t>
             </a:fld>
             <a:endParaRPr lang="de-DE"/>
           </a:p>
@@ -726,7 +730,7 @@
           <a:p>
             <a:fld id="{2F142BB3-9F87-4F32-99CE-4A0033E6A1B6}" type="datetimeFigureOut">
               <a:rPr lang="de-DE" smtClean="0"/>
-              <a:t>18.12.2018</a:t>
+              <a:t>19.12.2018</a:t>
             </a:fld>
             <a:endParaRPr lang="de-DE"/>
           </a:p>
@@ -924,7 +928,7 @@
           <a:p>
             <a:fld id="{2F142BB3-9F87-4F32-99CE-4A0033E6A1B6}" type="datetimeFigureOut">
               <a:rPr lang="de-DE" smtClean="0"/>
-              <a:t>18.12.2018</a:t>
+              <a:t>19.12.2018</a:t>
             </a:fld>
             <a:endParaRPr lang="de-DE"/>
           </a:p>
@@ -1199,7 +1203,7 @@
           <a:p>
             <a:fld id="{2F142BB3-9F87-4F32-99CE-4A0033E6A1B6}" type="datetimeFigureOut">
               <a:rPr lang="de-DE" smtClean="0"/>
-              <a:t>18.12.2018</a:t>
+              <a:t>19.12.2018</a:t>
             </a:fld>
             <a:endParaRPr lang="de-DE"/>
           </a:p>
@@ -1464,7 +1468,7 @@
           <a:p>
             <a:fld id="{2F142BB3-9F87-4F32-99CE-4A0033E6A1B6}" type="datetimeFigureOut">
               <a:rPr lang="de-DE" smtClean="0"/>
-              <a:t>18.12.2018</a:t>
+              <a:t>19.12.2018</a:t>
             </a:fld>
             <a:endParaRPr lang="de-DE"/>
           </a:p>
@@ -1876,7 +1880,7 @@
           <a:p>
             <a:fld id="{2F142BB3-9F87-4F32-99CE-4A0033E6A1B6}" type="datetimeFigureOut">
               <a:rPr lang="de-DE" smtClean="0"/>
-              <a:t>18.12.2018</a:t>
+              <a:t>19.12.2018</a:t>
             </a:fld>
             <a:endParaRPr lang="de-DE"/>
           </a:p>
@@ -2017,7 +2021,7 @@
           <a:p>
             <a:fld id="{2F142BB3-9F87-4F32-99CE-4A0033E6A1B6}" type="datetimeFigureOut">
               <a:rPr lang="de-DE" smtClean="0"/>
-              <a:t>18.12.2018</a:t>
+              <a:t>19.12.2018</a:t>
             </a:fld>
             <a:endParaRPr lang="de-DE"/>
           </a:p>
@@ -2130,7 +2134,7 @@
           <a:p>
             <a:fld id="{2F142BB3-9F87-4F32-99CE-4A0033E6A1B6}" type="datetimeFigureOut">
               <a:rPr lang="de-DE" smtClean="0"/>
-              <a:t>18.12.2018</a:t>
+              <a:t>19.12.2018</a:t>
             </a:fld>
             <a:endParaRPr lang="de-DE"/>
           </a:p>
@@ -2441,7 +2445,7 @@
           <a:p>
             <a:fld id="{2F142BB3-9F87-4F32-99CE-4A0033E6A1B6}" type="datetimeFigureOut">
               <a:rPr lang="de-DE" smtClean="0"/>
-              <a:t>18.12.2018</a:t>
+              <a:t>19.12.2018</a:t>
             </a:fld>
             <a:endParaRPr lang="de-DE"/>
           </a:p>
@@ -2729,7 +2733,7 @@
           <a:p>
             <a:fld id="{2F142BB3-9F87-4F32-99CE-4A0033E6A1B6}" type="datetimeFigureOut">
               <a:rPr lang="de-DE" smtClean="0"/>
-              <a:t>18.12.2018</a:t>
+              <a:t>19.12.2018</a:t>
             </a:fld>
             <a:endParaRPr lang="de-DE"/>
           </a:p>
@@ -2970,7 +2974,7 @@
           <a:p>
             <a:fld id="{2F142BB3-9F87-4F32-99CE-4A0033E6A1B6}" type="datetimeFigureOut">
               <a:rPr lang="de-DE" smtClean="0"/>
-              <a:t>18.12.2018</a:t>
+              <a:t>19.12.2018</a:t>
             </a:fld>
             <a:endParaRPr lang="de-DE"/>
           </a:p>
@@ -4069,16 +4073,18 @@
         </p:nvSpPr>
         <p:spPr/>
         <p:txBody>
-          <a:bodyPr/>
+          <a:bodyPr>
+            <a:normAutofit/>
+          </a:bodyPr>
           <a:lstStyle/>
           <a:p>
             <a:r>
-              <a:rPr lang="de-DE" dirty="0" err="1">
+              <a:rPr lang="de-DE" sz="4000" dirty="0" err="1">
                 <a:latin typeface="Consolas" panose="020B0609020204030204" pitchFamily="49" charset="0"/>
               </a:rPr>
-              <a:t>edu.kit.model.simulator</a:t>
+              <a:t>edu.kit.loop.model.simulator</a:t>
             </a:r>
-            <a:endParaRPr lang="de-DE" dirty="0">
+            <a:endParaRPr lang="de-DE" sz="4000" dirty="0">
               <a:latin typeface="Consolas" panose="020B0609020204030204" pitchFamily="49" charset="0"/>
             </a:endParaRPr>
           </a:p>
@@ -4150,43 +4156,46 @@
           <a:chExt cx="0" cy="0"/>
         </a:xfrm>
       </p:grpSpPr>
-      <p:sp>
-        <p:nvSpPr>
-          <p:cNvPr id="2" name="Titel 1">
-            <a:extLst>
-              <a:ext uri="{FF2B5EF4-FFF2-40B4-BE49-F238E27FC236}">
-                <a16:creationId xmlns:a16="http://schemas.microsoft.com/office/drawing/2014/main" id="{DF218E8B-3735-443A-B97C-E2F93D818331}"/>
-              </a:ext>
-            </a:extLst>
-          </p:cNvPr>
-          <p:cNvSpPr>
-            <a:spLocks noGrp="1"/>
-          </p:cNvSpPr>
-          <p:nvPr>
-            <p:ph type="title"/>
-          </p:nvPr>
-        </p:nvSpPr>
-        <p:spPr/>
-        <p:txBody>
-          <a:bodyPr/>
-          <a:lstStyle/>
-          <a:p>
-            <a:r>
-              <a:rPr lang="de-DE" dirty="0" err="1">
-                <a:latin typeface="Consolas" panose="020B0609020204030204" pitchFamily="49" charset="0"/>
-              </a:rPr>
-              <a:t>edu.kit.model.simulationengine</a:t>
-            </a:r>
-            <a:endParaRPr lang="de-DE" dirty="0">
-              <a:latin typeface="Consolas" panose="020B0609020204030204" pitchFamily="49" charset="0"/>
-            </a:endParaRPr>
-          </a:p>
-        </p:txBody>
-      </p:sp>
+      <p:pic>
+        <p:nvPicPr>
+          <p:cNvPr id="6" name="Grafik 5">
+            <a:extLst>
+              <a:ext uri="{FF2B5EF4-FFF2-40B4-BE49-F238E27FC236}">
+                <a16:creationId xmlns:a16="http://schemas.microsoft.com/office/drawing/2014/main" id="{90766673-93D3-4299-B0ED-A87E4DF7D47E}"/>
+              </a:ext>
+            </a:extLst>
+          </p:cNvPr>
+          <p:cNvPicPr>
+            <a:picLocks noChangeAspect="1"/>
+          </p:cNvPicPr>
+          <p:nvPr/>
+        </p:nvPicPr>
+        <p:blipFill>
+          <a:blip r:embed="rId2">
+            <a:extLst>
+              <a:ext uri="{28A0092B-C50C-407E-A947-70E740481C1C}">
+                <a14:useLocalDpi xmlns:a14="http://schemas.microsoft.com/office/drawing/2010/main" val="0"/>
+              </a:ext>
+            </a:extLst>
+          </a:blip>
+          <a:stretch>
+            <a:fillRect/>
+          </a:stretch>
+        </p:blipFill>
+        <p:spPr>
+          <a:xfrm>
+            <a:off x="730582" y="306000"/>
+            <a:ext cx="10730835" cy="6552000"/>
+          </a:xfrm>
+          <a:prstGeom prst="rect">
+            <a:avLst/>
+          </a:prstGeom>
+        </p:spPr>
+      </p:pic>
     </p:spTree>
     <p:extLst>
       <p:ext uri="{BB962C8B-B14F-4D97-AF65-F5344CB8AC3E}">
-        <p14:creationId xmlns:p14="http://schemas.microsoft.com/office/powerpoint/2010/main" val="1773259765"/>
+        <p14:creationId xmlns:p14="http://schemas.microsoft.com/office/powerpoint/2010/main" val="1921487758"/>
       </p:ext>
     </p:extLst>
   </p:cSld>
@@ -4310,10 +4319,10 @@
       </p:grpSpPr>
       <p:pic>
         <p:nvPicPr>
-          <p:cNvPr id="6" name="Grafik 5">
-            <a:extLst>
-              <a:ext uri="{FF2B5EF4-FFF2-40B4-BE49-F238E27FC236}">
-                <a16:creationId xmlns:a16="http://schemas.microsoft.com/office/drawing/2014/main" id="{90766673-93D3-4299-B0ED-A87E4DF7D47E}"/>
+          <p:cNvPr id="3" name="Grafik 2">
+            <a:extLst>
+              <a:ext uri="{FF2B5EF4-FFF2-40B4-BE49-F238E27FC236}">
+                <a16:creationId xmlns:a16="http://schemas.microsoft.com/office/drawing/2014/main" id="{502AE3CC-A56F-4D4E-BF68-CBE428D25D58}"/>
               </a:ext>
             </a:extLst>
           </p:cNvPr>
@@ -4347,7 +4356,7 @@
     </p:spTree>
     <p:extLst>
       <p:ext uri="{BB962C8B-B14F-4D97-AF65-F5344CB8AC3E}">
-        <p14:creationId xmlns:p14="http://schemas.microsoft.com/office/powerpoint/2010/main" val="1921487758"/>
+        <p14:creationId xmlns:p14="http://schemas.microsoft.com/office/powerpoint/2010/main" val="1433811481"/>
       </p:ext>
     </p:extLst>
   </p:cSld>
@@ -4379,7 +4388,7 @@
           <p:cNvPr id="3" name="Grafik 2">
             <a:extLst>
               <a:ext uri="{FF2B5EF4-FFF2-40B4-BE49-F238E27FC236}">
-                <a16:creationId xmlns:a16="http://schemas.microsoft.com/office/drawing/2014/main" id="{502AE3CC-A56F-4D4E-BF68-CBE428D25D58}"/>
+                <a16:creationId xmlns:a16="http://schemas.microsoft.com/office/drawing/2014/main" id="{01F19408-53B3-4497-AEBF-1CDA8E55236C}"/>
               </a:ext>
             </a:extLst>
           </p:cNvPr>
@@ -4413,7 +4422,7 @@
     </p:spTree>
     <p:extLst>
       <p:ext uri="{BB962C8B-B14F-4D97-AF65-F5344CB8AC3E}">
-        <p14:creationId xmlns:p14="http://schemas.microsoft.com/office/powerpoint/2010/main" val="1433811481"/>
+        <p14:creationId xmlns:p14="http://schemas.microsoft.com/office/powerpoint/2010/main" val="713319763"/>
       </p:ext>
     </p:extLst>
   </p:cSld>
@@ -4445,7 +4454,7 @@
           <p:cNvPr id="3" name="Grafik 2">
             <a:extLst>
               <a:ext uri="{FF2B5EF4-FFF2-40B4-BE49-F238E27FC236}">
-                <a16:creationId xmlns:a16="http://schemas.microsoft.com/office/drawing/2014/main" id="{01F19408-53B3-4497-AEBF-1CDA8E55236C}"/>
+                <a16:creationId xmlns:a16="http://schemas.microsoft.com/office/drawing/2014/main" id="{667305B3-1515-4AC9-9DBA-0694D298AB59}"/>
               </a:ext>
             </a:extLst>
           </p:cNvPr>
@@ -4479,7 +4488,7 @@
     </p:spTree>
     <p:extLst>
       <p:ext uri="{BB962C8B-B14F-4D97-AF65-F5344CB8AC3E}">
-        <p14:creationId xmlns:p14="http://schemas.microsoft.com/office/powerpoint/2010/main" val="713319763"/>
+        <p14:creationId xmlns:p14="http://schemas.microsoft.com/office/powerpoint/2010/main" val="416377263"/>
       </p:ext>
     </p:extLst>
   </p:cSld>
@@ -4511,7 +4520,7 @@
           <p:cNvPr id="3" name="Grafik 2">
             <a:extLst>
               <a:ext uri="{FF2B5EF4-FFF2-40B4-BE49-F238E27FC236}">
-                <a16:creationId xmlns:a16="http://schemas.microsoft.com/office/drawing/2014/main" id="{667305B3-1515-4AC9-9DBA-0694D298AB59}"/>
+                <a16:creationId xmlns:a16="http://schemas.microsoft.com/office/drawing/2014/main" id="{68BD947D-F9A0-4C26-A88C-C95C561F7241}"/>
               </a:ext>
             </a:extLst>
           </p:cNvPr>
@@ -4545,7 +4554,7 @@
     </p:spTree>
     <p:extLst>
       <p:ext uri="{BB962C8B-B14F-4D97-AF65-F5344CB8AC3E}">
-        <p14:creationId xmlns:p14="http://schemas.microsoft.com/office/powerpoint/2010/main" val="416377263"/>
+        <p14:creationId xmlns:p14="http://schemas.microsoft.com/office/powerpoint/2010/main" val="3682125448"/>
       </p:ext>
     </p:extLst>
   </p:cSld>
@@ -4577,7 +4586,7 @@
           <p:cNvPr id="3" name="Grafik 2">
             <a:extLst>
               <a:ext uri="{FF2B5EF4-FFF2-40B4-BE49-F238E27FC236}">
-                <a16:creationId xmlns:a16="http://schemas.microsoft.com/office/drawing/2014/main" id="{68BD947D-F9A0-4C26-A88C-C95C561F7241}"/>
+                <a16:creationId xmlns:a16="http://schemas.microsoft.com/office/drawing/2014/main" id="{EC78A930-6D3B-4635-B2AD-1B6CEE5AA539}"/>
               </a:ext>
             </a:extLst>
           </p:cNvPr>
@@ -4611,7 +4620,7 @@
     </p:spTree>
     <p:extLst>
       <p:ext uri="{BB962C8B-B14F-4D97-AF65-F5344CB8AC3E}">
-        <p14:creationId xmlns:p14="http://schemas.microsoft.com/office/powerpoint/2010/main" val="3682125448"/>
+        <p14:creationId xmlns:p14="http://schemas.microsoft.com/office/powerpoint/2010/main" val="2075617833"/>
       </p:ext>
     </p:extLst>
   </p:cSld>
@@ -4643,7 +4652,7 @@
           <p:cNvPr id="3" name="Grafik 2">
             <a:extLst>
               <a:ext uri="{FF2B5EF4-FFF2-40B4-BE49-F238E27FC236}">
-                <a16:creationId xmlns:a16="http://schemas.microsoft.com/office/drawing/2014/main" id="{EC78A930-6D3B-4635-B2AD-1B6CEE5AA539}"/>
+                <a16:creationId xmlns:a16="http://schemas.microsoft.com/office/drawing/2014/main" id="{CE183081-8D9D-473B-B044-EA7BD7D521E1}"/>
               </a:ext>
             </a:extLst>
           </p:cNvPr>
@@ -4677,7 +4686,7 @@
     </p:spTree>
     <p:extLst>
       <p:ext uri="{BB962C8B-B14F-4D97-AF65-F5344CB8AC3E}">
-        <p14:creationId xmlns:p14="http://schemas.microsoft.com/office/powerpoint/2010/main" val="2075617833"/>
+        <p14:creationId xmlns:p14="http://schemas.microsoft.com/office/powerpoint/2010/main" val="916425364"/>
       </p:ext>
     </p:extLst>
   </p:cSld>
@@ -4709,7 +4718,7 @@
           <p:cNvPr id="3" name="Grafik 2">
             <a:extLst>
               <a:ext uri="{FF2B5EF4-FFF2-40B4-BE49-F238E27FC236}">
-                <a16:creationId xmlns:a16="http://schemas.microsoft.com/office/drawing/2014/main" id="{CE183081-8D9D-473B-B044-EA7BD7D521E1}"/>
+                <a16:creationId xmlns:a16="http://schemas.microsoft.com/office/drawing/2014/main" id="{3C1339F4-AE7A-4206-A0F8-17C8125258DF}"/>
               </a:ext>
             </a:extLst>
           </p:cNvPr>
@@ -4743,7 +4752,7 @@
     </p:spTree>
     <p:extLst>
       <p:ext uri="{BB962C8B-B14F-4D97-AF65-F5344CB8AC3E}">
-        <p14:creationId xmlns:p14="http://schemas.microsoft.com/office/powerpoint/2010/main" val="916425364"/>
+        <p14:creationId xmlns:p14="http://schemas.microsoft.com/office/powerpoint/2010/main" val="22193534"/>
       </p:ext>
     </p:extLst>
   </p:cSld>
@@ -4775,7 +4784,7 @@
           <p:cNvPr id="3" name="Grafik 2">
             <a:extLst>
               <a:ext uri="{FF2B5EF4-FFF2-40B4-BE49-F238E27FC236}">
-                <a16:creationId xmlns:a16="http://schemas.microsoft.com/office/drawing/2014/main" id="{3C1339F4-AE7A-4206-A0F8-17C8125258DF}"/>
+                <a16:creationId xmlns:a16="http://schemas.microsoft.com/office/drawing/2014/main" id="{C04A14DA-F6D0-4EDE-99D1-58C21FC8B0C4}"/>
               </a:ext>
             </a:extLst>
           </p:cNvPr>
@@ -4809,7 +4818,7 @@
     </p:spTree>
     <p:extLst>
       <p:ext uri="{BB962C8B-B14F-4D97-AF65-F5344CB8AC3E}">
-        <p14:creationId xmlns:p14="http://schemas.microsoft.com/office/powerpoint/2010/main" val="22193534"/>
+        <p14:creationId xmlns:p14="http://schemas.microsoft.com/office/powerpoint/2010/main" val="1879504982"/>
       </p:ext>
     </p:extLst>
   </p:cSld>
@@ -4841,7 +4850,7 @@
           <p:cNvPr id="3" name="Grafik 2">
             <a:extLst>
               <a:ext uri="{FF2B5EF4-FFF2-40B4-BE49-F238E27FC236}">
-                <a16:creationId xmlns:a16="http://schemas.microsoft.com/office/drawing/2014/main" id="{C04A14DA-F6D0-4EDE-99D1-58C21FC8B0C4}"/>
+                <a16:creationId xmlns:a16="http://schemas.microsoft.com/office/drawing/2014/main" id="{A10346B5-E2D3-4562-AD59-E89EE4900F2A}"/>
               </a:ext>
             </a:extLst>
           </p:cNvPr>
@@ -4875,7 +4884,7 @@
     </p:spTree>
     <p:extLst>
       <p:ext uri="{BB962C8B-B14F-4D97-AF65-F5344CB8AC3E}">
-        <p14:creationId xmlns:p14="http://schemas.microsoft.com/office/powerpoint/2010/main" val="1879504982"/>
+        <p14:creationId xmlns:p14="http://schemas.microsoft.com/office/powerpoint/2010/main" val="2426122576"/>
       </p:ext>
     </p:extLst>
   </p:cSld>
@@ -4907,7 +4916,7 @@
           <p:cNvPr id="3" name="Grafik 2">
             <a:extLst>
               <a:ext uri="{FF2B5EF4-FFF2-40B4-BE49-F238E27FC236}">
-                <a16:creationId xmlns:a16="http://schemas.microsoft.com/office/drawing/2014/main" id="{A10346B5-E2D3-4562-AD59-E89EE4900F2A}"/>
+                <a16:creationId xmlns:a16="http://schemas.microsoft.com/office/drawing/2014/main" id="{E535035E-F151-4EFE-8D21-B0FBC04B74D3}"/>
               </a:ext>
             </a:extLst>
           </p:cNvPr>
@@ -4941,7 +4950,7 @@
     </p:spTree>
     <p:extLst>
       <p:ext uri="{BB962C8B-B14F-4D97-AF65-F5344CB8AC3E}">
-        <p14:creationId xmlns:p14="http://schemas.microsoft.com/office/powerpoint/2010/main" val="2426122576"/>
+        <p14:creationId xmlns:p14="http://schemas.microsoft.com/office/powerpoint/2010/main" val="3292931433"/>
       </p:ext>
     </p:extLst>
   </p:cSld>
@@ -5022,21 +5031,23 @@
         </p:nvSpPr>
         <p:spPr>
           <a:xfrm>
-            <a:off x="261146" y="196446"/>
+            <a:off x="261146" y="0"/>
             <a:ext cx="10515600" cy="1325563"/>
           </a:xfrm>
         </p:spPr>
         <p:txBody>
-          <a:bodyPr/>
+          <a:bodyPr>
+            <a:normAutofit/>
+          </a:bodyPr>
           <a:lstStyle/>
           <a:p>
             <a:r>
-              <a:rPr lang="de-DE" dirty="0" err="1">
+              <a:rPr lang="de-DE" sz="4000" dirty="0" err="1">
                 <a:latin typeface="Consolas" panose="020B0609020204030204" pitchFamily="49" charset="0"/>
               </a:rPr>
-              <a:t>edu.kit.controller</a:t>
+              <a:t>edu.kit.loop.controller</a:t>
             </a:r>
-            <a:endParaRPr lang="de-DE" dirty="0">
+            <a:endParaRPr lang="de-DE" sz="4000" dirty="0">
               <a:latin typeface="Consolas" panose="020B0609020204030204" pitchFamily="49" charset="0"/>
             </a:endParaRPr>
           </a:p>
@@ -5077,7 +5088,7 @@
           <p:cNvPr id="3" name="Grafik 2">
             <a:extLst>
               <a:ext uri="{FF2B5EF4-FFF2-40B4-BE49-F238E27FC236}">
-                <a16:creationId xmlns:a16="http://schemas.microsoft.com/office/drawing/2014/main" id="{E535035E-F151-4EFE-8D21-B0FBC04B74D3}"/>
+                <a16:creationId xmlns:a16="http://schemas.microsoft.com/office/drawing/2014/main" id="{BD7748F8-CFF9-487A-B7C5-6F57DBC8AD38}"/>
               </a:ext>
             </a:extLst>
           </p:cNvPr>
@@ -5111,7 +5122,7 @@
     </p:spTree>
     <p:extLst>
       <p:ext uri="{BB962C8B-B14F-4D97-AF65-F5344CB8AC3E}">
-        <p14:creationId xmlns:p14="http://schemas.microsoft.com/office/powerpoint/2010/main" val="3292931433"/>
+        <p14:creationId xmlns:p14="http://schemas.microsoft.com/office/powerpoint/2010/main" val="3329553523"/>
       </p:ext>
     </p:extLst>
   </p:cSld>
@@ -5143,7 +5154,7 @@
           <p:cNvPr id="3" name="Grafik 2">
             <a:extLst>
               <a:ext uri="{FF2B5EF4-FFF2-40B4-BE49-F238E27FC236}">
-                <a16:creationId xmlns:a16="http://schemas.microsoft.com/office/drawing/2014/main" id="{BD7748F8-CFF9-487A-B7C5-6F57DBC8AD38}"/>
+                <a16:creationId xmlns:a16="http://schemas.microsoft.com/office/drawing/2014/main" id="{F0946E6F-879B-4536-B585-91E0323F7931}"/>
               </a:ext>
             </a:extLst>
           </p:cNvPr>
@@ -5177,7 +5188,7 @@
     </p:spTree>
     <p:extLst>
       <p:ext uri="{BB962C8B-B14F-4D97-AF65-F5344CB8AC3E}">
-        <p14:creationId xmlns:p14="http://schemas.microsoft.com/office/powerpoint/2010/main" val="3329553523"/>
+        <p14:creationId xmlns:p14="http://schemas.microsoft.com/office/powerpoint/2010/main" val="40063947"/>
       </p:ext>
     </p:extLst>
   </p:cSld>
@@ -5209,7 +5220,7 @@
           <p:cNvPr id="3" name="Grafik 2">
             <a:extLst>
               <a:ext uri="{FF2B5EF4-FFF2-40B4-BE49-F238E27FC236}">
-                <a16:creationId xmlns:a16="http://schemas.microsoft.com/office/drawing/2014/main" id="{F0946E6F-879B-4536-B585-91E0323F7931}"/>
+                <a16:creationId xmlns:a16="http://schemas.microsoft.com/office/drawing/2014/main" id="{F1B69A1D-5013-480D-A5A9-CD05215DEFE3}"/>
               </a:ext>
             </a:extLst>
           </p:cNvPr>
@@ -5232,8 +5243,8 @@
         </p:blipFill>
         <p:spPr>
           <a:xfrm>
-            <a:off x="730582" y="306000"/>
-            <a:ext cx="10730835" cy="6552000"/>
+            <a:off x="1261258" y="306000"/>
+            <a:ext cx="9669484" cy="6552000"/>
           </a:xfrm>
           <a:prstGeom prst="rect">
             <a:avLst/>
@@ -5243,7 +5254,7 @@
     </p:spTree>
     <p:extLst>
       <p:ext uri="{BB962C8B-B14F-4D97-AF65-F5344CB8AC3E}">
-        <p14:creationId xmlns:p14="http://schemas.microsoft.com/office/powerpoint/2010/main" val="40063947"/>
+        <p14:creationId xmlns:p14="http://schemas.microsoft.com/office/powerpoint/2010/main" val="2530528545"/>
       </p:ext>
     </p:extLst>
   </p:cSld>
@@ -5275,7 +5286,7 @@
           <p:cNvPr id="3" name="Grafik 2">
             <a:extLst>
               <a:ext uri="{FF2B5EF4-FFF2-40B4-BE49-F238E27FC236}">
-                <a16:creationId xmlns:a16="http://schemas.microsoft.com/office/drawing/2014/main" id="{F1B69A1D-5013-480D-A5A9-CD05215DEFE3}"/>
+                <a16:creationId xmlns:a16="http://schemas.microsoft.com/office/drawing/2014/main" id="{74C14528-529D-4056-B1D2-467027CA2F5F}"/>
               </a:ext>
             </a:extLst>
           </p:cNvPr>
@@ -5309,7 +5320,7 @@
     </p:spTree>
     <p:extLst>
       <p:ext uri="{BB962C8B-B14F-4D97-AF65-F5344CB8AC3E}">
-        <p14:creationId xmlns:p14="http://schemas.microsoft.com/office/powerpoint/2010/main" val="2530528545"/>
+        <p14:creationId xmlns:p14="http://schemas.microsoft.com/office/powerpoint/2010/main" val="139360424"/>
       </p:ext>
     </p:extLst>
   </p:cSld>
@@ -5341,7 +5352,7 @@
           <p:cNvPr id="3" name="Grafik 2">
             <a:extLst>
               <a:ext uri="{FF2B5EF4-FFF2-40B4-BE49-F238E27FC236}">
-                <a16:creationId xmlns:a16="http://schemas.microsoft.com/office/drawing/2014/main" id="{74C14528-529D-4056-B1D2-467027CA2F5F}"/>
+                <a16:creationId xmlns:a16="http://schemas.microsoft.com/office/drawing/2014/main" id="{24D52251-93B7-4C00-89EE-C0F7D0E673E5}"/>
               </a:ext>
             </a:extLst>
           </p:cNvPr>
@@ -5375,7 +5386,7 @@
     </p:spTree>
     <p:extLst>
       <p:ext uri="{BB962C8B-B14F-4D97-AF65-F5344CB8AC3E}">
-        <p14:creationId xmlns:p14="http://schemas.microsoft.com/office/powerpoint/2010/main" val="139360424"/>
+        <p14:creationId xmlns:p14="http://schemas.microsoft.com/office/powerpoint/2010/main" val="1339252522"/>
       </p:ext>
     </p:extLst>
   </p:cSld>
@@ -5407,7 +5418,7 @@
           <p:cNvPr id="3" name="Grafik 2">
             <a:extLst>
               <a:ext uri="{FF2B5EF4-FFF2-40B4-BE49-F238E27FC236}">
-                <a16:creationId xmlns:a16="http://schemas.microsoft.com/office/drawing/2014/main" id="{24D52251-93B7-4C00-89EE-C0F7D0E673E5}"/>
+                <a16:creationId xmlns:a16="http://schemas.microsoft.com/office/drawing/2014/main" id="{CBB7FF95-0178-492D-A94D-D651307C5399}"/>
               </a:ext>
             </a:extLst>
           </p:cNvPr>
@@ -5441,7 +5452,7 @@
     </p:spTree>
     <p:extLst>
       <p:ext uri="{BB962C8B-B14F-4D97-AF65-F5344CB8AC3E}">
-        <p14:creationId xmlns:p14="http://schemas.microsoft.com/office/powerpoint/2010/main" val="1339252522"/>
+        <p14:creationId xmlns:p14="http://schemas.microsoft.com/office/powerpoint/2010/main" val="2212243807"/>
       </p:ext>
     </p:extLst>
   </p:cSld>
@@ -5473,7 +5484,7 @@
           <p:cNvPr id="3" name="Grafik 2">
             <a:extLst>
               <a:ext uri="{FF2B5EF4-FFF2-40B4-BE49-F238E27FC236}">
-                <a16:creationId xmlns:a16="http://schemas.microsoft.com/office/drawing/2014/main" id="{CBB7FF95-0178-492D-A94D-D651307C5399}"/>
+                <a16:creationId xmlns:a16="http://schemas.microsoft.com/office/drawing/2014/main" id="{BFECDDF8-8257-41A0-9F73-9341228ACF8C}"/>
               </a:ext>
             </a:extLst>
           </p:cNvPr>
@@ -5507,7 +5518,7 @@
     </p:spTree>
     <p:extLst>
       <p:ext uri="{BB962C8B-B14F-4D97-AF65-F5344CB8AC3E}">
-        <p14:creationId xmlns:p14="http://schemas.microsoft.com/office/powerpoint/2010/main" val="2212243807"/>
+        <p14:creationId xmlns:p14="http://schemas.microsoft.com/office/powerpoint/2010/main" val="1332327910"/>
       </p:ext>
     </p:extLst>
   </p:cSld>
@@ -5539,7 +5550,7 @@
           <p:cNvPr id="3" name="Grafik 2">
             <a:extLst>
               <a:ext uri="{FF2B5EF4-FFF2-40B4-BE49-F238E27FC236}">
-                <a16:creationId xmlns:a16="http://schemas.microsoft.com/office/drawing/2014/main" id="{BFECDDF8-8257-41A0-9F73-9341228ACF8C}"/>
+                <a16:creationId xmlns:a16="http://schemas.microsoft.com/office/drawing/2014/main" id="{A21A8053-4DBB-4566-86D3-DF2046414998}"/>
               </a:ext>
             </a:extLst>
           </p:cNvPr>
@@ -5573,7 +5584,7 @@
     </p:spTree>
     <p:extLst>
       <p:ext uri="{BB962C8B-B14F-4D97-AF65-F5344CB8AC3E}">
-        <p14:creationId xmlns:p14="http://schemas.microsoft.com/office/powerpoint/2010/main" val="1332327910"/>
+        <p14:creationId xmlns:p14="http://schemas.microsoft.com/office/powerpoint/2010/main" val="198664142"/>
       </p:ext>
     </p:extLst>
   </p:cSld>
@@ -5605,7 +5616,7 @@
           <p:cNvPr id="3" name="Grafik 2">
             <a:extLst>
               <a:ext uri="{FF2B5EF4-FFF2-40B4-BE49-F238E27FC236}">
-                <a16:creationId xmlns:a16="http://schemas.microsoft.com/office/drawing/2014/main" id="{A21A8053-4DBB-4566-86D3-DF2046414998}"/>
+                <a16:creationId xmlns:a16="http://schemas.microsoft.com/office/drawing/2014/main" id="{6795F879-C733-4561-B352-C93AFD0C6129}"/>
               </a:ext>
             </a:extLst>
           </p:cNvPr>
@@ -5628,8 +5639,8 @@
         </p:blipFill>
         <p:spPr>
           <a:xfrm>
-            <a:off x="1261258" y="306000"/>
-            <a:ext cx="9669484" cy="6552000"/>
+            <a:off x="776554" y="306000"/>
+            <a:ext cx="10638891" cy="6552000"/>
           </a:xfrm>
           <a:prstGeom prst="rect">
             <a:avLst/>
@@ -5639,7 +5650,7 @@
     </p:spTree>
     <p:extLst>
       <p:ext uri="{BB962C8B-B14F-4D97-AF65-F5344CB8AC3E}">
-        <p14:creationId xmlns:p14="http://schemas.microsoft.com/office/powerpoint/2010/main" val="198664142"/>
+        <p14:creationId xmlns:p14="http://schemas.microsoft.com/office/powerpoint/2010/main" val="4117847281"/>
       </p:ext>
     </p:extLst>
   </p:cSld>
@@ -5671,7 +5682,7 @@
           <p:cNvPr id="3" name="Grafik 2">
             <a:extLst>
               <a:ext uri="{FF2B5EF4-FFF2-40B4-BE49-F238E27FC236}">
-                <a16:creationId xmlns:a16="http://schemas.microsoft.com/office/drawing/2014/main" id="{6795F879-C733-4561-B352-C93AFD0C6129}"/>
+                <a16:creationId xmlns:a16="http://schemas.microsoft.com/office/drawing/2014/main" id="{E7EFE7F9-36D5-4AB7-A768-EABC62F899C9}"/>
               </a:ext>
             </a:extLst>
           </p:cNvPr>
@@ -5705,7 +5716,7 @@
     </p:spTree>
     <p:extLst>
       <p:ext uri="{BB962C8B-B14F-4D97-AF65-F5344CB8AC3E}">
-        <p14:creationId xmlns:p14="http://schemas.microsoft.com/office/powerpoint/2010/main" val="4117847281"/>
+        <p14:creationId xmlns:p14="http://schemas.microsoft.com/office/powerpoint/2010/main" val="4088778174"/>
       </p:ext>
     </p:extLst>
   </p:cSld>
@@ -5803,7 +5814,7 @@
           <p:cNvPr id="3" name="Grafik 2">
             <a:extLst>
               <a:ext uri="{FF2B5EF4-FFF2-40B4-BE49-F238E27FC236}">
-                <a16:creationId xmlns:a16="http://schemas.microsoft.com/office/drawing/2014/main" id="{E7EFE7F9-36D5-4AB7-A768-EABC62F899C9}"/>
+                <a16:creationId xmlns:a16="http://schemas.microsoft.com/office/drawing/2014/main" id="{123C77B7-F9FF-433C-B387-741F1CD15113}"/>
               </a:ext>
             </a:extLst>
           </p:cNvPr>
@@ -5837,7 +5848,7 @@
     </p:spTree>
     <p:extLst>
       <p:ext uri="{BB962C8B-B14F-4D97-AF65-F5344CB8AC3E}">
-        <p14:creationId xmlns:p14="http://schemas.microsoft.com/office/powerpoint/2010/main" val="4088778174"/>
+        <p14:creationId xmlns:p14="http://schemas.microsoft.com/office/powerpoint/2010/main" val="2948140022"/>
       </p:ext>
     </p:extLst>
   </p:cSld>
@@ -5869,7 +5880,7 @@
           <p:cNvPr id="3" name="Grafik 2">
             <a:extLst>
               <a:ext uri="{FF2B5EF4-FFF2-40B4-BE49-F238E27FC236}">
-                <a16:creationId xmlns:a16="http://schemas.microsoft.com/office/drawing/2014/main" id="{123C77B7-F9FF-433C-B387-741F1CD15113}"/>
+                <a16:creationId xmlns:a16="http://schemas.microsoft.com/office/drawing/2014/main" id="{92883817-6741-4A51-8BAC-08763D981C3E}"/>
               </a:ext>
             </a:extLst>
           </p:cNvPr>
@@ -5903,7 +5914,7 @@
     </p:spTree>
     <p:extLst>
       <p:ext uri="{BB962C8B-B14F-4D97-AF65-F5344CB8AC3E}">
-        <p14:creationId xmlns:p14="http://schemas.microsoft.com/office/powerpoint/2010/main" val="2948140022"/>
+        <p14:creationId xmlns:p14="http://schemas.microsoft.com/office/powerpoint/2010/main" val="1739396249"/>
       </p:ext>
     </p:extLst>
   </p:cSld>
@@ -5935,7 +5946,7 @@
           <p:cNvPr id="3" name="Grafik 2">
             <a:extLst>
               <a:ext uri="{FF2B5EF4-FFF2-40B4-BE49-F238E27FC236}">
-                <a16:creationId xmlns:a16="http://schemas.microsoft.com/office/drawing/2014/main" id="{92883817-6741-4A51-8BAC-08763D981C3E}"/>
+                <a16:creationId xmlns:a16="http://schemas.microsoft.com/office/drawing/2014/main" id="{964D8A2C-101D-4ED6-956D-AC548A7A66AA}"/>
               </a:ext>
             </a:extLst>
           </p:cNvPr>
@@ -5969,7 +5980,7 @@
     </p:spTree>
     <p:extLst>
       <p:ext uri="{BB962C8B-B14F-4D97-AF65-F5344CB8AC3E}">
-        <p14:creationId xmlns:p14="http://schemas.microsoft.com/office/powerpoint/2010/main" val="1739396249"/>
+        <p14:creationId xmlns:p14="http://schemas.microsoft.com/office/powerpoint/2010/main" val="3814987899"/>
       </p:ext>
     </p:extLst>
   </p:cSld>
@@ -6001,7 +6012,7 @@
           <p:cNvPr id="3" name="Grafik 2">
             <a:extLst>
               <a:ext uri="{FF2B5EF4-FFF2-40B4-BE49-F238E27FC236}">
-                <a16:creationId xmlns:a16="http://schemas.microsoft.com/office/drawing/2014/main" id="{964D8A2C-101D-4ED6-956D-AC548A7A66AA}"/>
+                <a16:creationId xmlns:a16="http://schemas.microsoft.com/office/drawing/2014/main" id="{F2CCD83D-519E-4E4D-8398-5DB74C1C05AA}"/>
               </a:ext>
             </a:extLst>
           </p:cNvPr>
@@ -6035,7 +6046,7 @@
     </p:spTree>
     <p:extLst>
       <p:ext uri="{BB962C8B-B14F-4D97-AF65-F5344CB8AC3E}">
-        <p14:creationId xmlns:p14="http://schemas.microsoft.com/office/powerpoint/2010/main" val="3814987899"/>
+        <p14:creationId xmlns:p14="http://schemas.microsoft.com/office/powerpoint/2010/main" val="2751774563"/>
       </p:ext>
     </p:extLst>
   </p:cSld>
@@ -6067,7 +6078,7 @@
           <p:cNvPr id="3" name="Grafik 2">
             <a:extLst>
               <a:ext uri="{FF2B5EF4-FFF2-40B4-BE49-F238E27FC236}">
-                <a16:creationId xmlns:a16="http://schemas.microsoft.com/office/drawing/2014/main" id="{F2CCD83D-519E-4E4D-8398-5DB74C1C05AA}"/>
+                <a16:creationId xmlns:a16="http://schemas.microsoft.com/office/drawing/2014/main" id="{71A1B9AE-7E7E-4FA7-9450-F107CABB6CE1}"/>
               </a:ext>
             </a:extLst>
           </p:cNvPr>
@@ -6101,7 +6112,7 @@
     </p:spTree>
     <p:extLst>
       <p:ext uri="{BB962C8B-B14F-4D97-AF65-F5344CB8AC3E}">
-        <p14:creationId xmlns:p14="http://schemas.microsoft.com/office/powerpoint/2010/main" val="2751774563"/>
+        <p14:creationId xmlns:p14="http://schemas.microsoft.com/office/powerpoint/2010/main" val="1914335789"/>
       </p:ext>
     </p:extLst>
   </p:cSld>
@@ -6133,7 +6144,7 @@
           <p:cNvPr id="3" name="Grafik 2">
             <a:extLst>
               <a:ext uri="{FF2B5EF4-FFF2-40B4-BE49-F238E27FC236}">
-                <a16:creationId xmlns:a16="http://schemas.microsoft.com/office/drawing/2014/main" id="{71A1B9AE-7E7E-4FA7-9450-F107CABB6CE1}"/>
+                <a16:creationId xmlns:a16="http://schemas.microsoft.com/office/drawing/2014/main" id="{CFD454D7-1C68-44D5-8B19-166F1350713E}"/>
               </a:ext>
             </a:extLst>
           </p:cNvPr>
@@ -6167,7 +6178,7 @@
     </p:spTree>
     <p:extLst>
       <p:ext uri="{BB962C8B-B14F-4D97-AF65-F5344CB8AC3E}">
-        <p14:creationId xmlns:p14="http://schemas.microsoft.com/office/powerpoint/2010/main" val="1914335789"/>
+        <p14:creationId xmlns:p14="http://schemas.microsoft.com/office/powerpoint/2010/main" val="3490191693"/>
       </p:ext>
     </p:extLst>
   </p:cSld>
@@ -6199,7 +6210,7 @@
           <p:cNvPr id="3" name="Grafik 2">
             <a:extLst>
               <a:ext uri="{FF2B5EF4-FFF2-40B4-BE49-F238E27FC236}">
-                <a16:creationId xmlns:a16="http://schemas.microsoft.com/office/drawing/2014/main" id="{CFD454D7-1C68-44D5-8B19-166F1350713E}"/>
+                <a16:creationId xmlns:a16="http://schemas.microsoft.com/office/drawing/2014/main" id="{0481D642-5943-47D2-9550-BFF39C8633AD}"/>
               </a:ext>
             </a:extLst>
           </p:cNvPr>
@@ -6233,7 +6244,7 @@
     </p:spTree>
     <p:extLst>
       <p:ext uri="{BB962C8B-B14F-4D97-AF65-F5344CB8AC3E}">
-        <p14:creationId xmlns:p14="http://schemas.microsoft.com/office/powerpoint/2010/main" val="3490191693"/>
+        <p14:creationId xmlns:p14="http://schemas.microsoft.com/office/powerpoint/2010/main" val="375507343"/>
       </p:ext>
     </p:extLst>
   </p:cSld>
@@ -6265,7 +6276,7 @@
           <p:cNvPr id="3" name="Grafik 2">
             <a:extLst>
               <a:ext uri="{FF2B5EF4-FFF2-40B4-BE49-F238E27FC236}">
-                <a16:creationId xmlns:a16="http://schemas.microsoft.com/office/drawing/2014/main" id="{0481D642-5943-47D2-9550-BFF39C8633AD}"/>
+                <a16:creationId xmlns:a16="http://schemas.microsoft.com/office/drawing/2014/main" id="{98BB2294-6993-433A-9778-352EC2CE4EBB}"/>
               </a:ext>
             </a:extLst>
           </p:cNvPr>
@@ -6299,7 +6310,7 @@
     </p:spTree>
     <p:extLst>
       <p:ext uri="{BB962C8B-B14F-4D97-AF65-F5344CB8AC3E}">
-        <p14:creationId xmlns:p14="http://schemas.microsoft.com/office/powerpoint/2010/main" val="375507343"/>
+        <p14:creationId xmlns:p14="http://schemas.microsoft.com/office/powerpoint/2010/main" val="3171947911"/>
       </p:ext>
     </p:extLst>
   </p:cSld>
@@ -6331,7 +6342,7 @@
           <p:cNvPr id="3" name="Grafik 2">
             <a:extLst>
               <a:ext uri="{FF2B5EF4-FFF2-40B4-BE49-F238E27FC236}">
-                <a16:creationId xmlns:a16="http://schemas.microsoft.com/office/drawing/2014/main" id="{98BB2294-6993-433A-9778-352EC2CE4EBB}"/>
+                <a16:creationId xmlns:a16="http://schemas.microsoft.com/office/drawing/2014/main" id="{FA7A5A9C-C139-4FFF-8172-8E45321D2B4A}"/>
               </a:ext>
             </a:extLst>
           </p:cNvPr>
@@ -6365,7 +6376,7 @@
     </p:spTree>
     <p:extLst>
       <p:ext uri="{BB962C8B-B14F-4D97-AF65-F5344CB8AC3E}">
-        <p14:creationId xmlns:p14="http://schemas.microsoft.com/office/powerpoint/2010/main" val="3171947911"/>
+        <p14:creationId xmlns:p14="http://schemas.microsoft.com/office/powerpoint/2010/main" val="2999412725"/>
       </p:ext>
     </p:extLst>
   </p:cSld>
@@ -6397,7 +6408,7 @@
           <p:cNvPr id="3" name="Grafik 2">
             <a:extLst>
               <a:ext uri="{FF2B5EF4-FFF2-40B4-BE49-F238E27FC236}">
-                <a16:creationId xmlns:a16="http://schemas.microsoft.com/office/drawing/2014/main" id="{FA7A5A9C-C139-4FFF-8172-8E45321D2B4A}"/>
+                <a16:creationId xmlns:a16="http://schemas.microsoft.com/office/drawing/2014/main" id="{A21A8053-4DBB-4566-86D3-DF2046414998}"/>
               </a:ext>
             </a:extLst>
           </p:cNvPr>
@@ -6420,8 +6431,8 @@
         </p:blipFill>
         <p:spPr>
           <a:xfrm>
-            <a:off x="776554" y="306000"/>
-            <a:ext cx="10638891" cy="6552000"/>
+            <a:off x="1261258" y="306000"/>
+            <a:ext cx="9669484" cy="6552000"/>
           </a:xfrm>
           <a:prstGeom prst="rect">
             <a:avLst/>
@@ -6431,7 +6442,7 @@
     </p:spTree>
     <p:extLst>
       <p:ext uri="{BB962C8B-B14F-4D97-AF65-F5344CB8AC3E}">
-        <p14:creationId xmlns:p14="http://schemas.microsoft.com/office/powerpoint/2010/main" val="2999412725"/>
+        <p14:creationId xmlns:p14="http://schemas.microsoft.com/office/powerpoint/2010/main" val="1727194043"/>
       </p:ext>
     </p:extLst>
   </p:cSld>
@@ -6529,7 +6540,7 @@
           <p:cNvPr id="3" name="Grafik 2">
             <a:extLst>
               <a:ext uri="{FF2B5EF4-FFF2-40B4-BE49-F238E27FC236}">
-                <a16:creationId xmlns:a16="http://schemas.microsoft.com/office/drawing/2014/main" id="{A21A8053-4DBB-4566-86D3-DF2046414998}"/>
+                <a16:creationId xmlns:a16="http://schemas.microsoft.com/office/drawing/2014/main" id="{BEB64302-1DE8-4BFB-9078-9BF4874F2108}"/>
               </a:ext>
             </a:extLst>
           </p:cNvPr>
@@ -6563,7 +6574,7 @@
     </p:spTree>
     <p:extLst>
       <p:ext uri="{BB962C8B-B14F-4D97-AF65-F5344CB8AC3E}">
-        <p14:creationId xmlns:p14="http://schemas.microsoft.com/office/powerpoint/2010/main" val="1727194043"/>
+        <p14:creationId xmlns:p14="http://schemas.microsoft.com/office/powerpoint/2010/main" val="1012225801"/>
       </p:ext>
     </p:extLst>
   </p:cSld>
@@ -6595,7 +6606,7 @@
           <p:cNvPr id="3" name="Grafik 2">
             <a:extLst>
               <a:ext uri="{FF2B5EF4-FFF2-40B4-BE49-F238E27FC236}">
-                <a16:creationId xmlns:a16="http://schemas.microsoft.com/office/drawing/2014/main" id="{BEB64302-1DE8-4BFB-9078-9BF4874F2108}"/>
+                <a16:creationId xmlns:a16="http://schemas.microsoft.com/office/drawing/2014/main" id="{2B46128D-E3F6-4632-8313-82D9D0DF03A5}"/>
               </a:ext>
             </a:extLst>
           </p:cNvPr>
@@ -6629,7 +6640,7 @@
     </p:spTree>
     <p:extLst>
       <p:ext uri="{BB962C8B-B14F-4D97-AF65-F5344CB8AC3E}">
-        <p14:creationId xmlns:p14="http://schemas.microsoft.com/office/powerpoint/2010/main" val="1012225801"/>
+        <p14:creationId xmlns:p14="http://schemas.microsoft.com/office/powerpoint/2010/main" val="2225156658"/>
       </p:ext>
     </p:extLst>
   </p:cSld>
@@ -6661,7 +6672,7 @@
           <p:cNvPr id="3" name="Grafik 2">
             <a:extLst>
               <a:ext uri="{FF2B5EF4-FFF2-40B4-BE49-F238E27FC236}">
-                <a16:creationId xmlns:a16="http://schemas.microsoft.com/office/drawing/2014/main" id="{2B46128D-E3F6-4632-8313-82D9D0DF03A5}"/>
+                <a16:creationId xmlns:a16="http://schemas.microsoft.com/office/drawing/2014/main" id="{3075C148-F4EE-49F2-892E-EA2F9494575F}"/>
               </a:ext>
             </a:extLst>
           </p:cNvPr>
@@ -6695,7 +6706,7 @@
     </p:spTree>
     <p:extLst>
       <p:ext uri="{BB962C8B-B14F-4D97-AF65-F5344CB8AC3E}">
-        <p14:creationId xmlns:p14="http://schemas.microsoft.com/office/powerpoint/2010/main" val="2225156658"/>
+        <p14:creationId xmlns:p14="http://schemas.microsoft.com/office/powerpoint/2010/main" val="2531843303"/>
       </p:ext>
     </p:extLst>
   </p:cSld>
@@ -6727,7 +6738,7 @@
           <p:cNvPr id="3" name="Grafik 2">
             <a:extLst>
               <a:ext uri="{FF2B5EF4-FFF2-40B4-BE49-F238E27FC236}">
-                <a16:creationId xmlns:a16="http://schemas.microsoft.com/office/drawing/2014/main" id="{3075C148-F4EE-49F2-892E-EA2F9494575F}"/>
+                <a16:creationId xmlns:a16="http://schemas.microsoft.com/office/drawing/2014/main" id="{2D75C20E-64CD-40CC-8F0A-594979C22659}"/>
               </a:ext>
             </a:extLst>
           </p:cNvPr>
@@ -6761,7 +6772,7 @@
     </p:spTree>
     <p:extLst>
       <p:ext uri="{BB962C8B-B14F-4D97-AF65-F5344CB8AC3E}">
-        <p14:creationId xmlns:p14="http://schemas.microsoft.com/office/powerpoint/2010/main" val="2531843303"/>
+        <p14:creationId xmlns:p14="http://schemas.microsoft.com/office/powerpoint/2010/main" val="86036917"/>
       </p:ext>
     </p:extLst>
   </p:cSld>
@@ -6793,7 +6804,7 @@
           <p:cNvPr id="3" name="Grafik 2">
             <a:extLst>
               <a:ext uri="{FF2B5EF4-FFF2-40B4-BE49-F238E27FC236}">
-                <a16:creationId xmlns:a16="http://schemas.microsoft.com/office/drawing/2014/main" id="{2D75C20E-64CD-40CC-8F0A-594979C22659}"/>
+                <a16:creationId xmlns:a16="http://schemas.microsoft.com/office/drawing/2014/main" id="{C3EA840B-6A6D-4CFD-BA1C-FBAD29FC109D}"/>
               </a:ext>
             </a:extLst>
           </p:cNvPr>
@@ -6827,7 +6838,7 @@
     </p:spTree>
     <p:extLst>
       <p:ext uri="{BB962C8B-B14F-4D97-AF65-F5344CB8AC3E}">
-        <p14:creationId xmlns:p14="http://schemas.microsoft.com/office/powerpoint/2010/main" val="86036917"/>
+        <p14:creationId xmlns:p14="http://schemas.microsoft.com/office/powerpoint/2010/main" val="3032359441"/>
       </p:ext>
     </p:extLst>
   </p:cSld>
@@ -6859,7 +6870,7 @@
           <p:cNvPr id="3" name="Grafik 2">
             <a:extLst>
               <a:ext uri="{FF2B5EF4-FFF2-40B4-BE49-F238E27FC236}">
-                <a16:creationId xmlns:a16="http://schemas.microsoft.com/office/drawing/2014/main" id="{C3EA840B-6A6D-4CFD-BA1C-FBAD29FC109D}"/>
+                <a16:creationId xmlns:a16="http://schemas.microsoft.com/office/drawing/2014/main" id="{B5A1CBBC-2888-4892-8CC0-501023D6576C}"/>
               </a:ext>
             </a:extLst>
           </p:cNvPr>
@@ -6893,7 +6904,7 @@
     </p:spTree>
     <p:extLst>
       <p:ext uri="{BB962C8B-B14F-4D97-AF65-F5344CB8AC3E}">
-        <p14:creationId xmlns:p14="http://schemas.microsoft.com/office/powerpoint/2010/main" val="3032359441"/>
+        <p14:creationId xmlns:p14="http://schemas.microsoft.com/office/powerpoint/2010/main" val="823307118"/>
       </p:ext>
     </p:extLst>
   </p:cSld>
@@ -6925,7 +6936,7 @@
           <p:cNvPr id="3" name="Grafik 2">
             <a:extLst>
               <a:ext uri="{FF2B5EF4-FFF2-40B4-BE49-F238E27FC236}">
-                <a16:creationId xmlns:a16="http://schemas.microsoft.com/office/drawing/2014/main" id="{B5A1CBBC-2888-4892-8CC0-501023D6576C}"/>
+                <a16:creationId xmlns:a16="http://schemas.microsoft.com/office/drawing/2014/main" id="{668F813D-FEE7-4BB4-975C-CB9D49480EA1}"/>
               </a:ext>
             </a:extLst>
           </p:cNvPr>
@@ -6959,7 +6970,7 @@
     </p:spTree>
     <p:extLst>
       <p:ext uri="{BB962C8B-B14F-4D97-AF65-F5344CB8AC3E}">
-        <p14:creationId xmlns:p14="http://schemas.microsoft.com/office/powerpoint/2010/main" val="823307118"/>
+        <p14:creationId xmlns:p14="http://schemas.microsoft.com/office/powerpoint/2010/main" val="1348040017"/>
       </p:ext>
     </p:extLst>
   </p:cSld>
@@ -6991,7 +7002,7 @@
           <p:cNvPr id="3" name="Grafik 2">
             <a:extLst>
               <a:ext uri="{FF2B5EF4-FFF2-40B4-BE49-F238E27FC236}">
-                <a16:creationId xmlns:a16="http://schemas.microsoft.com/office/drawing/2014/main" id="{668F813D-FEE7-4BB4-975C-CB9D49480EA1}"/>
+                <a16:creationId xmlns:a16="http://schemas.microsoft.com/office/drawing/2014/main" id="{F0946E6F-879B-4536-B585-91E0323F7931}"/>
               </a:ext>
             </a:extLst>
           </p:cNvPr>
@@ -7014,8 +7025,8 @@
         </p:blipFill>
         <p:spPr>
           <a:xfrm>
-            <a:off x="1261258" y="306000"/>
-            <a:ext cx="9669484" cy="6552000"/>
+            <a:off x="730582" y="306000"/>
+            <a:ext cx="10730835" cy="6552000"/>
           </a:xfrm>
           <a:prstGeom prst="rect">
             <a:avLst/>
@@ -7025,7 +7036,7 @@
     </p:spTree>
     <p:extLst>
       <p:ext uri="{BB962C8B-B14F-4D97-AF65-F5344CB8AC3E}">
-        <p14:creationId xmlns:p14="http://schemas.microsoft.com/office/powerpoint/2010/main" val="1348040017"/>
+        <p14:creationId xmlns:p14="http://schemas.microsoft.com/office/powerpoint/2010/main" val="4210936950"/>
       </p:ext>
     </p:extLst>
   </p:cSld>
@@ -7057,7 +7068,7 @@
           <p:cNvPr id="3" name="Grafik 2">
             <a:extLst>
               <a:ext uri="{FF2B5EF4-FFF2-40B4-BE49-F238E27FC236}">
-                <a16:creationId xmlns:a16="http://schemas.microsoft.com/office/drawing/2014/main" id="{F0946E6F-879B-4536-B585-91E0323F7931}"/>
+                <a16:creationId xmlns:a16="http://schemas.microsoft.com/office/drawing/2014/main" id="{7AC40901-69B4-4FD8-AF2E-D17CA41AD79E}"/>
               </a:ext>
             </a:extLst>
           </p:cNvPr>
@@ -7091,7 +7102,7 @@
     </p:spTree>
     <p:extLst>
       <p:ext uri="{BB962C8B-B14F-4D97-AF65-F5344CB8AC3E}">
-        <p14:creationId xmlns:p14="http://schemas.microsoft.com/office/powerpoint/2010/main" val="4210936950"/>
+        <p14:creationId xmlns:p14="http://schemas.microsoft.com/office/powerpoint/2010/main" val="1322798610"/>
       </p:ext>
     </p:extLst>
   </p:cSld>
@@ -7123,7 +7134,7 @@
           <p:cNvPr id="3" name="Grafik 2">
             <a:extLst>
               <a:ext uri="{FF2B5EF4-FFF2-40B4-BE49-F238E27FC236}">
-                <a16:creationId xmlns:a16="http://schemas.microsoft.com/office/drawing/2014/main" id="{7AC40901-69B4-4FD8-AF2E-D17CA41AD79E}"/>
+                <a16:creationId xmlns:a16="http://schemas.microsoft.com/office/drawing/2014/main" id="{3C86EEA8-3C66-4C60-854F-192DC5A391EF}"/>
               </a:ext>
             </a:extLst>
           </p:cNvPr>
@@ -7157,7 +7168,7 @@
     </p:spTree>
     <p:extLst>
       <p:ext uri="{BB962C8B-B14F-4D97-AF65-F5344CB8AC3E}">
-        <p14:creationId xmlns:p14="http://schemas.microsoft.com/office/powerpoint/2010/main" val="1322798610"/>
+        <p14:creationId xmlns:p14="http://schemas.microsoft.com/office/powerpoint/2010/main" val="2166615856"/>
       </p:ext>
     </p:extLst>
   </p:cSld>
@@ -7255,7 +7266,7 @@
           <p:cNvPr id="3" name="Grafik 2">
             <a:extLst>
               <a:ext uri="{FF2B5EF4-FFF2-40B4-BE49-F238E27FC236}">
-                <a16:creationId xmlns:a16="http://schemas.microsoft.com/office/drawing/2014/main" id="{3C86EEA8-3C66-4C60-854F-192DC5A391EF}"/>
+                <a16:creationId xmlns:a16="http://schemas.microsoft.com/office/drawing/2014/main" id="{6A3344C9-7B65-4A5D-9FC4-FD1455BD3380}"/>
               </a:ext>
             </a:extLst>
           </p:cNvPr>
@@ -7289,7 +7300,7 @@
     </p:spTree>
     <p:extLst>
       <p:ext uri="{BB962C8B-B14F-4D97-AF65-F5344CB8AC3E}">
-        <p14:creationId xmlns:p14="http://schemas.microsoft.com/office/powerpoint/2010/main" val="2166615856"/>
+        <p14:creationId xmlns:p14="http://schemas.microsoft.com/office/powerpoint/2010/main" val="2403895251"/>
       </p:ext>
     </p:extLst>
   </p:cSld>
@@ -7321,7 +7332,7 @@
           <p:cNvPr id="3" name="Grafik 2">
             <a:extLst>
               <a:ext uri="{FF2B5EF4-FFF2-40B4-BE49-F238E27FC236}">
-                <a16:creationId xmlns:a16="http://schemas.microsoft.com/office/drawing/2014/main" id="{6A3344C9-7B65-4A5D-9FC4-FD1455BD3380}"/>
+                <a16:creationId xmlns:a16="http://schemas.microsoft.com/office/drawing/2014/main" id="{C640C9CC-1FA7-459E-93C2-B96BCB4197CB}"/>
               </a:ext>
             </a:extLst>
           </p:cNvPr>
@@ -7355,7 +7366,7 @@
     </p:spTree>
     <p:extLst>
       <p:ext uri="{BB962C8B-B14F-4D97-AF65-F5344CB8AC3E}">
-        <p14:creationId xmlns:p14="http://schemas.microsoft.com/office/powerpoint/2010/main" val="2403895251"/>
+        <p14:creationId xmlns:p14="http://schemas.microsoft.com/office/powerpoint/2010/main" val="3952854179"/>
       </p:ext>
     </p:extLst>
   </p:cSld>
@@ -7382,12 +7393,52 @@
           <a:chExt cx="0" cy="0"/>
         </a:xfrm>
       </p:grpSpPr>
+      <p:sp>
+        <p:nvSpPr>
+          <p:cNvPr id="2" name="Titel 1">
+            <a:extLst>
+              <a:ext uri="{FF2B5EF4-FFF2-40B4-BE49-F238E27FC236}">
+                <a16:creationId xmlns:a16="http://schemas.microsoft.com/office/drawing/2014/main" id="{DF218E8B-3735-443A-B97C-E2F93D818331}"/>
+              </a:ext>
+            </a:extLst>
+          </p:cNvPr>
+          <p:cNvSpPr>
+            <a:spLocks noGrp="1"/>
+          </p:cNvSpPr>
+          <p:nvPr>
+            <p:ph type="title"/>
+          </p:nvPr>
+        </p:nvSpPr>
+        <p:spPr>
+          <a:xfrm>
+            <a:off x="838200" y="1140"/>
+            <a:ext cx="10515600" cy="1325563"/>
+          </a:xfrm>
+        </p:spPr>
+        <p:txBody>
+          <a:bodyPr>
+            <a:normAutofit/>
+          </a:bodyPr>
+          <a:lstStyle/>
+          <a:p>
+            <a:r>
+              <a:rPr lang="de-DE" sz="4000" dirty="0" err="1">
+                <a:latin typeface="Consolas" panose="020B0609020204030204" pitchFamily="49" charset="0"/>
+              </a:rPr>
+              <a:t>edu.kit.loop.model.simulationengine</a:t>
+            </a:r>
+            <a:endParaRPr lang="de-DE" sz="4000" dirty="0">
+              <a:latin typeface="Consolas" panose="020B0609020204030204" pitchFamily="49" charset="0"/>
+            </a:endParaRPr>
+          </a:p>
+        </p:txBody>
+      </p:sp>
       <p:pic>
         <p:nvPicPr>
-          <p:cNvPr id="3" name="Grafik 2">
-            <a:extLst>
-              <a:ext uri="{FF2B5EF4-FFF2-40B4-BE49-F238E27FC236}">
-                <a16:creationId xmlns:a16="http://schemas.microsoft.com/office/drawing/2014/main" id="{C640C9CC-1FA7-459E-93C2-B96BCB4197CB}"/>
+          <p:cNvPr id="4" name="Grafik 3">
+            <a:extLst>
+              <a:ext uri="{FF2B5EF4-FFF2-40B4-BE49-F238E27FC236}">
+                <a16:creationId xmlns:a16="http://schemas.microsoft.com/office/drawing/2014/main" id="{08387CBC-C73A-426E-98AE-2E2A83203B88}"/>
               </a:ext>
             </a:extLst>
           </p:cNvPr>
@@ -7410,8 +7461,8 @@
         </p:blipFill>
         <p:spPr>
           <a:xfrm>
-            <a:off x="730582" y="306000"/>
-            <a:ext cx="10730835" cy="6552000"/>
+            <a:off x="165716" y="1326703"/>
+            <a:ext cx="11860567" cy="5176711"/>
           </a:xfrm>
           <a:prstGeom prst="rect">
             <a:avLst/>
@@ -7421,7 +7472,1760 @@
     </p:spTree>
     <p:extLst>
       <p:ext uri="{BB962C8B-B14F-4D97-AF65-F5344CB8AC3E}">
-        <p14:creationId xmlns:p14="http://schemas.microsoft.com/office/powerpoint/2010/main" val="3952854179"/>
+        <p14:creationId xmlns:p14="http://schemas.microsoft.com/office/powerpoint/2010/main" val="1914574648"/>
+      </p:ext>
+    </p:extLst>
+  </p:cSld>
+  <p:clrMapOvr>
+    <a:masterClrMapping/>
+  </p:clrMapOvr>
+</p:sld>
+</file>
+
+<file path=ppt/slides/slide63.xml><?xml version="1.0" encoding="utf-8"?>
+<p:sld xmlns:a="http://schemas.openxmlformats.org/drawingml/2006/main" xmlns:r="http://schemas.openxmlformats.org/officeDocument/2006/relationships" xmlns:p="http://schemas.openxmlformats.org/presentationml/2006/main">
+  <p:cSld>
+    <p:spTree>
+      <p:nvGrpSpPr>
+        <p:cNvPr id="1" name=""/>
+        <p:cNvGrpSpPr/>
+        <p:nvPr/>
+      </p:nvGrpSpPr>
+      <p:grpSpPr>
+        <a:xfrm>
+          <a:off x="0" y="0"/>
+          <a:ext cx="0" cy="0"/>
+          <a:chOff x="0" y="0"/>
+          <a:chExt cx="0" cy="0"/>
+        </a:xfrm>
+      </p:grpSpPr>
+      <p:pic>
+        <p:nvPicPr>
+          <p:cNvPr id="22" name="Grafik 21">
+            <a:extLst>
+              <a:ext uri="{FF2B5EF4-FFF2-40B4-BE49-F238E27FC236}">
+                <a16:creationId xmlns:a16="http://schemas.microsoft.com/office/drawing/2014/main" id="{AD15376F-08DF-4E19-98FE-E67D7442D870}"/>
+              </a:ext>
+            </a:extLst>
+          </p:cNvPr>
+          <p:cNvPicPr>
+            <a:picLocks noChangeAspect="1"/>
+          </p:cNvPicPr>
+          <p:nvPr/>
+        </p:nvPicPr>
+        <p:blipFill rotWithShape="1">
+          <a:blip r:embed="rId2">
+            <a:extLst>
+              <a:ext uri="{28A0092B-C50C-407E-A947-70E740481C1C}">
+                <a14:useLocalDpi xmlns:a14="http://schemas.microsoft.com/office/drawing/2010/main" val="0"/>
+              </a:ext>
+            </a:extLst>
+          </a:blip>
+          <a:srcRect t="17520" b="6887"/>
+          <a:stretch/>
+        </p:blipFill>
+        <p:spPr>
+          <a:xfrm>
+            <a:off x="1850400" y="1980000"/>
+            <a:ext cx="2095500" cy="792000"/>
+          </a:xfrm>
+          <a:prstGeom prst="rect">
+            <a:avLst/>
+          </a:prstGeom>
+        </p:spPr>
+      </p:pic>
+    </p:spTree>
+    <p:extLst>
+      <p:ext uri="{BB962C8B-B14F-4D97-AF65-F5344CB8AC3E}">
+        <p14:creationId xmlns:p14="http://schemas.microsoft.com/office/powerpoint/2010/main" val="3839993449"/>
+      </p:ext>
+    </p:extLst>
+  </p:cSld>
+  <p:clrMapOvr>
+    <a:masterClrMapping/>
+  </p:clrMapOvr>
+</p:sld>
+</file>
+
+<file path=ppt/slides/slide64.xml><?xml version="1.0" encoding="utf-8"?>
+<p:sld xmlns:a="http://schemas.openxmlformats.org/drawingml/2006/main" xmlns:r="http://schemas.openxmlformats.org/officeDocument/2006/relationships" xmlns:p="http://schemas.openxmlformats.org/presentationml/2006/main">
+  <p:cSld>
+    <p:spTree>
+      <p:nvGrpSpPr>
+        <p:cNvPr id="1" name=""/>
+        <p:cNvGrpSpPr/>
+        <p:nvPr/>
+      </p:nvGrpSpPr>
+      <p:grpSpPr>
+        <a:xfrm>
+          <a:off x="0" y="0"/>
+          <a:ext cx="0" cy="0"/>
+          <a:chOff x="0" y="0"/>
+          <a:chExt cx="0" cy="0"/>
+        </a:xfrm>
+      </p:grpSpPr>
+      <p:pic>
+        <p:nvPicPr>
+          <p:cNvPr id="5" name="Grafik 4">
+            <a:extLst>
+              <a:ext uri="{FF2B5EF4-FFF2-40B4-BE49-F238E27FC236}">
+                <a16:creationId xmlns:a16="http://schemas.microsoft.com/office/drawing/2014/main" id="{D0B88554-36D0-4B5C-97A8-AD9E1808DE33}"/>
+              </a:ext>
+            </a:extLst>
+          </p:cNvPr>
+          <p:cNvPicPr>
+            <a:picLocks noChangeAspect="1"/>
+          </p:cNvPicPr>
+          <p:nvPr/>
+        </p:nvPicPr>
+        <p:blipFill>
+          <a:blip r:embed="rId2">
+            <a:extLst>
+              <a:ext uri="{28A0092B-C50C-407E-A947-70E740481C1C}">
+                <a14:useLocalDpi xmlns:a14="http://schemas.microsoft.com/office/drawing/2010/main" val="0"/>
+              </a:ext>
+            </a:extLst>
+          </a:blip>
+          <a:stretch>
+            <a:fillRect/>
+          </a:stretch>
+        </p:blipFill>
+        <p:spPr>
+          <a:xfrm>
+            <a:off x="1849422" y="1796803"/>
+            <a:ext cx="2095500" cy="1047750"/>
+          </a:xfrm>
+          <a:prstGeom prst="rect">
+            <a:avLst/>
+          </a:prstGeom>
+        </p:spPr>
+      </p:pic>
+      <p:sp>
+        <p:nvSpPr>
+          <p:cNvPr id="6" name="Ellipse 5">
+            <a:extLst>
+              <a:ext uri="{FF2B5EF4-FFF2-40B4-BE49-F238E27FC236}">
+                <a16:creationId xmlns:a16="http://schemas.microsoft.com/office/drawing/2014/main" id="{6B5462E8-68E7-4E1F-9473-F48ACF97DA8A}"/>
+              </a:ext>
+            </a:extLst>
+          </p:cNvPr>
+          <p:cNvSpPr/>
+          <p:nvPr/>
+        </p:nvSpPr>
+        <p:spPr>
+          <a:xfrm>
+            <a:off x="7696940" y="1872355"/>
+            <a:ext cx="2645638" cy="896645"/>
+          </a:xfrm>
+          <a:prstGeom prst="ellipse">
+            <a:avLst/>
+          </a:prstGeom>
+          <a:noFill/>
+          <a:ln w="76200">
+            <a:solidFill>
+              <a:srgbClr val="92D050"/>
+            </a:solidFill>
+          </a:ln>
+        </p:spPr>
+        <p:style>
+          <a:lnRef idx="2">
+            <a:schemeClr val="accent1">
+              <a:shade val="50000"/>
+            </a:schemeClr>
+          </a:lnRef>
+          <a:fillRef idx="1">
+            <a:schemeClr val="accent1"/>
+          </a:fillRef>
+          <a:effectRef idx="0">
+            <a:schemeClr val="accent1"/>
+          </a:effectRef>
+          <a:fontRef idx="minor">
+            <a:schemeClr val="lt1"/>
+          </a:fontRef>
+        </p:style>
+        <p:txBody>
+          <a:bodyPr rtlCol="0" anchor="ctr"/>
+          <a:lstStyle/>
+          <a:p>
+            <a:pPr algn="ctr"/>
+            <a:r>
+              <a:rPr lang="de-DE" dirty="0">
+                <a:solidFill>
+                  <a:schemeClr val="tx1"/>
+                </a:solidFill>
+              </a:rPr>
+              <a:t>Programm</a:t>
+            </a:r>
+          </a:p>
+        </p:txBody>
+      </p:sp>
+      <p:cxnSp>
+        <p:nvCxnSpPr>
+          <p:cNvPr id="8" name="Gerade Verbindung mit Pfeil 7">
+            <a:extLst>
+              <a:ext uri="{FF2B5EF4-FFF2-40B4-BE49-F238E27FC236}">
+                <a16:creationId xmlns:a16="http://schemas.microsoft.com/office/drawing/2014/main" id="{343866F8-9170-4C40-96CD-899CF04E6F90}"/>
+              </a:ext>
+            </a:extLst>
+          </p:cNvPr>
+          <p:cNvCxnSpPr>
+            <a:stCxn id="5" idx="3"/>
+          </p:cNvCxnSpPr>
+          <p:nvPr/>
+        </p:nvCxnSpPr>
+        <p:spPr>
+          <a:xfrm flipV="1">
+            <a:off x="3944922" y="2320677"/>
+            <a:ext cx="3530076" cy="1"/>
+          </a:xfrm>
+          <a:prstGeom prst="straightConnector1">
+            <a:avLst/>
+          </a:prstGeom>
+          <a:ln w="19050">
+            <a:solidFill>
+              <a:schemeClr val="tx1"/>
+            </a:solidFill>
+            <a:tailEnd type="triangle"/>
+          </a:ln>
+        </p:spPr>
+        <p:style>
+          <a:lnRef idx="1">
+            <a:schemeClr val="accent1"/>
+          </a:lnRef>
+          <a:fillRef idx="0">
+            <a:schemeClr val="accent1"/>
+          </a:fillRef>
+          <a:effectRef idx="0">
+            <a:schemeClr val="accent1"/>
+          </a:effectRef>
+          <a:fontRef idx="minor">
+            <a:schemeClr val="tx1"/>
+          </a:fontRef>
+        </p:style>
+      </p:cxnSp>
+      <p:sp>
+        <p:nvSpPr>
+          <p:cNvPr id="9" name="Textfeld 8">
+            <a:extLst>
+              <a:ext uri="{FF2B5EF4-FFF2-40B4-BE49-F238E27FC236}">
+                <a16:creationId xmlns:a16="http://schemas.microsoft.com/office/drawing/2014/main" id="{667D5485-B9D7-40C8-AFCF-D8BA530AA7EE}"/>
+              </a:ext>
+            </a:extLst>
+          </p:cNvPr>
+          <p:cNvSpPr txBox="1"/>
+          <p:nvPr/>
+        </p:nvSpPr>
+        <p:spPr>
+          <a:xfrm>
+            <a:off x="4876522" y="1982123"/>
+            <a:ext cx="1666875" cy="338554"/>
+          </a:xfrm>
+          <a:prstGeom prst="rect">
+            <a:avLst/>
+          </a:prstGeom>
+          <a:noFill/>
+        </p:spPr>
+        <p:txBody>
+          <a:bodyPr wrap="square" rtlCol="0">
+            <a:spAutoFit/>
+          </a:bodyPr>
+          <a:lstStyle/>
+          <a:p>
+            <a:pPr algn="ctr"/>
+            <a:r>
+              <a:rPr lang="de-DE" sz="1600" dirty="0"/>
+              <a:t>Plug-In</a:t>
+            </a:r>
+          </a:p>
+        </p:txBody>
+      </p:sp>
+      <p:sp>
+        <p:nvSpPr>
+          <p:cNvPr id="10" name="Bogen 9">
+            <a:extLst>
+              <a:ext uri="{FF2B5EF4-FFF2-40B4-BE49-F238E27FC236}">
+                <a16:creationId xmlns:a16="http://schemas.microsoft.com/office/drawing/2014/main" id="{00D751F9-D7F4-40B1-B8C2-1D236F50084B}"/>
+              </a:ext>
+            </a:extLst>
+          </p:cNvPr>
+          <p:cNvSpPr/>
+          <p:nvPr/>
+        </p:nvSpPr>
+        <p:spPr>
+          <a:xfrm rot="7720068">
+            <a:off x="6410956" y="1952092"/>
+            <a:ext cx="2333625" cy="1161979"/>
+          </a:xfrm>
+          <a:prstGeom prst="arc">
+            <a:avLst>
+              <a:gd name="adj1" fmla="val 16200000"/>
+              <a:gd name="adj2" fmla="val 20618714"/>
+            </a:avLst>
+          </a:prstGeom>
+          <a:ln w="19050">
+            <a:solidFill>
+              <a:schemeClr val="tx1"/>
+            </a:solidFill>
+          </a:ln>
+        </p:spPr>
+        <p:style>
+          <a:lnRef idx="1">
+            <a:schemeClr val="accent1"/>
+          </a:lnRef>
+          <a:fillRef idx="0">
+            <a:schemeClr val="accent1"/>
+          </a:fillRef>
+          <a:effectRef idx="0">
+            <a:schemeClr val="accent1"/>
+          </a:effectRef>
+          <a:fontRef idx="minor">
+            <a:schemeClr val="tx1"/>
+          </a:fontRef>
+        </p:style>
+        <p:txBody>
+          <a:bodyPr rtlCol="0" anchor="ctr"/>
+          <a:lstStyle/>
+          <a:p>
+            <a:pPr algn="ctr"/>
+            <a:endParaRPr lang="de-DE"/>
+          </a:p>
+        </p:txBody>
+      </p:sp>
+      <p:grpSp>
+        <p:nvGrpSpPr>
+          <p:cNvPr id="18" name="Gruppieren 17">
+            <a:extLst>
+              <a:ext uri="{FF2B5EF4-FFF2-40B4-BE49-F238E27FC236}">
+                <a16:creationId xmlns:a16="http://schemas.microsoft.com/office/drawing/2014/main" id="{F1052B0D-FA48-4071-BA86-954663F20E07}"/>
+              </a:ext>
+            </a:extLst>
+          </p:cNvPr>
+          <p:cNvGrpSpPr/>
+          <p:nvPr/>
+        </p:nvGrpSpPr>
+        <p:grpSpPr>
+          <a:xfrm>
+            <a:off x="4749138" y="3283238"/>
+            <a:ext cx="3013737" cy="1047750"/>
+            <a:chOff x="4749138" y="2749838"/>
+            <a:chExt cx="3013737" cy="1047750"/>
+          </a:xfrm>
+        </p:grpSpPr>
+        <p:pic>
+          <p:nvPicPr>
+            <p:cNvPr id="12" name="Grafik 11">
+              <a:extLst>
+                <a:ext uri="{FF2B5EF4-FFF2-40B4-BE49-F238E27FC236}">
+                  <a16:creationId xmlns:a16="http://schemas.microsoft.com/office/drawing/2014/main" id="{5D77C050-79F9-4579-A8EC-81884532B4C1}"/>
+                </a:ext>
+              </a:extLst>
+            </p:cNvPr>
+            <p:cNvPicPr>
+              <a:picLocks noChangeAspect="1"/>
+            </p:cNvPicPr>
+            <p:nvPr/>
+          </p:nvPicPr>
+          <p:blipFill>
+            <a:blip r:embed="rId3">
+              <a:extLst>
+                <a:ext uri="{28A0092B-C50C-407E-A947-70E740481C1C}">
+                  <a14:useLocalDpi xmlns:a14="http://schemas.microsoft.com/office/drawing/2010/main" val="0"/>
+                </a:ext>
+              </a:extLst>
+            </a:blip>
+            <a:stretch>
+              <a:fillRect/>
+            </a:stretch>
+          </p:blipFill>
+          <p:spPr>
+            <a:xfrm>
+              <a:off x="4749138" y="2749838"/>
+              <a:ext cx="2095500" cy="1047750"/>
+            </a:xfrm>
+            <a:prstGeom prst="rect">
+              <a:avLst/>
+            </a:prstGeom>
+          </p:spPr>
+        </p:pic>
+        <p:sp>
+          <p:nvSpPr>
+            <p:cNvPr id="13" name="Textfeld 12">
+              <a:extLst>
+                <a:ext uri="{FF2B5EF4-FFF2-40B4-BE49-F238E27FC236}">
+                  <a16:creationId xmlns:a16="http://schemas.microsoft.com/office/drawing/2014/main" id="{B89C5735-EDD4-48BE-B8D0-339049C05679}"/>
+                </a:ext>
+              </a:extLst>
+            </p:cNvPr>
+            <p:cNvSpPr txBox="1"/>
+            <p:nvPr/>
+          </p:nvSpPr>
+          <p:spPr>
+            <a:xfrm>
+              <a:off x="6096000" y="2947483"/>
+              <a:ext cx="1666875" cy="646331"/>
+            </a:xfrm>
+            <a:prstGeom prst="rect">
+              <a:avLst/>
+            </a:prstGeom>
+            <a:noFill/>
+          </p:spPr>
+          <p:txBody>
+            <a:bodyPr wrap="square" rtlCol="0">
+              <a:spAutoFit/>
+            </a:bodyPr>
+            <a:lstStyle/>
+            <a:p>
+              <a:pPr algn="ctr"/>
+              <a:r>
+                <a:rPr lang="de-DE" sz="3600" dirty="0"/>
+                <a:t>?</a:t>
+              </a:r>
+            </a:p>
+          </p:txBody>
+        </p:sp>
+      </p:grpSp>
+      <p:grpSp>
+        <p:nvGrpSpPr>
+          <p:cNvPr id="19" name="Gruppieren 18">
+            <a:extLst>
+              <a:ext uri="{FF2B5EF4-FFF2-40B4-BE49-F238E27FC236}">
+                <a16:creationId xmlns:a16="http://schemas.microsoft.com/office/drawing/2014/main" id="{24286350-A2F1-4BD1-84A6-34BDB8F2083E}"/>
+              </a:ext>
+            </a:extLst>
+          </p:cNvPr>
+          <p:cNvGrpSpPr/>
+          <p:nvPr/>
+        </p:nvGrpSpPr>
+        <p:grpSpPr>
+          <a:xfrm>
+            <a:off x="7329671" y="3943558"/>
+            <a:ext cx="3012907" cy="1047750"/>
+            <a:chOff x="7246800" y="3463200"/>
+            <a:chExt cx="3012907" cy="1047750"/>
+          </a:xfrm>
+        </p:grpSpPr>
+        <p:sp>
+          <p:nvSpPr>
+            <p:cNvPr id="15" name="Textfeld 14">
+              <a:extLst>
+                <a:ext uri="{FF2B5EF4-FFF2-40B4-BE49-F238E27FC236}">
+                  <a16:creationId xmlns:a16="http://schemas.microsoft.com/office/drawing/2014/main" id="{75354F15-492D-4D1A-AA11-2A38DD6C5870}"/>
+                </a:ext>
+              </a:extLst>
+            </p:cNvPr>
+            <p:cNvSpPr txBox="1"/>
+            <p:nvPr/>
+          </p:nvSpPr>
+          <p:spPr>
+            <a:xfrm>
+              <a:off x="8592832" y="3659365"/>
+              <a:ext cx="1666875" cy="646331"/>
+            </a:xfrm>
+            <a:prstGeom prst="rect">
+              <a:avLst/>
+            </a:prstGeom>
+            <a:noFill/>
+          </p:spPr>
+          <p:txBody>
+            <a:bodyPr wrap="square" rtlCol="0">
+              <a:spAutoFit/>
+            </a:bodyPr>
+            <a:lstStyle/>
+            <a:p>
+              <a:pPr algn="ctr"/>
+              <a:r>
+                <a:rPr lang="de-DE" sz="3600" dirty="0"/>
+                <a:t>?</a:t>
+              </a:r>
+            </a:p>
+          </p:txBody>
+        </p:sp>
+        <p:pic>
+          <p:nvPicPr>
+            <p:cNvPr id="17" name="Grafik 16">
+              <a:extLst>
+                <a:ext uri="{FF2B5EF4-FFF2-40B4-BE49-F238E27FC236}">
+                  <a16:creationId xmlns:a16="http://schemas.microsoft.com/office/drawing/2014/main" id="{6E2AF533-2C28-4B87-9F71-9843DD28AD8E}"/>
+                </a:ext>
+              </a:extLst>
+            </p:cNvPr>
+            <p:cNvPicPr>
+              <a:picLocks noChangeAspect="1"/>
+            </p:cNvPicPr>
+            <p:nvPr/>
+          </p:nvPicPr>
+          <p:blipFill>
+            <a:blip r:embed="rId4">
+              <a:extLst>
+                <a:ext uri="{28A0092B-C50C-407E-A947-70E740481C1C}">
+                  <a14:useLocalDpi xmlns:a14="http://schemas.microsoft.com/office/drawing/2010/main" val="0"/>
+                </a:ext>
+              </a:extLst>
+            </a:blip>
+            <a:stretch>
+              <a:fillRect/>
+            </a:stretch>
+          </p:blipFill>
+          <p:spPr>
+            <a:xfrm>
+              <a:off x="7246800" y="3463200"/>
+              <a:ext cx="2095500" cy="1047750"/>
+            </a:xfrm>
+            <a:prstGeom prst="rect">
+              <a:avLst/>
+            </a:prstGeom>
+          </p:spPr>
+        </p:pic>
+      </p:grpSp>
+      <p:sp>
+        <p:nvSpPr>
+          <p:cNvPr id="20" name="Bogen 19">
+            <a:extLst>
+              <a:ext uri="{FF2B5EF4-FFF2-40B4-BE49-F238E27FC236}">
+                <a16:creationId xmlns:a16="http://schemas.microsoft.com/office/drawing/2014/main" id="{1CA584D9-8528-4143-9ACA-C1E7FACD1E0A}"/>
+              </a:ext>
+            </a:extLst>
+          </p:cNvPr>
+          <p:cNvSpPr/>
+          <p:nvPr/>
+        </p:nvSpPr>
+        <p:spPr>
+          <a:xfrm rot="5753248">
+            <a:off x="7266078" y="2404252"/>
+            <a:ext cx="2333625" cy="1161979"/>
+          </a:xfrm>
+          <a:prstGeom prst="arc">
+            <a:avLst>
+              <a:gd name="adj1" fmla="val 16200000"/>
+              <a:gd name="adj2" fmla="val 20324757"/>
+            </a:avLst>
+          </a:prstGeom>
+          <a:ln w="19050">
+            <a:solidFill>
+              <a:schemeClr val="tx1"/>
+            </a:solidFill>
+          </a:ln>
+        </p:spPr>
+        <p:style>
+          <a:lnRef idx="1">
+            <a:schemeClr val="accent1"/>
+          </a:lnRef>
+          <a:fillRef idx="0">
+            <a:schemeClr val="accent1"/>
+          </a:fillRef>
+          <a:effectRef idx="0">
+            <a:schemeClr val="accent1"/>
+          </a:effectRef>
+          <a:fontRef idx="minor">
+            <a:schemeClr val="tx1"/>
+          </a:fontRef>
+        </p:style>
+        <p:txBody>
+          <a:bodyPr rtlCol="0" anchor="ctr"/>
+          <a:lstStyle/>
+          <a:p>
+            <a:pPr algn="ctr"/>
+            <a:endParaRPr lang="de-DE"/>
+          </a:p>
+        </p:txBody>
+      </p:sp>
+      <p:pic>
+        <p:nvPicPr>
+          <p:cNvPr id="14" name="Grafik 13">
+            <a:extLst>
+              <a:ext uri="{FF2B5EF4-FFF2-40B4-BE49-F238E27FC236}">
+                <a16:creationId xmlns:a16="http://schemas.microsoft.com/office/drawing/2014/main" id="{9AAC994C-CE7E-46DC-87AC-8E3DB96283FC}"/>
+              </a:ext>
+            </a:extLst>
+          </p:cNvPr>
+          <p:cNvPicPr>
+            <a:picLocks noChangeAspect="1"/>
+          </p:cNvPicPr>
+          <p:nvPr/>
+        </p:nvPicPr>
+        <p:blipFill>
+          <a:blip r:embed="rId5">
+            <a:extLst>
+              <a:ext uri="{28A0092B-C50C-407E-A947-70E740481C1C}">
+                <a14:useLocalDpi xmlns:a14="http://schemas.microsoft.com/office/drawing/2010/main" val="0"/>
+              </a:ext>
+            </a:extLst>
+          </a:blip>
+          <a:stretch>
+            <a:fillRect/>
+          </a:stretch>
+        </p:blipFill>
+        <p:spPr>
+          <a:xfrm>
+            <a:off x="1277921" y="1415802"/>
+            <a:ext cx="2667000" cy="1809750"/>
+          </a:xfrm>
+          <a:prstGeom prst="rect">
+            <a:avLst/>
+          </a:prstGeom>
+        </p:spPr>
+      </p:pic>
+      <p:grpSp>
+        <p:nvGrpSpPr>
+          <p:cNvPr id="16" name="Gruppieren 15">
+            <a:extLst>
+              <a:ext uri="{FF2B5EF4-FFF2-40B4-BE49-F238E27FC236}">
+                <a16:creationId xmlns:a16="http://schemas.microsoft.com/office/drawing/2014/main" id="{75005A14-9B79-4DEA-A5AB-2312BE00F45B}"/>
+              </a:ext>
+            </a:extLst>
+          </p:cNvPr>
+          <p:cNvGrpSpPr/>
+          <p:nvPr/>
+        </p:nvGrpSpPr>
+        <p:grpSpPr>
+          <a:xfrm>
+            <a:off x="1238250" y="3283238"/>
+            <a:ext cx="2095500" cy="2231945"/>
+            <a:chOff x="1238250" y="3283238"/>
+            <a:chExt cx="2095500" cy="2231945"/>
+          </a:xfrm>
+        </p:grpSpPr>
+        <p:pic>
+          <p:nvPicPr>
+            <p:cNvPr id="21" name="Grafik 20">
+              <a:extLst>
+                <a:ext uri="{FF2B5EF4-FFF2-40B4-BE49-F238E27FC236}">
+                  <a16:creationId xmlns:a16="http://schemas.microsoft.com/office/drawing/2014/main" id="{6E68186A-2DDA-4F75-8485-7E5BC9E66DAB}"/>
+                </a:ext>
+              </a:extLst>
+            </p:cNvPr>
+            <p:cNvPicPr>
+              <a:picLocks noChangeAspect="1"/>
+            </p:cNvPicPr>
+            <p:nvPr/>
+          </p:nvPicPr>
+          <p:blipFill>
+            <a:blip r:embed="rId2">
+              <a:extLst>
+                <a:ext uri="{28A0092B-C50C-407E-A947-70E740481C1C}">
+                  <a14:useLocalDpi xmlns:a14="http://schemas.microsoft.com/office/drawing/2010/main" val="0"/>
+                </a:ext>
+              </a:extLst>
+            </a:blip>
+            <a:stretch>
+              <a:fillRect/>
+            </a:stretch>
+          </p:blipFill>
+          <p:spPr>
+            <a:xfrm>
+              <a:off x="1238250" y="4467433"/>
+              <a:ext cx="2095500" cy="1047750"/>
+            </a:xfrm>
+            <a:prstGeom prst="rect">
+              <a:avLst/>
+            </a:prstGeom>
+          </p:spPr>
+        </p:pic>
+        <p:cxnSp>
+          <p:nvCxnSpPr>
+            <p:cNvPr id="22" name="Gerade Verbindung mit Pfeil 21">
+              <a:extLst>
+                <a:ext uri="{FF2B5EF4-FFF2-40B4-BE49-F238E27FC236}">
+                  <a16:creationId xmlns:a16="http://schemas.microsoft.com/office/drawing/2014/main" id="{2B38CC3C-8259-4147-83EE-07252F0B14C3}"/>
+                </a:ext>
+              </a:extLst>
+            </p:cNvPr>
+            <p:cNvCxnSpPr/>
+            <p:nvPr/>
+          </p:nvCxnSpPr>
+          <p:spPr>
+            <a:xfrm>
+              <a:off x="2286000" y="3283238"/>
+              <a:ext cx="0" cy="1184195"/>
+            </a:xfrm>
+            <a:prstGeom prst="straightConnector1">
+              <a:avLst/>
+            </a:prstGeom>
+            <a:ln w="19050">
+              <a:solidFill>
+                <a:schemeClr val="tx1"/>
+              </a:solidFill>
+              <a:tailEnd type="triangle"/>
+            </a:ln>
+          </p:spPr>
+          <p:style>
+            <a:lnRef idx="1">
+              <a:schemeClr val="accent1"/>
+            </a:lnRef>
+            <a:fillRef idx="0">
+              <a:schemeClr val="accent1"/>
+            </a:fillRef>
+            <a:effectRef idx="0">
+              <a:schemeClr val="accent1"/>
+            </a:effectRef>
+            <a:fontRef idx="minor">
+              <a:schemeClr val="tx1"/>
+            </a:fontRef>
+          </p:style>
+        </p:cxnSp>
+      </p:grpSp>
+      <p:grpSp>
+        <p:nvGrpSpPr>
+          <p:cNvPr id="23" name="Gruppieren 22">
+            <a:extLst>
+              <a:ext uri="{FF2B5EF4-FFF2-40B4-BE49-F238E27FC236}">
+                <a16:creationId xmlns:a16="http://schemas.microsoft.com/office/drawing/2014/main" id="{08C2F287-1EAE-467B-9595-44E750C6D06B}"/>
+              </a:ext>
+            </a:extLst>
+          </p:cNvPr>
+          <p:cNvGrpSpPr/>
+          <p:nvPr/>
+        </p:nvGrpSpPr>
+        <p:grpSpPr>
+          <a:xfrm>
+            <a:off x="3305175" y="3283237"/>
+            <a:ext cx="2463138" cy="2076451"/>
+            <a:chOff x="3305175" y="3283237"/>
+            <a:chExt cx="2463138" cy="2076451"/>
+          </a:xfrm>
+        </p:grpSpPr>
+        <p:pic>
+          <p:nvPicPr>
+            <p:cNvPr id="24" name="Grafik 23">
+              <a:extLst>
+                <a:ext uri="{FF2B5EF4-FFF2-40B4-BE49-F238E27FC236}">
+                  <a16:creationId xmlns:a16="http://schemas.microsoft.com/office/drawing/2014/main" id="{5B089BE7-D747-4509-82CD-BF7DA73DDAF1}"/>
+                </a:ext>
+              </a:extLst>
+            </p:cNvPr>
+            <p:cNvPicPr>
+              <a:picLocks noChangeAspect="1"/>
+            </p:cNvPicPr>
+            <p:nvPr/>
+          </p:nvPicPr>
+          <p:blipFill>
+            <a:blip r:embed="rId3">
+              <a:extLst>
+                <a:ext uri="{28A0092B-C50C-407E-A947-70E740481C1C}">
+                  <a14:useLocalDpi xmlns:a14="http://schemas.microsoft.com/office/drawing/2010/main" val="0"/>
+                </a:ext>
+              </a:extLst>
+            </a:blip>
+            <a:stretch>
+              <a:fillRect/>
+            </a:stretch>
+          </p:blipFill>
+          <p:spPr>
+            <a:xfrm>
+              <a:off x="3672813" y="4311938"/>
+              <a:ext cx="2095500" cy="1047750"/>
+            </a:xfrm>
+            <a:prstGeom prst="rect">
+              <a:avLst/>
+            </a:prstGeom>
+          </p:spPr>
+        </p:pic>
+        <p:cxnSp>
+          <p:nvCxnSpPr>
+            <p:cNvPr id="25" name="Gerade Verbindung mit Pfeil 24">
+              <a:extLst>
+                <a:ext uri="{FF2B5EF4-FFF2-40B4-BE49-F238E27FC236}">
+                  <a16:creationId xmlns:a16="http://schemas.microsoft.com/office/drawing/2014/main" id="{16C58205-8B71-41A8-9804-CEF3DF8FF9EE}"/>
+                </a:ext>
+              </a:extLst>
+            </p:cNvPr>
+            <p:cNvCxnSpPr>
+              <a:cxnSpLocks/>
+            </p:cNvCxnSpPr>
+            <p:nvPr/>
+          </p:nvCxnSpPr>
+          <p:spPr>
+            <a:xfrm>
+              <a:off x="3305175" y="3283237"/>
+              <a:ext cx="639746" cy="1047751"/>
+            </a:xfrm>
+            <a:prstGeom prst="straightConnector1">
+              <a:avLst/>
+            </a:prstGeom>
+            <a:ln w="19050">
+              <a:solidFill>
+                <a:schemeClr val="tx1"/>
+              </a:solidFill>
+              <a:tailEnd type="triangle"/>
+            </a:ln>
+          </p:spPr>
+          <p:style>
+            <a:lnRef idx="1">
+              <a:schemeClr val="accent1"/>
+            </a:lnRef>
+            <a:fillRef idx="0">
+              <a:schemeClr val="accent1"/>
+            </a:fillRef>
+            <a:effectRef idx="0">
+              <a:schemeClr val="accent1"/>
+            </a:effectRef>
+            <a:fontRef idx="minor">
+              <a:schemeClr val="tx1"/>
+            </a:fontRef>
+          </p:style>
+        </p:cxnSp>
+      </p:grpSp>
+      <p:grpSp>
+        <p:nvGrpSpPr>
+          <p:cNvPr id="26" name="Gruppieren 25">
+            <a:extLst>
+              <a:ext uri="{FF2B5EF4-FFF2-40B4-BE49-F238E27FC236}">
+                <a16:creationId xmlns:a16="http://schemas.microsoft.com/office/drawing/2014/main" id="{C282DEAD-5826-4BFA-AD41-83FBD62705F7}"/>
+              </a:ext>
+            </a:extLst>
+          </p:cNvPr>
+          <p:cNvGrpSpPr/>
+          <p:nvPr/>
+        </p:nvGrpSpPr>
+        <p:grpSpPr>
+          <a:xfrm>
+            <a:off x="4134635" y="3064162"/>
+            <a:ext cx="3252186" cy="1212771"/>
+            <a:chOff x="4134635" y="3064162"/>
+            <a:chExt cx="3252186" cy="1212771"/>
+          </a:xfrm>
+        </p:grpSpPr>
+        <p:pic>
+          <p:nvPicPr>
+            <p:cNvPr id="27" name="Grafik 26">
+              <a:extLst>
+                <a:ext uri="{FF2B5EF4-FFF2-40B4-BE49-F238E27FC236}">
+                  <a16:creationId xmlns:a16="http://schemas.microsoft.com/office/drawing/2014/main" id="{170F3A29-558B-4559-976B-815937390232}"/>
+                </a:ext>
+              </a:extLst>
+            </p:cNvPr>
+            <p:cNvPicPr>
+              <a:picLocks noChangeAspect="1"/>
+            </p:cNvPicPr>
+            <p:nvPr/>
+          </p:nvPicPr>
+          <p:blipFill>
+            <a:blip r:embed="rId4">
+              <a:extLst>
+                <a:ext uri="{28A0092B-C50C-407E-A947-70E740481C1C}">
+                  <a14:useLocalDpi xmlns:a14="http://schemas.microsoft.com/office/drawing/2010/main" val="0"/>
+                </a:ext>
+              </a:extLst>
+            </a:blip>
+            <a:stretch>
+              <a:fillRect/>
+            </a:stretch>
+          </p:blipFill>
+          <p:spPr>
+            <a:xfrm>
+              <a:off x="5291321" y="3229183"/>
+              <a:ext cx="2095500" cy="1047750"/>
+            </a:xfrm>
+            <a:prstGeom prst="rect">
+              <a:avLst/>
+            </a:prstGeom>
+          </p:spPr>
+        </p:pic>
+        <p:cxnSp>
+          <p:nvCxnSpPr>
+            <p:cNvPr id="28" name="Gerade Verbindung mit Pfeil 27">
+              <a:extLst>
+                <a:ext uri="{FF2B5EF4-FFF2-40B4-BE49-F238E27FC236}">
+                  <a16:creationId xmlns:a16="http://schemas.microsoft.com/office/drawing/2014/main" id="{A2259949-71BC-4148-8491-F96FD6A0D603}"/>
+                </a:ext>
+              </a:extLst>
+            </p:cNvPr>
+            <p:cNvCxnSpPr>
+              <a:cxnSpLocks/>
+            </p:cNvCxnSpPr>
+            <p:nvPr/>
+          </p:nvCxnSpPr>
+          <p:spPr>
+            <a:xfrm>
+              <a:off x="4134635" y="3064162"/>
+              <a:ext cx="1182788" cy="364838"/>
+            </a:xfrm>
+            <a:prstGeom prst="straightConnector1">
+              <a:avLst/>
+            </a:prstGeom>
+            <a:ln w="19050">
+              <a:solidFill>
+                <a:schemeClr val="tx1"/>
+              </a:solidFill>
+              <a:tailEnd type="triangle"/>
+            </a:ln>
+          </p:spPr>
+          <p:style>
+            <a:lnRef idx="1">
+              <a:schemeClr val="accent1"/>
+            </a:lnRef>
+            <a:fillRef idx="0">
+              <a:schemeClr val="accent1"/>
+            </a:fillRef>
+            <a:effectRef idx="0">
+              <a:schemeClr val="accent1"/>
+            </a:effectRef>
+            <a:fontRef idx="minor">
+              <a:schemeClr val="tx1"/>
+            </a:fontRef>
+          </p:style>
+        </p:cxnSp>
+      </p:grpSp>
+    </p:spTree>
+    <p:extLst>
+      <p:ext uri="{BB962C8B-B14F-4D97-AF65-F5344CB8AC3E}">
+        <p14:creationId xmlns:p14="http://schemas.microsoft.com/office/powerpoint/2010/main" val="385931280"/>
+      </p:ext>
+    </p:extLst>
+  </p:cSld>
+  <p:clrMapOvr>
+    <a:masterClrMapping/>
+  </p:clrMapOvr>
+  <p:timing>
+    <p:tnLst>
+      <p:par>
+        <p:cTn id="1" dur="indefinite" restart="never" nodeType="tmRoot">
+          <p:childTnLst>
+            <p:seq concurrent="1" nextAc="seek">
+              <p:cTn id="2" dur="indefinite" nodeType="mainSeq">
+                <p:childTnLst>
+                  <p:par>
+                    <p:cTn id="3" fill="hold">
+                      <p:stCondLst>
+                        <p:cond delay="indefinite"/>
+                      </p:stCondLst>
+                      <p:childTnLst>
+                        <p:par>
+                          <p:cTn id="4" fill="hold">
+                            <p:stCondLst>
+                              <p:cond delay="0"/>
+                            </p:stCondLst>
+                            <p:childTnLst>
+                              <p:par>
+                                <p:cTn id="5" presetID="1" presetClass="entr" presetSubtype="0" fill="hold" nodeType="clickEffect">
+                                  <p:stCondLst>
+                                    <p:cond delay="0"/>
+                                  </p:stCondLst>
+                                  <p:childTnLst>
+                                    <p:set>
+                                      <p:cBhvr>
+                                        <p:cTn id="6" dur="1" fill="hold">
+                                          <p:stCondLst>
+                                            <p:cond delay="0"/>
+                                          </p:stCondLst>
+                                        </p:cTn>
+                                        <p:tgtEl>
+                                          <p:spTgt spid="8"/>
+                                        </p:tgtEl>
+                                        <p:attrNameLst>
+                                          <p:attrName>style.visibility</p:attrName>
+                                        </p:attrNameLst>
+                                      </p:cBhvr>
+                                      <p:to>
+                                        <p:strVal val="visible"/>
+                                      </p:to>
+                                    </p:set>
+                                  </p:childTnLst>
+                                </p:cTn>
+                              </p:par>
+                              <p:par>
+                                <p:cTn id="7" presetID="1" presetClass="entr" presetSubtype="0" fill="hold" grpId="0" nodeType="withEffect">
+                                  <p:stCondLst>
+                                    <p:cond delay="0"/>
+                                  </p:stCondLst>
+                                  <p:childTnLst>
+                                    <p:set>
+                                      <p:cBhvr>
+                                        <p:cTn id="8" dur="1" fill="hold">
+                                          <p:stCondLst>
+                                            <p:cond delay="0"/>
+                                          </p:stCondLst>
+                                        </p:cTn>
+                                        <p:tgtEl>
+                                          <p:spTgt spid="6"/>
+                                        </p:tgtEl>
+                                        <p:attrNameLst>
+                                          <p:attrName>style.visibility</p:attrName>
+                                        </p:attrNameLst>
+                                      </p:cBhvr>
+                                      <p:to>
+                                        <p:strVal val="visible"/>
+                                      </p:to>
+                                    </p:set>
+                                  </p:childTnLst>
+                                </p:cTn>
+                              </p:par>
+                              <p:par>
+                                <p:cTn id="9" presetID="1" presetClass="entr" presetSubtype="0" fill="hold" grpId="0" nodeType="withEffect">
+                                  <p:stCondLst>
+                                    <p:cond delay="0"/>
+                                  </p:stCondLst>
+                                  <p:childTnLst>
+                                    <p:set>
+                                      <p:cBhvr>
+                                        <p:cTn id="10" dur="1" fill="hold">
+                                          <p:stCondLst>
+                                            <p:cond delay="0"/>
+                                          </p:stCondLst>
+                                        </p:cTn>
+                                        <p:tgtEl>
+                                          <p:spTgt spid="9"/>
+                                        </p:tgtEl>
+                                        <p:attrNameLst>
+                                          <p:attrName>style.visibility</p:attrName>
+                                        </p:attrNameLst>
+                                      </p:cBhvr>
+                                      <p:to>
+                                        <p:strVal val="visible"/>
+                                      </p:to>
+                                    </p:set>
+                                  </p:childTnLst>
+                                </p:cTn>
+                              </p:par>
+                            </p:childTnLst>
+                          </p:cTn>
+                        </p:par>
+                      </p:childTnLst>
+                    </p:cTn>
+                  </p:par>
+                  <p:par>
+                    <p:cTn id="11" fill="hold">
+                      <p:stCondLst>
+                        <p:cond delay="indefinite"/>
+                      </p:stCondLst>
+                      <p:childTnLst>
+                        <p:par>
+                          <p:cTn id="12" fill="hold">
+                            <p:stCondLst>
+                              <p:cond delay="0"/>
+                            </p:stCondLst>
+                            <p:childTnLst>
+                              <p:par>
+                                <p:cTn id="13" presetID="1" presetClass="entr" presetSubtype="0" fill="hold" nodeType="clickEffect">
+                                  <p:stCondLst>
+                                    <p:cond delay="0"/>
+                                  </p:stCondLst>
+                                  <p:childTnLst>
+                                    <p:set>
+                                      <p:cBhvr>
+                                        <p:cTn id="14" dur="1" fill="hold">
+                                          <p:stCondLst>
+                                            <p:cond delay="0"/>
+                                          </p:stCondLst>
+                                        </p:cTn>
+                                        <p:tgtEl>
+                                          <p:spTgt spid="18"/>
+                                        </p:tgtEl>
+                                        <p:attrNameLst>
+                                          <p:attrName>style.visibility</p:attrName>
+                                        </p:attrNameLst>
+                                      </p:cBhvr>
+                                      <p:to>
+                                        <p:strVal val="visible"/>
+                                      </p:to>
+                                    </p:set>
+                                  </p:childTnLst>
+                                </p:cTn>
+                              </p:par>
+                              <p:par>
+                                <p:cTn id="15" presetID="1" presetClass="entr" presetSubtype="0" fill="hold" grpId="0" nodeType="withEffect">
+                                  <p:stCondLst>
+                                    <p:cond delay="0"/>
+                                  </p:stCondLst>
+                                  <p:childTnLst>
+                                    <p:set>
+                                      <p:cBhvr>
+                                        <p:cTn id="16" dur="1" fill="hold">
+                                          <p:stCondLst>
+                                            <p:cond delay="0"/>
+                                          </p:stCondLst>
+                                        </p:cTn>
+                                        <p:tgtEl>
+                                          <p:spTgt spid="10"/>
+                                        </p:tgtEl>
+                                        <p:attrNameLst>
+                                          <p:attrName>style.visibility</p:attrName>
+                                        </p:attrNameLst>
+                                      </p:cBhvr>
+                                      <p:to>
+                                        <p:strVal val="visible"/>
+                                      </p:to>
+                                    </p:set>
+                                  </p:childTnLst>
+                                </p:cTn>
+                              </p:par>
+                            </p:childTnLst>
+                          </p:cTn>
+                        </p:par>
+                      </p:childTnLst>
+                    </p:cTn>
+                  </p:par>
+                  <p:par>
+                    <p:cTn id="17" fill="hold">
+                      <p:stCondLst>
+                        <p:cond delay="indefinite"/>
+                      </p:stCondLst>
+                      <p:childTnLst>
+                        <p:par>
+                          <p:cTn id="18" fill="hold">
+                            <p:stCondLst>
+                              <p:cond delay="0"/>
+                            </p:stCondLst>
+                            <p:childTnLst>
+                              <p:par>
+                                <p:cTn id="19" presetID="1" presetClass="entr" presetSubtype="0" fill="hold" nodeType="clickEffect">
+                                  <p:stCondLst>
+                                    <p:cond delay="0"/>
+                                  </p:stCondLst>
+                                  <p:childTnLst>
+                                    <p:set>
+                                      <p:cBhvr>
+                                        <p:cTn id="20" dur="1" fill="hold">
+                                          <p:stCondLst>
+                                            <p:cond delay="0"/>
+                                          </p:stCondLst>
+                                        </p:cTn>
+                                        <p:tgtEl>
+                                          <p:spTgt spid="19"/>
+                                        </p:tgtEl>
+                                        <p:attrNameLst>
+                                          <p:attrName>style.visibility</p:attrName>
+                                        </p:attrNameLst>
+                                      </p:cBhvr>
+                                      <p:to>
+                                        <p:strVal val="visible"/>
+                                      </p:to>
+                                    </p:set>
+                                  </p:childTnLst>
+                                </p:cTn>
+                              </p:par>
+                              <p:par>
+                                <p:cTn id="21" presetID="1" presetClass="entr" presetSubtype="0" fill="hold" grpId="0" nodeType="withEffect">
+                                  <p:stCondLst>
+                                    <p:cond delay="0"/>
+                                  </p:stCondLst>
+                                  <p:childTnLst>
+                                    <p:set>
+                                      <p:cBhvr>
+                                        <p:cTn id="22" dur="1" fill="hold">
+                                          <p:stCondLst>
+                                            <p:cond delay="0"/>
+                                          </p:stCondLst>
+                                        </p:cTn>
+                                        <p:tgtEl>
+                                          <p:spTgt spid="20"/>
+                                        </p:tgtEl>
+                                        <p:attrNameLst>
+                                          <p:attrName>style.visibility</p:attrName>
+                                        </p:attrNameLst>
+                                      </p:cBhvr>
+                                      <p:to>
+                                        <p:strVal val="visible"/>
+                                      </p:to>
+                                    </p:set>
+                                  </p:childTnLst>
+                                </p:cTn>
+                              </p:par>
+                            </p:childTnLst>
+                          </p:cTn>
+                        </p:par>
+                      </p:childTnLst>
+                    </p:cTn>
+                  </p:par>
+                  <p:par>
+                    <p:cTn id="23" fill="hold">
+                      <p:stCondLst>
+                        <p:cond delay="indefinite"/>
+                      </p:stCondLst>
+                      <p:childTnLst>
+                        <p:par>
+                          <p:cTn id="24" fill="hold">
+                            <p:stCondLst>
+                              <p:cond delay="0"/>
+                            </p:stCondLst>
+                            <p:childTnLst>
+                              <p:par>
+                                <p:cTn id="25" presetID="10" presetClass="exit" presetSubtype="0" fill="hold" nodeType="clickEffect">
+                                  <p:stCondLst>
+                                    <p:cond delay="0"/>
+                                  </p:stCondLst>
+                                  <p:childTnLst>
+                                    <p:animEffect transition="out" filter="fade">
+                                      <p:cBhvr>
+                                        <p:cTn id="26" dur="500"/>
+                                        <p:tgtEl>
+                                          <p:spTgt spid="5"/>
+                                        </p:tgtEl>
+                                      </p:cBhvr>
+                                    </p:animEffect>
+                                    <p:set>
+                                      <p:cBhvr>
+                                        <p:cTn id="27" dur="1" fill="hold">
+                                          <p:stCondLst>
+                                            <p:cond delay="499"/>
+                                          </p:stCondLst>
+                                        </p:cTn>
+                                        <p:tgtEl>
+                                          <p:spTgt spid="5"/>
+                                        </p:tgtEl>
+                                        <p:attrNameLst>
+                                          <p:attrName>style.visibility</p:attrName>
+                                        </p:attrNameLst>
+                                      </p:cBhvr>
+                                      <p:to>
+                                        <p:strVal val="hidden"/>
+                                      </p:to>
+                                    </p:set>
+                                  </p:childTnLst>
+                                </p:cTn>
+                              </p:par>
+                              <p:par>
+                                <p:cTn id="28" presetID="10" presetClass="entr" presetSubtype="0" fill="hold" nodeType="withEffect">
+                                  <p:stCondLst>
+                                    <p:cond delay="0"/>
+                                  </p:stCondLst>
+                                  <p:childTnLst>
+                                    <p:set>
+                                      <p:cBhvr>
+                                        <p:cTn id="29" dur="1" fill="hold">
+                                          <p:stCondLst>
+                                            <p:cond delay="0"/>
+                                          </p:stCondLst>
+                                        </p:cTn>
+                                        <p:tgtEl>
+                                          <p:spTgt spid="14"/>
+                                        </p:tgtEl>
+                                        <p:attrNameLst>
+                                          <p:attrName>style.visibility</p:attrName>
+                                        </p:attrNameLst>
+                                      </p:cBhvr>
+                                      <p:to>
+                                        <p:strVal val="visible"/>
+                                      </p:to>
+                                    </p:set>
+                                    <p:animEffect transition="in" filter="fade">
+                                      <p:cBhvr>
+                                        <p:cTn id="30" dur="500"/>
+                                        <p:tgtEl>
+                                          <p:spTgt spid="14"/>
+                                        </p:tgtEl>
+                                      </p:cBhvr>
+                                    </p:animEffect>
+                                  </p:childTnLst>
+                                </p:cTn>
+                              </p:par>
+                              <p:par>
+                                <p:cTn id="31" presetID="10" presetClass="exit" presetSubtype="0" fill="hold" nodeType="withEffect">
+                                  <p:stCondLst>
+                                    <p:cond delay="0"/>
+                                  </p:stCondLst>
+                                  <p:childTnLst>
+                                    <p:animEffect transition="out" filter="fade">
+                                      <p:cBhvr>
+                                        <p:cTn id="32" dur="500"/>
+                                        <p:tgtEl>
+                                          <p:spTgt spid="18"/>
+                                        </p:tgtEl>
+                                      </p:cBhvr>
+                                    </p:animEffect>
+                                    <p:set>
+                                      <p:cBhvr>
+                                        <p:cTn id="33" dur="1" fill="hold">
+                                          <p:stCondLst>
+                                            <p:cond delay="499"/>
+                                          </p:stCondLst>
+                                        </p:cTn>
+                                        <p:tgtEl>
+                                          <p:spTgt spid="18"/>
+                                        </p:tgtEl>
+                                        <p:attrNameLst>
+                                          <p:attrName>style.visibility</p:attrName>
+                                        </p:attrNameLst>
+                                      </p:cBhvr>
+                                      <p:to>
+                                        <p:strVal val="hidden"/>
+                                      </p:to>
+                                    </p:set>
+                                  </p:childTnLst>
+                                </p:cTn>
+                              </p:par>
+                              <p:par>
+                                <p:cTn id="34" presetID="10" presetClass="exit" presetSubtype="0" fill="hold" grpId="1" nodeType="withEffect">
+                                  <p:stCondLst>
+                                    <p:cond delay="0"/>
+                                  </p:stCondLst>
+                                  <p:childTnLst>
+                                    <p:animEffect transition="out" filter="fade">
+                                      <p:cBhvr>
+                                        <p:cTn id="35" dur="500"/>
+                                        <p:tgtEl>
+                                          <p:spTgt spid="10"/>
+                                        </p:tgtEl>
+                                      </p:cBhvr>
+                                    </p:animEffect>
+                                    <p:set>
+                                      <p:cBhvr>
+                                        <p:cTn id="36" dur="1" fill="hold">
+                                          <p:stCondLst>
+                                            <p:cond delay="499"/>
+                                          </p:stCondLst>
+                                        </p:cTn>
+                                        <p:tgtEl>
+                                          <p:spTgt spid="10"/>
+                                        </p:tgtEl>
+                                        <p:attrNameLst>
+                                          <p:attrName>style.visibility</p:attrName>
+                                        </p:attrNameLst>
+                                      </p:cBhvr>
+                                      <p:to>
+                                        <p:strVal val="hidden"/>
+                                      </p:to>
+                                    </p:set>
+                                  </p:childTnLst>
+                                </p:cTn>
+                              </p:par>
+                              <p:par>
+                                <p:cTn id="37" presetID="10" presetClass="exit" presetSubtype="0" fill="hold" nodeType="withEffect">
+                                  <p:stCondLst>
+                                    <p:cond delay="0"/>
+                                  </p:stCondLst>
+                                  <p:childTnLst>
+                                    <p:animEffect transition="out" filter="fade">
+                                      <p:cBhvr>
+                                        <p:cTn id="38" dur="500"/>
+                                        <p:tgtEl>
+                                          <p:spTgt spid="19"/>
+                                        </p:tgtEl>
+                                      </p:cBhvr>
+                                    </p:animEffect>
+                                    <p:set>
+                                      <p:cBhvr>
+                                        <p:cTn id="39" dur="1" fill="hold">
+                                          <p:stCondLst>
+                                            <p:cond delay="499"/>
+                                          </p:stCondLst>
+                                        </p:cTn>
+                                        <p:tgtEl>
+                                          <p:spTgt spid="19"/>
+                                        </p:tgtEl>
+                                        <p:attrNameLst>
+                                          <p:attrName>style.visibility</p:attrName>
+                                        </p:attrNameLst>
+                                      </p:cBhvr>
+                                      <p:to>
+                                        <p:strVal val="hidden"/>
+                                      </p:to>
+                                    </p:set>
+                                  </p:childTnLst>
+                                </p:cTn>
+                              </p:par>
+                              <p:par>
+                                <p:cTn id="40" presetID="10" presetClass="exit" presetSubtype="0" fill="hold" grpId="1" nodeType="withEffect">
+                                  <p:stCondLst>
+                                    <p:cond delay="0"/>
+                                  </p:stCondLst>
+                                  <p:childTnLst>
+                                    <p:animEffect transition="out" filter="fade">
+                                      <p:cBhvr>
+                                        <p:cTn id="41" dur="500"/>
+                                        <p:tgtEl>
+                                          <p:spTgt spid="20"/>
+                                        </p:tgtEl>
+                                      </p:cBhvr>
+                                    </p:animEffect>
+                                    <p:set>
+                                      <p:cBhvr>
+                                        <p:cTn id="42" dur="1" fill="hold">
+                                          <p:stCondLst>
+                                            <p:cond delay="499"/>
+                                          </p:stCondLst>
+                                        </p:cTn>
+                                        <p:tgtEl>
+                                          <p:spTgt spid="20"/>
+                                        </p:tgtEl>
+                                        <p:attrNameLst>
+                                          <p:attrName>style.visibility</p:attrName>
+                                        </p:attrNameLst>
+                                      </p:cBhvr>
+                                      <p:to>
+                                        <p:strVal val="hidden"/>
+                                      </p:to>
+                                    </p:set>
+                                  </p:childTnLst>
+                                </p:cTn>
+                              </p:par>
+                            </p:childTnLst>
+                          </p:cTn>
+                        </p:par>
+                      </p:childTnLst>
+                    </p:cTn>
+                  </p:par>
+                  <p:par>
+                    <p:cTn id="43" fill="hold">
+                      <p:stCondLst>
+                        <p:cond delay="indefinite"/>
+                      </p:stCondLst>
+                      <p:childTnLst>
+                        <p:par>
+                          <p:cTn id="44" fill="hold">
+                            <p:stCondLst>
+                              <p:cond delay="0"/>
+                            </p:stCondLst>
+                            <p:childTnLst>
+                              <p:par>
+                                <p:cTn id="45" presetID="1" presetClass="entr" presetSubtype="0" fill="hold" nodeType="clickEffect">
+                                  <p:stCondLst>
+                                    <p:cond delay="0"/>
+                                  </p:stCondLst>
+                                  <p:childTnLst>
+                                    <p:set>
+                                      <p:cBhvr>
+                                        <p:cTn id="46" dur="1" fill="hold">
+                                          <p:stCondLst>
+                                            <p:cond delay="0"/>
+                                          </p:stCondLst>
+                                        </p:cTn>
+                                        <p:tgtEl>
+                                          <p:spTgt spid="16"/>
+                                        </p:tgtEl>
+                                        <p:attrNameLst>
+                                          <p:attrName>style.visibility</p:attrName>
+                                        </p:attrNameLst>
+                                      </p:cBhvr>
+                                      <p:to>
+                                        <p:strVal val="visible"/>
+                                      </p:to>
+                                    </p:set>
+                                  </p:childTnLst>
+                                </p:cTn>
+                              </p:par>
+                            </p:childTnLst>
+                          </p:cTn>
+                        </p:par>
+                      </p:childTnLst>
+                    </p:cTn>
+                  </p:par>
+                  <p:par>
+                    <p:cTn id="47" fill="hold">
+                      <p:stCondLst>
+                        <p:cond delay="indefinite"/>
+                      </p:stCondLst>
+                      <p:childTnLst>
+                        <p:par>
+                          <p:cTn id="48" fill="hold">
+                            <p:stCondLst>
+                              <p:cond delay="0"/>
+                            </p:stCondLst>
+                            <p:childTnLst>
+                              <p:par>
+                                <p:cTn id="49" presetID="1" presetClass="entr" presetSubtype="0" fill="hold" nodeType="clickEffect">
+                                  <p:stCondLst>
+                                    <p:cond delay="0"/>
+                                  </p:stCondLst>
+                                  <p:childTnLst>
+                                    <p:set>
+                                      <p:cBhvr>
+                                        <p:cTn id="50" dur="1" fill="hold">
+                                          <p:stCondLst>
+                                            <p:cond delay="0"/>
+                                          </p:stCondLst>
+                                        </p:cTn>
+                                        <p:tgtEl>
+                                          <p:spTgt spid="23"/>
+                                        </p:tgtEl>
+                                        <p:attrNameLst>
+                                          <p:attrName>style.visibility</p:attrName>
+                                        </p:attrNameLst>
+                                      </p:cBhvr>
+                                      <p:to>
+                                        <p:strVal val="visible"/>
+                                      </p:to>
+                                    </p:set>
+                                  </p:childTnLst>
+                                </p:cTn>
+                              </p:par>
+                            </p:childTnLst>
+                          </p:cTn>
+                        </p:par>
+                      </p:childTnLst>
+                    </p:cTn>
+                  </p:par>
+                  <p:par>
+                    <p:cTn id="51" fill="hold">
+                      <p:stCondLst>
+                        <p:cond delay="indefinite"/>
+                      </p:stCondLst>
+                      <p:childTnLst>
+                        <p:par>
+                          <p:cTn id="52" fill="hold">
+                            <p:stCondLst>
+                              <p:cond delay="0"/>
+                            </p:stCondLst>
+                            <p:childTnLst>
+                              <p:par>
+                                <p:cTn id="53" presetID="1" presetClass="entr" presetSubtype="0" fill="hold" nodeType="clickEffect">
+                                  <p:stCondLst>
+                                    <p:cond delay="0"/>
+                                  </p:stCondLst>
+                                  <p:childTnLst>
+                                    <p:set>
+                                      <p:cBhvr>
+                                        <p:cTn id="54" dur="1" fill="hold">
+                                          <p:stCondLst>
+                                            <p:cond delay="0"/>
+                                          </p:stCondLst>
+                                        </p:cTn>
+                                        <p:tgtEl>
+                                          <p:spTgt spid="26"/>
+                                        </p:tgtEl>
+                                        <p:attrNameLst>
+                                          <p:attrName>style.visibility</p:attrName>
+                                        </p:attrNameLst>
+                                      </p:cBhvr>
+                                      <p:to>
+                                        <p:strVal val="visible"/>
+                                      </p:to>
+                                    </p:set>
+                                  </p:childTnLst>
+                                </p:cTn>
+                              </p:par>
+                            </p:childTnLst>
+                          </p:cTn>
+                        </p:par>
+                      </p:childTnLst>
+                    </p:cTn>
+                  </p:par>
+                </p:childTnLst>
+              </p:cTn>
+              <p:prevCondLst>
+                <p:cond evt="onPrev" delay="0">
+                  <p:tgtEl>
+                    <p:sldTgt/>
+                  </p:tgtEl>
+                </p:cond>
+              </p:prevCondLst>
+              <p:nextCondLst>
+                <p:cond evt="onNext" delay="0">
+                  <p:tgtEl>
+                    <p:sldTgt/>
+                  </p:tgtEl>
+                </p:cond>
+              </p:nextCondLst>
+            </p:seq>
+          </p:childTnLst>
+        </p:cTn>
+      </p:par>
+    </p:tnLst>
+    <p:bldLst>
+      <p:bldP spid="6" grpId="0" animBg="1"/>
+      <p:bldP spid="9" grpId="0"/>
+      <p:bldP spid="10" grpId="0" animBg="1"/>
+      <p:bldP spid="10" grpId="1" animBg="1"/>
+      <p:bldP spid="20" grpId="0" animBg="1"/>
+      <p:bldP spid="20" grpId="1" animBg="1"/>
+    </p:bldLst>
+  </p:timing>
+</p:sld>
+</file>
+
+<file path=ppt/slides/slide65.xml><?xml version="1.0" encoding="utf-8"?>
+<p:sld xmlns:a="http://schemas.openxmlformats.org/drawingml/2006/main" xmlns:r="http://schemas.openxmlformats.org/officeDocument/2006/relationships" xmlns:p="http://schemas.openxmlformats.org/presentationml/2006/main">
+  <p:cSld>
+    <p:spTree>
+      <p:nvGrpSpPr>
+        <p:cNvPr id="1" name=""/>
+        <p:cNvGrpSpPr/>
+        <p:nvPr/>
+      </p:nvGrpSpPr>
+      <p:grpSpPr>
+        <a:xfrm>
+          <a:off x="0" y="0"/>
+          <a:ext cx="0" cy="0"/>
+          <a:chOff x="0" y="0"/>
+          <a:chExt cx="0" cy="0"/>
+        </a:xfrm>
+      </p:grpSpPr>
+      <p:sp>
+        <p:nvSpPr>
+          <p:cNvPr id="4" name="Titel 1">
+            <a:extLst>
+              <a:ext uri="{FF2B5EF4-FFF2-40B4-BE49-F238E27FC236}">
+                <a16:creationId xmlns:a16="http://schemas.microsoft.com/office/drawing/2014/main" id="{FF0F044B-65DE-444B-AD95-4DA965DCB0C0}"/>
+              </a:ext>
+            </a:extLst>
+          </p:cNvPr>
+          <p:cNvSpPr>
+            <a:spLocks noGrp="1"/>
+          </p:cNvSpPr>
+          <p:nvPr>
+            <p:ph type="title"/>
+          </p:nvPr>
+        </p:nvSpPr>
+        <p:spPr>
+          <a:xfrm>
+            <a:off x="838200" y="1140"/>
+            <a:ext cx="10515600" cy="1325563"/>
+          </a:xfrm>
+        </p:spPr>
+        <p:txBody>
+          <a:bodyPr>
+            <a:normAutofit/>
+          </a:bodyPr>
+          <a:lstStyle/>
+          <a:p>
+            <a:r>
+              <a:rPr lang="de-DE" sz="4000" dirty="0" err="1">
+                <a:latin typeface="Consolas" panose="020B0609020204030204" pitchFamily="49" charset="0"/>
+              </a:rPr>
+              <a:t>edu.kit.loop.model.plugin</a:t>
+            </a:r>
+            <a:endParaRPr lang="de-DE" sz="4000" dirty="0">
+              <a:latin typeface="Consolas" panose="020B0609020204030204" pitchFamily="49" charset="0"/>
+            </a:endParaRPr>
+          </a:p>
+        </p:txBody>
+      </p:sp>
+      <p:pic>
+        <p:nvPicPr>
+          <p:cNvPr id="6" name="Grafik 5">
+            <a:extLst>
+              <a:ext uri="{FF2B5EF4-FFF2-40B4-BE49-F238E27FC236}">
+                <a16:creationId xmlns:a16="http://schemas.microsoft.com/office/drawing/2014/main" id="{8C34CC34-2339-4E45-B9C5-9BFA95AACE47}"/>
+              </a:ext>
+            </a:extLst>
+          </p:cNvPr>
+          <p:cNvPicPr>
+            <a:picLocks noChangeAspect="1"/>
+          </p:cNvPicPr>
+          <p:nvPr/>
+        </p:nvPicPr>
+        <p:blipFill>
+          <a:blip r:embed="rId2">
+            <a:extLst>
+              <a:ext uri="{28A0092B-C50C-407E-A947-70E740481C1C}">
+                <a14:useLocalDpi xmlns:a14="http://schemas.microsoft.com/office/drawing/2010/main" val="0"/>
+              </a:ext>
+            </a:extLst>
+          </a:blip>
+          <a:stretch>
+            <a:fillRect/>
+          </a:stretch>
+        </p:blipFill>
+        <p:spPr>
+          <a:xfrm>
+            <a:off x="252412" y="2041572"/>
+            <a:ext cx="11687175" cy="3289205"/>
+          </a:xfrm>
+          <a:prstGeom prst="rect">
+            <a:avLst/>
+          </a:prstGeom>
+        </p:spPr>
+      </p:pic>
+    </p:spTree>
+    <p:extLst>
+      <p:ext uri="{BB962C8B-B14F-4D97-AF65-F5344CB8AC3E}">
+        <p14:creationId xmlns:p14="http://schemas.microsoft.com/office/powerpoint/2010/main" val="1318371692"/>
+      </p:ext>
+    </p:extLst>
+  </p:cSld>
+  <p:clrMapOvr>
+    <a:masterClrMapping/>
+  </p:clrMapOvr>
+</p:sld>
+</file>
+
+<file path=ppt/slides/slide66.xml><?xml version="1.0" encoding="utf-8"?>
+<p:sld xmlns:a="http://schemas.openxmlformats.org/drawingml/2006/main" xmlns:r="http://schemas.openxmlformats.org/officeDocument/2006/relationships" xmlns:p="http://schemas.openxmlformats.org/presentationml/2006/main">
+  <p:cSld>
+    <p:spTree>
+      <p:nvGrpSpPr>
+        <p:cNvPr id="1" name=""/>
+        <p:cNvGrpSpPr/>
+        <p:nvPr/>
+      </p:nvGrpSpPr>
+      <p:grpSpPr>
+        <a:xfrm>
+          <a:off x="0" y="0"/>
+          <a:ext cx="0" cy="0"/>
+          <a:chOff x="0" y="0"/>
+          <a:chExt cx="0" cy="0"/>
+        </a:xfrm>
+      </p:grpSpPr>
+      <p:sp>
+        <p:nvSpPr>
+          <p:cNvPr id="4" name="Titel 1">
+            <a:extLst>
+              <a:ext uri="{FF2B5EF4-FFF2-40B4-BE49-F238E27FC236}">
+                <a16:creationId xmlns:a16="http://schemas.microsoft.com/office/drawing/2014/main" id="{FF0F044B-65DE-444B-AD95-4DA965DCB0C0}"/>
+              </a:ext>
+            </a:extLst>
+          </p:cNvPr>
+          <p:cNvSpPr>
+            <a:spLocks noGrp="1"/>
+          </p:cNvSpPr>
+          <p:nvPr>
+            <p:ph type="title"/>
+          </p:nvPr>
+        </p:nvSpPr>
+        <p:spPr>
+          <a:xfrm>
+            <a:off x="838200" y="1140"/>
+            <a:ext cx="10515600" cy="1325563"/>
+          </a:xfrm>
+        </p:spPr>
+        <p:txBody>
+          <a:bodyPr>
+            <a:normAutofit/>
+          </a:bodyPr>
+          <a:lstStyle/>
+          <a:p>
+            <a:r>
+              <a:rPr lang="de-DE" sz="4000" dirty="0" err="1">
+                <a:latin typeface="Consolas" panose="020B0609020204030204" pitchFamily="49" charset="0"/>
+              </a:rPr>
+              <a:t>edu.kit.loop.model.repository</a:t>
+            </a:r>
+            <a:endParaRPr lang="de-DE" sz="4000" dirty="0">
+              <a:latin typeface="Consolas" panose="020B0609020204030204" pitchFamily="49" charset="0"/>
+            </a:endParaRPr>
+          </a:p>
+        </p:txBody>
+      </p:sp>
+      <p:pic>
+        <p:nvPicPr>
+          <p:cNvPr id="3" name="Grafik 2">
+            <a:extLst>
+              <a:ext uri="{FF2B5EF4-FFF2-40B4-BE49-F238E27FC236}">
+                <a16:creationId xmlns:a16="http://schemas.microsoft.com/office/drawing/2014/main" id="{6E1B5E06-6188-4600-B320-D43924A3164B}"/>
+              </a:ext>
+            </a:extLst>
+          </p:cNvPr>
+          <p:cNvPicPr>
+            <a:picLocks noChangeAspect="1"/>
+          </p:cNvPicPr>
+          <p:nvPr/>
+        </p:nvPicPr>
+        <p:blipFill>
+          <a:blip r:embed="rId2">
+            <a:extLst>
+              <a:ext uri="{28A0092B-C50C-407E-A947-70E740481C1C}">
+                <a14:useLocalDpi xmlns:a14="http://schemas.microsoft.com/office/drawing/2010/main" val="0"/>
+              </a:ext>
+            </a:extLst>
+          </a:blip>
+          <a:stretch>
+            <a:fillRect/>
+          </a:stretch>
+        </p:blipFill>
+        <p:spPr>
+          <a:xfrm>
+            <a:off x="3279223" y="1326703"/>
+            <a:ext cx="5633554" cy="5048250"/>
+          </a:xfrm>
+          <a:prstGeom prst="rect">
+            <a:avLst/>
+          </a:prstGeom>
+        </p:spPr>
+      </p:pic>
+    </p:spTree>
+    <p:extLst>
+      <p:ext uri="{BB962C8B-B14F-4D97-AF65-F5344CB8AC3E}">
+        <p14:creationId xmlns:p14="http://schemas.microsoft.com/office/powerpoint/2010/main" val="1295784228"/>
       </p:ext>
     </p:extLst>
   </p:cSld>

--- a/Dokumente/entwurf/Präsentation/presentation.pptx
+++ b/Dokumente/entwurf/Präsentation/presentation.pptx
@@ -8,69 +8,64 @@
     <p:sldId id="271" r:id="rId2"/>
     <p:sldId id="272" r:id="rId3"/>
     <p:sldId id="273" r:id="rId4"/>
-    <p:sldId id="257" r:id="rId5"/>
-    <p:sldId id="259" r:id="rId6"/>
-    <p:sldId id="260" r:id="rId7"/>
-    <p:sldId id="261" r:id="rId8"/>
-    <p:sldId id="262" r:id="rId9"/>
-    <p:sldId id="263" r:id="rId10"/>
-    <p:sldId id="264" r:id="rId11"/>
-    <p:sldId id="265" r:id="rId12"/>
-    <p:sldId id="266" r:id="rId13"/>
-    <p:sldId id="270" r:id="rId14"/>
-    <p:sldId id="267" r:id="rId15"/>
-    <p:sldId id="268" r:id="rId16"/>
-    <p:sldId id="269" r:id="rId17"/>
-    <p:sldId id="258" r:id="rId18"/>
-    <p:sldId id="274" r:id="rId19"/>
-    <p:sldId id="276" r:id="rId20"/>
-    <p:sldId id="277" r:id="rId21"/>
-    <p:sldId id="278" r:id="rId22"/>
-    <p:sldId id="279" r:id="rId23"/>
-    <p:sldId id="280" r:id="rId24"/>
-    <p:sldId id="281" r:id="rId25"/>
-    <p:sldId id="282" r:id="rId26"/>
-    <p:sldId id="283" r:id="rId27"/>
-    <p:sldId id="284" r:id="rId28"/>
-    <p:sldId id="285" r:id="rId29"/>
-    <p:sldId id="286" r:id="rId30"/>
-    <p:sldId id="287" r:id="rId31"/>
-    <p:sldId id="288" r:id="rId32"/>
-    <p:sldId id="289" r:id="rId33"/>
-    <p:sldId id="306" r:id="rId34"/>
-    <p:sldId id="307" r:id="rId35"/>
-    <p:sldId id="308" r:id="rId36"/>
-    <p:sldId id="309" r:id="rId37"/>
-    <p:sldId id="310" r:id="rId38"/>
-    <p:sldId id="311" r:id="rId39"/>
-    <p:sldId id="321" r:id="rId40"/>
-    <p:sldId id="322" r:id="rId41"/>
-    <p:sldId id="323" r:id="rId42"/>
-    <p:sldId id="324" r:id="rId43"/>
-    <p:sldId id="325" r:id="rId44"/>
-    <p:sldId id="331" r:id="rId45"/>
-    <p:sldId id="332" r:id="rId46"/>
-    <p:sldId id="333" r:id="rId47"/>
-    <p:sldId id="334" r:id="rId48"/>
-    <p:sldId id="335" r:id="rId49"/>
-    <p:sldId id="317" r:id="rId50"/>
-    <p:sldId id="312" r:id="rId51"/>
-    <p:sldId id="313" r:id="rId52"/>
-    <p:sldId id="314" r:id="rId53"/>
-    <p:sldId id="315" r:id="rId54"/>
-    <p:sldId id="318" r:id="rId55"/>
-    <p:sldId id="319" r:id="rId56"/>
-    <p:sldId id="320" r:id="rId57"/>
-    <p:sldId id="305" r:id="rId58"/>
-    <p:sldId id="290" r:id="rId59"/>
-    <p:sldId id="291" r:id="rId60"/>
-    <p:sldId id="292" r:id="rId61"/>
-    <p:sldId id="293" r:id="rId62"/>
-    <p:sldId id="275" r:id="rId63"/>
-    <p:sldId id="338" r:id="rId64"/>
-    <p:sldId id="342" r:id="rId65"/>
-    <p:sldId id="336" r:id="rId66"/>
-    <p:sldId id="337" r:id="rId67"/>
+    <p:sldId id="343" r:id="rId5"/>
+    <p:sldId id="344" r:id="rId6"/>
+    <p:sldId id="345" r:id="rId7"/>
+    <p:sldId id="346" r:id="rId8"/>
+    <p:sldId id="347" r:id="rId9"/>
+    <p:sldId id="348" r:id="rId10"/>
+    <p:sldId id="349" r:id="rId11"/>
+    <p:sldId id="350" r:id="rId12"/>
+    <p:sldId id="351" r:id="rId13"/>
+    <p:sldId id="352" r:id="rId14"/>
+    <p:sldId id="353" r:id="rId15"/>
+    <p:sldId id="354" r:id="rId16"/>
+    <p:sldId id="356" r:id="rId17"/>
+    <p:sldId id="274" r:id="rId18"/>
+    <p:sldId id="276" r:id="rId19"/>
+    <p:sldId id="277" r:id="rId20"/>
+    <p:sldId id="278" r:id="rId21"/>
+    <p:sldId id="279" r:id="rId22"/>
+    <p:sldId id="281" r:id="rId23"/>
+    <p:sldId id="282" r:id="rId24"/>
+    <p:sldId id="283" r:id="rId25"/>
+    <p:sldId id="284" r:id="rId26"/>
+    <p:sldId id="285" r:id="rId27"/>
+    <p:sldId id="286" r:id="rId28"/>
+    <p:sldId id="287" r:id="rId29"/>
+    <p:sldId id="288" r:id="rId30"/>
+    <p:sldId id="289" r:id="rId31"/>
+    <p:sldId id="306" r:id="rId32"/>
+    <p:sldId id="307" r:id="rId33"/>
+    <p:sldId id="308" r:id="rId34"/>
+    <p:sldId id="309" r:id="rId35"/>
+    <p:sldId id="310" r:id="rId36"/>
+    <p:sldId id="311" r:id="rId37"/>
+    <p:sldId id="321" r:id="rId38"/>
+    <p:sldId id="322" r:id="rId39"/>
+    <p:sldId id="323" r:id="rId40"/>
+    <p:sldId id="324" r:id="rId41"/>
+    <p:sldId id="325" r:id="rId42"/>
+    <p:sldId id="331" r:id="rId43"/>
+    <p:sldId id="332" r:id="rId44"/>
+    <p:sldId id="333" r:id="rId45"/>
+    <p:sldId id="335" r:id="rId46"/>
+    <p:sldId id="317" r:id="rId47"/>
+    <p:sldId id="312" r:id="rId48"/>
+    <p:sldId id="313" r:id="rId49"/>
+    <p:sldId id="314" r:id="rId50"/>
+    <p:sldId id="315" r:id="rId51"/>
+    <p:sldId id="318" r:id="rId52"/>
+    <p:sldId id="320" r:id="rId53"/>
+    <p:sldId id="305" r:id="rId54"/>
+    <p:sldId id="290" r:id="rId55"/>
+    <p:sldId id="291" r:id="rId56"/>
+    <p:sldId id="292" r:id="rId57"/>
+    <p:sldId id="275" r:id="rId58"/>
+    <p:sldId id="338" r:id="rId59"/>
+    <p:sldId id="342" r:id="rId60"/>
+    <p:sldId id="336" r:id="rId61"/>
+    <p:sldId id="337" r:id="rId62"/>
   </p:sldIdLst>
   <p:sldSz cx="12192000" cy="6858000"/>
   <p:notesSz cx="6858000" cy="9144000"/>
@@ -324,7 +319,7 @@
           <a:p>
             <a:fld id="{2F142BB3-9F87-4F32-99CE-4A0033E6A1B6}" type="datetimeFigureOut">
               <a:rPr lang="de-DE" smtClean="0"/>
-              <a:t>19.12.2018</a:t>
+              <a:t>20.12.2018</a:t>
             </a:fld>
             <a:endParaRPr lang="de-DE"/>
           </a:p>
@@ -522,7 +517,7 @@
           <a:p>
             <a:fld id="{2F142BB3-9F87-4F32-99CE-4A0033E6A1B6}" type="datetimeFigureOut">
               <a:rPr lang="de-DE" smtClean="0"/>
-              <a:t>19.12.2018</a:t>
+              <a:t>20.12.2018</a:t>
             </a:fld>
             <a:endParaRPr lang="de-DE"/>
           </a:p>
@@ -730,7 +725,7 @@
           <a:p>
             <a:fld id="{2F142BB3-9F87-4F32-99CE-4A0033E6A1B6}" type="datetimeFigureOut">
               <a:rPr lang="de-DE" smtClean="0"/>
-              <a:t>19.12.2018</a:t>
+              <a:t>20.12.2018</a:t>
             </a:fld>
             <a:endParaRPr lang="de-DE"/>
           </a:p>
@@ -928,7 +923,7 @@
           <a:p>
             <a:fld id="{2F142BB3-9F87-4F32-99CE-4A0033E6A1B6}" type="datetimeFigureOut">
               <a:rPr lang="de-DE" smtClean="0"/>
-              <a:t>19.12.2018</a:t>
+              <a:t>20.12.2018</a:t>
             </a:fld>
             <a:endParaRPr lang="de-DE"/>
           </a:p>
@@ -1203,7 +1198,7 @@
           <a:p>
             <a:fld id="{2F142BB3-9F87-4F32-99CE-4A0033E6A1B6}" type="datetimeFigureOut">
               <a:rPr lang="de-DE" smtClean="0"/>
-              <a:t>19.12.2018</a:t>
+              <a:t>20.12.2018</a:t>
             </a:fld>
             <a:endParaRPr lang="de-DE"/>
           </a:p>
@@ -1468,7 +1463,7 @@
           <a:p>
             <a:fld id="{2F142BB3-9F87-4F32-99CE-4A0033E6A1B6}" type="datetimeFigureOut">
               <a:rPr lang="de-DE" smtClean="0"/>
-              <a:t>19.12.2018</a:t>
+              <a:t>20.12.2018</a:t>
             </a:fld>
             <a:endParaRPr lang="de-DE"/>
           </a:p>
@@ -1880,7 +1875,7 @@
           <a:p>
             <a:fld id="{2F142BB3-9F87-4F32-99CE-4A0033E6A1B6}" type="datetimeFigureOut">
               <a:rPr lang="de-DE" smtClean="0"/>
-              <a:t>19.12.2018</a:t>
+              <a:t>20.12.2018</a:t>
             </a:fld>
             <a:endParaRPr lang="de-DE"/>
           </a:p>
@@ -2021,7 +2016,7 @@
           <a:p>
             <a:fld id="{2F142BB3-9F87-4F32-99CE-4A0033E6A1B6}" type="datetimeFigureOut">
               <a:rPr lang="de-DE" smtClean="0"/>
-              <a:t>19.12.2018</a:t>
+              <a:t>20.12.2018</a:t>
             </a:fld>
             <a:endParaRPr lang="de-DE"/>
           </a:p>
@@ -2134,7 +2129,7 @@
           <a:p>
             <a:fld id="{2F142BB3-9F87-4F32-99CE-4A0033E6A1B6}" type="datetimeFigureOut">
               <a:rPr lang="de-DE" smtClean="0"/>
-              <a:t>19.12.2018</a:t>
+              <a:t>20.12.2018</a:t>
             </a:fld>
             <a:endParaRPr lang="de-DE"/>
           </a:p>
@@ -2445,7 +2440,7 @@
           <a:p>
             <a:fld id="{2F142BB3-9F87-4F32-99CE-4A0033E6A1B6}" type="datetimeFigureOut">
               <a:rPr lang="de-DE" smtClean="0"/>
-              <a:t>19.12.2018</a:t>
+              <a:t>20.12.2018</a:t>
             </a:fld>
             <a:endParaRPr lang="de-DE"/>
           </a:p>
@@ -2733,7 +2728,7 @@
           <a:p>
             <a:fld id="{2F142BB3-9F87-4F32-99CE-4A0033E6A1B6}" type="datetimeFigureOut">
               <a:rPr lang="de-DE" smtClean="0"/>
-              <a:t>19.12.2018</a:t>
+              <a:t>20.12.2018</a:t>
             </a:fld>
             <a:endParaRPr lang="de-DE"/>
           </a:p>
@@ -2974,7 +2969,7 @@
           <a:p>
             <a:fld id="{2F142BB3-9F87-4F32-99CE-4A0033E6A1B6}" type="datetimeFigureOut">
               <a:rPr lang="de-DE" smtClean="0"/>
-              <a:t>19.12.2018</a:t>
+              <a:t>20.12.2018</a:t>
             </a:fld>
             <a:endParaRPr lang="de-DE"/>
           </a:p>
@@ -3529,10 +3524,10 @@
       </p:grpSpPr>
       <p:pic>
         <p:nvPicPr>
-          <p:cNvPr id="5" name="Grafik 4">
-            <a:extLst>
-              <a:ext uri="{FF2B5EF4-FFF2-40B4-BE49-F238E27FC236}">
-                <a16:creationId xmlns:a16="http://schemas.microsoft.com/office/drawing/2014/main" id="{50EC97F4-660D-4820-B36C-55EE4EDA34A2}"/>
+          <p:cNvPr id="3" name="Grafik 2">
+            <a:extLst>
+              <a:ext uri="{FF2B5EF4-FFF2-40B4-BE49-F238E27FC236}">
+                <a16:creationId xmlns:a16="http://schemas.microsoft.com/office/drawing/2014/main" id="{6462B40C-46DF-4F47-A940-E7CBBCFC15E6}"/>
               </a:ext>
             </a:extLst>
           </p:cNvPr>
@@ -3555,8 +3550,8 @@
         </p:blipFill>
         <p:spPr>
           <a:xfrm>
-            <a:off x="2183883" y="306000"/>
-            <a:ext cx="7824233" cy="6552000"/>
+            <a:off x="2088466" y="306000"/>
+            <a:ext cx="8015068" cy="6552000"/>
           </a:xfrm>
           <a:prstGeom prst="rect">
             <a:avLst/>
@@ -3566,7 +3561,7 @@
     </p:spTree>
     <p:extLst>
       <p:ext uri="{BB962C8B-B14F-4D97-AF65-F5344CB8AC3E}">
-        <p14:creationId xmlns:p14="http://schemas.microsoft.com/office/powerpoint/2010/main" val="1760866963"/>
+        <p14:creationId xmlns:p14="http://schemas.microsoft.com/office/powerpoint/2010/main" val="932384769"/>
       </p:ext>
     </p:extLst>
   </p:cSld>
@@ -3595,10 +3590,10 @@
       </p:grpSpPr>
       <p:pic>
         <p:nvPicPr>
-          <p:cNvPr id="5" name="Grafik 4">
-            <a:extLst>
-              <a:ext uri="{FF2B5EF4-FFF2-40B4-BE49-F238E27FC236}">
-                <a16:creationId xmlns:a16="http://schemas.microsoft.com/office/drawing/2014/main" id="{8FD8BA4B-610D-42A5-824B-774469A6FD64}"/>
+          <p:cNvPr id="3" name="Grafik 2">
+            <a:extLst>
+              <a:ext uri="{FF2B5EF4-FFF2-40B4-BE49-F238E27FC236}">
+                <a16:creationId xmlns:a16="http://schemas.microsoft.com/office/drawing/2014/main" id="{064D6014-8456-4EED-B02A-269FAAAA0B9F}"/>
               </a:ext>
             </a:extLst>
           </p:cNvPr>
@@ -3621,8 +3616,8 @@
         </p:blipFill>
         <p:spPr>
           <a:xfrm>
-            <a:off x="2183883" y="306000"/>
-            <a:ext cx="7824233" cy="6552000"/>
+            <a:off x="2088466" y="306000"/>
+            <a:ext cx="8015068" cy="6552000"/>
           </a:xfrm>
           <a:prstGeom prst="rect">
             <a:avLst/>
@@ -3632,7 +3627,7 @@
     </p:spTree>
     <p:extLst>
       <p:ext uri="{BB962C8B-B14F-4D97-AF65-F5344CB8AC3E}">
-        <p14:creationId xmlns:p14="http://schemas.microsoft.com/office/powerpoint/2010/main" val="1264235680"/>
+        <p14:creationId xmlns:p14="http://schemas.microsoft.com/office/powerpoint/2010/main" val="3749896658"/>
       </p:ext>
     </p:extLst>
   </p:cSld>
@@ -3661,10 +3656,10 @@
       </p:grpSpPr>
       <p:pic>
         <p:nvPicPr>
-          <p:cNvPr id="5" name="Grafik 4">
-            <a:extLst>
-              <a:ext uri="{FF2B5EF4-FFF2-40B4-BE49-F238E27FC236}">
-                <a16:creationId xmlns:a16="http://schemas.microsoft.com/office/drawing/2014/main" id="{941D9FC7-3DA1-4996-89EE-1028D98719E5}"/>
+          <p:cNvPr id="3" name="Grafik 2">
+            <a:extLst>
+              <a:ext uri="{FF2B5EF4-FFF2-40B4-BE49-F238E27FC236}">
+                <a16:creationId xmlns:a16="http://schemas.microsoft.com/office/drawing/2014/main" id="{3B40EFA0-7513-4BC4-95A8-DCFA2549C4A7}"/>
               </a:ext>
             </a:extLst>
           </p:cNvPr>
@@ -3687,8 +3682,8 @@
         </p:blipFill>
         <p:spPr>
           <a:xfrm>
-            <a:off x="2183883" y="306000"/>
-            <a:ext cx="7824233" cy="6552000"/>
+            <a:off x="2088466" y="306000"/>
+            <a:ext cx="8015068" cy="6552000"/>
           </a:xfrm>
           <a:prstGeom prst="rect">
             <a:avLst/>
@@ -3698,7 +3693,7 @@
     </p:spTree>
     <p:extLst>
       <p:ext uri="{BB962C8B-B14F-4D97-AF65-F5344CB8AC3E}">
-        <p14:creationId xmlns:p14="http://schemas.microsoft.com/office/powerpoint/2010/main" val="3087959542"/>
+        <p14:creationId xmlns:p14="http://schemas.microsoft.com/office/powerpoint/2010/main" val="3318856815"/>
       </p:ext>
     </p:extLst>
   </p:cSld>
@@ -3727,10 +3722,10 @@
       </p:grpSpPr>
       <p:pic>
         <p:nvPicPr>
-          <p:cNvPr id="5" name="Grafik 4">
-            <a:extLst>
-              <a:ext uri="{FF2B5EF4-FFF2-40B4-BE49-F238E27FC236}">
-                <a16:creationId xmlns:a16="http://schemas.microsoft.com/office/drawing/2014/main" id="{F96276B3-4E3F-48A6-8993-7EDE756DBDCC}"/>
+          <p:cNvPr id="3" name="Grafik 2">
+            <a:extLst>
+              <a:ext uri="{FF2B5EF4-FFF2-40B4-BE49-F238E27FC236}">
+                <a16:creationId xmlns:a16="http://schemas.microsoft.com/office/drawing/2014/main" id="{F6C59B30-5537-47A5-9117-6F5A12AE8540}"/>
               </a:ext>
             </a:extLst>
           </p:cNvPr>
@@ -3753,8 +3748,8 @@
         </p:blipFill>
         <p:spPr>
           <a:xfrm>
-            <a:off x="2183883" y="306000"/>
-            <a:ext cx="7824233" cy="6552000"/>
+            <a:off x="2088466" y="306000"/>
+            <a:ext cx="8015068" cy="6552000"/>
           </a:xfrm>
           <a:prstGeom prst="rect">
             <a:avLst/>
@@ -3764,7 +3759,7 @@
     </p:spTree>
     <p:extLst>
       <p:ext uri="{BB962C8B-B14F-4D97-AF65-F5344CB8AC3E}">
-        <p14:creationId xmlns:p14="http://schemas.microsoft.com/office/powerpoint/2010/main" val="530274494"/>
+        <p14:creationId xmlns:p14="http://schemas.microsoft.com/office/powerpoint/2010/main" val="871548926"/>
       </p:ext>
     </p:extLst>
   </p:cSld>
@@ -3793,10 +3788,10 @@
       </p:grpSpPr>
       <p:pic>
         <p:nvPicPr>
-          <p:cNvPr id="5" name="Grafik 4">
-            <a:extLst>
-              <a:ext uri="{FF2B5EF4-FFF2-40B4-BE49-F238E27FC236}">
-                <a16:creationId xmlns:a16="http://schemas.microsoft.com/office/drawing/2014/main" id="{4B5A0DDE-AA26-4967-8DAE-F53BDAAFDF22}"/>
+          <p:cNvPr id="3" name="Grafik 2">
+            <a:extLst>
+              <a:ext uri="{FF2B5EF4-FFF2-40B4-BE49-F238E27FC236}">
+                <a16:creationId xmlns:a16="http://schemas.microsoft.com/office/drawing/2014/main" id="{28E05C63-0ABC-4B67-8D81-32F34D97E8D6}"/>
               </a:ext>
             </a:extLst>
           </p:cNvPr>
@@ -3819,8 +3814,8 @@
         </p:blipFill>
         <p:spPr>
           <a:xfrm>
-            <a:off x="2183883" y="306000"/>
-            <a:ext cx="7824233" cy="6552000"/>
+            <a:off x="2088466" y="306000"/>
+            <a:ext cx="8015068" cy="6552000"/>
           </a:xfrm>
           <a:prstGeom prst="rect">
             <a:avLst/>
@@ -3830,7 +3825,7 @@
     </p:spTree>
     <p:extLst>
       <p:ext uri="{BB962C8B-B14F-4D97-AF65-F5344CB8AC3E}">
-        <p14:creationId xmlns:p14="http://schemas.microsoft.com/office/powerpoint/2010/main" val="728054354"/>
+        <p14:creationId xmlns:p14="http://schemas.microsoft.com/office/powerpoint/2010/main" val="1616639486"/>
       </p:ext>
     </p:extLst>
   </p:cSld>
@@ -3859,10 +3854,10 @@
       </p:grpSpPr>
       <p:pic>
         <p:nvPicPr>
-          <p:cNvPr id="5" name="Grafik 4">
-            <a:extLst>
-              <a:ext uri="{FF2B5EF4-FFF2-40B4-BE49-F238E27FC236}">
-                <a16:creationId xmlns:a16="http://schemas.microsoft.com/office/drawing/2014/main" id="{7A8F1CC6-0642-4502-ADAC-E4D1A50577D6}"/>
+          <p:cNvPr id="3" name="Grafik 2">
+            <a:extLst>
+              <a:ext uri="{FF2B5EF4-FFF2-40B4-BE49-F238E27FC236}">
+                <a16:creationId xmlns:a16="http://schemas.microsoft.com/office/drawing/2014/main" id="{064BD73C-B5B6-44A3-9DED-608CFCA5F8CC}"/>
               </a:ext>
             </a:extLst>
           </p:cNvPr>
@@ -3885,8 +3880,8 @@
         </p:blipFill>
         <p:spPr>
           <a:xfrm>
-            <a:off x="2183883" y="306000"/>
-            <a:ext cx="7824233" cy="6552000"/>
+            <a:off x="2088466" y="306000"/>
+            <a:ext cx="8015068" cy="6552000"/>
           </a:xfrm>
           <a:prstGeom prst="rect">
             <a:avLst/>
@@ -3896,7 +3891,7 @@
     </p:spTree>
     <p:extLst>
       <p:ext uri="{BB962C8B-B14F-4D97-AF65-F5344CB8AC3E}">
-        <p14:creationId xmlns:p14="http://schemas.microsoft.com/office/powerpoint/2010/main" val="1223576011"/>
+        <p14:creationId xmlns:p14="http://schemas.microsoft.com/office/powerpoint/2010/main" val="1815485275"/>
       </p:ext>
     </p:extLst>
   </p:cSld>
@@ -3925,10 +3920,10 @@
       </p:grpSpPr>
       <p:pic>
         <p:nvPicPr>
-          <p:cNvPr id="5" name="Grafik 4">
-            <a:extLst>
-              <a:ext uri="{FF2B5EF4-FFF2-40B4-BE49-F238E27FC236}">
-                <a16:creationId xmlns:a16="http://schemas.microsoft.com/office/drawing/2014/main" id="{0BAA8F57-3776-4752-AADA-D238F40FD74F}"/>
+          <p:cNvPr id="3" name="Grafik 2">
+            <a:extLst>
+              <a:ext uri="{FF2B5EF4-FFF2-40B4-BE49-F238E27FC236}">
+                <a16:creationId xmlns:a16="http://schemas.microsoft.com/office/drawing/2014/main" id="{A0757293-0A1E-4594-A547-41BBF5467AE0}"/>
               </a:ext>
             </a:extLst>
           </p:cNvPr>
@@ -3951,8 +3946,8 @@
         </p:blipFill>
         <p:spPr>
           <a:xfrm>
-            <a:off x="2183883" y="306000"/>
-            <a:ext cx="7824233" cy="6552000"/>
+            <a:off x="2088466" y="306000"/>
+            <a:ext cx="8015068" cy="6552000"/>
           </a:xfrm>
           <a:prstGeom prst="rect">
             <a:avLst/>
@@ -3962,7 +3957,7 @@
     </p:spTree>
     <p:extLst>
       <p:ext uri="{BB962C8B-B14F-4D97-AF65-F5344CB8AC3E}">
-        <p14:creationId xmlns:p14="http://schemas.microsoft.com/office/powerpoint/2010/main" val="3667117591"/>
+        <p14:creationId xmlns:p14="http://schemas.microsoft.com/office/powerpoint/2010/main" val="1339908912"/>
       </p:ext>
     </p:extLst>
   </p:cSld>
@@ -3989,12 +3984,47 @@
           <a:chExt cx="0" cy="0"/>
         </a:xfrm>
       </p:grpSpPr>
+      <p:sp>
+        <p:nvSpPr>
+          <p:cNvPr id="2" name="Titel 1">
+            <a:extLst>
+              <a:ext uri="{FF2B5EF4-FFF2-40B4-BE49-F238E27FC236}">
+                <a16:creationId xmlns:a16="http://schemas.microsoft.com/office/drawing/2014/main" id="{87786F60-ED47-4077-A6CF-D8E2EF2E492F}"/>
+              </a:ext>
+            </a:extLst>
+          </p:cNvPr>
+          <p:cNvSpPr>
+            <a:spLocks noGrp="1"/>
+          </p:cNvSpPr>
+          <p:nvPr>
+            <p:ph type="title"/>
+          </p:nvPr>
+        </p:nvSpPr>
+        <p:spPr/>
+        <p:txBody>
+          <a:bodyPr>
+            <a:normAutofit/>
+          </a:bodyPr>
+          <a:lstStyle/>
+          <a:p>
+            <a:r>
+              <a:rPr lang="de-DE" sz="4000" dirty="0" err="1">
+                <a:latin typeface="Consolas" panose="020B0609020204030204" pitchFamily="49" charset="0"/>
+              </a:rPr>
+              <a:t>edu.kit.loop.model.simulator</a:t>
+            </a:r>
+            <a:endParaRPr lang="de-DE" sz="4000" dirty="0">
+              <a:latin typeface="Consolas" panose="020B0609020204030204" pitchFamily="49" charset="0"/>
+            </a:endParaRPr>
+          </a:p>
+        </p:txBody>
+      </p:sp>
       <p:pic>
         <p:nvPicPr>
-          <p:cNvPr id="5" name="Grafik 4">
-            <a:extLst>
-              <a:ext uri="{FF2B5EF4-FFF2-40B4-BE49-F238E27FC236}">
-                <a16:creationId xmlns:a16="http://schemas.microsoft.com/office/drawing/2014/main" id="{151A6097-921A-41D2-918C-E355B6E3B5BD}"/>
+          <p:cNvPr id="4" name="Grafik 3">
+            <a:extLst>
+              <a:ext uri="{FF2B5EF4-FFF2-40B4-BE49-F238E27FC236}">
+                <a16:creationId xmlns:a16="http://schemas.microsoft.com/office/drawing/2014/main" id="{6244862A-A860-4CB7-92B4-4F242743BAE9}"/>
               </a:ext>
             </a:extLst>
           </p:cNvPr>
@@ -4017,8 +4047,8 @@
         </p:blipFill>
         <p:spPr>
           <a:xfrm>
-            <a:off x="2183884" y="306000"/>
-            <a:ext cx="7824232" cy="6552000"/>
+            <a:off x="159798" y="1365808"/>
+            <a:ext cx="11872404" cy="4126384"/>
           </a:xfrm>
           <a:prstGeom prst="rect">
             <a:avLst/>
@@ -4028,7 +4058,7 @@
     </p:spTree>
     <p:extLst>
       <p:ext uri="{BB962C8B-B14F-4D97-AF65-F5344CB8AC3E}">
-        <p14:creationId xmlns:p14="http://schemas.microsoft.com/office/powerpoint/2010/main" val="1438961370"/>
+        <p14:creationId xmlns:p14="http://schemas.microsoft.com/office/powerpoint/2010/main" val="742345050"/>
       </p:ext>
     </p:extLst>
   </p:cSld>
@@ -4055,47 +4085,12 @@
           <a:chExt cx="0" cy="0"/>
         </a:xfrm>
       </p:grpSpPr>
-      <p:sp>
-        <p:nvSpPr>
-          <p:cNvPr id="2" name="Titel 1">
-            <a:extLst>
-              <a:ext uri="{FF2B5EF4-FFF2-40B4-BE49-F238E27FC236}">
-                <a16:creationId xmlns:a16="http://schemas.microsoft.com/office/drawing/2014/main" id="{87786F60-ED47-4077-A6CF-D8E2EF2E492F}"/>
-              </a:ext>
-            </a:extLst>
-          </p:cNvPr>
-          <p:cNvSpPr>
-            <a:spLocks noGrp="1"/>
-          </p:cNvSpPr>
-          <p:nvPr>
-            <p:ph type="title"/>
-          </p:nvPr>
-        </p:nvSpPr>
-        <p:spPr/>
-        <p:txBody>
-          <a:bodyPr>
-            <a:normAutofit/>
-          </a:bodyPr>
-          <a:lstStyle/>
-          <a:p>
-            <a:r>
-              <a:rPr lang="de-DE" sz="4000" dirty="0" err="1">
-                <a:latin typeface="Consolas" panose="020B0609020204030204" pitchFamily="49" charset="0"/>
-              </a:rPr>
-              <a:t>edu.kit.loop.model.simulator</a:t>
-            </a:r>
-            <a:endParaRPr lang="de-DE" sz="4000" dirty="0">
-              <a:latin typeface="Consolas" panose="020B0609020204030204" pitchFamily="49" charset="0"/>
-            </a:endParaRPr>
-          </a:p>
-        </p:txBody>
-      </p:sp>
       <p:pic>
         <p:nvPicPr>
-          <p:cNvPr id="4" name="Grafik 3">
-            <a:extLst>
-              <a:ext uri="{FF2B5EF4-FFF2-40B4-BE49-F238E27FC236}">
-                <a16:creationId xmlns:a16="http://schemas.microsoft.com/office/drawing/2014/main" id="{6244862A-A860-4CB7-92B4-4F242743BAE9}"/>
+          <p:cNvPr id="6" name="Grafik 5">
+            <a:extLst>
+              <a:ext uri="{FF2B5EF4-FFF2-40B4-BE49-F238E27FC236}">
+                <a16:creationId xmlns:a16="http://schemas.microsoft.com/office/drawing/2014/main" id="{90766673-93D3-4299-B0ED-A87E4DF7D47E}"/>
               </a:ext>
             </a:extLst>
           </p:cNvPr>
@@ -4118,8 +4113,8 @@
         </p:blipFill>
         <p:spPr>
           <a:xfrm>
-            <a:off x="159798" y="1365808"/>
-            <a:ext cx="11872404" cy="4126384"/>
+            <a:off x="730582" y="306000"/>
+            <a:ext cx="10730835" cy="6552000"/>
           </a:xfrm>
           <a:prstGeom prst="rect">
             <a:avLst/>
@@ -4129,7 +4124,7 @@
     </p:spTree>
     <p:extLst>
       <p:ext uri="{BB962C8B-B14F-4D97-AF65-F5344CB8AC3E}">
-        <p14:creationId xmlns:p14="http://schemas.microsoft.com/office/powerpoint/2010/main" val="742345050"/>
+        <p14:creationId xmlns:p14="http://schemas.microsoft.com/office/powerpoint/2010/main" val="1921487758"/>
       </p:ext>
     </p:extLst>
   </p:cSld>
@@ -4158,10 +4153,10 @@
       </p:grpSpPr>
       <p:pic>
         <p:nvPicPr>
-          <p:cNvPr id="6" name="Grafik 5">
-            <a:extLst>
-              <a:ext uri="{FF2B5EF4-FFF2-40B4-BE49-F238E27FC236}">
-                <a16:creationId xmlns:a16="http://schemas.microsoft.com/office/drawing/2014/main" id="{90766673-93D3-4299-B0ED-A87E4DF7D47E}"/>
+          <p:cNvPr id="3" name="Grafik 2">
+            <a:extLst>
+              <a:ext uri="{FF2B5EF4-FFF2-40B4-BE49-F238E27FC236}">
+                <a16:creationId xmlns:a16="http://schemas.microsoft.com/office/drawing/2014/main" id="{502AE3CC-A56F-4D4E-BF68-CBE428D25D58}"/>
               </a:ext>
             </a:extLst>
           </p:cNvPr>
@@ -4195,7 +4190,7 @@
     </p:spTree>
     <p:extLst>
       <p:ext uri="{BB962C8B-B14F-4D97-AF65-F5344CB8AC3E}">
-        <p14:creationId xmlns:p14="http://schemas.microsoft.com/office/powerpoint/2010/main" val="1921487758"/>
+        <p14:creationId xmlns:p14="http://schemas.microsoft.com/office/powerpoint/2010/main" val="1433811481"/>
       </p:ext>
     </p:extLst>
   </p:cSld>
@@ -4322,7 +4317,7 @@
           <p:cNvPr id="3" name="Grafik 2">
             <a:extLst>
               <a:ext uri="{FF2B5EF4-FFF2-40B4-BE49-F238E27FC236}">
-                <a16:creationId xmlns:a16="http://schemas.microsoft.com/office/drawing/2014/main" id="{502AE3CC-A56F-4D4E-BF68-CBE428D25D58}"/>
+                <a16:creationId xmlns:a16="http://schemas.microsoft.com/office/drawing/2014/main" id="{01F19408-53B3-4497-AEBF-1CDA8E55236C}"/>
               </a:ext>
             </a:extLst>
           </p:cNvPr>
@@ -4356,7 +4351,7 @@
     </p:spTree>
     <p:extLst>
       <p:ext uri="{BB962C8B-B14F-4D97-AF65-F5344CB8AC3E}">
-        <p14:creationId xmlns:p14="http://schemas.microsoft.com/office/powerpoint/2010/main" val="1433811481"/>
+        <p14:creationId xmlns:p14="http://schemas.microsoft.com/office/powerpoint/2010/main" val="713319763"/>
       </p:ext>
     </p:extLst>
   </p:cSld>
@@ -4388,7 +4383,7 @@
           <p:cNvPr id="3" name="Grafik 2">
             <a:extLst>
               <a:ext uri="{FF2B5EF4-FFF2-40B4-BE49-F238E27FC236}">
-                <a16:creationId xmlns:a16="http://schemas.microsoft.com/office/drawing/2014/main" id="{01F19408-53B3-4497-AEBF-1CDA8E55236C}"/>
+                <a16:creationId xmlns:a16="http://schemas.microsoft.com/office/drawing/2014/main" id="{667305B3-1515-4AC9-9DBA-0694D298AB59}"/>
               </a:ext>
             </a:extLst>
           </p:cNvPr>
@@ -4422,7 +4417,7 @@
     </p:spTree>
     <p:extLst>
       <p:ext uri="{BB962C8B-B14F-4D97-AF65-F5344CB8AC3E}">
-        <p14:creationId xmlns:p14="http://schemas.microsoft.com/office/powerpoint/2010/main" val="713319763"/>
+        <p14:creationId xmlns:p14="http://schemas.microsoft.com/office/powerpoint/2010/main" val="416377263"/>
       </p:ext>
     </p:extLst>
   </p:cSld>
@@ -4454,7 +4449,7 @@
           <p:cNvPr id="3" name="Grafik 2">
             <a:extLst>
               <a:ext uri="{FF2B5EF4-FFF2-40B4-BE49-F238E27FC236}">
-                <a16:creationId xmlns:a16="http://schemas.microsoft.com/office/drawing/2014/main" id="{667305B3-1515-4AC9-9DBA-0694D298AB59}"/>
+                <a16:creationId xmlns:a16="http://schemas.microsoft.com/office/drawing/2014/main" id="{EC78A930-6D3B-4635-B2AD-1B6CEE5AA539}"/>
               </a:ext>
             </a:extLst>
           </p:cNvPr>
@@ -4488,7 +4483,7 @@
     </p:spTree>
     <p:extLst>
       <p:ext uri="{BB962C8B-B14F-4D97-AF65-F5344CB8AC3E}">
-        <p14:creationId xmlns:p14="http://schemas.microsoft.com/office/powerpoint/2010/main" val="416377263"/>
+        <p14:creationId xmlns:p14="http://schemas.microsoft.com/office/powerpoint/2010/main" val="2075617833"/>
       </p:ext>
     </p:extLst>
   </p:cSld>
@@ -4520,7 +4515,7 @@
           <p:cNvPr id="3" name="Grafik 2">
             <a:extLst>
               <a:ext uri="{FF2B5EF4-FFF2-40B4-BE49-F238E27FC236}">
-                <a16:creationId xmlns:a16="http://schemas.microsoft.com/office/drawing/2014/main" id="{68BD947D-F9A0-4C26-A88C-C95C561F7241}"/>
+                <a16:creationId xmlns:a16="http://schemas.microsoft.com/office/drawing/2014/main" id="{CE183081-8D9D-473B-B044-EA7BD7D521E1}"/>
               </a:ext>
             </a:extLst>
           </p:cNvPr>
@@ -4554,7 +4549,7 @@
     </p:spTree>
     <p:extLst>
       <p:ext uri="{BB962C8B-B14F-4D97-AF65-F5344CB8AC3E}">
-        <p14:creationId xmlns:p14="http://schemas.microsoft.com/office/powerpoint/2010/main" val="3682125448"/>
+        <p14:creationId xmlns:p14="http://schemas.microsoft.com/office/powerpoint/2010/main" val="916425364"/>
       </p:ext>
     </p:extLst>
   </p:cSld>
@@ -4586,7 +4581,7 @@
           <p:cNvPr id="3" name="Grafik 2">
             <a:extLst>
               <a:ext uri="{FF2B5EF4-FFF2-40B4-BE49-F238E27FC236}">
-                <a16:creationId xmlns:a16="http://schemas.microsoft.com/office/drawing/2014/main" id="{EC78A930-6D3B-4635-B2AD-1B6CEE5AA539}"/>
+                <a16:creationId xmlns:a16="http://schemas.microsoft.com/office/drawing/2014/main" id="{3C1339F4-AE7A-4206-A0F8-17C8125258DF}"/>
               </a:ext>
             </a:extLst>
           </p:cNvPr>
@@ -4620,7 +4615,7 @@
     </p:spTree>
     <p:extLst>
       <p:ext uri="{BB962C8B-B14F-4D97-AF65-F5344CB8AC3E}">
-        <p14:creationId xmlns:p14="http://schemas.microsoft.com/office/powerpoint/2010/main" val="2075617833"/>
+        <p14:creationId xmlns:p14="http://schemas.microsoft.com/office/powerpoint/2010/main" val="22193534"/>
       </p:ext>
     </p:extLst>
   </p:cSld>
@@ -4652,7 +4647,7 @@
           <p:cNvPr id="3" name="Grafik 2">
             <a:extLst>
               <a:ext uri="{FF2B5EF4-FFF2-40B4-BE49-F238E27FC236}">
-                <a16:creationId xmlns:a16="http://schemas.microsoft.com/office/drawing/2014/main" id="{CE183081-8D9D-473B-B044-EA7BD7D521E1}"/>
+                <a16:creationId xmlns:a16="http://schemas.microsoft.com/office/drawing/2014/main" id="{C04A14DA-F6D0-4EDE-99D1-58C21FC8B0C4}"/>
               </a:ext>
             </a:extLst>
           </p:cNvPr>
@@ -4686,7 +4681,7 @@
     </p:spTree>
     <p:extLst>
       <p:ext uri="{BB962C8B-B14F-4D97-AF65-F5344CB8AC3E}">
-        <p14:creationId xmlns:p14="http://schemas.microsoft.com/office/powerpoint/2010/main" val="916425364"/>
+        <p14:creationId xmlns:p14="http://schemas.microsoft.com/office/powerpoint/2010/main" val="1879504982"/>
       </p:ext>
     </p:extLst>
   </p:cSld>
@@ -4718,7 +4713,7 @@
           <p:cNvPr id="3" name="Grafik 2">
             <a:extLst>
               <a:ext uri="{FF2B5EF4-FFF2-40B4-BE49-F238E27FC236}">
-                <a16:creationId xmlns:a16="http://schemas.microsoft.com/office/drawing/2014/main" id="{3C1339F4-AE7A-4206-A0F8-17C8125258DF}"/>
+                <a16:creationId xmlns:a16="http://schemas.microsoft.com/office/drawing/2014/main" id="{A10346B5-E2D3-4562-AD59-E89EE4900F2A}"/>
               </a:ext>
             </a:extLst>
           </p:cNvPr>
@@ -4752,7 +4747,7 @@
     </p:spTree>
     <p:extLst>
       <p:ext uri="{BB962C8B-B14F-4D97-AF65-F5344CB8AC3E}">
-        <p14:creationId xmlns:p14="http://schemas.microsoft.com/office/powerpoint/2010/main" val="22193534"/>
+        <p14:creationId xmlns:p14="http://schemas.microsoft.com/office/powerpoint/2010/main" val="2426122576"/>
       </p:ext>
     </p:extLst>
   </p:cSld>
@@ -4784,7 +4779,7 @@
           <p:cNvPr id="3" name="Grafik 2">
             <a:extLst>
               <a:ext uri="{FF2B5EF4-FFF2-40B4-BE49-F238E27FC236}">
-                <a16:creationId xmlns:a16="http://schemas.microsoft.com/office/drawing/2014/main" id="{C04A14DA-F6D0-4EDE-99D1-58C21FC8B0C4}"/>
+                <a16:creationId xmlns:a16="http://schemas.microsoft.com/office/drawing/2014/main" id="{E535035E-F151-4EFE-8D21-B0FBC04B74D3}"/>
               </a:ext>
             </a:extLst>
           </p:cNvPr>
@@ -4818,7 +4813,7 @@
     </p:spTree>
     <p:extLst>
       <p:ext uri="{BB962C8B-B14F-4D97-AF65-F5344CB8AC3E}">
-        <p14:creationId xmlns:p14="http://schemas.microsoft.com/office/powerpoint/2010/main" val="1879504982"/>
+        <p14:creationId xmlns:p14="http://schemas.microsoft.com/office/powerpoint/2010/main" val="3292931433"/>
       </p:ext>
     </p:extLst>
   </p:cSld>
@@ -4847,10 +4842,10 @@
       </p:grpSpPr>
       <p:pic>
         <p:nvPicPr>
-          <p:cNvPr id="3" name="Grafik 2">
-            <a:extLst>
-              <a:ext uri="{FF2B5EF4-FFF2-40B4-BE49-F238E27FC236}">
-                <a16:creationId xmlns:a16="http://schemas.microsoft.com/office/drawing/2014/main" id="{A10346B5-E2D3-4562-AD59-E89EE4900F2A}"/>
+          <p:cNvPr id="4" name="Grafik 3">
+            <a:extLst>
+              <a:ext uri="{FF2B5EF4-FFF2-40B4-BE49-F238E27FC236}">
+                <a16:creationId xmlns:a16="http://schemas.microsoft.com/office/drawing/2014/main" id="{4B335499-A68F-4B4B-9719-FB1DF3129E59}"/>
               </a:ext>
             </a:extLst>
           </p:cNvPr>
@@ -4884,7 +4879,7 @@
     </p:spTree>
     <p:extLst>
       <p:ext uri="{BB962C8B-B14F-4D97-AF65-F5344CB8AC3E}">
-        <p14:creationId xmlns:p14="http://schemas.microsoft.com/office/powerpoint/2010/main" val="2426122576"/>
+        <p14:creationId xmlns:p14="http://schemas.microsoft.com/office/powerpoint/2010/main" val="3329553523"/>
       </p:ext>
     </p:extLst>
   </p:cSld>
@@ -4913,10 +4908,10 @@
       </p:grpSpPr>
       <p:pic>
         <p:nvPicPr>
-          <p:cNvPr id="3" name="Grafik 2">
-            <a:extLst>
-              <a:ext uri="{FF2B5EF4-FFF2-40B4-BE49-F238E27FC236}">
-                <a16:creationId xmlns:a16="http://schemas.microsoft.com/office/drawing/2014/main" id="{E535035E-F151-4EFE-8D21-B0FBC04B74D3}"/>
+          <p:cNvPr id="4" name="Grafik 3">
+            <a:extLst>
+              <a:ext uri="{FF2B5EF4-FFF2-40B4-BE49-F238E27FC236}">
+                <a16:creationId xmlns:a16="http://schemas.microsoft.com/office/drawing/2014/main" id="{4F140CE2-226C-4E5E-9746-BDCB640BFE2F}"/>
               </a:ext>
             </a:extLst>
           </p:cNvPr>
@@ -4950,7 +4945,7 @@
     </p:spTree>
     <p:extLst>
       <p:ext uri="{BB962C8B-B14F-4D97-AF65-F5344CB8AC3E}">
-        <p14:creationId xmlns:p14="http://schemas.microsoft.com/office/powerpoint/2010/main" val="3292931433"/>
+        <p14:creationId xmlns:p14="http://schemas.microsoft.com/office/powerpoint/2010/main" val="40063947"/>
       </p:ext>
     </p:extLst>
   </p:cSld>
@@ -5088,7 +5083,7 @@
           <p:cNvPr id="3" name="Grafik 2">
             <a:extLst>
               <a:ext uri="{FF2B5EF4-FFF2-40B4-BE49-F238E27FC236}">
-                <a16:creationId xmlns:a16="http://schemas.microsoft.com/office/drawing/2014/main" id="{BD7748F8-CFF9-487A-B7C5-6F57DBC8AD38}"/>
+                <a16:creationId xmlns:a16="http://schemas.microsoft.com/office/drawing/2014/main" id="{F1B69A1D-5013-480D-A5A9-CD05215DEFE3}"/>
               </a:ext>
             </a:extLst>
           </p:cNvPr>
@@ -5111,8 +5106,8 @@
         </p:blipFill>
         <p:spPr>
           <a:xfrm>
-            <a:off x="730582" y="306000"/>
-            <a:ext cx="10730835" cy="6552000"/>
+            <a:off x="1261258" y="306000"/>
+            <a:ext cx="9669484" cy="6552000"/>
           </a:xfrm>
           <a:prstGeom prst="rect">
             <a:avLst/>
@@ -5122,7 +5117,7 @@
     </p:spTree>
     <p:extLst>
       <p:ext uri="{BB962C8B-B14F-4D97-AF65-F5344CB8AC3E}">
-        <p14:creationId xmlns:p14="http://schemas.microsoft.com/office/powerpoint/2010/main" val="3329553523"/>
+        <p14:creationId xmlns:p14="http://schemas.microsoft.com/office/powerpoint/2010/main" val="2530528545"/>
       </p:ext>
     </p:extLst>
   </p:cSld>
@@ -5154,7 +5149,7 @@
           <p:cNvPr id="3" name="Grafik 2">
             <a:extLst>
               <a:ext uri="{FF2B5EF4-FFF2-40B4-BE49-F238E27FC236}">
-                <a16:creationId xmlns:a16="http://schemas.microsoft.com/office/drawing/2014/main" id="{F0946E6F-879B-4536-B585-91E0323F7931}"/>
+                <a16:creationId xmlns:a16="http://schemas.microsoft.com/office/drawing/2014/main" id="{74C14528-529D-4056-B1D2-467027CA2F5F}"/>
               </a:ext>
             </a:extLst>
           </p:cNvPr>
@@ -5177,8 +5172,8 @@
         </p:blipFill>
         <p:spPr>
           <a:xfrm>
-            <a:off x="730582" y="306000"/>
-            <a:ext cx="10730835" cy="6552000"/>
+            <a:off x="1261258" y="306000"/>
+            <a:ext cx="9669484" cy="6552000"/>
           </a:xfrm>
           <a:prstGeom prst="rect">
             <a:avLst/>
@@ -5188,7 +5183,7 @@
     </p:spTree>
     <p:extLst>
       <p:ext uri="{BB962C8B-B14F-4D97-AF65-F5344CB8AC3E}">
-        <p14:creationId xmlns:p14="http://schemas.microsoft.com/office/powerpoint/2010/main" val="40063947"/>
+        <p14:creationId xmlns:p14="http://schemas.microsoft.com/office/powerpoint/2010/main" val="139360424"/>
       </p:ext>
     </p:extLst>
   </p:cSld>
@@ -5220,7 +5215,7 @@
           <p:cNvPr id="3" name="Grafik 2">
             <a:extLst>
               <a:ext uri="{FF2B5EF4-FFF2-40B4-BE49-F238E27FC236}">
-                <a16:creationId xmlns:a16="http://schemas.microsoft.com/office/drawing/2014/main" id="{F1B69A1D-5013-480D-A5A9-CD05215DEFE3}"/>
+                <a16:creationId xmlns:a16="http://schemas.microsoft.com/office/drawing/2014/main" id="{24D52251-93B7-4C00-89EE-C0F7D0E673E5}"/>
               </a:ext>
             </a:extLst>
           </p:cNvPr>
@@ -5254,7 +5249,7 @@
     </p:spTree>
     <p:extLst>
       <p:ext uri="{BB962C8B-B14F-4D97-AF65-F5344CB8AC3E}">
-        <p14:creationId xmlns:p14="http://schemas.microsoft.com/office/powerpoint/2010/main" val="2530528545"/>
+        <p14:creationId xmlns:p14="http://schemas.microsoft.com/office/powerpoint/2010/main" val="1339252522"/>
       </p:ext>
     </p:extLst>
   </p:cSld>
@@ -5286,7 +5281,7 @@
           <p:cNvPr id="3" name="Grafik 2">
             <a:extLst>
               <a:ext uri="{FF2B5EF4-FFF2-40B4-BE49-F238E27FC236}">
-                <a16:creationId xmlns:a16="http://schemas.microsoft.com/office/drawing/2014/main" id="{74C14528-529D-4056-B1D2-467027CA2F5F}"/>
+                <a16:creationId xmlns:a16="http://schemas.microsoft.com/office/drawing/2014/main" id="{CBB7FF95-0178-492D-A94D-D651307C5399}"/>
               </a:ext>
             </a:extLst>
           </p:cNvPr>
@@ -5320,7 +5315,7 @@
     </p:spTree>
     <p:extLst>
       <p:ext uri="{BB962C8B-B14F-4D97-AF65-F5344CB8AC3E}">
-        <p14:creationId xmlns:p14="http://schemas.microsoft.com/office/powerpoint/2010/main" val="139360424"/>
+        <p14:creationId xmlns:p14="http://schemas.microsoft.com/office/powerpoint/2010/main" val="2212243807"/>
       </p:ext>
     </p:extLst>
   </p:cSld>
@@ -5352,7 +5347,7 @@
           <p:cNvPr id="3" name="Grafik 2">
             <a:extLst>
               <a:ext uri="{FF2B5EF4-FFF2-40B4-BE49-F238E27FC236}">
-                <a16:creationId xmlns:a16="http://schemas.microsoft.com/office/drawing/2014/main" id="{24D52251-93B7-4C00-89EE-C0F7D0E673E5}"/>
+                <a16:creationId xmlns:a16="http://schemas.microsoft.com/office/drawing/2014/main" id="{BFECDDF8-8257-41A0-9F73-9341228ACF8C}"/>
               </a:ext>
             </a:extLst>
           </p:cNvPr>
@@ -5386,7 +5381,7 @@
     </p:spTree>
     <p:extLst>
       <p:ext uri="{BB962C8B-B14F-4D97-AF65-F5344CB8AC3E}">
-        <p14:creationId xmlns:p14="http://schemas.microsoft.com/office/powerpoint/2010/main" val="1339252522"/>
+        <p14:creationId xmlns:p14="http://schemas.microsoft.com/office/powerpoint/2010/main" val="1332327910"/>
       </p:ext>
     </p:extLst>
   </p:cSld>
@@ -5418,7 +5413,7 @@
           <p:cNvPr id="3" name="Grafik 2">
             <a:extLst>
               <a:ext uri="{FF2B5EF4-FFF2-40B4-BE49-F238E27FC236}">
-                <a16:creationId xmlns:a16="http://schemas.microsoft.com/office/drawing/2014/main" id="{CBB7FF95-0178-492D-A94D-D651307C5399}"/>
+                <a16:creationId xmlns:a16="http://schemas.microsoft.com/office/drawing/2014/main" id="{A21A8053-4DBB-4566-86D3-DF2046414998}"/>
               </a:ext>
             </a:extLst>
           </p:cNvPr>
@@ -5452,7 +5447,7 @@
     </p:spTree>
     <p:extLst>
       <p:ext uri="{BB962C8B-B14F-4D97-AF65-F5344CB8AC3E}">
-        <p14:creationId xmlns:p14="http://schemas.microsoft.com/office/powerpoint/2010/main" val="2212243807"/>
+        <p14:creationId xmlns:p14="http://schemas.microsoft.com/office/powerpoint/2010/main" val="198664142"/>
       </p:ext>
     </p:extLst>
   </p:cSld>
@@ -5484,7 +5479,7 @@
           <p:cNvPr id="3" name="Grafik 2">
             <a:extLst>
               <a:ext uri="{FF2B5EF4-FFF2-40B4-BE49-F238E27FC236}">
-                <a16:creationId xmlns:a16="http://schemas.microsoft.com/office/drawing/2014/main" id="{BFECDDF8-8257-41A0-9F73-9341228ACF8C}"/>
+                <a16:creationId xmlns:a16="http://schemas.microsoft.com/office/drawing/2014/main" id="{6795F879-C733-4561-B352-C93AFD0C6129}"/>
               </a:ext>
             </a:extLst>
           </p:cNvPr>
@@ -5507,8 +5502,8 @@
         </p:blipFill>
         <p:spPr>
           <a:xfrm>
-            <a:off x="1261258" y="306000"/>
-            <a:ext cx="9669484" cy="6552000"/>
+            <a:off x="776554" y="306000"/>
+            <a:ext cx="10638891" cy="6552000"/>
           </a:xfrm>
           <a:prstGeom prst="rect">
             <a:avLst/>
@@ -5518,7 +5513,7 @@
     </p:spTree>
     <p:extLst>
       <p:ext uri="{BB962C8B-B14F-4D97-AF65-F5344CB8AC3E}">
-        <p14:creationId xmlns:p14="http://schemas.microsoft.com/office/powerpoint/2010/main" val="1332327910"/>
+        <p14:creationId xmlns:p14="http://schemas.microsoft.com/office/powerpoint/2010/main" val="4117847281"/>
       </p:ext>
     </p:extLst>
   </p:cSld>
@@ -5550,7 +5545,7 @@
           <p:cNvPr id="3" name="Grafik 2">
             <a:extLst>
               <a:ext uri="{FF2B5EF4-FFF2-40B4-BE49-F238E27FC236}">
-                <a16:creationId xmlns:a16="http://schemas.microsoft.com/office/drawing/2014/main" id="{A21A8053-4DBB-4566-86D3-DF2046414998}"/>
+                <a16:creationId xmlns:a16="http://schemas.microsoft.com/office/drawing/2014/main" id="{E7EFE7F9-36D5-4AB7-A768-EABC62F899C9}"/>
               </a:ext>
             </a:extLst>
           </p:cNvPr>
@@ -5573,8 +5568,8 @@
         </p:blipFill>
         <p:spPr>
           <a:xfrm>
-            <a:off x="1261258" y="306000"/>
-            <a:ext cx="9669484" cy="6552000"/>
+            <a:off x="776554" y="306000"/>
+            <a:ext cx="10638891" cy="6552000"/>
           </a:xfrm>
           <a:prstGeom prst="rect">
             <a:avLst/>
@@ -5584,7 +5579,7 @@
     </p:spTree>
     <p:extLst>
       <p:ext uri="{BB962C8B-B14F-4D97-AF65-F5344CB8AC3E}">
-        <p14:creationId xmlns:p14="http://schemas.microsoft.com/office/powerpoint/2010/main" val="198664142"/>
+        <p14:creationId xmlns:p14="http://schemas.microsoft.com/office/powerpoint/2010/main" val="4088778174"/>
       </p:ext>
     </p:extLst>
   </p:cSld>
@@ -5616,7 +5611,7 @@
           <p:cNvPr id="3" name="Grafik 2">
             <a:extLst>
               <a:ext uri="{FF2B5EF4-FFF2-40B4-BE49-F238E27FC236}">
-                <a16:creationId xmlns:a16="http://schemas.microsoft.com/office/drawing/2014/main" id="{6795F879-C733-4561-B352-C93AFD0C6129}"/>
+                <a16:creationId xmlns:a16="http://schemas.microsoft.com/office/drawing/2014/main" id="{123C77B7-F9FF-433C-B387-741F1CD15113}"/>
               </a:ext>
             </a:extLst>
           </p:cNvPr>
@@ -5650,7 +5645,7 @@
     </p:spTree>
     <p:extLst>
       <p:ext uri="{BB962C8B-B14F-4D97-AF65-F5344CB8AC3E}">
-        <p14:creationId xmlns:p14="http://schemas.microsoft.com/office/powerpoint/2010/main" val="4117847281"/>
+        <p14:creationId xmlns:p14="http://schemas.microsoft.com/office/powerpoint/2010/main" val="2948140022"/>
       </p:ext>
     </p:extLst>
   </p:cSld>
@@ -5682,7 +5677,7 @@
           <p:cNvPr id="3" name="Grafik 2">
             <a:extLst>
               <a:ext uri="{FF2B5EF4-FFF2-40B4-BE49-F238E27FC236}">
-                <a16:creationId xmlns:a16="http://schemas.microsoft.com/office/drawing/2014/main" id="{E7EFE7F9-36D5-4AB7-A768-EABC62F899C9}"/>
+                <a16:creationId xmlns:a16="http://schemas.microsoft.com/office/drawing/2014/main" id="{92883817-6741-4A51-8BAC-08763D981C3E}"/>
               </a:ext>
             </a:extLst>
           </p:cNvPr>
@@ -5716,7 +5711,7 @@
     </p:spTree>
     <p:extLst>
       <p:ext uri="{BB962C8B-B14F-4D97-AF65-F5344CB8AC3E}">
-        <p14:creationId xmlns:p14="http://schemas.microsoft.com/office/powerpoint/2010/main" val="4088778174"/>
+        <p14:creationId xmlns:p14="http://schemas.microsoft.com/office/powerpoint/2010/main" val="1739396249"/>
       </p:ext>
     </p:extLst>
   </p:cSld>
@@ -5745,10 +5740,10 @@
       </p:grpSpPr>
       <p:pic>
         <p:nvPicPr>
-          <p:cNvPr id="35" name="Grafik 34">
-            <a:extLst>
-              <a:ext uri="{FF2B5EF4-FFF2-40B4-BE49-F238E27FC236}">
-                <a16:creationId xmlns:a16="http://schemas.microsoft.com/office/drawing/2014/main" id="{09A97914-55CC-4809-B1E5-108E33BD5371}"/>
+          <p:cNvPr id="8" name="Grafik 7">
+            <a:extLst>
+              <a:ext uri="{FF2B5EF4-FFF2-40B4-BE49-F238E27FC236}">
+                <a16:creationId xmlns:a16="http://schemas.microsoft.com/office/drawing/2014/main" id="{78ABB330-FF23-43B4-9484-2525861F7C32}"/>
               </a:ext>
             </a:extLst>
           </p:cNvPr>
@@ -5771,8 +5766,8 @@
         </p:blipFill>
         <p:spPr>
           <a:xfrm>
-            <a:off x="2183883" y="306000"/>
-            <a:ext cx="7824233" cy="6552000"/>
+            <a:off x="2088466" y="306000"/>
+            <a:ext cx="8015068" cy="6552000"/>
           </a:xfrm>
           <a:prstGeom prst="rect">
             <a:avLst/>
@@ -5782,7 +5777,7 @@
     </p:spTree>
     <p:extLst>
       <p:ext uri="{BB962C8B-B14F-4D97-AF65-F5344CB8AC3E}">
-        <p14:creationId xmlns:p14="http://schemas.microsoft.com/office/powerpoint/2010/main" val="2541419344"/>
+        <p14:creationId xmlns:p14="http://schemas.microsoft.com/office/powerpoint/2010/main" val="2158313476"/>
       </p:ext>
     </p:extLst>
   </p:cSld>
@@ -5814,7 +5809,7 @@
           <p:cNvPr id="3" name="Grafik 2">
             <a:extLst>
               <a:ext uri="{FF2B5EF4-FFF2-40B4-BE49-F238E27FC236}">
-                <a16:creationId xmlns:a16="http://schemas.microsoft.com/office/drawing/2014/main" id="{123C77B7-F9FF-433C-B387-741F1CD15113}"/>
+                <a16:creationId xmlns:a16="http://schemas.microsoft.com/office/drawing/2014/main" id="{964D8A2C-101D-4ED6-956D-AC548A7A66AA}"/>
               </a:ext>
             </a:extLst>
           </p:cNvPr>
@@ -5848,7 +5843,7 @@
     </p:spTree>
     <p:extLst>
       <p:ext uri="{BB962C8B-B14F-4D97-AF65-F5344CB8AC3E}">
-        <p14:creationId xmlns:p14="http://schemas.microsoft.com/office/powerpoint/2010/main" val="2948140022"/>
+        <p14:creationId xmlns:p14="http://schemas.microsoft.com/office/powerpoint/2010/main" val="3814987899"/>
       </p:ext>
     </p:extLst>
   </p:cSld>
@@ -5880,7 +5875,7 @@
           <p:cNvPr id="3" name="Grafik 2">
             <a:extLst>
               <a:ext uri="{FF2B5EF4-FFF2-40B4-BE49-F238E27FC236}">
-                <a16:creationId xmlns:a16="http://schemas.microsoft.com/office/drawing/2014/main" id="{92883817-6741-4A51-8BAC-08763D981C3E}"/>
+                <a16:creationId xmlns:a16="http://schemas.microsoft.com/office/drawing/2014/main" id="{F2CCD83D-519E-4E4D-8398-5DB74C1C05AA}"/>
               </a:ext>
             </a:extLst>
           </p:cNvPr>
@@ -5914,7 +5909,7 @@
     </p:spTree>
     <p:extLst>
       <p:ext uri="{BB962C8B-B14F-4D97-AF65-F5344CB8AC3E}">
-        <p14:creationId xmlns:p14="http://schemas.microsoft.com/office/powerpoint/2010/main" val="1739396249"/>
+        <p14:creationId xmlns:p14="http://schemas.microsoft.com/office/powerpoint/2010/main" val="2751774563"/>
       </p:ext>
     </p:extLst>
   </p:cSld>
@@ -5946,7 +5941,7 @@
           <p:cNvPr id="3" name="Grafik 2">
             <a:extLst>
               <a:ext uri="{FF2B5EF4-FFF2-40B4-BE49-F238E27FC236}">
-                <a16:creationId xmlns:a16="http://schemas.microsoft.com/office/drawing/2014/main" id="{964D8A2C-101D-4ED6-956D-AC548A7A66AA}"/>
+                <a16:creationId xmlns:a16="http://schemas.microsoft.com/office/drawing/2014/main" id="{71A1B9AE-7E7E-4FA7-9450-F107CABB6CE1}"/>
               </a:ext>
             </a:extLst>
           </p:cNvPr>
@@ -5980,7 +5975,7 @@
     </p:spTree>
     <p:extLst>
       <p:ext uri="{BB962C8B-B14F-4D97-AF65-F5344CB8AC3E}">
-        <p14:creationId xmlns:p14="http://schemas.microsoft.com/office/powerpoint/2010/main" val="3814987899"/>
+        <p14:creationId xmlns:p14="http://schemas.microsoft.com/office/powerpoint/2010/main" val="1914335789"/>
       </p:ext>
     </p:extLst>
   </p:cSld>
@@ -6012,7 +6007,7 @@
           <p:cNvPr id="3" name="Grafik 2">
             <a:extLst>
               <a:ext uri="{FF2B5EF4-FFF2-40B4-BE49-F238E27FC236}">
-                <a16:creationId xmlns:a16="http://schemas.microsoft.com/office/drawing/2014/main" id="{F2CCD83D-519E-4E4D-8398-5DB74C1C05AA}"/>
+                <a16:creationId xmlns:a16="http://schemas.microsoft.com/office/drawing/2014/main" id="{CFD454D7-1C68-44D5-8B19-166F1350713E}"/>
               </a:ext>
             </a:extLst>
           </p:cNvPr>
@@ -6046,7 +6041,7 @@
     </p:spTree>
     <p:extLst>
       <p:ext uri="{BB962C8B-B14F-4D97-AF65-F5344CB8AC3E}">
-        <p14:creationId xmlns:p14="http://schemas.microsoft.com/office/powerpoint/2010/main" val="2751774563"/>
+        <p14:creationId xmlns:p14="http://schemas.microsoft.com/office/powerpoint/2010/main" val="3490191693"/>
       </p:ext>
     </p:extLst>
   </p:cSld>
@@ -6078,7 +6073,7 @@
           <p:cNvPr id="3" name="Grafik 2">
             <a:extLst>
               <a:ext uri="{FF2B5EF4-FFF2-40B4-BE49-F238E27FC236}">
-                <a16:creationId xmlns:a16="http://schemas.microsoft.com/office/drawing/2014/main" id="{71A1B9AE-7E7E-4FA7-9450-F107CABB6CE1}"/>
+                <a16:creationId xmlns:a16="http://schemas.microsoft.com/office/drawing/2014/main" id="{0481D642-5943-47D2-9550-BFF39C8633AD}"/>
               </a:ext>
             </a:extLst>
           </p:cNvPr>
@@ -6112,7 +6107,7 @@
     </p:spTree>
     <p:extLst>
       <p:ext uri="{BB962C8B-B14F-4D97-AF65-F5344CB8AC3E}">
-        <p14:creationId xmlns:p14="http://schemas.microsoft.com/office/powerpoint/2010/main" val="1914335789"/>
+        <p14:creationId xmlns:p14="http://schemas.microsoft.com/office/powerpoint/2010/main" val="375507343"/>
       </p:ext>
     </p:extLst>
   </p:cSld>
@@ -6144,7 +6139,7 @@
           <p:cNvPr id="3" name="Grafik 2">
             <a:extLst>
               <a:ext uri="{FF2B5EF4-FFF2-40B4-BE49-F238E27FC236}">
-                <a16:creationId xmlns:a16="http://schemas.microsoft.com/office/drawing/2014/main" id="{CFD454D7-1C68-44D5-8B19-166F1350713E}"/>
+                <a16:creationId xmlns:a16="http://schemas.microsoft.com/office/drawing/2014/main" id="{FA7A5A9C-C139-4FFF-8172-8E45321D2B4A}"/>
               </a:ext>
             </a:extLst>
           </p:cNvPr>
@@ -6178,7 +6173,7 @@
     </p:spTree>
     <p:extLst>
       <p:ext uri="{BB962C8B-B14F-4D97-AF65-F5344CB8AC3E}">
-        <p14:creationId xmlns:p14="http://schemas.microsoft.com/office/powerpoint/2010/main" val="3490191693"/>
+        <p14:creationId xmlns:p14="http://schemas.microsoft.com/office/powerpoint/2010/main" val="2999412725"/>
       </p:ext>
     </p:extLst>
   </p:cSld>
@@ -6210,7 +6205,7 @@
           <p:cNvPr id="3" name="Grafik 2">
             <a:extLst>
               <a:ext uri="{FF2B5EF4-FFF2-40B4-BE49-F238E27FC236}">
-                <a16:creationId xmlns:a16="http://schemas.microsoft.com/office/drawing/2014/main" id="{0481D642-5943-47D2-9550-BFF39C8633AD}"/>
+                <a16:creationId xmlns:a16="http://schemas.microsoft.com/office/drawing/2014/main" id="{A21A8053-4DBB-4566-86D3-DF2046414998}"/>
               </a:ext>
             </a:extLst>
           </p:cNvPr>
@@ -6233,8 +6228,8 @@
         </p:blipFill>
         <p:spPr>
           <a:xfrm>
-            <a:off x="776554" y="306000"/>
-            <a:ext cx="10638891" cy="6552000"/>
+            <a:off x="1261258" y="306000"/>
+            <a:ext cx="9669484" cy="6552000"/>
           </a:xfrm>
           <a:prstGeom prst="rect">
             <a:avLst/>
@@ -6244,7 +6239,7 @@
     </p:spTree>
     <p:extLst>
       <p:ext uri="{BB962C8B-B14F-4D97-AF65-F5344CB8AC3E}">
-        <p14:creationId xmlns:p14="http://schemas.microsoft.com/office/powerpoint/2010/main" val="375507343"/>
+        <p14:creationId xmlns:p14="http://schemas.microsoft.com/office/powerpoint/2010/main" val="1727194043"/>
       </p:ext>
     </p:extLst>
   </p:cSld>
@@ -6276,7 +6271,7 @@
           <p:cNvPr id="3" name="Grafik 2">
             <a:extLst>
               <a:ext uri="{FF2B5EF4-FFF2-40B4-BE49-F238E27FC236}">
-                <a16:creationId xmlns:a16="http://schemas.microsoft.com/office/drawing/2014/main" id="{98BB2294-6993-433A-9778-352EC2CE4EBB}"/>
+                <a16:creationId xmlns:a16="http://schemas.microsoft.com/office/drawing/2014/main" id="{BEB64302-1DE8-4BFB-9078-9BF4874F2108}"/>
               </a:ext>
             </a:extLst>
           </p:cNvPr>
@@ -6299,8 +6294,8 @@
         </p:blipFill>
         <p:spPr>
           <a:xfrm>
-            <a:off x="776554" y="306000"/>
-            <a:ext cx="10638891" cy="6552000"/>
+            <a:off x="1261258" y="306000"/>
+            <a:ext cx="9669484" cy="6552000"/>
           </a:xfrm>
           <a:prstGeom prst="rect">
             <a:avLst/>
@@ -6310,7 +6305,7 @@
     </p:spTree>
     <p:extLst>
       <p:ext uri="{BB962C8B-B14F-4D97-AF65-F5344CB8AC3E}">
-        <p14:creationId xmlns:p14="http://schemas.microsoft.com/office/powerpoint/2010/main" val="3171947911"/>
+        <p14:creationId xmlns:p14="http://schemas.microsoft.com/office/powerpoint/2010/main" val="1012225801"/>
       </p:ext>
     </p:extLst>
   </p:cSld>
@@ -6342,7 +6337,7 @@
           <p:cNvPr id="3" name="Grafik 2">
             <a:extLst>
               <a:ext uri="{FF2B5EF4-FFF2-40B4-BE49-F238E27FC236}">
-                <a16:creationId xmlns:a16="http://schemas.microsoft.com/office/drawing/2014/main" id="{FA7A5A9C-C139-4FFF-8172-8E45321D2B4A}"/>
+                <a16:creationId xmlns:a16="http://schemas.microsoft.com/office/drawing/2014/main" id="{2B46128D-E3F6-4632-8313-82D9D0DF03A5}"/>
               </a:ext>
             </a:extLst>
           </p:cNvPr>
@@ -6365,8 +6360,8 @@
         </p:blipFill>
         <p:spPr>
           <a:xfrm>
-            <a:off x="776554" y="306000"/>
-            <a:ext cx="10638891" cy="6552000"/>
+            <a:off x="1261258" y="306000"/>
+            <a:ext cx="9669484" cy="6552000"/>
           </a:xfrm>
           <a:prstGeom prst="rect">
             <a:avLst/>
@@ -6376,7 +6371,7 @@
     </p:spTree>
     <p:extLst>
       <p:ext uri="{BB962C8B-B14F-4D97-AF65-F5344CB8AC3E}">
-        <p14:creationId xmlns:p14="http://schemas.microsoft.com/office/powerpoint/2010/main" val="2999412725"/>
+        <p14:creationId xmlns:p14="http://schemas.microsoft.com/office/powerpoint/2010/main" val="2225156658"/>
       </p:ext>
     </p:extLst>
   </p:cSld>
@@ -6408,7 +6403,7 @@
           <p:cNvPr id="3" name="Grafik 2">
             <a:extLst>
               <a:ext uri="{FF2B5EF4-FFF2-40B4-BE49-F238E27FC236}">
-                <a16:creationId xmlns:a16="http://schemas.microsoft.com/office/drawing/2014/main" id="{A21A8053-4DBB-4566-86D3-DF2046414998}"/>
+                <a16:creationId xmlns:a16="http://schemas.microsoft.com/office/drawing/2014/main" id="{3075C148-F4EE-49F2-892E-EA2F9494575F}"/>
               </a:ext>
             </a:extLst>
           </p:cNvPr>
@@ -6442,7 +6437,7 @@
     </p:spTree>
     <p:extLst>
       <p:ext uri="{BB962C8B-B14F-4D97-AF65-F5344CB8AC3E}">
-        <p14:creationId xmlns:p14="http://schemas.microsoft.com/office/powerpoint/2010/main" val="1727194043"/>
+        <p14:creationId xmlns:p14="http://schemas.microsoft.com/office/powerpoint/2010/main" val="2531843303"/>
       </p:ext>
     </p:extLst>
   </p:cSld>
@@ -6471,10 +6466,10 @@
       </p:grpSpPr>
       <p:pic>
         <p:nvPicPr>
-          <p:cNvPr id="5" name="Grafik 4">
-            <a:extLst>
-              <a:ext uri="{FF2B5EF4-FFF2-40B4-BE49-F238E27FC236}">
-                <a16:creationId xmlns:a16="http://schemas.microsoft.com/office/drawing/2014/main" id="{27F00BAC-0B59-483C-B32C-095F0DE18B45}"/>
+          <p:cNvPr id="3" name="Grafik 2">
+            <a:extLst>
+              <a:ext uri="{FF2B5EF4-FFF2-40B4-BE49-F238E27FC236}">
+                <a16:creationId xmlns:a16="http://schemas.microsoft.com/office/drawing/2014/main" id="{2B02331F-CA81-433E-AED5-F4F994468F6F}"/>
               </a:ext>
             </a:extLst>
           </p:cNvPr>
@@ -6497,8 +6492,8 @@
         </p:blipFill>
         <p:spPr>
           <a:xfrm>
-            <a:off x="2183883" y="306000"/>
-            <a:ext cx="7824233" cy="6552000"/>
+            <a:off x="2088466" y="306000"/>
+            <a:ext cx="8015068" cy="6552000"/>
           </a:xfrm>
           <a:prstGeom prst="rect">
             <a:avLst/>
@@ -6508,7 +6503,7 @@
     </p:spTree>
     <p:extLst>
       <p:ext uri="{BB962C8B-B14F-4D97-AF65-F5344CB8AC3E}">
-        <p14:creationId xmlns:p14="http://schemas.microsoft.com/office/powerpoint/2010/main" val="3440145442"/>
+        <p14:creationId xmlns:p14="http://schemas.microsoft.com/office/powerpoint/2010/main" val="1525473323"/>
       </p:ext>
     </p:extLst>
   </p:cSld>
@@ -6540,7 +6535,7 @@
           <p:cNvPr id="3" name="Grafik 2">
             <a:extLst>
               <a:ext uri="{FF2B5EF4-FFF2-40B4-BE49-F238E27FC236}">
-                <a16:creationId xmlns:a16="http://schemas.microsoft.com/office/drawing/2014/main" id="{BEB64302-1DE8-4BFB-9078-9BF4874F2108}"/>
+                <a16:creationId xmlns:a16="http://schemas.microsoft.com/office/drawing/2014/main" id="{2D75C20E-64CD-40CC-8F0A-594979C22659}"/>
               </a:ext>
             </a:extLst>
           </p:cNvPr>
@@ -6574,7 +6569,7 @@
     </p:spTree>
     <p:extLst>
       <p:ext uri="{BB962C8B-B14F-4D97-AF65-F5344CB8AC3E}">
-        <p14:creationId xmlns:p14="http://schemas.microsoft.com/office/powerpoint/2010/main" val="1012225801"/>
+        <p14:creationId xmlns:p14="http://schemas.microsoft.com/office/powerpoint/2010/main" val="86036917"/>
       </p:ext>
     </p:extLst>
   </p:cSld>
@@ -6606,7 +6601,7 @@
           <p:cNvPr id="3" name="Grafik 2">
             <a:extLst>
               <a:ext uri="{FF2B5EF4-FFF2-40B4-BE49-F238E27FC236}">
-                <a16:creationId xmlns:a16="http://schemas.microsoft.com/office/drawing/2014/main" id="{2B46128D-E3F6-4632-8313-82D9D0DF03A5}"/>
+                <a16:creationId xmlns:a16="http://schemas.microsoft.com/office/drawing/2014/main" id="{C3EA840B-6A6D-4CFD-BA1C-FBAD29FC109D}"/>
               </a:ext>
             </a:extLst>
           </p:cNvPr>
@@ -6640,7 +6635,7 @@
     </p:spTree>
     <p:extLst>
       <p:ext uri="{BB962C8B-B14F-4D97-AF65-F5344CB8AC3E}">
-        <p14:creationId xmlns:p14="http://schemas.microsoft.com/office/powerpoint/2010/main" val="2225156658"/>
+        <p14:creationId xmlns:p14="http://schemas.microsoft.com/office/powerpoint/2010/main" val="3032359441"/>
       </p:ext>
     </p:extLst>
   </p:cSld>
@@ -6672,7 +6667,7 @@
           <p:cNvPr id="3" name="Grafik 2">
             <a:extLst>
               <a:ext uri="{FF2B5EF4-FFF2-40B4-BE49-F238E27FC236}">
-                <a16:creationId xmlns:a16="http://schemas.microsoft.com/office/drawing/2014/main" id="{3075C148-F4EE-49F2-892E-EA2F9494575F}"/>
+                <a16:creationId xmlns:a16="http://schemas.microsoft.com/office/drawing/2014/main" id="{668F813D-FEE7-4BB4-975C-CB9D49480EA1}"/>
               </a:ext>
             </a:extLst>
           </p:cNvPr>
@@ -6706,7 +6701,7 @@
     </p:spTree>
     <p:extLst>
       <p:ext uri="{BB962C8B-B14F-4D97-AF65-F5344CB8AC3E}">
-        <p14:creationId xmlns:p14="http://schemas.microsoft.com/office/powerpoint/2010/main" val="2531843303"/>
+        <p14:creationId xmlns:p14="http://schemas.microsoft.com/office/powerpoint/2010/main" val="1348040017"/>
       </p:ext>
     </p:extLst>
   </p:cSld>
@@ -6735,10 +6730,10 @@
       </p:grpSpPr>
       <p:pic>
         <p:nvPicPr>
-          <p:cNvPr id="3" name="Grafik 2">
-            <a:extLst>
-              <a:ext uri="{FF2B5EF4-FFF2-40B4-BE49-F238E27FC236}">
-                <a16:creationId xmlns:a16="http://schemas.microsoft.com/office/drawing/2014/main" id="{2D75C20E-64CD-40CC-8F0A-594979C22659}"/>
+          <p:cNvPr id="4" name="Grafik 3">
+            <a:extLst>
+              <a:ext uri="{FF2B5EF4-FFF2-40B4-BE49-F238E27FC236}">
+                <a16:creationId xmlns:a16="http://schemas.microsoft.com/office/drawing/2014/main" id="{4004FC69-9378-4C33-A249-CC4871539DB9}"/>
               </a:ext>
             </a:extLst>
           </p:cNvPr>
@@ -6761,8 +6756,8 @@
         </p:blipFill>
         <p:spPr>
           <a:xfrm>
-            <a:off x="1261258" y="306000"/>
-            <a:ext cx="9669484" cy="6552000"/>
+            <a:off x="730582" y="306000"/>
+            <a:ext cx="10730835" cy="6552000"/>
           </a:xfrm>
           <a:prstGeom prst="rect">
             <a:avLst/>
@@ -6772,7 +6767,7 @@
     </p:spTree>
     <p:extLst>
       <p:ext uri="{BB962C8B-B14F-4D97-AF65-F5344CB8AC3E}">
-        <p14:creationId xmlns:p14="http://schemas.microsoft.com/office/powerpoint/2010/main" val="86036917"/>
+        <p14:creationId xmlns:p14="http://schemas.microsoft.com/office/powerpoint/2010/main" val="4210936950"/>
       </p:ext>
     </p:extLst>
   </p:cSld>
@@ -6801,10 +6796,10 @@
       </p:grpSpPr>
       <p:pic>
         <p:nvPicPr>
-          <p:cNvPr id="3" name="Grafik 2">
-            <a:extLst>
-              <a:ext uri="{FF2B5EF4-FFF2-40B4-BE49-F238E27FC236}">
-                <a16:creationId xmlns:a16="http://schemas.microsoft.com/office/drawing/2014/main" id="{C3EA840B-6A6D-4CFD-BA1C-FBAD29FC109D}"/>
+          <p:cNvPr id="4" name="Grafik 3">
+            <a:extLst>
+              <a:ext uri="{FF2B5EF4-FFF2-40B4-BE49-F238E27FC236}">
+                <a16:creationId xmlns:a16="http://schemas.microsoft.com/office/drawing/2014/main" id="{428C93EB-A49A-4966-8891-DEF2146CF3B7}"/>
               </a:ext>
             </a:extLst>
           </p:cNvPr>
@@ -6827,8 +6822,8 @@
         </p:blipFill>
         <p:spPr>
           <a:xfrm>
-            <a:off x="1261258" y="306000"/>
-            <a:ext cx="9669484" cy="6552000"/>
+            <a:off x="730582" y="306000"/>
+            <a:ext cx="10730835" cy="6552000"/>
           </a:xfrm>
           <a:prstGeom prst="rect">
             <a:avLst/>
@@ -6838,7 +6833,7 @@
     </p:spTree>
     <p:extLst>
       <p:ext uri="{BB962C8B-B14F-4D97-AF65-F5344CB8AC3E}">
-        <p14:creationId xmlns:p14="http://schemas.microsoft.com/office/powerpoint/2010/main" val="3032359441"/>
+        <p14:creationId xmlns:p14="http://schemas.microsoft.com/office/powerpoint/2010/main" val="1322798610"/>
       </p:ext>
     </p:extLst>
   </p:cSld>
@@ -6867,10 +6862,10 @@
       </p:grpSpPr>
       <p:pic>
         <p:nvPicPr>
-          <p:cNvPr id="3" name="Grafik 2">
-            <a:extLst>
-              <a:ext uri="{FF2B5EF4-FFF2-40B4-BE49-F238E27FC236}">
-                <a16:creationId xmlns:a16="http://schemas.microsoft.com/office/drawing/2014/main" id="{B5A1CBBC-2888-4892-8CC0-501023D6576C}"/>
+          <p:cNvPr id="4" name="Grafik 3">
+            <a:extLst>
+              <a:ext uri="{FF2B5EF4-FFF2-40B4-BE49-F238E27FC236}">
+                <a16:creationId xmlns:a16="http://schemas.microsoft.com/office/drawing/2014/main" id="{78C2DC3D-CD33-4FE1-9E0C-020457661937}"/>
               </a:ext>
             </a:extLst>
           </p:cNvPr>
@@ -6893,8 +6888,8 @@
         </p:blipFill>
         <p:spPr>
           <a:xfrm>
-            <a:off x="1261258" y="306000"/>
-            <a:ext cx="9669484" cy="6552000"/>
+            <a:off x="730582" y="306000"/>
+            <a:ext cx="10730835" cy="6552000"/>
           </a:xfrm>
           <a:prstGeom prst="rect">
             <a:avLst/>
@@ -6904,7 +6899,7 @@
     </p:spTree>
     <p:extLst>
       <p:ext uri="{BB962C8B-B14F-4D97-AF65-F5344CB8AC3E}">
-        <p14:creationId xmlns:p14="http://schemas.microsoft.com/office/powerpoint/2010/main" val="823307118"/>
+        <p14:creationId xmlns:p14="http://schemas.microsoft.com/office/powerpoint/2010/main" val="2166615856"/>
       </p:ext>
     </p:extLst>
   </p:cSld>
@@ -6933,10 +6928,10 @@
       </p:grpSpPr>
       <p:pic>
         <p:nvPicPr>
-          <p:cNvPr id="3" name="Grafik 2">
-            <a:extLst>
-              <a:ext uri="{FF2B5EF4-FFF2-40B4-BE49-F238E27FC236}">
-                <a16:creationId xmlns:a16="http://schemas.microsoft.com/office/drawing/2014/main" id="{668F813D-FEE7-4BB4-975C-CB9D49480EA1}"/>
+          <p:cNvPr id="4" name="Grafik 3">
+            <a:extLst>
+              <a:ext uri="{FF2B5EF4-FFF2-40B4-BE49-F238E27FC236}">
+                <a16:creationId xmlns:a16="http://schemas.microsoft.com/office/drawing/2014/main" id="{821B5C61-53D9-4430-BEDA-F43E94D1FD11}"/>
               </a:ext>
             </a:extLst>
           </p:cNvPr>
@@ -6959,8 +6954,8 @@
         </p:blipFill>
         <p:spPr>
           <a:xfrm>
-            <a:off x="1261258" y="306000"/>
-            <a:ext cx="9669484" cy="6552000"/>
+            <a:off x="730582" y="306000"/>
+            <a:ext cx="10730835" cy="6552000"/>
           </a:xfrm>
           <a:prstGeom prst="rect">
             <a:avLst/>
@@ -6970,7 +6965,7 @@
     </p:spTree>
     <p:extLst>
       <p:ext uri="{BB962C8B-B14F-4D97-AF65-F5344CB8AC3E}">
-        <p14:creationId xmlns:p14="http://schemas.microsoft.com/office/powerpoint/2010/main" val="1348040017"/>
+        <p14:creationId xmlns:p14="http://schemas.microsoft.com/office/powerpoint/2010/main" val="2403895251"/>
       </p:ext>
     </p:extLst>
   </p:cSld>
@@ -6997,12 +6992,52 @@
           <a:chExt cx="0" cy="0"/>
         </a:xfrm>
       </p:grpSpPr>
+      <p:sp>
+        <p:nvSpPr>
+          <p:cNvPr id="2" name="Titel 1">
+            <a:extLst>
+              <a:ext uri="{FF2B5EF4-FFF2-40B4-BE49-F238E27FC236}">
+                <a16:creationId xmlns:a16="http://schemas.microsoft.com/office/drawing/2014/main" id="{DF218E8B-3735-443A-B97C-E2F93D818331}"/>
+              </a:ext>
+            </a:extLst>
+          </p:cNvPr>
+          <p:cNvSpPr>
+            <a:spLocks noGrp="1"/>
+          </p:cNvSpPr>
+          <p:nvPr>
+            <p:ph type="title"/>
+          </p:nvPr>
+        </p:nvSpPr>
+        <p:spPr>
+          <a:xfrm>
+            <a:off x="838200" y="1140"/>
+            <a:ext cx="10515600" cy="1325563"/>
+          </a:xfrm>
+        </p:spPr>
+        <p:txBody>
+          <a:bodyPr>
+            <a:normAutofit/>
+          </a:bodyPr>
+          <a:lstStyle/>
+          <a:p>
+            <a:r>
+              <a:rPr lang="de-DE" sz="4000" dirty="0" err="1">
+                <a:latin typeface="Consolas" panose="020B0609020204030204" pitchFamily="49" charset="0"/>
+              </a:rPr>
+              <a:t>edu.kit.loop.model.simulationengine</a:t>
+            </a:r>
+            <a:endParaRPr lang="de-DE" sz="4000" dirty="0">
+              <a:latin typeface="Consolas" panose="020B0609020204030204" pitchFamily="49" charset="0"/>
+            </a:endParaRPr>
+          </a:p>
+        </p:txBody>
+      </p:sp>
       <p:pic>
         <p:nvPicPr>
-          <p:cNvPr id="3" name="Grafik 2">
-            <a:extLst>
-              <a:ext uri="{FF2B5EF4-FFF2-40B4-BE49-F238E27FC236}">
-                <a16:creationId xmlns:a16="http://schemas.microsoft.com/office/drawing/2014/main" id="{F0946E6F-879B-4536-B585-91E0323F7931}"/>
+          <p:cNvPr id="4" name="Grafik 3">
+            <a:extLst>
+              <a:ext uri="{FF2B5EF4-FFF2-40B4-BE49-F238E27FC236}">
+                <a16:creationId xmlns:a16="http://schemas.microsoft.com/office/drawing/2014/main" id="{08387CBC-C73A-426E-98AE-2E2A83203B88}"/>
               </a:ext>
             </a:extLst>
           </p:cNvPr>
@@ -7025,8 +7060,8 @@
         </p:blipFill>
         <p:spPr>
           <a:xfrm>
-            <a:off x="730582" y="306000"/>
-            <a:ext cx="10730835" cy="6552000"/>
+            <a:off x="165716" y="1326703"/>
+            <a:ext cx="11860567" cy="5176711"/>
           </a:xfrm>
           <a:prstGeom prst="rect">
             <a:avLst/>
@@ -7036,7 +7071,7 @@
     </p:spTree>
     <p:extLst>
       <p:ext uri="{BB962C8B-B14F-4D97-AF65-F5344CB8AC3E}">
-        <p14:creationId xmlns:p14="http://schemas.microsoft.com/office/powerpoint/2010/main" val="4210936950"/>
+        <p14:creationId xmlns:p14="http://schemas.microsoft.com/office/powerpoint/2010/main" val="1914574648"/>
       </p:ext>
     </p:extLst>
   </p:cSld>
@@ -7065,442 +7100,6 @@
       </p:grpSpPr>
       <p:pic>
         <p:nvPicPr>
-          <p:cNvPr id="3" name="Grafik 2">
-            <a:extLst>
-              <a:ext uri="{FF2B5EF4-FFF2-40B4-BE49-F238E27FC236}">
-                <a16:creationId xmlns:a16="http://schemas.microsoft.com/office/drawing/2014/main" id="{7AC40901-69B4-4FD8-AF2E-D17CA41AD79E}"/>
-              </a:ext>
-            </a:extLst>
-          </p:cNvPr>
-          <p:cNvPicPr>
-            <a:picLocks noChangeAspect="1"/>
-          </p:cNvPicPr>
-          <p:nvPr/>
-        </p:nvPicPr>
-        <p:blipFill>
-          <a:blip r:embed="rId2">
-            <a:extLst>
-              <a:ext uri="{28A0092B-C50C-407E-A947-70E740481C1C}">
-                <a14:useLocalDpi xmlns:a14="http://schemas.microsoft.com/office/drawing/2010/main" val="0"/>
-              </a:ext>
-            </a:extLst>
-          </a:blip>
-          <a:stretch>
-            <a:fillRect/>
-          </a:stretch>
-        </p:blipFill>
-        <p:spPr>
-          <a:xfrm>
-            <a:off x="730582" y="306000"/>
-            <a:ext cx="10730835" cy="6552000"/>
-          </a:xfrm>
-          <a:prstGeom prst="rect">
-            <a:avLst/>
-          </a:prstGeom>
-        </p:spPr>
-      </p:pic>
-    </p:spTree>
-    <p:extLst>
-      <p:ext uri="{BB962C8B-B14F-4D97-AF65-F5344CB8AC3E}">
-        <p14:creationId xmlns:p14="http://schemas.microsoft.com/office/powerpoint/2010/main" val="1322798610"/>
-      </p:ext>
-    </p:extLst>
-  </p:cSld>
-  <p:clrMapOvr>
-    <a:masterClrMapping/>
-  </p:clrMapOvr>
-</p:sld>
-</file>
-
-<file path=ppt/slides/slide59.xml><?xml version="1.0" encoding="utf-8"?>
-<p:sld xmlns:a="http://schemas.openxmlformats.org/drawingml/2006/main" xmlns:r="http://schemas.openxmlformats.org/officeDocument/2006/relationships" xmlns:p="http://schemas.openxmlformats.org/presentationml/2006/main">
-  <p:cSld>
-    <p:spTree>
-      <p:nvGrpSpPr>
-        <p:cNvPr id="1" name=""/>
-        <p:cNvGrpSpPr/>
-        <p:nvPr/>
-      </p:nvGrpSpPr>
-      <p:grpSpPr>
-        <a:xfrm>
-          <a:off x="0" y="0"/>
-          <a:ext cx="0" cy="0"/>
-          <a:chOff x="0" y="0"/>
-          <a:chExt cx="0" cy="0"/>
-        </a:xfrm>
-      </p:grpSpPr>
-      <p:pic>
-        <p:nvPicPr>
-          <p:cNvPr id="3" name="Grafik 2">
-            <a:extLst>
-              <a:ext uri="{FF2B5EF4-FFF2-40B4-BE49-F238E27FC236}">
-                <a16:creationId xmlns:a16="http://schemas.microsoft.com/office/drawing/2014/main" id="{3C86EEA8-3C66-4C60-854F-192DC5A391EF}"/>
-              </a:ext>
-            </a:extLst>
-          </p:cNvPr>
-          <p:cNvPicPr>
-            <a:picLocks noChangeAspect="1"/>
-          </p:cNvPicPr>
-          <p:nvPr/>
-        </p:nvPicPr>
-        <p:blipFill>
-          <a:blip r:embed="rId2">
-            <a:extLst>
-              <a:ext uri="{28A0092B-C50C-407E-A947-70E740481C1C}">
-                <a14:useLocalDpi xmlns:a14="http://schemas.microsoft.com/office/drawing/2010/main" val="0"/>
-              </a:ext>
-            </a:extLst>
-          </a:blip>
-          <a:stretch>
-            <a:fillRect/>
-          </a:stretch>
-        </p:blipFill>
-        <p:spPr>
-          <a:xfrm>
-            <a:off x="730582" y="306000"/>
-            <a:ext cx="10730835" cy="6552000"/>
-          </a:xfrm>
-          <a:prstGeom prst="rect">
-            <a:avLst/>
-          </a:prstGeom>
-        </p:spPr>
-      </p:pic>
-    </p:spTree>
-    <p:extLst>
-      <p:ext uri="{BB962C8B-B14F-4D97-AF65-F5344CB8AC3E}">
-        <p14:creationId xmlns:p14="http://schemas.microsoft.com/office/powerpoint/2010/main" val="2166615856"/>
-      </p:ext>
-    </p:extLst>
-  </p:cSld>
-  <p:clrMapOvr>
-    <a:masterClrMapping/>
-  </p:clrMapOvr>
-</p:sld>
-</file>
-
-<file path=ppt/slides/slide6.xml><?xml version="1.0" encoding="utf-8"?>
-<p:sld xmlns:a="http://schemas.openxmlformats.org/drawingml/2006/main" xmlns:r="http://schemas.openxmlformats.org/officeDocument/2006/relationships" xmlns:p="http://schemas.openxmlformats.org/presentationml/2006/main">
-  <p:cSld>
-    <p:spTree>
-      <p:nvGrpSpPr>
-        <p:cNvPr id="1" name=""/>
-        <p:cNvGrpSpPr/>
-        <p:nvPr/>
-      </p:nvGrpSpPr>
-      <p:grpSpPr>
-        <a:xfrm>
-          <a:off x="0" y="0"/>
-          <a:ext cx="0" cy="0"/>
-          <a:chOff x="0" y="0"/>
-          <a:chExt cx="0" cy="0"/>
-        </a:xfrm>
-      </p:grpSpPr>
-      <p:pic>
-        <p:nvPicPr>
-          <p:cNvPr id="5" name="Grafik 4">
-            <a:extLst>
-              <a:ext uri="{FF2B5EF4-FFF2-40B4-BE49-F238E27FC236}">
-                <a16:creationId xmlns:a16="http://schemas.microsoft.com/office/drawing/2014/main" id="{225945B7-A3F5-4508-9969-313A7A24A68B}"/>
-              </a:ext>
-            </a:extLst>
-          </p:cNvPr>
-          <p:cNvPicPr>
-            <a:picLocks noChangeAspect="1"/>
-          </p:cNvPicPr>
-          <p:nvPr/>
-        </p:nvPicPr>
-        <p:blipFill>
-          <a:blip r:embed="rId2">
-            <a:extLst>
-              <a:ext uri="{28A0092B-C50C-407E-A947-70E740481C1C}">
-                <a14:useLocalDpi xmlns:a14="http://schemas.microsoft.com/office/drawing/2010/main" val="0"/>
-              </a:ext>
-            </a:extLst>
-          </a:blip>
-          <a:stretch>
-            <a:fillRect/>
-          </a:stretch>
-        </p:blipFill>
-        <p:spPr>
-          <a:xfrm>
-            <a:off x="2183883" y="306000"/>
-            <a:ext cx="7824233" cy="6552000"/>
-          </a:xfrm>
-          <a:prstGeom prst="rect">
-            <a:avLst/>
-          </a:prstGeom>
-        </p:spPr>
-      </p:pic>
-    </p:spTree>
-    <p:extLst>
-      <p:ext uri="{BB962C8B-B14F-4D97-AF65-F5344CB8AC3E}">
-        <p14:creationId xmlns:p14="http://schemas.microsoft.com/office/powerpoint/2010/main" val="2425096587"/>
-      </p:ext>
-    </p:extLst>
-  </p:cSld>
-  <p:clrMapOvr>
-    <a:masterClrMapping/>
-  </p:clrMapOvr>
-</p:sld>
-</file>
-
-<file path=ppt/slides/slide60.xml><?xml version="1.0" encoding="utf-8"?>
-<p:sld xmlns:a="http://schemas.openxmlformats.org/drawingml/2006/main" xmlns:r="http://schemas.openxmlformats.org/officeDocument/2006/relationships" xmlns:p="http://schemas.openxmlformats.org/presentationml/2006/main">
-  <p:cSld>
-    <p:spTree>
-      <p:nvGrpSpPr>
-        <p:cNvPr id="1" name=""/>
-        <p:cNvGrpSpPr/>
-        <p:nvPr/>
-      </p:nvGrpSpPr>
-      <p:grpSpPr>
-        <a:xfrm>
-          <a:off x="0" y="0"/>
-          <a:ext cx="0" cy="0"/>
-          <a:chOff x="0" y="0"/>
-          <a:chExt cx="0" cy="0"/>
-        </a:xfrm>
-      </p:grpSpPr>
-      <p:pic>
-        <p:nvPicPr>
-          <p:cNvPr id="3" name="Grafik 2">
-            <a:extLst>
-              <a:ext uri="{FF2B5EF4-FFF2-40B4-BE49-F238E27FC236}">
-                <a16:creationId xmlns:a16="http://schemas.microsoft.com/office/drawing/2014/main" id="{6A3344C9-7B65-4A5D-9FC4-FD1455BD3380}"/>
-              </a:ext>
-            </a:extLst>
-          </p:cNvPr>
-          <p:cNvPicPr>
-            <a:picLocks noChangeAspect="1"/>
-          </p:cNvPicPr>
-          <p:nvPr/>
-        </p:nvPicPr>
-        <p:blipFill>
-          <a:blip r:embed="rId2">
-            <a:extLst>
-              <a:ext uri="{28A0092B-C50C-407E-A947-70E740481C1C}">
-                <a14:useLocalDpi xmlns:a14="http://schemas.microsoft.com/office/drawing/2010/main" val="0"/>
-              </a:ext>
-            </a:extLst>
-          </a:blip>
-          <a:stretch>
-            <a:fillRect/>
-          </a:stretch>
-        </p:blipFill>
-        <p:spPr>
-          <a:xfrm>
-            <a:off x="730582" y="306000"/>
-            <a:ext cx="10730835" cy="6552000"/>
-          </a:xfrm>
-          <a:prstGeom prst="rect">
-            <a:avLst/>
-          </a:prstGeom>
-        </p:spPr>
-      </p:pic>
-    </p:spTree>
-    <p:extLst>
-      <p:ext uri="{BB962C8B-B14F-4D97-AF65-F5344CB8AC3E}">
-        <p14:creationId xmlns:p14="http://schemas.microsoft.com/office/powerpoint/2010/main" val="2403895251"/>
-      </p:ext>
-    </p:extLst>
-  </p:cSld>
-  <p:clrMapOvr>
-    <a:masterClrMapping/>
-  </p:clrMapOvr>
-</p:sld>
-</file>
-
-<file path=ppt/slides/slide61.xml><?xml version="1.0" encoding="utf-8"?>
-<p:sld xmlns:a="http://schemas.openxmlformats.org/drawingml/2006/main" xmlns:r="http://schemas.openxmlformats.org/officeDocument/2006/relationships" xmlns:p="http://schemas.openxmlformats.org/presentationml/2006/main">
-  <p:cSld>
-    <p:spTree>
-      <p:nvGrpSpPr>
-        <p:cNvPr id="1" name=""/>
-        <p:cNvGrpSpPr/>
-        <p:nvPr/>
-      </p:nvGrpSpPr>
-      <p:grpSpPr>
-        <a:xfrm>
-          <a:off x="0" y="0"/>
-          <a:ext cx="0" cy="0"/>
-          <a:chOff x="0" y="0"/>
-          <a:chExt cx="0" cy="0"/>
-        </a:xfrm>
-      </p:grpSpPr>
-      <p:pic>
-        <p:nvPicPr>
-          <p:cNvPr id="3" name="Grafik 2">
-            <a:extLst>
-              <a:ext uri="{FF2B5EF4-FFF2-40B4-BE49-F238E27FC236}">
-                <a16:creationId xmlns:a16="http://schemas.microsoft.com/office/drawing/2014/main" id="{C640C9CC-1FA7-459E-93C2-B96BCB4197CB}"/>
-              </a:ext>
-            </a:extLst>
-          </p:cNvPr>
-          <p:cNvPicPr>
-            <a:picLocks noChangeAspect="1"/>
-          </p:cNvPicPr>
-          <p:nvPr/>
-        </p:nvPicPr>
-        <p:blipFill>
-          <a:blip r:embed="rId2">
-            <a:extLst>
-              <a:ext uri="{28A0092B-C50C-407E-A947-70E740481C1C}">
-                <a14:useLocalDpi xmlns:a14="http://schemas.microsoft.com/office/drawing/2010/main" val="0"/>
-              </a:ext>
-            </a:extLst>
-          </a:blip>
-          <a:stretch>
-            <a:fillRect/>
-          </a:stretch>
-        </p:blipFill>
-        <p:spPr>
-          <a:xfrm>
-            <a:off x="730582" y="306000"/>
-            <a:ext cx="10730835" cy="6552000"/>
-          </a:xfrm>
-          <a:prstGeom prst="rect">
-            <a:avLst/>
-          </a:prstGeom>
-        </p:spPr>
-      </p:pic>
-    </p:spTree>
-    <p:extLst>
-      <p:ext uri="{BB962C8B-B14F-4D97-AF65-F5344CB8AC3E}">
-        <p14:creationId xmlns:p14="http://schemas.microsoft.com/office/powerpoint/2010/main" val="3952854179"/>
-      </p:ext>
-    </p:extLst>
-  </p:cSld>
-  <p:clrMapOvr>
-    <a:masterClrMapping/>
-  </p:clrMapOvr>
-</p:sld>
-</file>
-
-<file path=ppt/slides/slide62.xml><?xml version="1.0" encoding="utf-8"?>
-<p:sld xmlns:a="http://schemas.openxmlformats.org/drawingml/2006/main" xmlns:r="http://schemas.openxmlformats.org/officeDocument/2006/relationships" xmlns:p="http://schemas.openxmlformats.org/presentationml/2006/main">
-  <p:cSld>
-    <p:spTree>
-      <p:nvGrpSpPr>
-        <p:cNvPr id="1" name=""/>
-        <p:cNvGrpSpPr/>
-        <p:nvPr/>
-      </p:nvGrpSpPr>
-      <p:grpSpPr>
-        <a:xfrm>
-          <a:off x="0" y="0"/>
-          <a:ext cx="0" cy="0"/>
-          <a:chOff x="0" y="0"/>
-          <a:chExt cx="0" cy="0"/>
-        </a:xfrm>
-      </p:grpSpPr>
-      <p:sp>
-        <p:nvSpPr>
-          <p:cNvPr id="2" name="Titel 1">
-            <a:extLst>
-              <a:ext uri="{FF2B5EF4-FFF2-40B4-BE49-F238E27FC236}">
-                <a16:creationId xmlns:a16="http://schemas.microsoft.com/office/drawing/2014/main" id="{DF218E8B-3735-443A-B97C-E2F93D818331}"/>
-              </a:ext>
-            </a:extLst>
-          </p:cNvPr>
-          <p:cNvSpPr>
-            <a:spLocks noGrp="1"/>
-          </p:cNvSpPr>
-          <p:nvPr>
-            <p:ph type="title"/>
-          </p:nvPr>
-        </p:nvSpPr>
-        <p:spPr>
-          <a:xfrm>
-            <a:off x="838200" y="1140"/>
-            <a:ext cx="10515600" cy="1325563"/>
-          </a:xfrm>
-        </p:spPr>
-        <p:txBody>
-          <a:bodyPr>
-            <a:normAutofit/>
-          </a:bodyPr>
-          <a:lstStyle/>
-          <a:p>
-            <a:r>
-              <a:rPr lang="de-DE" sz="4000" dirty="0" err="1">
-                <a:latin typeface="Consolas" panose="020B0609020204030204" pitchFamily="49" charset="0"/>
-              </a:rPr>
-              <a:t>edu.kit.loop.model.simulationengine</a:t>
-            </a:r>
-            <a:endParaRPr lang="de-DE" sz="4000" dirty="0">
-              <a:latin typeface="Consolas" panose="020B0609020204030204" pitchFamily="49" charset="0"/>
-            </a:endParaRPr>
-          </a:p>
-        </p:txBody>
-      </p:sp>
-      <p:pic>
-        <p:nvPicPr>
-          <p:cNvPr id="4" name="Grafik 3">
-            <a:extLst>
-              <a:ext uri="{FF2B5EF4-FFF2-40B4-BE49-F238E27FC236}">
-                <a16:creationId xmlns:a16="http://schemas.microsoft.com/office/drawing/2014/main" id="{08387CBC-C73A-426E-98AE-2E2A83203B88}"/>
-              </a:ext>
-            </a:extLst>
-          </p:cNvPr>
-          <p:cNvPicPr>
-            <a:picLocks noChangeAspect="1"/>
-          </p:cNvPicPr>
-          <p:nvPr/>
-        </p:nvPicPr>
-        <p:blipFill>
-          <a:blip r:embed="rId2">
-            <a:extLst>
-              <a:ext uri="{28A0092B-C50C-407E-A947-70E740481C1C}">
-                <a14:useLocalDpi xmlns:a14="http://schemas.microsoft.com/office/drawing/2010/main" val="0"/>
-              </a:ext>
-            </a:extLst>
-          </a:blip>
-          <a:stretch>
-            <a:fillRect/>
-          </a:stretch>
-        </p:blipFill>
-        <p:spPr>
-          <a:xfrm>
-            <a:off x="165716" y="1326703"/>
-            <a:ext cx="11860567" cy="5176711"/>
-          </a:xfrm>
-          <a:prstGeom prst="rect">
-            <a:avLst/>
-          </a:prstGeom>
-        </p:spPr>
-      </p:pic>
-    </p:spTree>
-    <p:extLst>
-      <p:ext uri="{BB962C8B-B14F-4D97-AF65-F5344CB8AC3E}">
-        <p14:creationId xmlns:p14="http://schemas.microsoft.com/office/powerpoint/2010/main" val="1914574648"/>
-      </p:ext>
-    </p:extLst>
-  </p:cSld>
-  <p:clrMapOvr>
-    <a:masterClrMapping/>
-  </p:clrMapOvr>
-</p:sld>
-</file>
-
-<file path=ppt/slides/slide63.xml><?xml version="1.0" encoding="utf-8"?>
-<p:sld xmlns:a="http://schemas.openxmlformats.org/drawingml/2006/main" xmlns:r="http://schemas.openxmlformats.org/officeDocument/2006/relationships" xmlns:p="http://schemas.openxmlformats.org/presentationml/2006/main">
-  <p:cSld>
-    <p:spTree>
-      <p:nvGrpSpPr>
-        <p:cNvPr id="1" name=""/>
-        <p:cNvGrpSpPr/>
-        <p:nvPr/>
-      </p:nvGrpSpPr>
-      <p:grpSpPr>
-        <a:xfrm>
-          <a:off x="0" y="0"/>
-          <a:ext cx="0" cy="0"/>
-          <a:chOff x="0" y="0"/>
-          <a:chExt cx="0" cy="0"/>
-        </a:xfrm>
-      </p:grpSpPr>
-      <p:pic>
-        <p:nvPicPr>
           <p:cNvPr id="22" name="Grafik 21">
             <a:extLst>
               <a:ext uri="{FF2B5EF4-FFF2-40B4-BE49-F238E27FC236}">
@@ -7547,7 +7146,7 @@
 </p:sld>
 </file>
 
-<file path=ppt/slides/slide64.xml><?xml version="1.0" encoding="utf-8"?>
+<file path=ppt/slides/slide59.xml><?xml version="1.0" encoding="utf-8"?>
 <p:sld xmlns:a="http://schemas.openxmlformats.org/drawingml/2006/main" xmlns:r="http://schemas.openxmlformats.org/officeDocument/2006/relationships" xmlns:p="http://schemas.openxmlformats.org/presentationml/2006/main">
   <p:cSld>
     <p:spTree>
@@ -9023,7 +8622,73 @@
 </p:sld>
 </file>
 
-<file path=ppt/slides/slide65.xml><?xml version="1.0" encoding="utf-8"?>
+<file path=ppt/slides/slide6.xml><?xml version="1.0" encoding="utf-8"?>
+<p:sld xmlns:a="http://schemas.openxmlformats.org/drawingml/2006/main" xmlns:r="http://schemas.openxmlformats.org/officeDocument/2006/relationships" xmlns:p="http://schemas.openxmlformats.org/presentationml/2006/main">
+  <p:cSld>
+    <p:spTree>
+      <p:nvGrpSpPr>
+        <p:cNvPr id="1" name=""/>
+        <p:cNvGrpSpPr/>
+        <p:nvPr/>
+      </p:nvGrpSpPr>
+      <p:grpSpPr>
+        <a:xfrm>
+          <a:off x="0" y="0"/>
+          <a:ext cx="0" cy="0"/>
+          <a:chOff x="0" y="0"/>
+          <a:chExt cx="0" cy="0"/>
+        </a:xfrm>
+      </p:grpSpPr>
+      <p:pic>
+        <p:nvPicPr>
+          <p:cNvPr id="3" name="Grafik 2">
+            <a:extLst>
+              <a:ext uri="{FF2B5EF4-FFF2-40B4-BE49-F238E27FC236}">
+                <a16:creationId xmlns:a16="http://schemas.microsoft.com/office/drawing/2014/main" id="{384E351F-96DC-40F7-8B7A-C1FF70F57C57}"/>
+              </a:ext>
+            </a:extLst>
+          </p:cNvPr>
+          <p:cNvPicPr>
+            <a:picLocks noChangeAspect="1"/>
+          </p:cNvPicPr>
+          <p:nvPr/>
+        </p:nvPicPr>
+        <p:blipFill>
+          <a:blip r:embed="rId2">
+            <a:extLst>
+              <a:ext uri="{28A0092B-C50C-407E-A947-70E740481C1C}">
+                <a14:useLocalDpi xmlns:a14="http://schemas.microsoft.com/office/drawing/2010/main" val="0"/>
+              </a:ext>
+            </a:extLst>
+          </a:blip>
+          <a:stretch>
+            <a:fillRect/>
+          </a:stretch>
+        </p:blipFill>
+        <p:spPr>
+          <a:xfrm>
+            <a:off x="2088466" y="306000"/>
+            <a:ext cx="8015068" cy="6552000"/>
+          </a:xfrm>
+          <a:prstGeom prst="rect">
+            <a:avLst/>
+          </a:prstGeom>
+        </p:spPr>
+      </p:pic>
+    </p:spTree>
+    <p:extLst>
+      <p:ext uri="{BB962C8B-B14F-4D97-AF65-F5344CB8AC3E}">
+        <p14:creationId xmlns:p14="http://schemas.microsoft.com/office/powerpoint/2010/main" val="3736706911"/>
+      </p:ext>
+    </p:extLst>
+  </p:cSld>
+  <p:clrMapOvr>
+    <a:masterClrMapping/>
+  </p:clrMapOvr>
+</p:sld>
+</file>
+
+<file path=ppt/slides/slide60.xml><?xml version="1.0" encoding="utf-8"?>
 <p:sld xmlns:a="http://schemas.openxmlformats.org/drawingml/2006/main" xmlns:r="http://schemas.openxmlformats.org/officeDocument/2006/relationships" xmlns:p="http://schemas.openxmlformats.org/presentationml/2006/main">
   <p:cSld>
     <p:spTree>
@@ -9129,7 +8794,7 @@
 </p:sld>
 </file>
 
-<file path=ppt/slides/slide66.xml><?xml version="1.0" encoding="utf-8"?>
+<file path=ppt/slides/slide61.xml><?xml version="1.0" encoding="utf-8"?>
 <p:sld xmlns:a="http://schemas.openxmlformats.org/drawingml/2006/main" xmlns:r="http://schemas.openxmlformats.org/officeDocument/2006/relationships" xmlns:p="http://schemas.openxmlformats.org/presentationml/2006/main">
   <p:cSld>
     <p:spTree>
@@ -9254,10 +8919,10 @@
       </p:grpSpPr>
       <p:pic>
         <p:nvPicPr>
-          <p:cNvPr id="5" name="Grafik 4">
-            <a:extLst>
-              <a:ext uri="{FF2B5EF4-FFF2-40B4-BE49-F238E27FC236}">
-                <a16:creationId xmlns:a16="http://schemas.microsoft.com/office/drawing/2014/main" id="{ECC4E61A-9FF8-4214-9D92-88306197F7D0}"/>
+          <p:cNvPr id="3" name="Grafik 2">
+            <a:extLst>
+              <a:ext uri="{FF2B5EF4-FFF2-40B4-BE49-F238E27FC236}">
+                <a16:creationId xmlns:a16="http://schemas.microsoft.com/office/drawing/2014/main" id="{116E6027-00A7-4843-89F0-1D53D6F6E07E}"/>
               </a:ext>
             </a:extLst>
           </p:cNvPr>
@@ -9280,8 +8945,8 @@
         </p:blipFill>
         <p:spPr>
           <a:xfrm>
-            <a:off x="2183883" y="306000"/>
-            <a:ext cx="7824233" cy="6552000"/>
+            <a:off x="2088466" y="306000"/>
+            <a:ext cx="8015068" cy="6552000"/>
           </a:xfrm>
           <a:prstGeom prst="rect">
             <a:avLst/>
@@ -9291,7 +8956,7 @@
     </p:spTree>
     <p:extLst>
       <p:ext uri="{BB962C8B-B14F-4D97-AF65-F5344CB8AC3E}">
-        <p14:creationId xmlns:p14="http://schemas.microsoft.com/office/powerpoint/2010/main" val="1192347373"/>
+        <p14:creationId xmlns:p14="http://schemas.microsoft.com/office/powerpoint/2010/main" val="4019217320"/>
       </p:ext>
     </p:extLst>
   </p:cSld>
@@ -9320,10 +8985,10 @@
       </p:grpSpPr>
       <p:pic>
         <p:nvPicPr>
-          <p:cNvPr id="5" name="Grafik 4">
-            <a:extLst>
-              <a:ext uri="{FF2B5EF4-FFF2-40B4-BE49-F238E27FC236}">
-                <a16:creationId xmlns:a16="http://schemas.microsoft.com/office/drawing/2014/main" id="{8889DBAE-E3AC-4460-A068-F4E8A5573887}"/>
+          <p:cNvPr id="3" name="Grafik 2">
+            <a:extLst>
+              <a:ext uri="{FF2B5EF4-FFF2-40B4-BE49-F238E27FC236}">
+                <a16:creationId xmlns:a16="http://schemas.microsoft.com/office/drawing/2014/main" id="{28AAE5AB-1204-4446-BA6D-FEB60AE8231A}"/>
               </a:ext>
             </a:extLst>
           </p:cNvPr>
@@ -9346,8 +9011,8 @@
         </p:blipFill>
         <p:spPr>
           <a:xfrm>
-            <a:off x="2183883" y="306000"/>
-            <a:ext cx="7824233" cy="6552000"/>
+            <a:off x="2088466" y="306000"/>
+            <a:ext cx="8015068" cy="6552000"/>
           </a:xfrm>
           <a:prstGeom prst="rect">
             <a:avLst/>
@@ -9357,7 +9022,7 @@
     </p:spTree>
     <p:extLst>
       <p:ext uri="{BB962C8B-B14F-4D97-AF65-F5344CB8AC3E}">
-        <p14:creationId xmlns:p14="http://schemas.microsoft.com/office/powerpoint/2010/main" val="391111201"/>
+        <p14:creationId xmlns:p14="http://schemas.microsoft.com/office/powerpoint/2010/main" val="4082579492"/>
       </p:ext>
     </p:extLst>
   </p:cSld>
@@ -9386,10 +9051,10 @@
       </p:grpSpPr>
       <p:pic>
         <p:nvPicPr>
-          <p:cNvPr id="5" name="Grafik 4">
-            <a:extLst>
-              <a:ext uri="{FF2B5EF4-FFF2-40B4-BE49-F238E27FC236}">
-                <a16:creationId xmlns:a16="http://schemas.microsoft.com/office/drawing/2014/main" id="{8F133A9B-17DF-46B0-A4F9-2653739A1080}"/>
+          <p:cNvPr id="3" name="Grafik 2">
+            <a:extLst>
+              <a:ext uri="{FF2B5EF4-FFF2-40B4-BE49-F238E27FC236}">
+                <a16:creationId xmlns:a16="http://schemas.microsoft.com/office/drawing/2014/main" id="{49D6FE55-9EE3-495D-BAAC-C441770FFD77}"/>
               </a:ext>
             </a:extLst>
           </p:cNvPr>
@@ -9412,8 +9077,8 @@
         </p:blipFill>
         <p:spPr>
           <a:xfrm>
-            <a:off x="2183883" y="306000"/>
-            <a:ext cx="7824233" cy="6552000"/>
+            <a:off x="2088466" y="306000"/>
+            <a:ext cx="8015068" cy="6552000"/>
           </a:xfrm>
           <a:prstGeom prst="rect">
             <a:avLst/>
@@ -9423,7 +9088,7 @@
     </p:spTree>
     <p:extLst>
       <p:ext uri="{BB962C8B-B14F-4D97-AF65-F5344CB8AC3E}">
-        <p14:creationId xmlns:p14="http://schemas.microsoft.com/office/powerpoint/2010/main" val="760050037"/>
+        <p14:creationId xmlns:p14="http://schemas.microsoft.com/office/powerpoint/2010/main" val="3521096980"/>
       </p:ext>
     </p:extLst>
   </p:cSld>

--- a/Dokumente/entwurf/Präsentation/presentation.pptx
+++ b/Dokumente/entwurf/Präsentation/presentation.pptx
@@ -4972,42 +4972,6 @@
           <a:chExt cx="0" cy="0"/>
         </a:xfrm>
       </p:grpSpPr>
-      <p:pic>
-        <p:nvPicPr>
-          <p:cNvPr id="5" name="Grafik 4">
-            <a:extLst>
-              <a:ext uri="{FF2B5EF4-FFF2-40B4-BE49-F238E27FC236}">
-                <a16:creationId xmlns:a16="http://schemas.microsoft.com/office/drawing/2014/main" id="{63C83E18-A4B4-4B74-997F-F863FF64D05A}"/>
-              </a:ext>
-            </a:extLst>
-          </p:cNvPr>
-          <p:cNvPicPr>
-            <a:picLocks noChangeAspect="1"/>
-          </p:cNvPicPr>
-          <p:nvPr/>
-        </p:nvPicPr>
-        <p:blipFill>
-          <a:blip r:embed="rId2">
-            <a:extLst>
-              <a:ext uri="{28A0092B-C50C-407E-A947-70E740481C1C}">
-                <a14:useLocalDpi xmlns:a14="http://schemas.microsoft.com/office/drawing/2010/main" val="0"/>
-              </a:ext>
-            </a:extLst>
-          </a:blip>
-          <a:stretch>
-            <a:fillRect/>
-          </a:stretch>
-        </p:blipFill>
-        <p:spPr>
-          <a:xfrm>
-            <a:off x="838200" y="1039963"/>
-            <a:ext cx="10515600" cy="5473032"/>
-          </a:xfrm>
-          <a:prstGeom prst="rect">
-            <a:avLst/>
-          </a:prstGeom>
-        </p:spPr>
-      </p:pic>
       <p:sp>
         <p:nvSpPr>
           <p:cNvPr id="2" name="Titel 1">
@@ -5048,6 +5012,42 @@
           </a:p>
         </p:txBody>
       </p:sp>
+      <p:pic>
+        <p:nvPicPr>
+          <p:cNvPr id="4" name="Grafik 3">
+            <a:extLst>
+              <a:ext uri="{FF2B5EF4-FFF2-40B4-BE49-F238E27FC236}">
+                <a16:creationId xmlns:a16="http://schemas.microsoft.com/office/drawing/2014/main" id="{02B4A6A7-27D8-4132-B08F-0714853EB9F8}"/>
+              </a:ext>
+            </a:extLst>
+          </p:cNvPr>
+          <p:cNvPicPr>
+            <a:picLocks noChangeAspect="1"/>
+          </p:cNvPicPr>
+          <p:nvPr/>
+        </p:nvPicPr>
+        <p:blipFill>
+          <a:blip r:embed="rId2">
+            <a:extLst>
+              <a:ext uri="{28A0092B-C50C-407E-A947-70E740481C1C}">
+                <a14:useLocalDpi xmlns:a14="http://schemas.microsoft.com/office/drawing/2010/main" val="0"/>
+              </a:ext>
+            </a:extLst>
+          </a:blip>
+          <a:stretch>
+            <a:fillRect/>
+          </a:stretch>
+        </p:blipFill>
+        <p:spPr>
+          <a:xfrm>
+            <a:off x="839191" y="1142053"/>
+            <a:ext cx="10513618" cy="5472000"/>
+          </a:xfrm>
+          <a:prstGeom prst="rect">
+            <a:avLst/>
+          </a:prstGeom>
+        </p:spPr>
+      </p:pic>
     </p:spTree>
     <p:extLst>
       <p:ext uri="{BB962C8B-B14F-4D97-AF65-F5344CB8AC3E}">
@@ -8747,10 +8747,10 @@
       </p:sp>
       <p:pic>
         <p:nvPicPr>
-          <p:cNvPr id="6" name="Grafik 5">
-            <a:extLst>
-              <a:ext uri="{FF2B5EF4-FFF2-40B4-BE49-F238E27FC236}">
-                <a16:creationId xmlns:a16="http://schemas.microsoft.com/office/drawing/2014/main" id="{8C34CC34-2339-4E45-B9C5-9BFA95AACE47}"/>
+          <p:cNvPr id="3" name="Grafik 2">
+            <a:extLst>
+              <a:ext uri="{FF2B5EF4-FFF2-40B4-BE49-F238E27FC236}">
+                <a16:creationId xmlns:a16="http://schemas.microsoft.com/office/drawing/2014/main" id="{7209F80F-1B2F-448B-BC7A-B6CC8AF21EB9}"/>
               </a:ext>
             </a:extLst>
           </p:cNvPr>
@@ -8773,8 +8773,8 @@
         </p:blipFill>
         <p:spPr>
           <a:xfrm>
-            <a:off x="252412" y="2041572"/>
-            <a:ext cx="11687175" cy="3289205"/>
+            <a:off x="85729" y="2095216"/>
+            <a:ext cx="12020542" cy="3239068"/>
           </a:xfrm>
           <a:prstGeom prst="rect">
             <a:avLst/>
@@ -8853,10 +8853,10 @@
       </p:sp>
       <p:pic>
         <p:nvPicPr>
-          <p:cNvPr id="3" name="Grafik 2">
-            <a:extLst>
-              <a:ext uri="{FF2B5EF4-FFF2-40B4-BE49-F238E27FC236}">
-                <a16:creationId xmlns:a16="http://schemas.microsoft.com/office/drawing/2014/main" id="{6E1B5E06-6188-4600-B320-D43924A3164B}"/>
+          <p:cNvPr id="5" name="Grafik 4">
+            <a:extLst>
+              <a:ext uri="{FF2B5EF4-FFF2-40B4-BE49-F238E27FC236}">
+                <a16:creationId xmlns:a16="http://schemas.microsoft.com/office/drawing/2014/main" id="{66FF9D50-9FF9-4813-B306-586E87AA868E}"/>
               </a:ext>
             </a:extLst>
           </p:cNvPr>
@@ -8879,8 +8879,8 @@
         </p:blipFill>
         <p:spPr>
           <a:xfrm>
-            <a:off x="3279223" y="1326703"/>
-            <a:ext cx="5633554" cy="5048250"/>
+            <a:off x="3243652" y="1285875"/>
+            <a:ext cx="5704696" cy="5112000"/>
           </a:xfrm>
           <a:prstGeom prst="rect">
             <a:avLst/>

--- a/Dokumente/entwurf/Präsentation/presentation.pptx
+++ b/Dokumente/entwurf/Präsentation/presentation.pptx
@@ -6,66 +6,68 @@
   </p:sldMasterIdLst>
   <p:sldIdLst>
     <p:sldId id="271" r:id="rId2"/>
-    <p:sldId id="272" r:id="rId3"/>
-    <p:sldId id="273" r:id="rId4"/>
-    <p:sldId id="343" r:id="rId5"/>
-    <p:sldId id="344" r:id="rId6"/>
-    <p:sldId id="345" r:id="rId7"/>
-    <p:sldId id="346" r:id="rId8"/>
-    <p:sldId id="347" r:id="rId9"/>
-    <p:sldId id="348" r:id="rId10"/>
-    <p:sldId id="349" r:id="rId11"/>
-    <p:sldId id="350" r:id="rId12"/>
-    <p:sldId id="351" r:id="rId13"/>
-    <p:sldId id="352" r:id="rId14"/>
-    <p:sldId id="353" r:id="rId15"/>
-    <p:sldId id="354" r:id="rId16"/>
-    <p:sldId id="356" r:id="rId17"/>
-    <p:sldId id="274" r:id="rId18"/>
-    <p:sldId id="276" r:id="rId19"/>
-    <p:sldId id="277" r:id="rId20"/>
-    <p:sldId id="278" r:id="rId21"/>
-    <p:sldId id="279" r:id="rId22"/>
-    <p:sldId id="281" r:id="rId23"/>
-    <p:sldId id="282" r:id="rId24"/>
-    <p:sldId id="283" r:id="rId25"/>
-    <p:sldId id="284" r:id="rId26"/>
-    <p:sldId id="285" r:id="rId27"/>
-    <p:sldId id="286" r:id="rId28"/>
-    <p:sldId id="287" r:id="rId29"/>
-    <p:sldId id="288" r:id="rId30"/>
-    <p:sldId id="289" r:id="rId31"/>
-    <p:sldId id="306" r:id="rId32"/>
-    <p:sldId id="307" r:id="rId33"/>
-    <p:sldId id="308" r:id="rId34"/>
-    <p:sldId id="309" r:id="rId35"/>
-    <p:sldId id="310" r:id="rId36"/>
-    <p:sldId id="311" r:id="rId37"/>
-    <p:sldId id="321" r:id="rId38"/>
-    <p:sldId id="322" r:id="rId39"/>
-    <p:sldId id="323" r:id="rId40"/>
-    <p:sldId id="324" r:id="rId41"/>
-    <p:sldId id="325" r:id="rId42"/>
-    <p:sldId id="331" r:id="rId43"/>
-    <p:sldId id="332" r:id="rId44"/>
-    <p:sldId id="333" r:id="rId45"/>
-    <p:sldId id="335" r:id="rId46"/>
-    <p:sldId id="317" r:id="rId47"/>
-    <p:sldId id="312" r:id="rId48"/>
-    <p:sldId id="313" r:id="rId49"/>
-    <p:sldId id="314" r:id="rId50"/>
-    <p:sldId id="315" r:id="rId51"/>
-    <p:sldId id="318" r:id="rId52"/>
-    <p:sldId id="320" r:id="rId53"/>
-    <p:sldId id="305" r:id="rId54"/>
-    <p:sldId id="290" r:id="rId55"/>
-    <p:sldId id="291" r:id="rId56"/>
-    <p:sldId id="292" r:id="rId57"/>
-    <p:sldId id="275" r:id="rId58"/>
-    <p:sldId id="338" r:id="rId59"/>
-    <p:sldId id="342" r:id="rId60"/>
-    <p:sldId id="336" r:id="rId61"/>
-    <p:sldId id="337" r:id="rId62"/>
+    <p:sldId id="357" r:id="rId3"/>
+    <p:sldId id="358" r:id="rId4"/>
+    <p:sldId id="272" r:id="rId5"/>
+    <p:sldId id="273" r:id="rId6"/>
+    <p:sldId id="343" r:id="rId7"/>
+    <p:sldId id="344" r:id="rId8"/>
+    <p:sldId id="345" r:id="rId9"/>
+    <p:sldId id="346" r:id="rId10"/>
+    <p:sldId id="347" r:id="rId11"/>
+    <p:sldId id="348" r:id="rId12"/>
+    <p:sldId id="349" r:id="rId13"/>
+    <p:sldId id="350" r:id="rId14"/>
+    <p:sldId id="351" r:id="rId15"/>
+    <p:sldId id="352" r:id="rId16"/>
+    <p:sldId id="353" r:id="rId17"/>
+    <p:sldId id="354" r:id="rId18"/>
+    <p:sldId id="356" r:id="rId19"/>
+    <p:sldId id="274" r:id="rId20"/>
+    <p:sldId id="276" r:id="rId21"/>
+    <p:sldId id="277" r:id="rId22"/>
+    <p:sldId id="278" r:id="rId23"/>
+    <p:sldId id="279" r:id="rId24"/>
+    <p:sldId id="281" r:id="rId25"/>
+    <p:sldId id="282" r:id="rId26"/>
+    <p:sldId id="283" r:id="rId27"/>
+    <p:sldId id="284" r:id="rId28"/>
+    <p:sldId id="285" r:id="rId29"/>
+    <p:sldId id="286" r:id="rId30"/>
+    <p:sldId id="287" r:id="rId31"/>
+    <p:sldId id="288" r:id="rId32"/>
+    <p:sldId id="289" r:id="rId33"/>
+    <p:sldId id="306" r:id="rId34"/>
+    <p:sldId id="307" r:id="rId35"/>
+    <p:sldId id="308" r:id="rId36"/>
+    <p:sldId id="309" r:id="rId37"/>
+    <p:sldId id="310" r:id="rId38"/>
+    <p:sldId id="311" r:id="rId39"/>
+    <p:sldId id="321" r:id="rId40"/>
+    <p:sldId id="322" r:id="rId41"/>
+    <p:sldId id="323" r:id="rId42"/>
+    <p:sldId id="324" r:id="rId43"/>
+    <p:sldId id="325" r:id="rId44"/>
+    <p:sldId id="331" r:id="rId45"/>
+    <p:sldId id="332" r:id="rId46"/>
+    <p:sldId id="333" r:id="rId47"/>
+    <p:sldId id="335" r:id="rId48"/>
+    <p:sldId id="317" r:id="rId49"/>
+    <p:sldId id="312" r:id="rId50"/>
+    <p:sldId id="313" r:id="rId51"/>
+    <p:sldId id="314" r:id="rId52"/>
+    <p:sldId id="315" r:id="rId53"/>
+    <p:sldId id="318" r:id="rId54"/>
+    <p:sldId id="320" r:id="rId55"/>
+    <p:sldId id="305" r:id="rId56"/>
+    <p:sldId id="290" r:id="rId57"/>
+    <p:sldId id="291" r:id="rId58"/>
+    <p:sldId id="292" r:id="rId59"/>
+    <p:sldId id="275" r:id="rId60"/>
+    <p:sldId id="338" r:id="rId61"/>
+    <p:sldId id="342" r:id="rId62"/>
+    <p:sldId id="336" r:id="rId63"/>
+    <p:sldId id="337" r:id="rId64"/>
   </p:sldIdLst>
   <p:sldSz cx="12192000" cy="6858000"/>
   <p:notesSz cx="6858000" cy="9144000"/>
@@ -3527,7 +3529,7 @@
           <p:cNvPr id="3" name="Grafik 2">
             <a:extLst>
               <a:ext uri="{FF2B5EF4-FFF2-40B4-BE49-F238E27FC236}">
-                <a16:creationId xmlns:a16="http://schemas.microsoft.com/office/drawing/2014/main" id="{6462B40C-46DF-4F47-A940-E7CBBCFC15E6}"/>
+                <a16:creationId xmlns:a16="http://schemas.microsoft.com/office/drawing/2014/main" id="{28AAE5AB-1204-4446-BA6D-FEB60AE8231A}"/>
               </a:ext>
             </a:extLst>
           </p:cNvPr>
@@ -3561,7 +3563,7 @@
     </p:spTree>
     <p:extLst>
       <p:ext uri="{BB962C8B-B14F-4D97-AF65-F5344CB8AC3E}">
-        <p14:creationId xmlns:p14="http://schemas.microsoft.com/office/powerpoint/2010/main" val="932384769"/>
+        <p14:creationId xmlns:p14="http://schemas.microsoft.com/office/powerpoint/2010/main" val="4082579492"/>
       </p:ext>
     </p:extLst>
   </p:cSld>
@@ -3593,7 +3595,7 @@
           <p:cNvPr id="3" name="Grafik 2">
             <a:extLst>
               <a:ext uri="{FF2B5EF4-FFF2-40B4-BE49-F238E27FC236}">
-                <a16:creationId xmlns:a16="http://schemas.microsoft.com/office/drawing/2014/main" id="{064D6014-8456-4EED-B02A-269FAAAA0B9F}"/>
+                <a16:creationId xmlns:a16="http://schemas.microsoft.com/office/drawing/2014/main" id="{49D6FE55-9EE3-495D-BAAC-C441770FFD77}"/>
               </a:ext>
             </a:extLst>
           </p:cNvPr>
@@ -3627,7 +3629,7 @@
     </p:spTree>
     <p:extLst>
       <p:ext uri="{BB962C8B-B14F-4D97-AF65-F5344CB8AC3E}">
-        <p14:creationId xmlns:p14="http://schemas.microsoft.com/office/powerpoint/2010/main" val="3749896658"/>
+        <p14:creationId xmlns:p14="http://schemas.microsoft.com/office/powerpoint/2010/main" val="3521096980"/>
       </p:ext>
     </p:extLst>
   </p:cSld>
@@ -3659,7 +3661,7 @@
           <p:cNvPr id="3" name="Grafik 2">
             <a:extLst>
               <a:ext uri="{FF2B5EF4-FFF2-40B4-BE49-F238E27FC236}">
-                <a16:creationId xmlns:a16="http://schemas.microsoft.com/office/drawing/2014/main" id="{3B40EFA0-7513-4BC4-95A8-DCFA2549C4A7}"/>
+                <a16:creationId xmlns:a16="http://schemas.microsoft.com/office/drawing/2014/main" id="{6462B40C-46DF-4F47-A940-E7CBBCFC15E6}"/>
               </a:ext>
             </a:extLst>
           </p:cNvPr>
@@ -3693,7 +3695,7 @@
     </p:spTree>
     <p:extLst>
       <p:ext uri="{BB962C8B-B14F-4D97-AF65-F5344CB8AC3E}">
-        <p14:creationId xmlns:p14="http://schemas.microsoft.com/office/powerpoint/2010/main" val="3318856815"/>
+        <p14:creationId xmlns:p14="http://schemas.microsoft.com/office/powerpoint/2010/main" val="932384769"/>
       </p:ext>
     </p:extLst>
   </p:cSld>
@@ -3725,7 +3727,7 @@
           <p:cNvPr id="3" name="Grafik 2">
             <a:extLst>
               <a:ext uri="{FF2B5EF4-FFF2-40B4-BE49-F238E27FC236}">
-                <a16:creationId xmlns:a16="http://schemas.microsoft.com/office/drawing/2014/main" id="{F6C59B30-5537-47A5-9117-6F5A12AE8540}"/>
+                <a16:creationId xmlns:a16="http://schemas.microsoft.com/office/drawing/2014/main" id="{064D6014-8456-4EED-B02A-269FAAAA0B9F}"/>
               </a:ext>
             </a:extLst>
           </p:cNvPr>
@@ -3759,7 +3761,7 @@
     </p:spTree>
     <p:extLst>
       <p:ext uri="{BB962C8B-B14F-4D97-AF65-F5344CB8AC3E}">
-        <p14:creationId xmlns:p14="http://schemas.microsoft.com/office/powerpoint/2010/main" val="871548926"/>
+        <p14:creationId xmlns:p14="http://schemas.microsoft.com/office/powerpoint/2010/main" val="3749896658"/>
       </p:ext>
     </p:extLst>
   </p:cSld>
@@ -3791,7 +3793,7 @@
           <p:cNvPr id="3" name="Grafik 2">
             <a:extLst>
               <a:ext uri="{FF2B5EF4-FFF2-40B4-BE49-F238E27FC236}">
-                <a16:creationId xmlns:a16="http://schemas.microsoft.com/office/drawing/2014/main" id="{28E05C63-0ABC-4B67-8D81-32F34D97E8D6}"/>
+                <a16:creationId xmlns:a16="http://schemas.microsoft.com/office/drawing/2014/main" id="{3B40EFA0-7513-4BC4-95A8-DCFA2549C4A7}"/>
               </a:ext>
             </a:extLst>
           </p:cNvPr>
@@ -3825,7 +3827,7 @@
     </p:spTree>
     <p:extLst>
       <p:ext uri="{BB962C8B-B14F-4D97-AF65-F5344CB8AC3E}">
-        <p14:creationId xmlns:p14="http://schemas.microsoft.com/office/powerpoint/2010/main" val="1616639486"/>
+        <p14:creationId xmlns:p14="http://schemas.microsoft.com/office/powerpoint/2010/main" val="3318856815"/>
       </p:ext>
     </p:extLst>
   </p:cSld>
@@ -3857,7 +3859,7 @@
           <p:cNvPr id="3" name="Grafik 2">
             <a:extLst>
               <a:ext uri="{FF2B5EF4-FFF2-40B4-BE49-F238E27FC236}">
-                <a16:creationId xmlns:a16="http://schemas.microsoft.com/office/drawing/2014/main" id="{064BD73C-B5B6-44A3-9DED-608CFCA5F8CC}"/>
+                <a16:creationId xmlns:a16="http://schemas.microsoft.com/office/drawing/2014/main" id="{F6C59B30-5537-47A5-9117-6F5A12AE8540}"/>
               </a:ext>
             </a:extLst>
           </p:cNvPr>
@@ -3891,7 +3893,7 @@
     </p:spTree>
     <p:extLst>
       <p:ext uri="{BB962C8B-B14F-4D97-AF65-F5344CB8AC3E}">
-        <p14:creationId xmlns:p14="http://schemas.microsoft.com/office/powerpoint/2010/main" val="1815485275"/>
+        <p14:creationId xmlns:p14="http://schemas.microsoft.com/office/powerpoint/2010/main" val="871548926"/>
       </p:ext>
     </p:extLst>
   </p:cSld>
@@ -3923,7 +3925,7 @@
           <p:cNvPr id="3" name="Grafik 2">
             <a:extLst>
               <a:ext uri="{FF2B5EF4-FFF2-40B4-BE49-F238E27FC236}">
-                <a16:creationId xmlns:a16="http://schemas.microsoft.com/office/drawing/2014/main" id="{A0757293-0A1E-4594-A547-41BBF5467AE0}"/>
+                <a16:creationId xmlns:a16="http://schemas.microsoft.com/office/drawing/2014/main" id="{28E05C63-0ABC-4B67-8D81-32F34D97E8D6}"/>
               </a:ext>
             </a:extLst>
           </p:cNvPr>
@@ -3957,7 +3959,7 @@
     </p:spTree>
     <p:extLst>
       <p:ext uri="{BB962C8B-B14F-4D97-AF65-F5344CB8AC3E}">
-        <p14:creationId xmlns:p14="http://schemas.microsoft.com/office/powerpoint/2010/main" val="1339908912"/>
+        <p14:creationId xmlns:p14="http://schemas.microsoft.com/office/powerpoint/2010/main" val="1616639486"/>
       </p:ext>
     </p:extLst>
   </p:cSld>
@@ -3984,47 +3986,12 @@
           <a:chExt cx="0" cy="0"/>
         </a:xfrm>
       </p:grpSpPr>
-      <p:sp>
-        <p:nvSpPr>
-          <p:cNvPr id="2" name="Titel 1">
-            <a:extLst>
-              <a:ext uri="{FF2B5EF4-FFF2-40B4-BE49-F238E27FC236}">
-                <a16:creationId xmlns:a16="http://schemas.microsoft.com/office/drawing/2014/main" id="{87786F60-ED47-4077-A6CF-D8E2EF2E492F}"/>
-              </a:ext>
-            </a:extLst>
-          </p:cNvPr>
-          <p:cNvSpPr>
-            <a:spLocks noGrp="1"/>
-          </p:cNvSpPr>
-          <p:nvPr>
-            <p:ph type="title"/>
-          </p:nvPr>
-        </p:nvSpPr>
-        <p:spPr/>
-        <p:txBody>
-          <a:bodyPr>
-            <a:normAutofit/>
-          </a:bodyPr>
-          <a:lstStyle/>
-          <a:p>
-            <a:r>
-              <a:rPr lang="de-DE" sz="4000" dirty="0" err="1">
-                <a:latin typeface="Consolas" panose="020B0609020204030204" pitchFamily="49" charset="0"/>
-              </a:rPr>
-              <a:t>edu.kit.loop.model.simulator</a:t>
-            </a:r>
-            <a:endParaRPr lang="de-DE" sz="4000" dirty="0">
-              <a:latin typeface="Consolas" panose="020B0609020204030204" pitchFamily="49" charset="0"/>
-            </a:endParaRPr>
-          </a:p>
-        </p:txBody>
-      </p:sp>
       <p:pic>
         <p:nvPicPr>
-          <p:cNvPr id="4" name="Grafik 3">
-            <a:extLst>
-              <a:ext uri="{FF2B5EF4-FFF2-40B4-BE49-F238E27FC236}">
-                <a16:creationId xmlns:a16="http://schemas.microsoft.com/office/drawing/2014/main" id="{6244862A-A860-4CB7-92B4-4F242743BAE9}"/>
+          <p:cNvPr id="3" name="Grafik 2">
+            <a:extLst>
+              <a:ext uri="{FF2B5EF4-FFF2-40B4-BE49-F238E27FC236}">
+                <a16:creationId xmlns:a16="http://schemas.microsoft.com/office/drawing/2014/main" id="{064BD73C-B5B6-44A3-9DED-608CFCA5F8CC}"/>
               </a:ext>
             </a:extLst>
           </p:cNvPr>
@@ -4047,8 +4014,8 @@
         </p:blipFill>
         <p:spPr>
           <a:xfrm>
-            <a:off x="159798" y="1365808"/>
-            <a:ext cx="11872404" cy="4126384"/>
+            <a:off x="2088466" y="306000"/>
+            <a:ext cx="8015068" cy="6552000"/>
           </a:xfrm>
           <a:prstGeom prst="rect">
             <a:avLst/>
@@ -4058,7 +4025,7 @@
     </p:spTree>
     <p:extLst>
       <p:ext uri="{BB962C8B-B14F-4D97-AF65-F5344CB8AC3E}">
-        <p14:creationId xmlns:p14="http://schemas.microsoft.com/office/powerpoint/2010/main" val="742345050"/>
+        <p14:creationId xmlns:p14="http://schemas.microsoft.com/office/powerpoint/2010/main" val="1815485275"/>
       </p:ext>
     </p:extLst>
   </p:cSld>
@@ -4087,10 +4054,10 @@
       </p:grpSpPr>
       <p:pic>
         <p:nvPicPr>
-          <p:cNvPr id="6" name="Grafik 5">
-            <a:extLst>
-              <a:ext uri="{FF2B5EF4-FFF2-40B4-BE49-F238E27FC236}">
-                <a16:creationId xmlns:a16="http://schemas.microsoft.com/office/drawing/2014/main" id="{90766673-93D3-4299-B0ED-A87E4DF7D47E}"/>
+          <p:cNvPr id="3" name="Grafik 2">
+            <a:extLst>
+              <a:ext uri="{FF2B5EF4-FFF2-40B4-BE49-F238E27FC236}">
+                <a16:creationId xmlns:a16="http://schemas.microsoft.com/office/drawing/2014/main" id="{A0757293-0A1E-4594-A547-41BBF5467AE0}"/>
               </a:ext>
             </a:extLst>
           </p:cNvPr>
@@ -4113,8 +4080,8 @@
         </p:blipFill>
         <p:spPr>
           <a:xfrm>
-            <a:off x="730582" y="306000"/>
-            <a:ext cx="10730835" cy="6552000"/>
+            <a:off x="2088466" y="306000"/>
+            <a:ext cx="8015068" cy="6552000"/>
           </a:xfrm>
           <a:prstGeom prst="rect">
             <a:avLst/>
@@ -4124,7 +4091,7 @@
     </p:spTree>
     <p:extLst>
       <p:ext uri="{BB962C8B-B14F-4D97-AF65-F5344CB8AC3E}">
-        <p14:creationId xmlns:p14="http://schemas.microsoft.com/office/powerpoint/2010/main" val="1921487758"/>
+        <p14:creationId xmlns:p14="http://schemas.microsoft.com/office/powerpoint/2010/main" val="1339908912"/>
       </p:ext>
     </p:extLst>
   </p:cSld>
@@ -4151,12 +4118,47 @@
           <a:chExt cx="0" cy="0"/>
         </a:xfrm>
       </p:grpSpPr>
+      <p:sp>
+        <p:nvSpPr>
+          <p:cNvPr id="2" name="Titel 1">
+            <a:extLst>
+              <a:ext uri="{FF2B5EF4-FFF2-40B4-BE49-F238E27FC236}">
+                <a16:creationId xmlns:a16="http://schemas.microsoft.com/office/drawing/2014/main" id="{87786F60-ED47-4077-A6CF-D8E2EF2E492F}"/>
+              </a:ext>
+            </a:extLst>
+          </p:cNvPr>
+          <p:cNvSpPr>
+            <a:spLocks noGrp="1"/>
+          </p:cNvSpPr>
+          <p:nvPr>
+            <p:ph type="title"/>
+          </p:nvPr>
+        </p:nvSpPr>
+        <p:spPr/>
+        <p:txBody>
+          <a:bodyPr>
+            <a:normAutofit/>
+          </a:bodyPr>
+          <a:lstStyle/>
+          <a:p>
+            <a:r>
+              <a:rPr lang="de-DE" sz="4000" dirty="0" err="1">
+                <a:latin typeface="Consolas" panose="020B0609020204030204" pitchFamily="49" charset="0"/>
+              </a:rPr>
+              <a:t>edu.kit.loop.model.simulator</a:t>
+            </a:r>
+            <a:endParaRPr lang="de-DE" sz="4000" dirty="0">
+              <a:latin typeface="Consolas" panose="020B0609020204030204" pitchFamily="49" charset="0"/>
+            </a:endParaRPr>
+          </a:p>
+        </p:txBody>
+      </p:sp>
       <p:pic>
         <p:nvPicPr>
-          <p:cNvPr id="3" name="Grafik 2">
-            <a:extLst>
-              <a:ext uri="{FF2B5EF4-FFF2-40B4-BE49-F238E27FC236}">
-                <a16:creationId xmlns:a16="http://schemas.microsoft.com/office/drawing/2014/main" id="{502AE3CC-A56F-4D4E-BF68-CBE428D25D58}"/>
+          <p:cNvPr id="4" name="Grafik 3">
+            <a:extLst>
+              <a:ext uri="{FF2B5EF4-FFF2-40B4-BE49-F238E27FC236}">
+                <a16:creationId xmlns:a16="http://schemas.microsoft.com/office/drawing/2014/main" id="{6244862A-A860-4CB7-92B4-4F242743BAE9}"/>
               </a:ext>
             </a:extLst>
           </p:cNvPr>
@@ -4179,8 +4181,8 @@
         </p:blipFill>
         <p:spPr>
           <a:xfrm>
-            <a:off x="730582" y="306000"/>
-            <a:ext cx="10730835" cy="6552000"/>
+            <a:off x="159798" y="1365808"/>
+            <a:ext cx="11872404" cy="4126384"/>
           </a:xfrm>
           <a:prstGeom prst="rect">
             <a:avLst/>
@@ -4190,7 +4192,7 @@
     </p:spTree>
     <p:extLst>
       <p:ext uri="{BB962C8B-B14F-4D97-AF65-F5344CB8AC3E}">
-        <p14:creationId xmlns:p14="http://schemas.microsoft.com/office/powerpoint/2010/main" val="1433811481"/>
+        <p14:creationId xmlns:p14="http://schemas.microsoft.com/office/powerpoint/2010/main" val="742345050"/>
       </p:ext>
     </p:extLst>
   </p:cSld>
@@ -4217,41 +4219,12 @@
           <a:chExt cx="0" cy="0"/>
         </a:xfrm>
       </p:grpSpPr>
-      <p:sp>
-        <p:nvSpPr>
-          <p:cNvPr id="2" name="Titel 1">
-            <a:extLst>
-              <a:ext uri="{FF2B5EF4-FFF2-40B4-BE49-F238E27FC236}">
-                <a16:creationId xmlns:a16="http://schemas.microsoft.com/office/drawing/2014/main" id="{4F16C488-4FF1-4585-920D-7A33B0C4E63C}"/>
-              </a:ext>
-            </a:extLst>
-          </p:cNvPr>
-          <p:cNvSpPr>
-            <a:spLocks noGrp="1"/>
-          </p:cNvSpPr>
-          <p:nvPr>
-            <p:ph type="title"/>
-          </p:nvPr>
-        </p:nvSpPr>
-        <p:spPr/>
-        <p:txBody>
-          <a:bodyPr/>
-          <a:lstStyle/>
-          <a:p>
-            <a:pPr algn="ctr"/>
-            <a:r>
-              <a:rPr lang="de-DE" dirty="0"/>
-              <a:t>Programmarchitektur</a:t>
-            </a:r>
-          </a:p>
-        </p:txBody>
-      </p:sp>
       <p:pic>
         <p:nvPicPr>
           <p:cNvPr id="5" name="Grafik 4">
             <a:extLst>
               <a:ext uri="{FF2B5EF4-FFF2-40B4-BE49-F238E27FC236}">
-                <a16:creationId xmlns:a16="http://schemas.microsoft.com/office/drawing/2014/main" id="{4D5B05B6-15C9-4613-867D-6DB17DBECD68}"/>
+                <a16:creationId xmlns:a16="http://schemas.microsoft.com/office/drawing/2014/main" id="{E1837C38-8E20-4F5B-A4D1-D8707CB3D493}"/>
               </a:ext>
             </a:extLst>
           </p:cNvPr>
@@ -4274,8 +4247,44 @@
         </p:blipFill>
         <p:spPr>
           <a:xfrm>
-            <a:off x="1942915" y="2598383"/>
-            <a:ext cx="8306170" cy="1661234"/>
+            <a:off x="108375" y="904876"/>
+            <a:ext cx="5940000" cy="5369057"/>
+          </a:xfrm>
+          <a:prstGeom prst="rect">
+            <a:avLst/>
+          </a:prstGeom>
+        </p:spPr>
+      </p:pic>
+      <p:pic>
+        <p:nvPicPr>
+          <p:cNvPr id="7" name="Grafik 6">
+            <a:extLst>
+              <a:ext uri="{FF2B5EF4-FFF2-40B4-BE49-F238E27FC236}">
+                <a16:creationId xmlns:a16="http://schemas.microsoft.com/office/drawing/2014/main" id="{E9C3A602-4B43-49BF-BE1C-138362F8BEDC}"/>
+              </a:ext>
+            </a:extLst>
+          </p:cNvPr>
+          <p:cNvPicPr>
+            <a:picLocks noChangeAspect="1"/>
+          </p:cNvPicPr>
+          <p:nvPr/>
+        </p:nvPicPr>
+        <p:blipFill>
+          <a:blip r:embed="rId3">
+            <a:extLst>
+              <a:ext uri="{28A0092B-C50C-407E-A947-70E740481C1C}">
+                <a14:useLocalDpi xmlns:a14="http://schemas.microsoft.com/office/drawing/2010/main" val="0"/>
+              </a:ext>
+            </a:extLst>
+          </a:blip>
+          <a:stretch>
+            <a:fillRect/>
+          </a:stretch>
+        </p:blipFill>
+        <p:spPr>
+          <a:xfrm>
+            <a:off x="6143627" y="1547317"/>
+            <a:ext cx="5940000" cy="4084174"/>
           </a:xfrm>
           <a:prstGeom prst="rect">
             <a:avLst/>
@@ -4285,7 +4294,7 @@
     </p:spTree>
     <p:extLst>
       <p:ext uri="{BB962C8B-B14F-4D97-AF65-F5344CB8AC3E}">
-        <p14:creationId xmlns:p14="http://schemas.microsoft.com/office/powerpoint/2010/main" val="3259026310"/>
+        <p14:creationId xmlns:p14="http://schemas.microsoft.com/office/powerpoint/2010/main" val="2964168995"/>
       </p:ext>
     </p:extLst>
   </p:cSld>
@@ -4314,10 +4323,10 @@
       </p:grpSpPr>
       <p:pic>
         <p:nvPicPr>
-          <p:cNvPr id="3" name="Grafik 2">
-            <a:extLst>
-              <a:ext uri="{FF2B5EF4-FFF2-40B4-BE49-F238E27FC236}">
-                <a16:creationId xmlns:a16="http://schemas.microsoft.com/office/drawing/2014/main" id="{01F19408-53B3-4497-AEBF-1CDA8E55236C}"/>
+          <p:cNvPr id="6" name="Grafik 5">
+            <a:extLst>
+              <a:ext uri="{FF2B5EF4-FFF2-40B4-BE49-F238E27FC236}">
+                <a16:creationId xmlns:a16="http://schemas.microsoft.com/office/drawing/2014/main" id="{90766673-93D3-4299-B0ED-A87E4DF7D47E}"/>
               </a:ext>
             </a:extLst>
           </p:cNvPr>
@@ -4351,7 +4360,7 @@
     </p:spTree>
     <p:extLst>
       <p:ext uri="{BB962C8B-B14F-4D97-AF65-F5344CB8AC3E}">
-        <p14:creationId xmlns:p14="http://schemas.microsoft.com/office/powerpoint/2010/main" val="713319763"/>
+        <p14:creationId xmlns:p14="http://schemas.microsoft.com/office/powerpoint/2010/main" val="1921487758"/>
       </p:ext>
     </p:extLst>
   </p:cSld>
@@ -4383,7 +4392,7 @@
           <p:cNvPr id="3" name="Grafik 2">
             <a:extLst>
               <a:ext uri="{FF2B5EF4-FFF2-40B4-BE49-F238E27FC236}">
-                <a16:creationId xmlns:a16="http://schemas.microsoft.com/office/drawing/2014/main" id="{667305B3-1515-4AC9-9DBA-0694D298AB59}"/>
+                <a16:creationId xmlns:a16="http://schemas.microsoft.com/office/drawing/2014/main" id="{502AE3CC-A56F-4D4E-BF68-CBE428D25D58}"/>
               </a:ext>
             </a:extLst>
           </p:cNvPr>
@@ -4417,7 +4426,7 @@
     </p:spTree>
     <p:extLst>
       <p:ext uri="{BB962C8B-B14F-4D97-AF65-F5344CB8AC3E}">
-        <p14:creationId xmlns:p14="http://schemas.microsoft.com/office/powerpoint/2010/main" val="416377263"/>
+        <p14:creationId xmlns:p14="http://schemas.microsoft.com/office/powerpoint/2010/main" val="1433811481"/>
       </p:ext>
     </p:extLst>
   </p:cSld>
@@ -4449,7 +4458,7 @@
           <p:cNvPr id="3" name="Grafik 2">
             <a:extLst>
               <a:ext uri="{FF2B5EF4-FFF2-40B4-BE49-F238E27FC236}">
-                <a16:creationId xmlns:a16="http://schemas.microsoft.com/office/drawing/2014/main" id="{EC78A930-6D3B-4635-B2AD-1B6CEE5AA539}"/>
+                <a16:creationId xmlns:a16="http://schemas.microsoft.com/office/drawing/2014/main" id="{01F19408-53B3-4497-AEBF-1CDA8E55236C}"/>
               </a:ext>
             </a:extLst>
           </p:cNvPr>
@@ -4483,7 +4492,7 @@
     </p:spTree>
     <p:extLst>
       <p:ext uri="{BB962C8B-B14F-4D97-AF65-F5344CB8AC3E}">
-        <p14:creationId xmlns:p14="http://schemas.microsoft.com/office/powerpoint/2010/main" val="2075617833"/>
+        <p14:creationId xmlns:p14="http://schemas.microsoft.com/office/powerpoint/2010/main" val="713319763"/>
       </p:ext>
     </p:extLst>
   </p:cSld>
@@ -4515,7 +4524,7 @@
           <p:cNvPr id="3" name="Grafik 2">
             <a:extLst>
               <a:ext uri="{FF2B5EF4-FFF2-40B4-BE49-F238E27FC236}">
-                <a16:creationId xmlns:a16="http://schemas.microsoft.com/office/drawing/2014/main" id="{CE183081-8D9D-473B-B044-EA7BD7D521E1}"/>
+                <a16:creationId xmlns:a16="http://schemas.microsoft.com/office/drawing/2014/main" id="{667305B3-1515-4AC9-9DBA-0694D298AB59}"/>
               </a:ext>
             </a:extLst>
           </p:cNvPr>
@@ -4549,7 +4558,7 @@
     </p:spTree>
     <p:extLst>
       <p:ext uri="{BB962C8B-B14F-4D97-AF65-F5344CB8AC3E}">
-        <p14:creationId xmlns:p14="http://schemas.microsoft.com/office/powerpoint/2010/main" val="916425364"/>
+        <p14:creationId xmlns:p14="http://schemas.microsoft.com/office/powerpoint/2010/main" val="416377263"/>
       </p:ext>
     </p:extLst>
   </p:cSld>
@@ -4581,7 +4590,7 @@
           <p:cNvPr id="3" name="Grafik 2">
             <a:extLst>
               <a:ext uri="{FF2B5EF4-FFF2-40B4-BE49-F238E27FC236}">
-                <a16:creationId xmlns:a16="http://schemas.microsoft.com/office/drawing/2014/main" id="{3C1339F4-AE7A-4206-A0F8-17C8125258DF}"/>
+                <a16:creationId xmlns:a16="http://schemas.microsoft.com/office/drawing/2014/main" id="{EC78A930-6D3B-4635-B2AD-1B6CEE5AA539}"/>
               </a:ext>
             </a:extLst>
           </p:cNvPr>
@@ -4615,7 +4624,7 @@
     </p:spTree>
     <p:extLst>
       <p:ext uri="{BB962C8B-B14F-4D97-AF65-F5344CB8AC3E}">
-        <p14:creationId xmlns:p14="http://schemas.microsoft.com/office/powerpoint/2010/main" val="22193534"/>
+        <p14:creationId xmlns:p14="http://schemas.microsoft.com/office/powerpoint/2010/main" val="2075617833"/>
       </p:ext>
     </p:extLst>
   </p:cSld>
@@ -4647,7 +4656,7 @@
           <p:cNvPr id="3" name="Grafik 2">
             <a:extLst>
               <a:ext uri="{FF2B5EF4-FFF2-40B4-BE49-F238E27FC236}">
-                <a16:creationId xmlns:a16="http://schemas.microsoft.com/office/drawing/2014/main" id="{C04A14DA-F6D0-4EDE-99D1-58C21FC8B0C4}"/>
+                <a16:creationId xmlns:a16="http://schemas.microsoft.com/office/drawing/2014/main" id="{CE183081-8D9D-473B-B044-EA7BD7D521E1}"/>
               </a:ext>
             </a:extLst>
           </p:cNvPr>
@@ -4681,7 +4690,7 @@
     </p:spTree>
     <p:extLst>
       <p:ext uri="{BB962C8B-B14F-4D97-AF65-F5344CB8AC3E}">
-        <p14:creationId xmlns:p14="http://schemas.microsoft.com/office/powerpoint/2010/main" val="1879504982"/>
+        <p14:creationId xmlns:p14="http://schemas.microsoft.com/office/powerpoint/2010/main" val="916425364"/>
       </p:ext>
     </p:extLst>
   </p:cSld>
@@ -4713,7 +4722,7 @@
           <p:cNvPr id="3" name="Grafik 2">
             <a:extLst>
               <a:ext uri="{FF2B5EF4-FFF2-40B4-BE49-F238E27FC236}">
-                <a16:creationId xmlns:a16="http://schemas.microsoft.com/office/drawing/2014/main" id="{A10346B5-E2D3-4562-AD59-E89EE4900F2A}"/>
+                <a16:creationId xmlns:a16="http://schemas.microsoft.com/office/drawing/2014/main" id="{3C1339F4-AE7A-4206-A0F8-17C8125258DF}"/>
               </a:ext>
             </a:extLst>
           </p:cNvPr>
@@ -4747,7 +4756,7 @@
     </p:spTree>
     <p:extLst>
       <p:ext uri="{BB962C8B-B14F-4D97-AF65-F5344CB8AC3E}">
-        <p14:creationId xmlns:p14="http://schemas.microsoft.com/office/powerpoint/2010/main" val="2426122576"/>
+        <p14:creationId xmlns:p14="http://schemas.microsoft.com/office/powerpoint/2010/main" val="22193534"/>
       </p:ext>
     </p:extLst>
   </p:cSld>
@@ -4779,7 +4788,7 @@
           <p:cNvPr id="3" name="Grafik 2">
             <a:extLst>
               <a:ext uri="{FF2B5EF4-FFF2-40B4-BE49-F238E27FC236}">
-                <a16:creationId xmlns:a16="http://schemas.microsoft.com/office/drawing/2014/main" id="{E535035E-F151-4EFE-8D21-B0FBC04B74D3}"/>
+                <a16:creationId xmlns:a16="http://schemas.microsoft.com/office/drawing/2014/main" id="{C04A14DA-F6D0-4EDE-99D1-58C21FC8B0C4}"/>
               </a:ext>
             </a:extLst>
           </p:cNvPr>
@@ -4813,7 +4822,7 @@
     </p:spTree>
     <p:extLst>
       <p:ext uri="{BB962C8B-B14F-4D97-AF65-F5344CB8AC3E}">
-        <p14:creationId xmlns:p14="http://schemas.microsoft.com/office/powerpoint/2010/main" val="3292931433"/>
+        <p14:creationId xmlns:p14="http://schemas.microsoft.com/office/powerpoint/2010/main" val="1879504982"/>
       </p:ext>
     </p:extLst>
   </p:cSld>
@@ -4842,10 +4851,10 @@
       </p:grpSpPr>
       <p:pic>
         <p:nvPicPr>
-          <p:cNvPr id="4" name="Grafik 3">
-            <a:extLst>
-              <a:ext uri="{FF2B5EF4-FFF2-40B4-BE49-F238E27FC236}">
-                <a16:creationId xmlns:a16="http://schemas.microsoft.com/office/drawing/2014/main" id="{4B335499-A68F-4B4B-9719-FB1DF3129E59}"/>
+          <p:cNvPr id="3" name="Grafik 2">
+            <a:extLst>
+              <a:ext uri="{FF2B5EF4-FFF2-40B4-BE49-F238E27FC236}">
+                <a16:creationId xmlns:a16="http://schemas.microsoft.com/office/drawing/2014/main" id="{A10346B5-E2D3-4562-AD59-E89EE4900F2A}"/>
               </a:ext>
             </a:extLst>
           </p:cNvPr>
@@ -4879,7 +4888,7 @@
     </p:spTree>
     <p:extLst>
       <p:ext uri="{BB962C8B-B14F-4D97-AF65-F5344CB8AC3E}">
-        <p14:creationId xmlns:p14="http://schemas.microsoft.com/office/powerpoint/2010/main" val="3329553523"/>
+        <p14:creationId xmlns:p14="http://schemas.microsoft.com/office/powerpoint/2010/main" val="2426122576"/>
       </p:ext>
     </p:extLst>
   </p:cSld>
@@ -4908,10 +4917,10 @@
       </p:grpSpPr>
       <p:pic>
         <p:nvPicPr>
-          <p:cNvPr id="4" name="Grafik 3">
-            <a:extLst>
-              <a:ext uri="{FF2B5EF4-FFF2-40B4-BE49-F238E27FC236}">
-                <a16:creationId xmlns:a16="http://schemas.microsoft.com/office/drawing/2014/main" id="{4F140CE2-226C-4E5E-9746-BDCB640BFE2F}"/>
+          <p:cNvPr id="3" name="Grafik 2">
+            <a:extLst>
+              <a:ext uri="{FF2B5EF4-FFF2-40B4-BE49-F238E27FC236}">
+                <a16:creationId xmlns:a16="http://schemas.microsoft.com/office/drawing/2014/main" id="{E535035E-F151-4EFE-8D21-B0FBC04B74D3}"/>
               </a:ext>
             </a:extLst>
           </p:cNvPr>
@@ -4945,7 +4954,7 @@
     </p:spTree>
     <p:extLst>
       <p:ext uri="{BB962C8B-B14F-4D97-AF65-F5344CB8AC3E}">
-        <p14:creationId xmlns:p14="http://schemas.microsoft.com/office/powerpoint/2010/main" val="40063947"/>
+        <p14:creationId xmlns:p14="http://schemas.microsoft.com/office/powerpoint/2010/main" val="3292931433"/>
       </p:ext>
     </p:extLst>
   </p:cSld>
@@ -4972,52 +4981,12 @@
           <a:chExt cx="0" cy="0"/>
         </a:xfrm>
       </p:grpSpPr>
-      <p:sp>
-        <p:nvSpPr>
-          <p:cNvPr id="2" name="Titel 1">
-            <a:extLst>
-              <a:ext uri="{FF2B5EF4-FFF2-40B4-BE49-F238E27FC236}">
-                <a16:creationId xmlns:a16="http://schemas.microsoft.com/office/drawing/2014/main" id="{5256B1C5-1D4C-4D98-8251-FCEF7F539467}"/>
-              </a:ext>
-            </a:extLst>
-          </p:cNvPr>
-          <p:cNvSpPr>
-            <a:spLocks noGrp="1"/>
-          </p:cNvSpPr>
-          <p:nvPr>
-            <p:ph type="title"/>
-          </p:nvPr>
-        </p:nvSpPr>
-        <p:spPr>
-          <a:xfrm>
-            <a:off x="261146" y="0"/>
-            <a:ext cx="10515600" cy="1325563"/>
-          </a:xfrm>
-        </p:spPr>
-        <p:txBody>
-          <a:bodyPr>
-            <a:normAutofit/>
-          </a:bodyPr>
-          <a:lstStyle/>
-          <a:p>
-            <a:r>
-              <a:rPr lang="de-DE" sz="4000" dirty="0" err="1">
-                <a:latin typeface="Consolas" panose="020B0609020204030204" pitchFamily="49" charset="0"/>
-              </a:rPr>
-              <a:t>edu.kit.loop.controller</a:t>
-            </a:r>
-            <a:endParaRPr lang="de-DE" sz="4000" dirty="0">
-              <a:latin typeface="Consolas" panose="020B0609020204030204" pitchFamily="49" charset="0"/>
-            </a:endParaRPr>
-          </a:p>
-        </p:txBody>
-      </p:sp>
       <p:pic>
         <p:nvPicPr>
-          <p:cNvPr id="4" name="Grafik 3">
-            <a:extLst>
-              <a:ext uri="{FF2B5EF4-FFF2-40B4-BE49-F238E27FC236}">
-                <a16:creationId xmlns:a16="http://schemas.microsoft.com/office/drawing/2014/main" id="{02B4A6A7-27D8-4132-B08F-0714853EB9F8}"/>
+          <p:cNvPr id="3" name="Grafik 2">
+            <a:extLst>
+              <a:ext uri="{FF2B5EF4-FFF2-40B4-BE49-F238E27FC236}">
+                <a16:creationId xmlns:a16="http://schemas.microsoft.com/office/drawing/2014/main" id="{40E779CD-1AC5-44AB-9A99-0D1078EAFEE2}"/>
               </a:ext>
             </a:extLst>
           </p:cNvPr>
@@ -5040,8 +5009,8 @@
         </p:blipFill>
         <p:spPr>
           <a:xfrm>
-            <a:off x="839191" y="1142053"/>
-            <a:ext cx="10513618" cy="5472000"/>
+            <a:off x="2463617" y="357253"/>
+            <a:ext cx="7264765" cy="6143493"/>
           </a:xfrm>
           <a:prstGeom prst="rect">
             <a:avLst/>
@@ -5051,7 +5020,7 @@
     </p:spTree>
     <p:extLst>
       <p:ext uri="{BB962C8B-B14F-4D97-AF65-F5344CB8AC3E}">
-        <p14:creationId xmlns:p14="http://schemas.microsoft.com/office/powerpoint/2010/main" val="3373265405"/>
+        <p14:creationId xmlns:p14="http://schemas.microsoft.com/office/powerpoint/2010/main" val="2674614690"/>
       </p:ext>
     </p:extLst>
   </p:cSld>
@@ -5080,10 +5049,10 @@
       </p:grpSpPr>
       <p:pic>
         <p:nvPicPr>
-          <p:cNvPr id="3" name="Grafik 2">
-            <a:extLst>
-              <a:ext uri="{FF2B5EF4-FFF2-40B4-BE49-F238E27FC236}">
-                <a16:creationId xmlns:a16="http://schemas.microsoft.com/office/drawing/2014/main" id="{F1B69A1D-5013-480D-A5A9-CD05215DEFE3}"/>
+          <p:cNvPr id="4" name="Grafik 3">
+            <a:extLst>
+              <a:ext uri="{FF2B5EF4-FFF2-40B4-BE49-F238E27FC236}">
+                <a16:creationId xmlns:a16="http://schemas.microsoft.com/office/drawing/2014/main" id="{4B335499-A68F-4B4B-9719-FB1DF3129E59}"/>
               </a:ext>
             </a:extLst>
           </p:cNvPr>
@@ -5106,8 +5075,8 @@
         </p:blipFill>
         <p:spPr>
           <a:xfrm>
-            <a:off x="1261258" y="306000"/>
-            <a:ext cx="9669484" cy="6552000"/>
+            <a:off x="730582" y="306000"/>
+            <a:ext cx="10730835" cy="6552000"/>
           </a:xfrm>
           <a:prstGeom prst="rect">
             <a:avLst/>
@@ -5117,7 +5086,7 @@
     </p:spTree>
     <p:extLst>
       <p:ext uri="{BB962C8B-B14F-4D97-AF65-F5344CB8AC3E}">
-        <p14:creationId xmlns:p14="http://schemas.microsoft.com/office/powerpoint/2010/main" val="2530528545"/>
+        <p14:creationId xmlns:p14="http://schemas.microsoft.com/office/powerpoint/2010/main" val="3329553523"/>
       </p:ext>
     </p:extLst>
   </p:cSld>
@@ -5146,10 +5115,10 @@
       </p:grpSpPr>
       <p:pic>
         <p:nvPicPr>
-          <p:cNvPr id="3" name="Grafik 2">
-            <a:extLst>
-              <a:ext uri="{FF2B5EF4-FFF2-40B4-BE49-F238E27FC236}">
-                <a16:creationId xmlns:a16="http://schemas.microsoft.com/office/drawing/2014/main" id="{74C14528-529D-4056-B1D2-467027CA2F5F}"/>
+          <p:cNvPr id="4" name="Grafik 3">
+            <a:extLst>
+              <a:ext uri="{FF2B5EF4-FFF2-40B4-BE49-F238E27FC236}">
+                <a16:creationId xmlns:a16="http://schemas.microsoft.com/office/drawing/2014/main" id="{4F140CE2-226C-4E5E-9746-BDCB640BFE2F}"/>
               </a:ext>
             </a:extLst>
           </p:cNvPr>
@@ -5172,8 +5141,8 @@
         </p:blipFill>
         <p:spPr>
           <a:xfrm>
-            <a:off x="1261258" y="306000"/>
-            <a:ext cx="9669484" cy="6552000"/>
+            <a:off x="730582" y="306000"/>
+            <a:ext cx="10730835" cy="6552000"/>
           </a:xfrm>
           <a:prstGeom prst="rect">
             <a:avLst/>
@@ -5183,7 +5152,7 @@
     </p:spTree>
     <p:extLst>
       <p:ext uri="{BB962C8B-B14F-4D97-AF65-F5344CB8AC3E}">
-        <p14:creationId xmlns:p14="http://schemas.microsoft.com/office/powerpoint/2010/main" val="139360424"/>
+        <p14:creationId xmlns:p14="http://schemas.microsoft.com/office/powerpoint/2010/main" val="40063947"/>
       </p:ext>
     </p:extLst>
   </p:cSld>
@@ -5215,7 +5184,7 @@
           <p:cNvPr id="3" name="Grafik 2">
             <a:extLst>
               <a:ext uri="{FF2B5EF4-FFF2-40B4-BE49-F238E27FC236}">
-                <a16:creationId xmlns:a16="http://schemas.microsoft.com/office/drawing/2014/main" id="{24D52251-93B7-4C00-89EE-C0F7D0E673E5}"/>
+                <a16:creationId xmlns:a16="http://schemas.microsoft.com/office/drawing/2014/main" id="{F1B69A1D-5013-480D-A5A9-CD05215DEFE3}"/>
               </a:ext>
             </a:extLst>
           </p:cNvPr>
@@ -5249,7 +5218,7 @@
     </p:spTree>
     <p:extLst>
       <p:ext uri="{BB962C8B-B14F-4D97-AF65-F5344CB8AC3E}">
-        <p14:creationId xmlns:p14="http://schemas.microsoft.com/office/powerpoint/2010/main" val="1339252522"/>
+        <p14:creationId xmlns:p14="http://schemas.microsoft.com/office/powerpoint/2010/main" val="2530528545"/>
       </p:ext>
     </p:extLst>
   </p:cSld>
@@ -5281,7 +5250,7 @@
           <p:cNvPr id="3" name="Grafik 2">
             <a:extLst>
               <a:ext uri="{FF2B5EF4-FFF2-40B4-BE49-F238E27FC236}">
-                <a16:creationId xmlns:a16="http://schemas.microsoft.com/office/drawing/2014/main" id="{CBB7FF95-0178-492D-A94D-D651307C5399}"/>
+                <a16:creationId xmlns:a16="http://schemas.microsoft.com/office/drawing/2014/main" id="{74C14528-529D-4056-B1D2-467027CA2F5F}"/>
               </a:ext>
             </a:extLst>
           </p:cNvPr>
@@ -5315,7 +5284,7 @@
     </p:spTree>
     <p:extLst>
       <p:ext uri="{BB962C8B-B14F-4D97-AF65-F5344CB8AC3E}">
-        <p14:creationId xmlns:p14="http://schemas.microsoft.com/office/powerpoint/2010/main" val="2212243807"/>
+        <p14:creationId xmlns:p14="http://schemas.microsoft.com/office/powerpoint/2010/main" val="139360424"/>
       </p:ext>
     </p:extLst>
   </p:cSld>
@@ -5347,7 +5316,7 @@
           <p:cNvPr id="3" name="Grafik 2">
             <a:extLst>
               <a:ext uri="{FF2B5EF4-FFF2-40B4-BE49-F238E27FC236}">
-                <a16:creationId xmlns:a16="http://schemas.microsoft.com/office/drawing/2014/main" id="{BFECDDF8-8257-41A0-9F73-9341228ACF8C}"/>
+                <a16:creationId xmlns:a16="http://schemas.microsoft.com/office/drawing/2014/main" id="{24D52251-93B7-4C00-89EE-C0F7D0E673E5}"/>
               </a:ext>
             </a:extLst>
           </p:cNvPr>
@@ -5381,7 +5350,7 @@
     </p:spTree>
     <p:extLst>
       <p:ext uri="{BB962C8B-B14F-4D97-AF65-F5344CB8AC3E}">
-        <p14:creationId xmlns:p14="http://schemas.microsoft.com/office/powerpoint/2010/main" val="1332327910"/>
+        <p14:creationId xmlns:p14="http://schemas.microsoft.com/office/powerpoint/2010/main" val="1339252522"/>
       </p:ext>
     </p:extLst>
   </p:cSld>
@@ -5413,7 +5382,7 @@
           <p:cNvPr id="3" name="Grafik 2">
             <a:extLst>
               <a:ext uri="{FF2B5EF4-FFF2-40B4-BE49-F238E27FC236}">
-                <a16:creationId xmlns:a16="http://schemas.microsoft.com/office/drawing/2014/main" id="{A21A8053-4DBB-4566-86D3-DF2046414998}"/>
+                <a16:creationId xmlns:a16="http://schemas.microsoft.com/office/drawing/2014/main" id="{CBB7FF95-0178-492D-A94D-D651307C5399}"/>
               </a:ext>
             </a:extLst>
           </p:cNvPr>
@@ -5447,7 +5416,7 @@
     </p:spTree>
     <p:extLst>
       <p:ext uri="{BB962C8B-B14F-4D97-AF65-F5344CB8AC3E}">
-        <p14:creationId xmlns:p14="http://schemas.microsoft.com/office/powerpoint/2010/main" val="198664142"/>
+        <p14:creationId xmlns:p14="http://schemas.microsoft.com/office/powerpoint/2010/main" val="2212243807"/>
       </p:ext>
     </p:extLst>
   </p:cSld>
@@ -5479,7 +5448,7 @@
           <p:cNvPr id="3" name="Grafik 2">
             <a:extLst>
               <a:ext uri="{FF2B5EF4-FFF2-40B4-BE49-F238E27FC236}">
-                <a16:creationId xmlns:a16="http://schemas.microsoft.com/office/drawing/2014/main" id="{6795F879-C733-4561-B352-C93AFD0C6129}"/>
+                <a16:creationId xmlns:a16="http://schemas.microsoft.com/office/drawing/2014/main" id="{BFECDDF8-8257-41A0-9F73-9341228ACF8C}"/>
               </a:ext>
             </a:extLst>
           </p:cNvPr>
@@ -5502,8 +5471,8 @@
         </p:blipFill>
         <p:spPr>
           <a:xfrm>
-            <a:off x="776554" y="306000"/>
-            <a:ext cx="10638891" cy="6552000"/>
+            <a:off x="1261258" y="306000"/>
+            <a:ext cx="9669484" cy="6552000"/>
           </a:xfrm>
           <a:prstGeom prst="rect">
             <a:avLst/>
@@ -5513,7 +5482,7 @@
     </p:spTree>
     <p:extLst>
       <p:ext uri="{BB962C8B-B14F-4D97-AF65-F5344CB8AC3E}">
-        <p14:creationId xmlns:p14="http://schemas.microsoft.com/office/powerpoint/2010/main" val="4117847281"/>
+        <p14:creationId xmlns:p14="http://schemas.microsoft.com/office/powerpoint/2010/main" val="1332327910"/>
       </p:ext>
     </p:extLst>
   </p:cSld>
@@ -5545,7 +5514,7 @@
           <p:cNvPr id="3" name="Grafik 2">
             <a:extLst>
               <a:ext uri="{FF2B5EF4-FFF2-40B4-BE49-F238E27FC236}">
-                <a16:creationId xmlns:a16="http://schemas.microsoft.com/office/drawing/2014/main" id="{E7EFE7F9-36D5-4AB7-A768-EABC62F899C9}"/>
+                <a16:creationId xmlns:a16="http://schemas.microsoft.com/office/drawing/2014/main" id="{A21A8053-4DBB-4566-86D3-DF2046414998}"/>
               </a:ext>
             </a:extLst>
           </p:cNvPr>
@@ -5568,8 +5537,8 @@
         </p:blipFill>
         <p:spPr>
           <a:xfrm>
-            <a:off x="776554" y="306000"/>
-            <a:ext cx="10638891" cy="6552000"/>
+            <a:off x="1261258" y="306000"/>
+            <a:ext cx="9669484" cy="6552000"/>
           </a:xfrm>
           <a:prstGeom prst="rect">
             <a:avLst/>
@@ -5579,7 +5548,7 @@
     </p:spTree>
     <p:extLst>
       <p:ext uri="{BB962C8B-B14F-4D97-AF65-F5344CB8AC3E}">
-        <p14:creationId xmlns:p14="http://schemas.microsoft.com/office/powerpoint/2010/main" val="4088778174"/>
+        <p14:creationId xmlns:p14="http://schemas.microsoft.com/office/powerpoint/2010/main" val="198664142"/>
       </p:ext>
     </p:extLst>
   </p:cSld>
@@ -5611,7 +5580,7 @@
           <p:cNvPr id="3" name="Grafik 2">
             <a:extLst>
               <a:ext uri="{FF2B5EF4-FFF2-40B4-BE49-F238E27FC236}">
-                <a16:creationId xmlns:a16="http://schemas.microsoft.com/office/drawing/2014/main" id="{123C77B7-F9FF-433C-B387-741F1CD15113}"/>
+                <a16:creationId xmlns:a16="http://schemas.microsoft.com/office/drawing/2014/main" id="{6795F879-C733-4561-B352-C93AFD0C6129}"/>
               </a:ext>
             </a:extLst>
           </p:cNvPr>
@@ -5645,7 +5614,7 @@
     </p:spTree>
     <p:extLst>
       <p:ext uri="{BB962C8B-B14F-4D97-AF65-F5344CB8AC3E}">
-        <p14:creationId xmlns:p14="http://schemas.microsoft.com/office/powerpoint/2010/main" val="2948140022"/>
+        <p14:creationId xmlns:p14="http://schemas.microsoft.com/office/powerpoint/2010/main" val="4117847281"/>
       </p:ext>
     </p:extLst>
   </p:cSld>
@@ -5677,7 +5646,7 @@
           <p:cNvPr id="3" name="Grafik 2">
             <a:extLst>
               <a:ext uri="{FF2B5EF4-FFF2-40B4-BE49-F238E27FC236}">
-                <a16:creationId xmlns:a16="http://schemas.microsoft.com/office/drawing/2014/main" id="{92883817-6741-4A51-8BAC-08763D981C3E}"/>
+                <a16:creationId xmlns:a16="http://schemas.microsoft.com/office/drawing/2014/main" id="{E7EFE7F9-36D5-4AB7-A768-EABC62F899C9}"/>
               </a:ext>
             </a:extLst>
           </p:cNvPr>
@@ -5711,7 +5680,7 @@
     </p:spTree>
     <p:extLst>
       <p:ext uri="{BB962C8B-B14F-4D97-AF65-F5344CB8AC3E}">
-        <p14:creationId xmlns:p14="http://schemas.microsoft.com/office/powerpoint/2010/main" val="1739396249"/>
+        <p14:creationId xmlns:p14="http://schemas.microsoft.com/office/powerpoint/2010/main" val="4088778174"/>
       </p:ext>
     </p:extLst>
   </p:cSld>
@@ -5738,12 +5707,41 @@
           <a:chExt cx="0" cy="0"/>
         </a:xfrm>
       </p:grpSpPr>
+      <p:sp>
+        <p:nvSpPr>
+          <p:cNvPr id="2" name="Titel 1">
+            <a:extLst>
+              <a:ext uri="{FF2B5EF4-FFF2-40B4-BE49-F238E27FC236}">
+                <a16:creationId xmlns:a16="http://schemas.microsoft.com/office/drawing/2014/main" id="{4F16C488-4FF1-4585-920D-7A33B0C4E63C}"/>
+              </a:ext>
+            </a:extLst>
+          </p:cNvPr>
+          <p:cNvSpPr>
+            <a:spLocks noGrp="1"/>
+          </p:cNvSpPr>
+          <p:nvPr>
+            <p:ph type="title"/>
+          </p:nvPr>
+        </p:nvSpPr>
+        <p:spPr/>
+        <p:txBody>
+          <a:bodyPr/>
+          <a:lstStyle/>
+          <a:p>
+            <a:pPr algn="ctr"/>
+            <a:r>
+              <a:rPr lang="de-DE" dirty="0"/>
+              <a:t>Programmarchitektur</a:t>
+            </a:r>
+          </a:p>
+        </p:txBody>
+      </p:sp>
       <p:pic>
         <p:nvPicPr>
-          <p:cNvPr id="8" name="Grafik 7">
-            <a:extLst>
-              <a:ext uri="{FF2B5EF4-FFF2-40B4-BE49-F238E27FC236}">
-                <a16:creationId xmlns:a16="http://schemas.microsoft.com/office/drawing/2014/main" id="{78ABB330-FF23-43B4-9484-2525861F7C32}"/>
+          <p:cNvPr id="5" name="Grafik 4">
+            <a:extLst>
+              <a:ext uri="{FF2B5EF4-FFF2-40B4-BE49-F238E27FC236}">
+                <a16:creationId xmlns:a16="http://schemas.microsoft.com/office/drawing/2014/main" id="{4D5B05B6-15C9-4613-867D-6DB17DBECD68}"/>
               </a:ext>
             </a:extLst>
           </p:cNvPr>
@@ -5766,8 +5764,8 @@
         </p:blipFill>
         <p:spPr>
           <a:xfrm>
-            <a:off x="2088466" y="306000"/>
-            <a:ext cx="8015068" cy="6552000"/>
+            <a:off x="1942915" y="2598383"/>
+            <a:ext cx="8306170" cy="1661234"/>
           </a:xfrm>
           <a:prstGeom prst="rect">
             <a:avLst/>
@@ -5777,7 +5775,7 @@
     </p:spTree>
     <p:extLst>
       <p:ext uri="{BB962C8B-B14F-4D97-AF65-F5344CB8AC3E}">
-        <p14:creationId xmlns:p14="http://schemas.microsoft.com/office/powerpoint/2010/main" val="2158313476"/>
+        <p14:creationId xmlns:p14="http://schemas.microsoft.com/office/powerpoint/2010/main" val="3259026310"/>
       </p:ext>
     </p:extLst>
   </p:cSld>
@@ -5809,7 +5807,7 @@
           <p:cNvPr id="3" name="Grafik 2">
             <a:extLst>
               <a:ext uri="{FF2B5EF4-FFF2-40B4-BE49-F238E27FC236}">
-                <a16:creationId xmlns:a16="http://schemas.microsoft.com/office/drawing/2014/main" id="{964D8A2C-101D-4ED6-956D-AC548A7A66AA}"/>
+                <a16:creationId xmlns:a16="http://schemas.microsoft.com/office/drawing/2014/main" id="{123C77B7-F9FF-433C-B387-741F1CD15113}"/>
               </a:ext>
             </a:extLst>
           </p:cNvPr>
@@ -5843,7 +5841,7 @@
     </p:spTree>
     <p:extLst>
       <p:ext uri="{BB962C8B-B14F-4D97-AF65-F5344CB8AC3E}">
-        <p14:creationId xmlns:p14="http://schemas.microsoft.com/office/powerpoint/2010/main" val="3814987899"/>
+        <p14:creationId xmlns:p14="http://schemas.microsoft.com/office/powerpoint/2010/main" val="2948140022"/>
       </p:ext>
     </p:extLst>
   </p:cSld>
@@ -5875,7 +5873,7 @@
           <p:cNvPr id="3" name="Grafik 2">
             <a:extLst>
               <a:ext uri="{FF2B5EF4-FFF2-40B4-BE49-F238E27FC236}">
-                <a16:creationId xmlns:a16="http://schemas.microsoft.com/office/drawing/2014/main" id="{F2CCD83D-519E-4E4D-8398-5DB74C1C05AA}"/>
+                <a16:creationId xmlns:a16="http://schemas.microsoft.com/office/drawing/2014/main" id="{92883817-6741-4A51-8BAC-08763D981C3E}"/>
               </a:ext>
             </a:extLst>
           </p:cNvPr>
@@ -5909,7 +5907,7 @@
     </p:spTree>
     <p:extLst>
       <p:ext uri="{BB962C8B-B14F-4D97-AF65-F5344CB8AC3E}">
-        <p14:creationId xmlns:p14="http://schemas.microsoft.com/office/powerpoint/2010/main" val="2751774563"/>
+        <p14:creationId xmlns:p14="http://schemas.microsoft.com/office/powerpoint/2010/main" val="1739396249"/>
       </p:ext>
     </p:extLst>
   </p:cSld>
@@ -5941,7 +5939,7 @@
           <p:cNvPr id="3" name="Grafik 2">
             <a:extLst>
               <a:ext uri="{FF2B5EF4-FFF2-40B4-BE49-F238E27FC236}">
-                <a16:creationId xmlns:a16="http://schemas.microsoft.com/office/drawing/2014/main" id="{71A1B9AE-7E7E-4FA7-9450-F107CABB6CE1}"/>
+                <a16:creationId xmlns:a16="http://schemas.microsoft.com/office/drawing/2014/main" id="{964D8A2C-101D-4ED6-956D-AC548A7A66AA}"/>
               </a:ext>
             </a:extLst>
           </p:cNvPr>
@@ -5975,7 +5973,7 @@
     </p:spTree>
     <p:extLst>
       <p:ext uri="{BB962C8B-B14F-4D97-AF65-F5344CB8AC3E}">
-        <p14:creationId xmlns:p14="http://schemas.microsoft.com/office/powerpoint/2010/main" val="1914335789"/>
+        <p14:creationId xmlns:p14="http://schemas.microsoft.com/office/powerpoint/2010/main" val="3814987899"/>
       </p:ext>
     </p:extLst>
   </p:cSld>
@@ -6007,7 +6005,7 @@
           <p:cNvPr id="3" name="Grafik 2">
             <a:extLst>
               <a:ext uri="{FF2B5EF4-FFF2-40B4-BE49-F238E27FC236}">
-                <a16:creationId xmlns:a16="http://schemas.microsoft.com/office/drawing/2014/main" id="{CFD454D7-1C68-44D5-8B19-166F1350713E}"/>
+                <a16:creationId xmlns:a16="http://schemas.microsoft.com/office/drawing/2014/main" id="{F2CCD83D-519E-4E4D-8398-5DB74C1C05AA}"/>
               </a:ext>
             </a:extLst>
           </p:cNvPr>
@@ -6041,7 +6039,7 @@
     </p:spTree>
     <p:extLst>
       <p:ext uri="{BB962C8B-B14F-4D97-AF65-F5344CB8AC3E}">
-        <p14:creationId xmlns:p14="http://schemas.microsoft.com/office/powerpoint/2010/main" val="3490191693"/>
+        <p14:creationId xmlns:p14="http://schemas.microsoft.com/office/powerpoint/2010/main" val="2751774563"/>
       </p:ext>
     </p:extLst>
   </p:cSld>
@@ -6073,7 +6071,7 @@
           <p:cNvPr id="3" name="Grafik 2">
             <a:extLst>
               <a:ext uri="{FF2B5EF4-FFF2-40B4-BE49-F238E27FC236}">
-                <a16:creationId xmlns:a16="http://schemas.microsoft.com/office/drawing/2014/main" id="{0481D642-5943-47D2-9550-BFF39C8633AD}"/>
+                <a16:creationId xmlns:a16="http://schemas.microsoft.com/office/drawing/2014/main" id="{71A1B9AE-7E7E-4FA7-9450-F107CABB6CE1}"/>
               </a:ext>
             </a:extLst>
           </p:cNvPr>
@@ -6107,7 +6105,7 @@
     </p:spTree>
     <p:extLst>
       <p:ext uri="{BB962C8B-B14F-4D97-AF65-F5344CB8AC3E}">
-        <p14:creationId xmlns:p14="http://schemas.microsoft.com/office/powerpoint/2010/main" val="375507343"/>
+        <p14:creationId xmlns:p14="http://schemas.microsoft.com/office/powerpoint/2010/main" val="1914335789"/>
       </p:ext>
     </p:extLst>
   </p:cSld>
@@ -6139,7 +6137,7 @@
           <p:cNvPr id="3" name="Grafik 2">
             <a:extLst>
               <a:ext uri="{FF2B5EF4-FFF2-40B4-BE49-F238E27FC236}">
-                <a16:creationId xmlns:a16="http://schemas.microsoft.com/office/drawing/2014/main" id="{FA7A5A9C-C139-4FFF-8172-8E45321D2B4A}"/>
+                <a16:creationId xmlns:a16="http://schemas.microsoft.com/office/drawing/2014/main" id="{CFD454D7-1C68-44D5-8B19-166F1350713E}"/>
               </a:ext>
             </a:extLst>
           </p:cNvPr>
@@ -6173,7 +6171,7 @@
     </p:spTree>
     <p:extLst>
       <p:ext uri="{BB962C8B-B14F-4D97-AF65-F5344CB8AC3E}">
-        <p14:creationId xmlns:p14="http://schemas.microsoft.com/office/powerpoint/2010/main" val="2999412725"/>
+        <p14:creationId xmlns:p14="http://schemas.microsoft.com/office/powerpoint/2010/main" val="3490191693"/>
       </p:ext>
     </p:extLst>
   </p:cSld>
@@ -6205,7 +6203,7 @@
           <p:cNvPr id="3" name="Grafik 2">
             <a:extLst>
               <a:ext uri="{FF2B5EF4-FFF2-40B4-BE49-F238E27FC236}">
-                <a16:creationId xmlns:a16="http://schemas.microsoft.com/office/drawing/2014/main" id="{A21A8053-4DBB-4566-86D3-DF2046414998}"/>
+                <a16:creationId xmlns:a16="http://schemas.microsoft.com/office/drawing/2014/main" id="{0481D642-5943-47D2-9550-BFF39C8633AD}"/>
               </a:ext>
             </a:extLst>
           </p:cNvPr>
@@ -6228,8 +6226,8 @@
         </p:blipFill>
         <p:spPr>
           <a:xfrm>
-            <a:off x="1261258" y="306000"/>
-            <a:ext cx="9669484" cy="6552000"/>
+            <a:off x="776554" y="306000"/>
+            <a:ext cx="10638891" cy="6552000"/>
           </a:xfrm>
           <a:prstGeom prst="rect">
             <a:avLst/>
@@ -6239,7 +6237,7 @@
     </p:spTree>
     <p:extLst>
       <p:ext uri="{BB962C8B-B14F-4D97-AF65-F5344CB8AC3E}">
-        <p14:creationId xmlns:p14="http://schemas.microsoft.com/office/powerpoint/2010/main" val="1727194043"/>
+        <p14:creationId xmlns:p14="http://schemas.microsoft.com/office/powerpoint/2010/main" val="375507343"/>
       </p:ext>
     </p:extLst>
   </p:cSld>
@@ -6271,7 +6269,7 @@
           <p:cNvPr id="3" name="Grafik 2">
             <a:extLst>
               <a:ext uri="{FF2B5EF4-FFF2-40B4-BE49-F238E27FC236}">
-                <a16:creationId xmlns:a16="http://schemas.microsoft.com/office/drawing/2014/main" id="{BEB64302-1DE8-4BFB-9078-9BF4874F2108}"/>
+                <a16:creationId xmlns:a16="http://schemas.microsoft.com/office/drawing/2014/main" id="{FA7A5A9C-C139-4FFF-8172-8E45321D2B4A}"/>
               </a:ext>
             </a:extLst>
           </p:cNvPr>
@@ -6294,8 +6292,8 @@
         </p:blipFill>
         <p:spPr>
           <a:xfrm>
-            <a:off x="1261258" y="306000"/>
-            <a:ext cx="9669484" cy="6552000"/>
+            <a:off x="776554" y="306000"/>
+            <a:ext cx="10638891" cy="6552000"/>
           </a:xfrm>
           <a:prstGeom prst="rect">
             <a:avLst/>
@@ -6305,7 +6303,7 @@
     </p:spTree>
     <p:extLst>
       <p:ext uri="{BB962C8B-B14F-4D97-AF65-F5344CB8AC3E}">
-        <p14:creationId xmlns:p14="http://schemas.microsoft.com/office/powerpoint/2010/main" val="1012225801"/>
+        <p14:creationId xmlns:p14="http://schemas.microsoft.com/office/powerpoint/2010/main" val="2999412725"/>
       </p:ext>
     </p:extLst>
   </p:cSld>
@@ -6337,7 +6335,7 @@
           <p:cNvPr id="3" name="Grafik 2">
             <a:extLst>
               <a:ext uri="{FF2B5EF4-FFF2-40B4-BE49-F238E27FC236}">
-                <a16:creationId xmlns:a16="http://schemas.microsoft.com/office/drawing/2014/main" id="{2B46128D-E3F6-4632-8313-82D9D0DF03A5}"/>
+                <a16:creationId xmlns:a16="http://schemas.microsoft.com/office/drawing/2014/main" id="{A21A8053-4DBB-4566-86D3-DF2046414998}"/>
               </a:ext>
             </a:extLst>
           </p:cNvPr>
@@ -6371,7 +6369,7 @@
     </p:spTree>
     <p:extLst>
       <p:ext uri="{BB962C8B-B14F-4D97-AF65-F5344CB8AC3E}">
-        <p14:creationId xmlns:p14="http://schemas.microsoft.com/office/powerpoint/2010/main" val="2225156658"/>
+        <p14:creationId xmlns:p14="http://schemas.microsoft.com/office/powerpoint/2010/main" val="1727194043"/>
       </p:ext>
     </p:extLst>
   </p:cSld>
@@ -6403,7 +6401,7 @@
           <p:cNvPr id="3" name="Grafik 2">
             <a:extLst>
               <a:ext uri="{FF2B5EF4-FFF2-40B4-BE49-F238E27FC236}">
-                <a16:creationId xmlns:a16="http://schemas.microsoft.com/office/drawing/2014/main" id="{3075C148-F4EE-49F2-892E-EA2F9494575F}"/>
+                <a16:creationId xmlns:a16="http://schemas.microsoft.com/office/drawing/2014/main" id="{BEB64302-1DE8-4BFB-9078-9BF4874F2108}"/>
               </a:ext>
             </a:extLst>
           </p:cNvPr>
@@ -6437,7 +6435,7 @@
     </p:spTree>
     <p:extLst>
       <p:ext uri="{BB962C8B-B14F-4D97-AF65-F5344CB8AC3E}">
-        <p14:creationId xmlns:p14="http://schemas.microsoft.com/office/powerpoint/2010/main" val="2531843303"/>
+        <p14:creationId xmlns:p14="http://schemas.microsoft.com/office/powerpoint/2010/main" val="1012225801"/>
       </p:ext>
     </p:extLst>
   </p:cSld>
@@ -6464,12 +6462,52 @@
           <a:chExt cx="0" cy="0"/>
         </a:xfrm>
       </p:grpSpPr>
+      <p:sp>
+        <p:nvSpPr>
+          <p:cNvPr id="2" name="Titel 1">
+            <a:extLst>
+              <a:ext uri="{FF2B5EF4-FFF2-40B4-BE49-F238E27FC236}">
+                <a16:creationId xmlns:a16="http://schemas.microsoft.com/office/drawing/2014/main" id="{5256B1C5-1D4C-4D98-8251-FCEF7F539467}"/>
+              </a:ext>
+            </a:extLst>
+          </p:cNvPr>
+          <p:cNvSpPr>
+            <a:spLocks noGrp="1"/>
+          </p:cNvSpPr>
+          <p:nvPr>
+            <p:ph type="title"/>
+          </p:nvPr>
+        </p:nvSpPr>
+        <p:spPr>
+          <a:xfrm>
+            <a:off x="261146" y="0"/>
+            <a:ext cx="10515600" cy="1325563"/>
+          </a:xfrm>
+        </p:spPr>
+        <p:txBody>
+          <a:bodyPr>
+            <a:normAutofit/>
+          </a:bodyPr>
+          <a:lstStyle/>
+          <a:p>
+            <a:r>
+              <a:rPr lang="de-DE" sz="4000" dirty="0" err="1">
+                <a:latin typeface="Consolas" panose="020B0609020204030204" pitchFamily="49" charset="0"/>
+              </a:rPr>
+              <a:t>edu.kit.loop.controller</a:t>
+            </a:r>
+            <a:endParaRPr lang="de-DE" sz="4000" dirty="0">
+              <a:latin typeface="Consolas" panose="020B0609020204030204" pitchFamily="49" charset="0"/>
+            </a:endParaRPr>
+          </a:p>
+        </p:txBody>
+      </p:sp>
       <p:pic>
         <p:nvPicPr>
-          <p:cNvPr id="3" name="Grafik 2">
-            <a:extLst>
-              <a:ext uri="{FF2B5EF4-FFF2-40B4-BE49-F238E27FC236}">
-                <a16:creationId xmlns:a16="http://schemas.microsoft.com/office/drawing/2014/main" id="{2B02331F-CA81-433E-AED5-F4F994468F6F}"/>
+          <p:cNvPr id="4" name="Grafik 3">
+            <a:extLst>
+              <a:ext uri="{FF2B5EF4-FFF2-40B4-BE49-F238E27FC236}">
+                <a16:creationId xmlns:a16="http://schemas.microsoft.com/office/drawing/2014/main" id="{02B4A6A7-27D8-4132-B08F-0714853EB9F8}"/>
               </a:ext>
             </a:extLst>
           </p:cNvPr>
@@ -6492,8 +6530,8 @@
         </p:blipFill>
         <p:spPr>
           <a:xfrm>
-            <a:off x="2088466" y="306000"/>
-            <a:ext cx="8015068" cy="6552000"/>
+            <a:off x="839191" y="1142053"/>
+            <a:ext cx="10513618" cy="5472000"/>
           </a:xfrm>
           <a:prstGeom prst="rect">
             <a:avLst/>
@@ -6503,7 +6541,7 @@
     </p:spTree>
     <p:extLst>
       <p:ext uri="{BB962C8B-B14F-4D97-AF65-F5344CB8AC3E}">
-        <p14:creationId xmlns:p14="http://schemas.microsoft.com/office/powerpoint/2010/main" val="1525473323"/>
+        <p14:creationId xmlns:p14="http://schemas.microsoft.com/office/powerpoint/2010/main" val="3373265405"/>
       </p:ext>
     </p:extLst>
   </p:cSld>
@@ -6535,7 +6573,7 @@
           <p:cNvPr id="3" name="Grafik 2">
             <a:extLst>
               <a:ext uri="{FF2B5EF4-FFF2-40B4-BE49-F238E27FC236}">
-                <a16:creationId xmlns:a16="http://schemas.microsoft.com/office/drawing/2014/main" id="{2D75C20E-64CD-40CC-8F0A-594979C22659}"/>
+                <a16:creationId xmlns:a16="http://schemas.microsoft.com/office/drawing/2014/main" id="{2B46128D-E3F6-4632-8313-82D9D0DF03A5}"/>
               </a:ext>
             </a:extLst>
           </p:cNvPr>
@@ -6569,7 +6607,7 @@
     </p:spTree>
     <p:extLst>
       <p:ext uri="{BB962C8B-B14F-4D97-AF65-F5344CB8AC3E}">
-        <p14:creationId xmlns:p14="http://schemas.microsoft.com/office/powerpoint/2010/main" val="86036917"/>
+        <p14:creationId xmlns:p14="http://schemas.microsoft.com/office/powerpoint/2010/main" val="2225156658"/>
       </p:ext>
     </p:extLst>
   </p:cSld>
@@ -6601,7 +6639,7 @@
           <p:cNvPr id="3" name="Grafik 2">
             <a:extLst>
               <a:ext uri="{FF2B5EF4-FFF2-40B4-BE49-F238E27FC236}">
-                <a16:creationId xmlns:a16="http://schemas.microsoft.com/office/drawing/2014/main" id="{C3EA840B-6A6D-4CFD-BA1C-FBAD29FC109D}"/>
+                <a16:creationId xmlns:a16="http://schemas.microsoft.com/office/drawing/2014/main" id="{3075C148-F4EE-49F2-892E-EA2F9494575F}"/>
               </a:ext>
             </a:extLst>
           </p:cNvPr>
@@ -6635,7 +6673,7 @@
     </p:spTree>
     <p:extLst>
       <p:ext uri="{BB962C8B-B14F-4D97-AF65-F5344CB8AC3E}">
-        <p14:creationId xmlns:p14="http://schemas.microsoft.com/office/powerpoint/2010/main" val="3032359441"/>
+        <p14:creationId xmlns:p14="http://schemas.microsoft.com/office/powerpoint/2010/main" val="2531843303"/>
       </p:ext>
     </p:extLst>
   </p:cSld>
@@ -6667,7 +6705,7 @@
           <p:cNvPr id="3" name="Grafik 2">
             <a:extLst>
               <a:ext uri="{FF2B5EF4-FFF2-40B4-BE49-F238E27FC236}">
-                <a16:creationId xmlns:a16="http://schemas.microsoft.com/office/drawing/2014/main" id="{668F813D-FEE7-4BB4-975C-CB9D49480EA1}"/>
+                <a16:creationId xmlns:a16="http://schemas.microsoft.com/office/drawing/2014/main" id="{2D75C20E-64CD-40CC-8F0A-594979C22659}"/>
               </a:ext>
             </a:extLst>
           </p:cNvPr>
@@ -6701,7 +6739,7 @@
     </p:spTree>
     <p:extLst>
       <p:ext uri="{BB962C8B-B14F-4D97-AF65-F5344CB8AC3E}">
-        <p14:creationId xmlns:p14="http://schemas.microsoft.com/office/powerpoint/2010/main" val="1348040017"/>
+        <p14:creationId xmlns:p14="http://schemas.microsoft.com/office/powerpoint/2010/main" val="86036917"/>
       </p:ext>
     </p:extLst>
   </p:cSld>
@@ -6730,10 +6768,10 @@
       </p:grpSpPr>
       <p:pic>
         <p:nvPicPr>
-          <p:cNvPr id="4" name="Grafik 3">
-            <a:extLst>
-              <a:ext uri="{FF2B5EF4-FFF2-40B4-BE49-F238E27FC236}">
-                <a16:creationId xmlns:a16="http://schemas.microsoft.com/office/drawing/2014/main" id="{4004FC69-9378-4C33-A249-CC4871539DB9}"/>
+          <p:cNvPr id="3" name="Grafik 2">
+            <a:extLst>
+              <a:ext uri="{FF2B5EF4-FFF2-40B4-BE49-F238E27FC236}">
+                <a16:creationId xmlns:a16="http://schemas.microsoft.com/office/drawing/2014/main" id="{C3EA840B-6A6D-4CFD-BA1C-FBAD29FC109D}"/>
               </a:ext>
             </a:extLst>
           </p:cNvPr>
@@ -6756,8 +6794,8 @@
         </p:blipFill>
         <p:spPr>
           <a:xfrm>
-            <a:off x="730582" y="306000"/>
-            <a:ext cx="10730835" cy="6552000"/>
+            <a:off x="1261258" y="306000"/>
+            <a:ext cx="9669484" cy="6552000"/>
           </a:xfrm>
           <a:prstGeom prst="rect">
             <a:avLst/>
@@ -6767,7 +6805,7 @@
     </p:spTree>
     <p:extLst>
       <p:ext uri="{BB962C8B-B14F-4D97-AF65-F5344CB8AC3E}">
-        <p14:creationId xmlns:p14="http://schemas.microsoft.com/office/powerpoint/2010/main" val="4210936950"/>
+        <p14:creationId xmlns:p14="http://schemas.microsoft.com/office/powerpoint/2010/main" val="3032359441"/>
       </p:ext>
     </p:extLst>
   </p:cSld>
@@ -6796,10 +6834,10 @@
       </p:grpSpPr>
       <p:pic>
         <p:nvPicPr>
-          <p:cNvPr id="4" name="Grafik 3">
-            <a:extLst>
-              <a:ext uri="{FF2B5EF4-FFF2-40B4-BE49-F238E27FC236}">
-                <a16:creationId xmlns:a16="http://schemas.microsoft.com/office/drawing/2014/main" id="{428C93EB-A49A-4966-8891-DEF2146CF3B7}"/>
+          <p:cNvPr id="3" name="Grafik 2">
+            <a:extLst>
+              <a:ext uri="{FF2B5EF4-FFF2-40B4-BE49-F238E27FC236}">
+                <a16:creationId xmlns:a16="http://schemas.microsoft.com/office/drawing/2014/main" id="{668F813D-FEE7-4BB4-975C-CB9D49480EA1}"/>
               </a:ext>
             </a:extLst>
           </p:cNvPr>
@@ -6822,8 +6860,8 @@
         </p:blipFill>
         <p:spPr>
           <a:xfrm>
-            <a:off x="730582" y="306000"/>
-            <a:ext cx="10730835" cy="6552000"/>
+            <a:off x="1261258" y="306000"/>
+            <a:ext cx="9669484" cy="6552000"/>
           </a:xfrm>
           <a:prstGeom prst="rect">
             <a:avLst/>
@@ -6833,7 +6871,7 @@
     </p:spTree>
     <p:extLst>
       <p:ext uri="{BB962C8B-B14F-4D97-AF65-F5344CB8AC3E}">
-        <p14:creationId xmlns:p14="http://schemas.microsoft.com/office/powerpoint/2010/main" val="1322798610"/>
+        <p14:creationId xmlns:p14="http://schemas.microsoft.com/office/powerpoint/2010/main" val="1348040017"/>
       </p:ext>
     </p:extLst>
   </p:cSld>
@@ -6865,7 +6903,7 @@
           <p:cNvPr id="4" name="Grafik 3">
             <a:extLst>
               <a:ext uri="{FF2B5EF4-FFF2-40B4-BE49-F238E27FC236}">
-                <a16:creationId xmlns:a16="http://schemas.microsoft.com/office/drawing/2014/main" id="{78C2DC3D-CD33-4FE1-9E0C-020457661937}"/>
+                <a16:creationId xmlns:a16="http://schemas.microsoft.com/office/drawing/2014/main" id="{4004FC69-9378-4C33-A249-CC4871539DB9}"/>
               </a:ext>
             </a:extLst>
           </p:cNvPr>
@@ -6899,7 +6937,7 @@
     </p:spTree>
     <p:extLst>
       <p:ext uri="{BB962C8B-B14F-4D97-AF65-F5344CB8AC3E}">
-        <p14:creationId xmlns:p14="http://schemas.microsoft.com/office/powerpoint/2010/main" val="2166615856"/>
+        <p14:creationId xmlns:p14="http://schemas.microsoft.com/office/powerpoint/2010/main" val="4210936950"/>
       </p:ext>
     </p:extLst>
   </p:cSld>
@@ -6931,7 +6969,7 @@
           <p:cNvPr id="4" name="Grafik 3">
             <a:extLst>
               <a:ext uri="{FF2B5EF4-FFF2-40B4-BE49-F238E27FC236}">
-                <a16:creationId xmlns:a16="http://schemas.microsoft.com/office/drawing/2014/main" id="{821B5C61-53D9-4430-BEDA-F43E94D1FD11}"/>
+                <a16:creationId xmlns:a16="http://schemas.microsoft.com/office/drawing/2014/main" id="{428C93EB-A49A-4966-8891-DEF2146CF3B7}"/>
               </a:ext>
             </a:extLst>
           </p:cNvPr>
@@ -6965,7 +7003,7 @@
     </p:spTree>
     <p:extLst>
       <p:ext uri="{BB962C8B-B14F-4D97-AF65-F5344CB8AC3E}">
-        <p14:creationId xmlns:p14="http://schemas.microsoft.com/office/powerpoint/2010/main" val="2403895251"/>
+        <p14:creationId xmlns:p14="http://schemas.microsoft.com/office/powerpoint/2010/main" val="1322798610"/>
       </p:ext>
     </p:extLst>
   </p:cSld>
@@ -6992,52 +7030,12 @@
           <a:chExt cx="0" cy="0"/>
         </a:xfrm>
       </p:grpSpPr>
-      <p:sp>
-        <p:nvSpPr>
-          <p:cNvPr id="2" name="Titel 1">
-            <a:extLst>
-              <a:ext uri="{FF2B5EF4-FFF2-40B4-BE49-F238E27FC236}">
-                <a16:creationId xmlns:a16="http://schemas.microsoft.com/office/drawing/2014/main" id="{DF218E8B-3735-443A-B97C-E2F93D818331}"/>
-              </a:ext>
-            </a:extLst>
-          </p:cNvPr>
-          <p:cNvSpPr>
-            <a:spLocks noGrp="1"/>
-          </p:cNvSpPr>
-          <p:nvPr>
-            <p:ph type="title"/>
-          </p:nvPr>
-        </p:nvSpPr>
-        <p:spPr>
-          <a:xfrm>
-            <a:off x="838200" y="1140"/>
-            <a:ext cx="10515600" cy="1325563"/>
-          </a:xfrm>
-        </p:spPr>
-        <p:txBody>
-          <a:bodyPr>
-            <a:normAutofit/>
-          </a:bodyPr>
-          <a:lstStyle/>
-          <a:p>
-            <a:r>
-              <a:rPr lang="de-DE" sz="4000" dirty="0" err="1">
-                <a:latin typeface="Consolas" panose="020B0609020204030204" pitchFamily="49" charset="0"/>
-              </a:rPr>
-              <a:t>edu.kit.loop.model.simulationengine</a:t>
-            </a:r>
-            <a:endParaRPr lang="de-DE" sz="4000" dirty="0">
-              <a:latin typeface="Consolas" panose="020B0609020204030204" pitchFamily="49" charset="0"/>
-            </a:endParaRPr>
-          </a:p>
-        </p:txBody>
-      </p:sp>
       <p:pic>
         <p:nvPicPr>
           <p:cNvPr id="4" name="Grafik 3">
             <a:extLst>
               <a:ext uri="{FF2B5EF4-FFF2-40B4-BE49-F238E27FC236}">
-                <a16:creationId xmlns:a16="http://schemas.microsoft.com/office/drawing/2014/main" id="{08387CBC-C73A-426E-98AE-2E2A83203B88}"/>
+                <a16:creationId xmlns:a16="http://schemas.microsoft.com/office/drawing/2014/main" id="{78C2DC3D-CD33-4FE1-9E0C-020457661937}"/>
               </a:ext>
             </a:extLst>
           </p:cNvPr>
@@ -7060,8 +7058,8 @@
         </p:blipFill>
         <p:spPr>
           <a:xfrm>
-            <a:off x="165716" y="1326703"/>
-            <a:ext cx="11860567" cy="5176711"/>
+            <a:off x="730582" y="306000"/>
+            <a:ext cx="10730835" cy="6552000"/>
           </a:xfrm>
           <a:prstGeom prst="rect">
             <a:avLst/>
@@ -7071,7 +7069,7 @@
     </p:spTree>
     <p:extLst>
       <p:ext uri="{BB962C8B-B14F-4D97-AF65-F5344CB8AC3E}">
-        <p14:creationId xmlns:p14="http://schemas.microsoft.com/office/powerpoint/2010/main" val="1914574648"/>
+        <p14:creationId xmlns:p14="http://schemas.microsoft.com/office/powerpoint/2010/main" val="2166615856"/>
       </p:ext>
     </p:extLst>
   </p:cSld>
@@ -7100,6 +7098,244 @@
       </p:grpSpPr>
       <p:pic>
         <p:nvPicPr>
+          <p:cNvPr id="4" name="Grafik 3">
+            <a:extLst>
+              <a:ext uri="{FF2B5EF4-FFF2-40B4-BE49-F238E27FC236}">
+                <a16:creationId xmlns:a16="http://schemas.microsoft.com/office/drawing/2014/main" id="{821B5C61-53D9-4430-BEDA-F43E94D1FD11}"/>
+              </a:ext>
+            </a:extLst>
+          </p:cNvPr>
+          <p:cNvPicPr>
+            <a:picLocks noChangeAspect="1"/>
+          </p:cNvPicPr>
+          <p:nvPr/>
+        </p:nvPicPr>
+        <p:blipFill>
+          <a:blip r:embed="rId2">
+            <a:extLst>
+              <a:ext uri="{28A0092B-C50C-407E-A947-70E740481C1C}">
+                <a14:useLocalDpi xmlns:a14="http://schemas.microsoft.com/office/drawing/2010/main" val="0"/>
+              </a:ext>
+            </a:extLst>
+          </a:blip>
+          <a:stretch>
+            <a:fillRect/>
+          </a:stretch>
+        </p:blipFill>
+        <p:spPr>
+          <a:xfrm>
+            <a:off x="730582" y="306000"/>
+            <a:ext cx="10730835" cy="6552000"/>
+          </a:xfrm>
+          <a:prstGeom prst="rect">
+            <a:avLst/>
+          </a:prstGeom>
+        </p:spPr>
+      </p:pic>
+    </p:spTree>
+    <p:extLst>
+      <p:ext uri="{BB962C8B-B14F-4D97-AF65-F5344CB8AC3E}">
+        <p14:creationId xmlns:p14="http://schemas.microsoft.com/office/powerpoint/2010/main" val="2403895251"/>
+      </p:ext>
+    </p:extLst>
+  </p:cSld>
+  <p:clrMapOvr>
+    <a:masterClrMapping/>
+  </p:clrMapOvr>
+</p:sld>
+</file>
+
+<file path=ppt/slides/slide59.xml><?xml version="1.0" encoding="utf-8"?>
+<p:sld xmlns:a="http://schemas.openxmlformats.org/drawingml/2006/main" xmlns:r="http://schemas.openxmlformats.org/officeDocument/2006/relationships" xmlns:p="http://schemas.openxmlformats.org/presentationml/2006/main">
+  <p:cSld>
+    <p:spTree>
+      <p:nvGrpSpPr>
+        <p:cNvPr id="1" name=""/>
+        <p:cNvGrpSpPr/>
+        <p:nvPr/>
+      </p:nvGrpSpPr>
+      <p:grpSpPr>
+        <a:xfrm>
+          <a:off x="0" y="0"/>
+          <a:ext cx="0" cy="0"/>
+          <a:chOff x="0" y="0"/>
+          <a:chExt cx="0" cy="0"/>
+        </a:xfrm>
+      </p:grpSpPr>
+      <p:sp>
+        <p:nvSpPr>
+          <p:cNvPr id="2" name="Titel 1">
+            <a:extLst>
+              <a:ext uri="{FF2B5EF4-FFF2-40B4-BE49-F238E27FC236}">
+                <a16:creationId xmlns:a16="http://schemas.microsoft.com/office/drawing/2014/main" id="{DF218E8B-3735-443A-B97C-E2F93D818331}"/>
+              </a:ext>
+            </a:extLst>
+          </p:cNvPr>
+          <p:cNvSpPr>
+            <a:spLocks noGrp="1"/>
+          </p:cNvSpPr>
+          <p:nvPr>
+            <p:ph type="title"/>
+          </p:nvPr>
+        </p:nvSpPr>
+        <p:spPr>
+          <a:xfrm>
+            <a:off x="838200" y="1140"/>
+            <a:ext cx="10515600" cy="1325563"/>
+          </a:xfrm>
+        </p:spPr>
+        <p:txBody>
+          <a:bodyPr>
+            <a:normAutofit/>
+          </a:bodyPr>
+          <a:lstStyle/>
+          <a:p>
+            <a:r>
+              <a:rPr lang="de-DE" sz="4000" dirty="0" err="1">
+                <a:latin typeface="Consolas" panose="020B0609020204030204" pitchFamily="49" charset="0"/>
+              </a:rPr>
+              <a:t>edu.kit.loop.model.simulationengine</a:t>
+            </a:r>
+            <a:endParaRPr lang="de-DE" sz="4000" dirty="0">
+              <a:latin typeface="Consolas" panose="020B0609020204030204" pitchFamily="49" charset="0"/>
+            </a:endParaRPr>
+          </a:p>
+        </p:txBody>
+      </p:sp>
+      <p:pic>
+        <p:nvPicPr>
+          <p:cNvPr id="4" name="Grafik 3">
+            <a:extLst>
+              <a:ext uri="{FF2B5EF4-FFF2-40B4-BE49-F238E27FC236}">
+                <a16:creationId xmlns:a16="http://schemas.microsoft.com/office/drawing/2014/main" id="{08387CBC-C73A-426E-98AE-2E2A83203B88}"/>
+              </a:ext>
+            </a:extLst>
+          </p:cNvPr>
+          <p:cNvPicPr>
+            <a:picLocks noChangeAspect="1"/>
+          </p:cNvPicPr>
+          <p:nvPr/>
+        </p:nvPicPr>
+        <p:blipFill>
+          <a:blip r:embed="rId2">
+            <a:extLst>
+              <a:ext uri="{28A0092B-C50C-407E-A947-70E740481C1C}">
+                <a14:useLocalDpi xmlns:a14="http://schemas.microsoft.com/office/drawing/2010/main" val="0"/>
+              </a:ext>
+            </a:extLst>
+          </a:blip>
+          <a:stretch>
+            <a:fillRect/>
+          </a:stretch>
+        </p:blipFill>
+        <p:spPr>
+          <a:xfrm>
+            <a:off x="165716" y="1326703"/>
+            <a:ext cx="11860567" cy="5176711"/>
+          </a:xfrm>
+          <a:prstGeom prst="rect">
+            <a:avLst/>
+          </a:prstGeom>
+        </p:spPr>
+      </p:pic>
+    </p:spTree>
+    <p:extLst>
+      <p:ext uri="{BB962C8B-B14F-4D97-AF65-F5344CB8AC3E}">
+        <p14:creationId xmlns:p14="http://schemas.microsoft.com/office/powerpoint/2010/main" val="1914574648"/>
+      </p:ext>
+    </p:extLst>
+  </p:cSld>
+  <p:clrMapOvr>
+    <a:masterClrMapping/>
+  </p:clrMapOvr>
+</p:sld>
+</file>
+
+<file path=ppt/slides/slide6.xml><?xml version="1.0" encoding="utf-8"?>
+<p:sld xmlns:a="http://schemas.openxmlformats.org/drawingml/2006/main" xmlns:r="http://schemas.openxmlformats.org/officeDocument/2006/relationships" xmlns:p="http://schemas.openxmlformats.org/presentationml/2006/main">
+  <p:cSld>
+    <p:spTree>
+      <p:nvGrpSpPr>
+        <p:cNvPr id="1" name=""/>
+        <p:cNvGrpSpPr/>
+        <p:nvPr/>
+      </p:nvGrpSpPr>
+      <p:grpSpPr>
+        <a:xfrm>
+          <a:off x="0" y="0"/>
+          <a:ext cx="0" cy="0"/>
+          <a:chOff x="0" y="0"/>
+          <a:chExt cx="0" cy="0"/>
+        </a:xfrm>
+      </p:grpSpPr>
+      <p:pic>
+        <p:nvPicPr>
+          <p:cNvPr id="8" name="Grafik 7">
+            <a:extLst>
+              <a:ext uri="{FF2B5EF4-FFF2-40B4-BE49-F238E27FC236}">
+                <a16:creationId xmlns:a16="http://schemas.microsoft.com/office/drawing/2014/main" id="{78ABB330-FF23-43B4-9484-2525861F7C32}"/>
+              </a:ext>
+            </a:extLst>
+          </p:cNvPr>
+          <p:cNvPicPr>
+            <a:picLocks noChangeAspect="1"/>
+          </p:cNvPicPr>
+          <p:nvPr/>
+        </p:nvPicPr>
+        <p:blipFill>
+          <a:blip r:embed="rId2">
+            <a:extLst>
+              <a:ext uri="{28A0092B-C50C-407E-A947-70E740481C1C}">
+                <a14:useLocalDpi xmlns:a14="http://schemas.microsoft.com/office/drawing/2010/main" val="0"/>
+              </a:ext>
+            </a:extLst>
+          </a:blip>
+          <a:stretch>
+            <a:fillRect/>
+          </a:stretch>
+        </p:blipFill>
+        <p:spPr>
+          <a:xfrm>
+            <a:off x="2088466" y="306000"/>
+            <a:ext cx="8015068" cy="6552000"/>
+          </a:xfrm>
+          <a:prstGeom prst="rect">
+            <a:avLst/>
+          </a:prstGeom>
+        </p:spPr>
+      </p:pic>
+    </p:spTree>
+    <p:extLst>
+      <p:ext uri="{BB962C8B-B14F-4D97-AF65-F5344CB8AC3E}">
+        <p14:creationId xmlns:p14="http://schemas.microsoft.com/office/powerpoint/2010/main" val="2158313476"/>
+      </p:ext>
+    </p:extLst>
+  </p:cSld>
+  <p:clrMapOvr>
+    <a:masterClrMapping/>
+  </p:clrMapOvr>
+</p:sld>
+</file>
+
+<file path=ppt/slides/slide60.xml><?xml version="1.0" encoding="utf-8"?>
+<p:sld xmlns:a="http://schemas.openxmlformats.org/drawingml/2006/main" xmlns:r="http://schemas.openxmlformats.org/officeDocument/2006/relationships" xmlns:p="http://schemas.openxmlformats.org/presentationml/2006/main">
+  <p:cSld>
+    <p:spTree>
+      <p:nvGrpSpPr>
+        <p:cNvPr id="1" name=""/>
+        <p:cNvGrpSpPr/>
+        <p:nvPr/>
+      </p:nvGrpSpPr>
+      <p:grpSpPr>
+        <a:xfrm>
+          <a:off x="0" y="0"/>
+          <a:ext cx="0" cy="0"/>
+          <a:chOff x="0" y="0"/>
+          <a:chExt cx="0" cy="0"/>
+        </a:xfrm>
+      </p:grpSpPr>
+      <p:pic>
+        <p:nvPicPr>
           <p:cNvPr id="22" name="Grafik 21">
             <a:extLst>
               <a:ext uri="{FF2B5EF4-FFF2-40B4-BE49-F238E27FC236}">
@@ -7146,7 +7382,7 @@
 </p:sld>
 </file>
 
-<file path=ppt/slides/slide59.xml><?xml version="1.0" encoding="utf-8"?>
+<file path=ppt/slides/slide61.xml><?xml version="1.0" encoding="utf-8"?>
 <p:sld xmlns:a="http://schemas.openxmlformats.org/drawingml/2006/main" xmlns:r="http://schemas.openxmlformats.org/officeDocument/2006/relationships" xmlns:p="http://schemas.openxmlformats.org/presentationml/2006/main">
   <p:cSld>
     <p:spTree>
@@ -8622,73 +8858,7 @@
 </p:sld>
 </file>
 
-<file path=ppt/slides/slide6.xml><?xml version="1.0" encoding="utf-8"?>
-<p:sld xmlns:a="http://schemas.openxmlformats.org/drawingml/2006/main" xmlns:r="http://schemas.openxmlformats.org/officeDocument/2006/relationships" xmlns:p="http://schemas.openxmlformats.org/presentationml/2006/main">
-  <p:cSld>
-    <p:spTree>
-      <p:nvGrpSpPr>
-        <p:cNvPr id="1" name=""/>
-        <p:cNvGrpSpPr/>
-        <p:nvPr/>
-      </p:nvGrpSpPr>
-      <p:grpSpPr>
-        <a:xfrm>
-          <a:off x="0" y="0"/>
-          <a:ext cx="0" cy="0"/>
-          <a:chOff x="0" y="0"/>
-          <a:chExt cx="0" cy="0"/>
-        </a:xfrm>
-      </p:grpSpPr>
-      <p:pic>
-        <p:nvPicPr>
-          <p:cNvPr id="3" name="Grafik 2">
-            <a:extLst>
-              <a:ext uri="{FF2B5EF4-FFF2-40B4-BE49-F238E27FC236}">
-                <a16:creationId xmlns:a16="http://schemas.microsoft.com/office/drawing/2014/main" id="{384E351F-96DC-40F7-8B7A-C1FF70F57C57}"/>
-              </a:ext>
-            </a:extLst>
-          </p:cNvPr>
-          <p:cNvPicPr>
-            <a:picLocks noChangeAspect="1"/>
-          </p:cNvPicPr>
-          <p:nvPr/>
-        </p:nvPicPr>
-        <p:blipFill>
-          <a:blip r:embed="rId2">
-            <a:extLst>
-              <a:ext uri="{28A0092B-C50C-407E-A947-70E740481C1C}">
-                <a14:useLocalDpi xmlns:a14="http://schemas.microsoft.com/office/drawing/2010/main" val="0"/>
-              </a:ext>
-            </a:extLst>
-          </a:blip>
-          <a:stretch>
-            <a:fillRect/>
-          </a:stretch>
-        </p:blipFill>
-        <p:spPr>
-          <a:xfrm>
-            <a:off x="2088466" y="306000"/>
-            <a:ext cx="8015068" cy="6552000"/>
-          </a:xfrm>
-          <a:prstGeom prst="rect">
-            <a:avLst/>
-          </a:prstGeom>
-        </p:spPr>
-      </p:pic>
-    </p:spTree>
-    <p:extLst>
-      <p:ext uri="{BB962C8B-B14F-4D97-AF65-F5344CB8AC3E}">
-        <p14:creationId xmlns:p14="http://schemas.microsoft.com/office/powerpoint/2010/main" val="3736706911"/>
-      </p:ext>
-    </p:extLst>
-  </p:cSld>
-  <p:clrMapOvr>
-    <a:masterClrMapping/>
-  </p:clrMapOvr>
-</p:sld>
-</file>
-
-<file path=ppt/slides/slide60.xml><?xml version="1.0" encoding="utf-8"?>
+<file path=ppt/slides/slide62.xml><?xml version="1.0" encoding="utf-8"?>
 <p:sld xmlns:a="http://schemas.openxmlformats.org/drawingml/2006/main" xmlns:r="http://schemas.openxmlformats.org/officeDocument/2006/relationships" xmlns:p="http://schemas.openxmlformats.org/presentationml/2006/main">
   <p:cSld>
     <p:spTree>
@@ -8794,7 +8964,7 @@
 </p:sld>
 </file>
 
-<file path=ppt/slides/slide61.xml><?xml version="1.0" encoding="utf-8"?>
+<file path=ppt/slides/slide63.xml><?xml version="1.0" encoding="utf-8"?>
 <p:sld xmlns:a="http://schemas.openxmlformats.org/drawingml/2006/main" xmlns:r="http://schemas.openxmlformats.org/officeDocument/2006/relationships" xmlns:p="http://schemas.openxmlformats.org/presentationml/2006/main">
   <p:cSld>
     <p:spTree>
@@ -8922,7 +9092,7 @@
           <p:cNvPr id="3" name="Grafik 2">
             <a:extLst>
               <a:ext uri="{FF2B5EF4-FFF2-40B4-BE49-F238E27FC236}">
-                <a16:creationId xmlns:a16="http://schemas.microsoft.com/office/drawing/2014/main" id="{116E6027-00A7-4843-89F0-1D53D6F6E07E}"/>
+                <a16:creationId xmlns:a16="http://schemas.microsoft.com/office/drawing/2014/main" id="{2B02331F-CA81-433E-AED5-F4F994468F6F}"/>
               </a:ext>
             </a:extLst>
           </p:cNvPr>
@@ -8956,7 +9126,7 @@
     </p:spTree>
     <p:extLst>
       <p:ext uri="{BB962C8B-B14F-4D97-AF65-F5344CB8AC3E}">
-        <p14:creationId xmlns:p14="http://schemas.microsoft.com/office/powerpoint/2010/main" val="4019217320"/>
+        <p14:creationId xmlns:p14="http://schemas.microsoft.com/office/powerpoint/2010/main" val="1525473323"/>
       </p:ext>
     </p:extLst>
   </p:cSld>
@@ -8988,7 +9158,7 @@
           <p:cNvPr id="3" name="Grafik 2">
             <a:extLst>
               <a:ext uri="{FF2B5EF4-FFF2-40B4-BE49-F238E27FC236}">
-                <a16:creationId xmlns:a16="http://schemas.microsoft.com/office/drawing/2014/main" id="{28AAE5AB-1204-4446-BA6D-FEB60AE8231A}"/>
+                <a16:creationId xmlns:a16="http://schemas.microsoft.com/office/drawing/2014/main" id="{384E351F-96DC-40F7-8B7A-C1FF70F57C57}"/>
               </a:ext>
             </a:extLst>
           </p:cNvPr>
@@ -9022,7 +9192,7 @@
     </p:spTree>
     <p:extLst>
       <p:ext uri="{BB962C8B-B14F-4D97-AF65-F5344CB8AC3E}">
-        <p14:creationId xmlns:p14="http://schemas.microsoft.com/office/powerpoint/2010/main" val="4082579492"/>
+        <p14:creationId xmlns:p14="http://schemas.microsoft.com/office/powerpoint/2010/main" val="3736706911"/>
       </p:ext>
     </p:extLst>
   </p:cSld>
@@ -9054,7 +9224,7 @@
           <p:cNvPr id="3" name="Grafik 2">
             <a:extLst>
               <a:ext uri="{FF2B5EF4-FFF2-40B4-BE49-F238E27FC236}">
-                <a16:creationId xmlns:a16="http://schemas.microsoft.com/office/drawing/2014/main" id="{49D6FE55-9EE3-495D-BAAC-C441770FFD77}"/>
+                <a16:creationId xmlns:a16="http://schemas.microsoft.com/office/drawing/2014/main" id="{116E6027-00A7-4843-89F0-1D53D6F6E07E}"/>
               </a:ext>
             </a:extLst>
           </p:cNvPr>
@@ -9088,7 +9258,7 @@
     </p:spTree>
     <p:extLst>
       <p:ext uri="{BB962C8B-B14F-4D97-AF65-F5344CB8AC3E}">
-        <p14:creationId xmlns:p14="http://schemas.microsoft.com/office/powerpoint/2010/main" val="3521096980"/>
+        <p14:creationId xmlns:p14="http://schemas.microsoft.com/office/powerpoint/2010/main" val="4019217320"/>
       </p:ext>
     </p:extLst>
   </p:cSld>
